--- a/VM524/PROJ/report.pptx
+++ b/VM524/PROJ/report.pptx
@@ -5,16 +5,18 @@
     <p:sldMasterId id="2147483677" r:id="rId1"/>
   </p:sldMasterIdLst>
   <p:notesMasterIdLst>
-    <p:notesMasterId r:id="rId9"/>
+    <p:notesMasterId r:id="rId11"/>
   </p:notesMasterIdLst>
   <p:sldIdLst>
     <p:sldId id="256" r:id="rId2"/>
     <p:sldId id="257" r:id="rId3"/>
     <p:sldId id="258" r:id="rId4"/>
     <p:sldId id="259" r:id="rId5"/>
-    <p:sldId id="260" r:id="rId6"/>
-    <p:sldId id="262" r:id="rId7"/>
-    <p:sldId id="261" r:id="rId8"/>
+    <p:sldId id="262" r:id="rId6"/>
+    <p:sldId id="266" r:id="rId7"/>
+    <p:sldId id="263" r:id="rId8"/>
+    <p:sldId id="264" r:id="rId9"/>
+    <p:sldId id="261" r:id="rId10"/>
   </p:sldIdLst>
   <p:sldSz cx="12192000" cy="6858000"/>
   <p:notesSz cx="6858000" cy="9144000"/>
@@ -113,6 +115,11 @@
       </a:defRPr>
     </a:lvl9pPr>
   </p:defaultTextStyle>
+  <p:extLst>
+    <p:ext uri="{EFAFB233-063F-42B5-8137-9DF3F51BA10A}">
+      <p15:sldGuideLst xmlns:p15="http://schemas.microsoft.com/office/powerpoint/2012/main"/>
+    </p:ext>
+  </p:extLst>
 </p:presentation>
 </file>
 
@@ -625,90 +632,6 @@
     <p:extLst>
       <p:ext uri="{BB962C8B-B14F-4D97-AF65-F5344CB8AC3E}">
         <p14:creationId xmlns:p14="http://schemas.microsoft.com/office/powerpoint/2010/main" val="1110130541"/>
-      </p:ext>
-    </p:extLst>
-  </p:cSld>
-  <p:clrMapOvr>
-    <a:masterClrMapping/>
-  </p:clrMapOvr>
-</p:notes>
-</file>
-
-<file path=ppt/notesSlides/notesSlide3.xml><?xml version="1.0" encoding="utf-8"?>
-<p:notes xmlns:a="http://schemas.openxmlformats.org/drawingml/2006/main" xmlns:r="http://schemas.openxmlformats.org/officeDocument/2006/relationships" xmlns:p="http://schemas.openxmlformats.org/presentationml/2006/main">
-  <p:cSld>
-    <p:spTree>
-      <p:nvGrpSpPr>
-        <p:cNvPr id="1" name=""/>
-        <p:cNvGrpSpPr/>
-        <p:nvPr/>
-      </p:nvGrpSpPr>
-      <p:grpSpPr>
-        <a:xfrm>
-          <a:off x="0" y="0"/>
-          <a:ext cx="0" cy="0"/>
-          <a:chOff x="0" y="0"/>
-          <a:chExt cx="0" cy="0"/>
-        </a:xfrm>
-      </p:grpSpPr>
-      <p:sp>
-        <p:nvSpPr>
-          <p:cNvPr id="2" name="幻灯片图像占位符 1"/>
-          <p:cNvSpPr>
-            <a:spLocks noGrp="1" noRot="1" noChangeAspect="1"/>
-          </p:cNvSpPr>
-          <p:nvPr>
-            <p:ph type="sldImg"/>
-          </p:nvPr>
-        </p:nvSpPr>
-        <p:spPr/>
-      </p:sp>
-      <p:sp>
-        <p:nvSpPr>
-          <p:cNvPr id="3" name="备注占位符 2"/>
-          <p:cNvSpPr>
-            <a:spLocks noGrp="1"/>
-          </p:cNvSpPr>
-          <p:nvPr>
-            <p:ph type="body" idx="1"/>
-          </p:nvPr>
-        </p:nvSpPr>
-        <p:spPr/>
-        <p:txBody>
-          <a:bodyPr/>
-          <a:lstStyle/>
-          <a:p>
-            <a:endParaRPr lang="zh-CN" altLang="en-US" dirty="0"/>
-          </a:p>
-        </p:txBody>
-      </p:sp>
-      <p:sp>
-        <p:nvSpPr>
-          <p:cNvPr id="4" name="灯片编号占位符 3"/>
-          <p:cNvSpPr>
-            <a:spLocks noGrp="1"/>
-          </p:cNvSpPr>
-          <p:nvPr>
-            <p:ph type="sldNum" sz="quarter" idx="10"/>
-          </p:nvPr>
-        </p:nvSpPr>
-        <p:spPr/>
-        <p:txBody>
-          <a:bodyPr/>
-          <a:lstStyle/>
-          <a:p>
-            <a:fld id="{149022A3-357B-42A0-AA37-6FDA3689D73A}" type="slidenum">
-              <a:rPr lang="zh-CN" altLang="en-US" smtClean="0"/>
-              <a:t>5</a:t>
-            </a:fld>
-            <a:endParaRPr lang="zh-CN" altLang="en-US"/>
-          </a:p>
-        </p:txBody>
-      </p:sp>
-    </p:spTree>
-    <p:extLst>
-      <p:ext uri="{BB962C8B-B14F-4D97-AF65-F5344CB8AC3E}">
-        <p14:creationId xmlns:p14="http://schemas.microsoft.com/office/powerpoint/2010/main" val="1677855811"/>
       </p:ext>
     </p:extLst>
   </p:cSld>
@@ -4531,6 +4454,13 @@
   <p:clrMapOvr>
     <a:masterClrMapping/>
   </p:clrMapOvr>
+  <p:timing>
+    <p:tnLst>
+      <p:par>
+        <p:cTn id="1" dur="indefinite" restart="never" nodeType="tmRoot"/>
+      </p:par>
+    </p:tnLst>
+  </p:timing>
 </p:sld>
 </file>
 
@@ -4617,6 +4547,16 @@
               <a:rPr lang="en-US" altLang="zh-CN" dirty="0" smtClean="0"/>
               <a:t>Results</a:t>
             </a:r>
+          </a:p>
+          <a:p>
+            <a:pPr marL="457200" indent="-457200">
+              <a:buFont typeface="+mj-lt"/>
+              <a:buAutoNum type="arabicPeriod"/>
+            </a:pPr>
+            <a:r>
+              <a:rPr lang="en-US" altLang="zh-CN" dirty="0"/>
+              <a:t>Conclusion</a:t>
+            </a:r>
             <a:endParaRPr lang="zh-CN" altLang="en-US" dirty="0"/>
           </a:p>
         </p:txBody>
@@ -4669,6 +4609,13 @@
   <p:clrMapOvr>
     <a:masterClrMapping/>
   </p:clrMapOvr>
+  <p:timing>
+    <p:tnLst>
+      <p:par>
+        <p:cTn id="1" dur="indefinite" restart="never" nodeType="tmRoot"/>
+      </p:par>
+    </p:tnLst>
+  </p:timing>
 </p:sld>
 </file>
 
@@ -4712,8 +4659,8 @@
           </a:p>
         </p:txBody>
       </p:sp>
-      <mc:AlternateContent xmlns:mc="http://schemas.openxmlformats.org/markup-compatibility/2006">
-        <mc:Choice xmlns:a14="http://schemas.microsoft.com/office/drawing/2010/main" Requires="a14">
+      <mc:AlternateContent xmlns:mc="http://schemas.openxmlformats.org/markup-compatibility/2006" xmlns:a14="http://schemas.microsoft.com/office/drawing/2010/main">
+        <mc:Choice Requires="a14">
           <p:sp>
             <p:nvSpPr>
               <p:cNvPr id="3" name="内容占位符 2"/>
@@ -4894,7 +4841,7 @@
             </p:txBody>
           </p:sp>
         </mc:Choice>
-        <mc:Fallback>
+        <mc:Fallback xmlns="">
           <p:sp>
             <p:nvSpPr>
               <p:cNvPr id="3" name="内容占位符 2"/>
@@ -5158,6 +5105,13 @@
   <p:clrMapOvr>
     <a:masterClrMapping/>
   </p:clrMapOvr>
+  <p:timing>
+    <p:tnLst>
+      <p:par>
+        <p:cTn id="1" dur="indefinite" restart="never" nodeType="tmRoot"/>
+      </p:par>
+    </p:tnLst>
+  </p:timing>
 </p:sld>
 </file>
 
@@ -5229,8 +5183,8 @@
           </a:p>
         </p:txBody>
       </p:sp>
-      <mc:AlternateContent xmlns:mc="http://schemas.openxmlformats.org/markup-compatibility/2006">
-        <mc:Choice xmlns:a14="http://schemas.microsoft.com/office/drawing/2010/main" Requires="a14">
+      <mc:AlternateContent xmlns:mc="http://schemas.openxmlformats.org/markup-compatibility/2006" xmlns:a14="http://schemas.microsoft.com/office/drawing/2010/main">
+        <mc:Choice Requires="a14">
           <p:sp>
             <p:nvSpPr>
               <p:cNvPr id="3" name="内容占位符 2"/>
@@ -5335,7 +5289,7 @@
             </p:txBody>
           </p:sp>
         </mc:Choice>
-        <mc:Fallback>
+        <mc:Fallback xmlns="">
           <p:sp>
             <p:nvSpPr>
               <p:cNvPr id="3" name="内容占位符 2"/>
@@ -5411,8 +5365,8 @@
           </a:p>
         </p:txBody>
       </p:sp>
-      <mc:AlternateContent xmlns:mc="http://schemas.openxmlformats.org/markup-compatibility/2006">
-        <mc:Choice xmlns:a14="http://schemas.microsoft.com/office/drawing/2010/main" Requires="a14">
+      <mc:AlternateContent xmlns:mc="http://schemas.openxmlformats.org/markup-compatibility/2006" xmlns:a14="http://schemas.microsoft.com/office/drawing/2010/main">
+        <mc:Choice Requires="a14">
           <p:sp>
             <p:nvSpPr>
               <p:cNvPr id="5" name="文本框 4"/>
@@ -5435,6 +5389,7 @@
               </a:bodyPr>
               <a:lstStyle/>
               <a:p>
+                <a:pPr/>
                 <a14:m>
                   <m:oMathPara xmlns:m="http://schemas.openxmlformats.org/officeDocument/2006/math">
                     <m:oMathParaPr>
@@ -5517,7 +5472,7 @@
             </p:txBody>
           </p:sp>
         </mc:Choice>
-        <mc:Fallback>
+        <mc:Fallback xmlns="">
           <p:sp>
             <p:nvSpPr>
               <p:cNvPr id="5" name="文本框 4"/>
@@ -5556,8 +5511,8 @@
           </p:sp>
         </mc:Fallback>
       </mc:AlternateContent>
-      <mc:AlternateContent xmlns:mc="http://schemas.openxmlformats.org/markup-compatibility/2006">
-        <mc:Choice xmlns:a14="http://schemas.microsoft.com/office/drawing/2010/main" Requires="a14">
+      <mc:AlternateContent xmlns:mc="http://schemas.openxmlformats.org/markup-compatibility/2006" xmlns:a14="http://schemas.microsoft.com/office/drawing/2010/main">
+        <mc:Choice Requires="a14">
           <p:sp>
             <p:nvSpPr>
               <p:cNvPr id="6" name="文本框 5"/>
@@ -5580,6 +5535,7 @@
               </a:bodyPr>
               <a:lstStyle/>
               <a:p>
+                <a:pPr/>
                 <a14:m>
                   <m:oMathPara xmlns:m="http://schemas.openxmlformats.org/officeDocument/2006/math">
                     <m:oMathParaPr>
@@ -5749,7 +5705,7 @@
             </p:txBody>
           </p:sp>
         </mc:Choice>
-        <mc:Fallback>
+        <mc:Fallback xmlns="">
           <p:sp>
             <p:nvSpPr>
               <p:cNvPr id="6" name="文本框 5"/>
@@ -6141,8 +6097,8 @@
           </a:fontRef>
         </p:style>
       </p:cxnSp>
-      <mc:AlternateContent xmlns:mc="http://schemas.openxmlformats.org/markup-compatibility/2006">
-        <mc:Choice xmlns:a14="http://schemas.microsoft.com/office/drawing/2010/main" Requires="a14">
+      <mc:AlternateContent xmlns:mc="http://schemas.openxmlformats.org/markup-compatibility/2006" xmlns:a14="http://schemas.microsoft.com/office/drawing/2010/main">
+        <mc:Choice Requires="a14">
           <p:sp>
             <p:nvSpPr>
               <p:cNvPr id="23" name="文本框 22"/>
@@ -6219,7 +6175,7 @@
             </p:txBody>
           </p:sp>
         </mc:Choice>
-        <mc:Fallback>
+        <mc:Fallback xmlns="">
           <p:sp>
             <p:nvSpPr>
               <p:cNvPr id="23" name="文本框 22"/>
@@ -6379,6 +6335,13 @@
   <p:clrMapOvr>
     <a:masterClrMapping/>
   </p:clrMapOvr>
+  <p:timing>
+    <p:tnLst>
+      <p:par>
+        <p:cTn id="1" dur="indefinite" restart="never" nodeType="tmRoot"/>
+      </p:par>
+    </p:tnLst>
+  </p:timing>
 </p:sld>
 </file>
 
@@ -6401,7 +6364,7 @@
       </p:grpSpPr>
       <p:sp>
         <p:nvSpPr>
-          <p:cNvPr id="2" name="标题 1"/>
+          <p:cNvPr id="4" name="标题 1"/>
           <p:cNvSpPr>
             <a:spLocks noGrp="1"/>
           </p:cNvSpPr>
@@ -6409,7 +6372,12 @@
             <p:ph type="title"/>
           </p:nvPr>
         </p:nvSpPr>
-        <p:spPr/>
+        <p:spPr>
+          <a:xfrm>
+            <a:off x="1097280" y="286603"/>
+            <a:ext cx="10058400" cy="1450757"/>
+          </a:xfrm>
+        </p:spPr>
         <p:txBody>
           <a:bodyPr/>
           <a:lstStyle/>
@@ -6422,11 +6390,49 @@
           </a:p>
         </p:txBody>
       </p:sp>
+      <p:sp>
+        <p:nvSpPr>
+          <p:cNvPr id="5" name="文本框 4"/>
+          <p:cNvSpPr txBox="1"/>
+          <p:nvPr/>
+        </p:nvSpPr>
+        <p:spPr>
+          <a:xfrm>
+            <a:off x="97654" y="117417"/>
+            <a:ext cx="3107184" cy="369332"/>
+          </a:xfrm>
+          <a:prstGeom prst="rect">
+            <a:avLst/>
+          </a:prstGeom>
+          <a:noFill/>
+        </p:spPr>
+        <p:txBody>
+          <a:bodyPr wrap="square" rtlCol="0">
+            <a:spAutoFit/>
+          </a:bodyPr>
+          <a:lstStyle/>
+          <a:p>
+            <a:r>
+              <a:rPr lang="en-US" altLang="zh-CN" dirty="0" smtClean="0">
+                <a:solidFill>
+                  <a:srgbClr val="FF0000"/>
+                </a:solidFill>
+              </a:rPr>
+              <a:t>Paper-reading Sharing</a:t>
+            </a:r>
+            <a:endParaRPr lang="zh-CN" altLang="en-US" dirty="0">
+              <a:solidFill>
+                <a:srgbClr val="FF0000"/>
+              </a:solidFill>
+            </a:endParaRPr>
+          </a:p>
+        </p:txBody>
+      </p:sp>
       <mc:AlternateContent xmlns:mc="http://schemas.openxmlformats.org/markup-compatibility/2006">
         <mc:Choice xmlns:a14="http://schemas.microsoft.com/office/drawing/2010/main" Requires="a14">
           <p:sp>
             <p:nvSpPr>
-              <p:cNvPr id="3" name="内容占位符 2"/>
+              <p:cNvPr id="6" name="内容占位符 5"/>
               <p:cNvSpPr>
                 <a:spLocks noGrp="1"/>
               </p:cNvSpPr>
@@ -6434,55 +6440,61 @@
                 <p:ph idx="1"/>
               </p:nvPr>
             </p:nvSpPr>
-            <p:spPr/>
+            <p:spPr>
+              <a:xfrm>
+                <a:off x="1097280" y="1845734"/>
+                <a:ext cx="5048543" cy="3341728"/>
+              </a:xfrm>
+            </p:spPr>
             <p:txBody>
               <a:bodyPr>
                 <a:normAutofit/>
               </a:bodyPr>
               <a:lstStyle/>
               <a:p>
-                <a:pPr marL="201168" lvl="1" indent="0">
-                  <a:buNone/>
+                <a:pPr marL="514350" lvl="1" indent="-514350">
+                  <a:spcBef>
+                    <a:spcPts val="1200"/>
+                  </a:spcBef>
+                  <a:spcAft>
+                    <a:spcPts val="200"/>
+                  </a:spcAft>
+                  <a:buSzPct val="100000"/>
+                  <a:buFont typeface="+mj-lt"/>
+                  <a:buAutoNum type="arabicPeriod"/>
                 </a:pPr>
                 <a:r>
-                  <a:rPr lang="en-US" altLang="zh-CN" sz="2600" dirty="0" smtClean="0">
-                    <a:solidFill>
-                      <a:srgbClr val="FF0000"/>
-                    </a:solidFill>
-                  </a:rPr>
-                  <a:t>Qualitative</a:t>
+                  <a:rPr lang="en-US" altLang="zh-CN" sz="2800" dirty="0" smtClean="0"/>
+                  <a:t>From Spectra </a:t>
                 </a:r>
                 <a:r>
-                  <a:rPr lang="en-US" altLang="zh-CN" sz="2600" dirty="0" smtClean="0"/>
-                  <a:t> difference is observed when </a:t>
+                  <a:rPr lang="en-US" altLang="zh-CN" sz="1600" dirty="0" smtClean="0"/>
+                  <a:t>(</a:t>
                 </a:r>
                 <a14:m>
                   <m:oMath xmlns:m="http://schemas.openxmlformats.org/officeDocument/2006/math">
-                    <m:r>
-                      <a:rPr lang="en-US" altLang="zh-CN" sz="2600" b="0" i="1" smtClean="0">
-                        <a:latin typeface="Cambria Math" panose="02040503050406030204" pitchFamily="18" charset="0"/>
-                      </a:rPr>
-                      <m:t>𝑅</m:t>
-                    </m:r>
                     <m:sSub>
                       <m:sSubPr>
                         <m:ctrlPr>
-                          <a:rPr lang="en-US" altLang="zh-CN" sz="2600" b="0" i="1" smtClean="0">
+                          <a:rPr lang="en-US" altLang="zh-CN" sz="1600" i="1" dirty="0">
                             <a:latin typeface="Cambria Math" panose="02040503050406030204" pitchFamily="18" charset="0"/>
                           </a:rPr>
                         </m:ctrlPr>
                       </m:sSubPr>
                       <m:e>
                         <m:r>
-                          <a:rPr lang="en-US" altLang="zh-CN" sz="2600" b="0" i="1" smtClean="0">
+                          <m:rPr>
+                            <m:sty m:val="p"/>
+                          </m:rPr>
+                          <a:rPr lang="en-US" altLang="zh-CN" sz="1600" dirty="0">
                             <a:latin typeface="Cambria Math" panose="02040503050406030204" pitchFamily="18" charset="0"/>
                           </a:rPr>
-                          <m:t>𝑒</m:t>
+                          <m:t>Re</m:t>
                         </m:r>
                       </m:e>
                       <m:sub>
                         <m:r>
-                          <a:rPr lang="en-US" altLang="zh-CN" sz="2600" b="0" i="1" smtClean="0">
+                          <a:rPr lang="en-US" altLang="zh-CN" sz="1600" i="1" dirty="0">
                             <a:latin typeface="Cambria Math" panose="02040503050406030204" pitchFamily="18" charset="0"/>
                           </a:rPr>
                           <m:t>𝜆</m:t>
@@ -6492,19 +6504,51 @@
                   </m:oMath>
                 </a14:m>
                 <a:r>
-                  <a:rPr lang="en-US" altLang="zh-CN" sz="2600" dirty="0" smtClean="0"/>
-                  <a:t> increases from 50 to 500 .</a:t>
+                  <a:rPr lang="en-US" altLang="zh-CN" sz="1600" dirty="0"/>
+                  <a:t> ranges from 50 to 473 )</a:t>
                 </a:r>
               </a:p>
               <a:p>
-                <a:pPr marL="715518" lvl="1" indent="-514350">
-                  <a:buFont typeface="+mj-lt"/>
-                  <a:buAutoNum type="arabicPeriod"/>
+                <a:pPr marL="292608" lvl="1" indent="0">
+                  <a:buNone/>
+                </a:pPr>
+                <a:r>
+                  <a:rPr lang="en-US" altLang="zh-CN" sz="2000" dirty="0"/>
+                  <a:t>	</a:t>
+                </a:r>
+                <a:r>
+                  <a:rPr lang="en-US" altLang="zh-CN" sz="2000" dirty="0" smtClean="0">
+                    <a:solidFill>
+                      <a:schemeClr val="bg2">
+                        <a:lumMod val="75000"/>
+                      </a:schemeClr>
+                    </a:solidFill>
+                  </a:rPr>
+                  <a:t>K41</a:t>
+                </a:r>
+                <a:r>
+                  <a:rPr lang="en-US" altLang="zh-CN" sz="2000" dirty="0" smtClean="0"/>
+                  <a:t> scaling is well supported!</a:t>
+                </a:r>
+              </a:p>
+              <a:p>
+                <a:pPr marL="1202870" lvl="5" indent="-285750">
+                  <a:buClr>
+                    <a:srgbClr val="E48312"/>
+                  </a:buClr>
+                  <a:buFont typeface="Wingdings" panose="05000000000000000000" pitchFamily="2" charset="2"/>
+                  <a:buChar char="u"/>
                 </a:pPr>
                 <a14:m>
                   <m:oMath xmlns:m="http://schemas.openxmlformats.org/officeDocument/2006/math">
                     <m:r>
-                      <a:rPr lang="en-US" altLang="zh-CN" b="0" i="1" smtClean="0">
+                      <a:rPr lang="en-US" altLang="zh-CN" i="1">
+                        <a:solidFill>
+                          <a:srgbClr val="000000">
+                            <a:lumMod val="75000"/>
+                            <a:lumOff val="25000"/>
+                          </a:srgbClr>
+                        </a:solidFill>
                         <a:latin typeface="Cambria Math" panose="02040503050406030204" pitchFamily="18" charset="0"/>
                       </a:rPr>
                       <m:t>𝑅</m:t>
@@ -6512,14 +6556,26 @@
                     <m:sSub>
                       <m:sSubPr>
                         <m:ctrlPr>
-                          <a:rPr lang="en-US" altLang="zh-CN" b="0" i="1" smtClean="0">
+                          <a:rPr lang="en-US" altLang="zh-CN" i="1">
+                            <a:solidFill>
+                              <a:srgbClr val="000000">
+                                <a:lumMod val="75000"/>
+                                <a:lumOff val="25000"/>
+                              </a:srgbClr>
+                            </a:solidFill>
                             <a:latin typeface="Cambria Math" panose="02040503050406030204" pitchFamily="18" charset="0"/>
                           </a:rPr>
                         </m:ctrlPr>
                       </m:sSubPr>
                       <m:e>
                         <m:r>
-                          <a:rPr lang="en-US" altLang="zh-CN" b="0" i="1" smtClean="0">
+                          <a:rPr lang="en-US" altLang="zh-CN" i="1">
+                            <a:solidFill>
+                              <a:srgbClr val="000000">
+                                <a:lumMod val="75000"/>
+                                <a:lumOff val="25000"/>
+                              </a:srgbClr>
+                            </a:solidFill>
                             <a:latin typeface="Cambria Math" panose="02040503050406030204" pitchFamily="18" charset="0"/>
                           </a:rPr>
                           <m:t>𝑒</m:t>
@@ -6527,7 +6583,13 @@
                       </m:e>
                       <m:sub>
                         <m:r>
-                          <a:rPr lang="en-US" altLang="zh-CN" b="0" i="1" smtClean="0">
+                          <a:rPr lang="en-US" altLang="zh-CN" i="1">
+                            <a:solidFill>
+                              <a:srgbClr val="000000">
+                                <a:lumMod val="75000"/>
+                                <a:lumOff val="25000"/>
+                              </a:srgbClr>
+                            </a:solidFill>
                             <a:latin typeface="Cambria Math" panose="02040503050406030204" pitchFamily="18" charset="0"/>
                           </a:rPr>
                           <m:t>𝜆</m:t>
@@ -6535,11 +6597,4195 @@
                       </m:sub>
                     </m:sSub>
                     <m:r>
-                      <a:rPr lang="en-US" altLang="zh-CN" b="0" i="1" smtClean="0">
+                      <a:rPr lang="en-US" altLang="zh-CN" i="1">
+                        <a:solidFill>
+                          <a:srgbClr val="000000">
+                            <a:lumMod val="75000"/>
+                            <a:lumOff val="25000"/>
+                          </a:srgbClr>
+                        </a:solidFill>
                         <a:latin typeface="Cambria Math" panose="02040503050406030204" pitchFamily="18" charset="0"/>
                       </a:rPr>
                       <m:t>&lt;50</m:t>
                     </m:r>
+                  </m:oMath>
+                </a14:m>
+                <a:r>
+                  <a:rPr lang="zh-CN" altLang="en-US" dirty="0">
+                    <a:solidFill>
+                      <a:srgbClr val="000000">
+                        <a:lumMod val="75000"/>
+                        <a:lumOff val="25000"/>
+                      </a:srgbClr>
+                    </a:solidFill>
+                  </a:rPr>
+                  <a:t> </a:t>
+                </a:r>
+                <a:r>
+                  <a:rPr lang="en-US" altLang="zh-CN" dirty="0">
+                    <a:solidFill>
+                      <a:srgbClr val="000000">
+                        <a:lumMod val="75000"/>
+                        <a:lumOff val="25000"/>
+                      </a:srgbClr>
+                    </a:solidFill>
+                  </a:rPr>
+                  <a:t>: </a:t>
+                </a:r>
+              </a:p>
+              <a:p>
+                <a:pPr marL="1117120" lvl="6" indent="0">
+                  <a:buClr>
+                    <a:srgbClr val="E48312"/>
+                  </a:buClr>
+                  <a:buNone/>
+                </a:pPr>
+                <a:r>
+                  <a:rPr lang="en-US" altLang="zh-CN" dirty="0" smtClean="0">
+                    <a:solidFill>
+                      <a:srgbClr val="000000">
+                        <a:lumMod val="75000"/>
+                        <a:lumOff val="25000"/>
+                      </a:srgbClr>
+                    </a:solidFill>
+                  </a:rPr>
+                  <a:t>Too </a:t>
+                </a:r>
+                <a:r>
+                  <a:rPr lang="en-US" altLang="zh-CN" dirty="0">
+                    <a:solidFill>
+                      <a:srgbClr val="000000">
+                        <a:lumMod val="75000"/>
+                        <a:lumOff val="25000"/>
+                      </a:srgbClr>
+                    </a:solidFill>
+                  </a:rPr>
+                  <a:t>short, no scaling range;</a:t>
+                </a:r>
+              </a:p>
+              <a:p>
+                <a:pPr marL="1202870" lvl="5" indent="-285750">
+                  <a:buClr>
+                    <a:srgbClr val="E48312"/>
+                  </a:buClr>
+                  <a:buFont typeface="Wingdings" panose="05000000000000000000" pitchFamily="2" charset="2"/>
+                  <a:buChar char="u"/>
+                </a:pPr>
+                <a14:m>
+                  <m:oMath xmlns:m="http://schemas.openxmlformats.org/officeDocument/2006/math">
+                    <m:r>
+                      <a:rPr lang="en-US" altLang="zh-CN" i="1">
+                        <a:solidFill>
+                          <a:srgbClr val="000000">
+                            <a:lumMod val="75000"/>
+                            <a:lumOff val="25000"/>
+                          </a:srgbClr>
+                        </a:solidFill>
+                        <a:latin typeface="Cambria Math" panose="02040503050406030204" pitchFamily="18" charset="0"/>
+                      </a:rPr>
+                      <m:t>𝑅</m:t>
+                    </m:r>
+                    <m:sSub>
+                      <m:sSubPr>
+                        <m:ctrlPr>
+                          <a:rPr lang="en-US" altLang="zh-CN" i="1">
+                            <a:solidFill>
+                              <a:srgbClr val="000000">
+                                <a:lumMod val="75000"/>
+                                <a:lumOff val="25000"/>
+                              </a:srgbClr>
+                            </a:solidFill>
+                            <a:latin typeface="Cambria Math" panose="02040503050406030204" pitchFamily="18" charset="0"/>
+                          </a:rPr>
+                        </m:ctrlPr>
+                      </m:sSubPr>
+                      <m:e>
+                        <m:r>
+                          <a:rPr lang="en-US" altLang="zh-CN" i="1">
+                            <a:solidFill>
+                              <a:srgbClr val="000000">
+                                <a:lumMod val="75000"/>
+                                <a:lumOff val="25000"/>
+                              </a:srgbClr>
+                            </a:solidFill>
+                            <a:latin typeface="Cambria Math" panose="02040503050406030204" pitchFamily="18" charset="0"/>
+                          </a:rPr>
+                          <m:t>𝑒</m:t>
+                        </m:r>
+                      </m:e>
+                      <m:sub>
+                        <m:r>
+                          <a:rPr lang="en-US" altLang="zh-CN" i="1">
+                            <a:solidFill>
+                              <a:srgbClr val="000000">
+                                <a:lumMod val="75000"/>
+                                <a:lumOff val="25000"/>
+                              </a:srgbClr>
+                            </a:solidFill>
+                            <a:latin typeface="Cambria Math" panose="02040503050406030204" pitchFamily="18" charset="0"/>
+                          </a:rPr>
+                          <m:t>𝜆</m:t>
+                        </m:r>
+                      </m:sub>
+                    </m:sSub>
+                    <m:r>
+                      <a:rPr lang="en-US" altLang="zh-CN" i="1">
+                        <a:solidFill>
+                          <a:srgbClr val="000000">
+                            <a:lumMod val="75000"/>
+                            <a:lumOff val="25000"/>
+                          </a:srgbClr>
+                        </a:solidFill>
+                        <a:latin typeface="Cambria Math" panose="02040503050406030204" pitchFamily="18" charset="0"/>
+                      </a:rPr>
+                      <m:t>&lt;</m:t>
+                    </m:r>
+                    <m:r>
+                      <a:rPr lang="en-US" altLang="zh-CN" i="1">
+                        <a:solidFill>
+                          <a:srgbClr val="000000">
+                            <a:lumMod val="75000"/>
+                            <a:lumOff val="25000"/>
+                          </a:srgbClr>
+                        </a:solidFill>
+                        <a:latin typeface="Cambria Math" panose="02040503050406030204" pitchFamily="18" charset="0"/>
+                      </a:rPr>
+                      <m:t>10</m:t>
+                    </m:r>
+                    <m:r>
+                      <a:rPr lang="en-US" altLang="zh-CN" i="1">
+                        <a:solidFill>
+                          <a:srgbClr val="000000">
+                            <a:lumMod val="75000"/>
+                            <a:lumOff val="25000"/>
+                          </a:srgbClr>
+                        </a:solidFill>
+                        <a:latin typeface="Cambria Math" panose="02040503050406030204" pitchFamily="18" charset="0"/>
+                      </a:rPr>
+                      <m:t>0</m:t>
+                    </m:r>
+                  </m:oMath>
+                </a14:m>
+                <a:r>
+                  <a:rPr lang="zh-CN" altLang="en-US" dirty="0">
+                    <a:solidFill>
+                      <a:srgbClr val="000000">
+                        <a:lumMod val="75000"/>
+                        <a:lumOff val="25000"/>
+                      </a:srgbClr>
+                    </a:solidFill>
+                  </a:rPr>
+                  <a:t> </a:t>
+                </a:r>
+                <a:r>
+                  <a:rPr lang="en-US" altLang="zh-CN" dirty="0">
+                    <a:solidFill>
+                      <a:srgbClr val="000000">
+                        <a:lumMod val="75000"/>
+                        <a:lumOff val="25000"/>
+                      </a:srgbClr>
+                    </a:solidFill>
+                  </a:rPr>
+                  <a:t>: </a:t>
+                </a:r>
+              </a:p>
+              <a:p>
+                <a:pPr marL="1117120" lvl="6" indent="0">
+                  <a:buClr>
+                    <a:srgbClr val="E48312"/>
+                  </a:buClr>
+                  <a:buNone/>
+                </a:pPr>
+                <a:r>
+                  <a:rPr lang="en-US" altLang="zh-CN" dirty="0" smtClean="0">
+                    <a:solidFill>
+                      <a:srgbClr val="000000">
+                        <a:lumMod val="75000"/>
+                        <a:lumOff val="25000"/>
+                      </a:srgbClr>
+                    </a:solidFill>
+                  </a:rPr>
+                  <a:t>Weak </a:t>
+                </a:r>
+                <a:r>
+                  <a:rPr lang="en-US" altLang="zh-CN" dirty="0">
+                    <a:solidFill>
+                      <a:srgbClr val="000000">
+                        <a:lumMod val="75000"/>
+                        <a:lumOff val="25000"/>
+                      </a:srgbClr>
+                    </a:solidFill>
+                  </a:rPr>
+                  <a:t>scaling </a:t>
+                </a:r>
+                <a:r>
+                  <a:rPr lang="en-US" altLang="zh-CN" dirty="0" smtClean="0">
+                    <a:solidFill>
+                      <a:srgbClr val="000000">
+                        <a:lumMod val="75000"/>
+                        <a:lumOff val="25000"/>
+                      </a:srgbClr>
+                    </a:solidFill>
+                  </a:rPr>
+                  <a:t>range</a:t>
+                </a:r>
+                <a:r>
+                  <a:rPr lang="en-US" altLang="zh-CN" dirty="0">
+                    <a:solidFill>
+                      <a:srgbClr val="000000">
+                        <a:lumMod val="75000"/>
+                        <a:lumOff val="25000"/>
+                      </a:srgbClr>
+                    </a:solidFill>
+                  </a:rPr>
+                  <a:t>;</a:t>
+                </a:r>
+                <a:r>
+                  <a:rPr lang="en-US" altLang="zh-CN" dirty="0" smtClean="0">
+                    <a:solidFill>
+                      <a:srgbClr val="000000">
+                        <a:lumMod val="75000"/>
+                        <a:lumOff val="25000"/>
+                      </a:srgbClr>
+                    </a:solidFill>
+                  </a:rPr>
+                  <a:t> </a:t>
+                </a:r>
+                <a:endParaRPr lang="en-US" altLang="zh-CN" dirty="0">
+                  <a:solidFill>
+                    <a:srgbClr val="000000">
+                      <a:lumMod val="75000"/>
+                      <a:lumOff val="25000"/>
+                    </a:srgbClr>
+                  </a:solidFill>
+                </a:endParaRPr>
+              </a:p>
+              <a:p>
+                <a:pPr marL="1202870" lvl="5" indent="-285750">
+                  <a:buClr>
+                    <a:srgbClr val="E48312"/>
+                  </a:buClr>
+                  <a:buFont typeface="Wingdings" panose="05000000000000000000" pitchFamily="2" charset="2"/>
+                  <a:buChar char="u"/>
+                </a:pPr>
+                <a14:m>
+                  <m:oMath xmlns:m="http://schemas.openxmlformats.org/officeDocument/2006/math">
+                    <m:r>
+                      <a:rPr lang="en-US" altLang="zh-CN" i="1">
+                        <a:solidFill>
+                          <a:srgbClr val="000000">
+                            <a:lumMod val="75000"/>
+                            <a:lumOff val="25000"/>
+                          </a:srgbClr>
+                        </a:solidFill>
+                        <a:latin typeface="Cambria Math" panose="02040503050406030204" pitchFamily="18" charset="0"/>
+                      </a:rPr>
+                      <m:t>𝑅</m:t>
+                    </m:r>
+                    <m:sSub>
+                      <m:sSubPr>
+                        <m:ctrlPr>
+                          <a:rPr lang="en-US" altLang="zh-CN" i="1">
+                            <a:solidFill>
+                              <a:srgbClr val="000000">
+                                <a:lumMod val="75000"/>
+                                <a:lumOff val="25000"/>
+                              </a:srgbClr>
+                            </a:solidFill>
+                            <a:latin typeface="Cambria Math" panose="02040503050406030204" pitchFamily="18" charset="0"/>
+                          </a:rPr>
+                        </m:ctrlPr>
+                      </m:sSubPr>
+                      <m:e>
+                        <m:r>
+                          <a:rPr lang="en-US" altLang="zh-CN" i="1">
+                            <a:solidFill>
+                              <a:srgbClr val="000000">
+                                <a:lumMod val="75000"/>
+                                <a:lumOff val="25000"/>
+                              </a:srgbClr>
+                            </a:solidFill>
+                            <a:latin typeface="Cambria Math" panose="02040503050406030204" pitchFamily="18" charset="0"/>
+                          </a:rPr>
+                          <m:t>𝑒</m:t>
+                        </m:r>
+                      </m:e>
+                      <m:sub>
+                        <m:r>
+                          <a:rPr lang="en-US" altLang="zh-CN" i="1">
+                            <a:solidFill>
+                              <a:srgbClr val="000000">
+                                <a:lumMod val="75000"/>
+                                <a:lumOff val="25000"/>
+                              </a:srgbClr>
+                            </a:solidFill>
+                            <a:latin typeface="Cambria Math" panose="02040503050406030204" pitchFamily="18" charset="0"/>
+                          </a:rPr>
+                          <m:t>𝜆</m:t>
+                        </m:r>
+                      </m:sub>
+                    </m:sSub>
+                    <m:r>
+                      <a:rPr lang="en-US" altLang="zh-CN" i="1">
+                        <a:solidFill>
+                          <a:srgbClr val="000000">
+                            <a:lumMod val="75000"/>
+                            <a:lumOff val="25000"/>
+                          </a:srgbClr>
+                        </a:solidFill>
+                        <a:latin typeface="Cambria Math" panose="02040503050406030204" pitchFamily="18" charset="0"/>
+                      </a:rPr>
+                      <m:t>&lt;</m:t>
+                    </m:r>
+                    <m:r>
+                      <a:rPr lang="en-US" altLang="zh-CN" i="1">
+                        <a:solidFill>
+                          <a:srgbClr val="000000">
+                            <a:lumMod val="75000"/>
+                            <a:lumOff val="25000"/>
+                          </a:srgbClr>
+                        </a:solidFill>
+                        <a:latin typeface="Cambria Math" panose="02040503050406030204" pitchFamily="18" charset="0"/>
+                      </a:rPr>
+                      <m:t>20</m:t>
+                    </m:r>
+                    <m:r>
+                      <a:rPr lang="en-US" altLang="zh-CN" i="1">
+                        <a:solidFill>
+                          <a:srgbClr val="000000">
+                            <a:lumMod val="75000"/>
+                            <a:lumOff val="25000"/>
+                          </a:srgbClr>
+                        </a:solidFill>
+                        <a:latin typeface="Cambria Math" panose="02040503050406030204" pitchFamily="18" charset="0"/>
+                      </a:rPr>
+                      <m:t>0</m:t>
+                    </m:r>
+                  </m:oMath>
+                </a14:m>
+                <a:r>
+                  <a:rPr lang="zh-CN" altLang="en-US" dirty="0">
+                    <a:solidFill>
+                      <a:srgbClr val="000000">
+                        <a:lumMod val="75000"/>
+                        <a:lumOff val="25000"/>
+                      </a:srgbClr>
+                    </a:solidFill>
+                  </a:rPr>
+                  <a:t> </a:t>
+                </a:r>
+                <a:r>
+                  <a:rPr lang="en-US" altLang="zh-CN" dirty="0">
+                    <a:solidFill>
+                      <a:srgbClr val="000000">
+                        <a:lumMod val="75000"/>
+                        <a:lumOff val="25000"/>
+                      </a:srgbClr>
+                    </a:solidFill>
+                  </a:rPr>
+                  <a:t>: </a:t>
+                </a:r>
+              </a:p>
+              <a:p>
+                <a:pPr marL="1117120" lvl="6" indent="0">
+                  <a:buClr>
+                    <a:srgbClr val="E48312"/>
+                  </a:buClr>
+                  <a:buNone/>
+                </a:pPr>
+                <a:r>
+                  <a:rPr lang="en-US" altLang="zh-CN" dirty="0" smtClean="0">
+                    <a:solidFill>
+                      <a:srgbClr val="000000">
+                        <a:lumMod val="75000"/>
+                        <a:lumOff val="25000"/>
+                      </a:srgbClr>
+                    </a:solidFill>
+                  </a:rPr>
+                  <a:t>Transition </a:t>
+                </a:r>
+                <a:r>
+                  <a:rPr lang="en-US" altLang="zh-CN" dirty="0">
+                    <a:solidFill>
+                      <a:srgbClr val="000000">
+                        <a:lumMod val="75000"/>
+                        <a:lumOff val="25000"/>
+                      </a:srgbClr>
+                    </a:solidFill>
+                  </a:rPr>
+                  <a:t>region, scaling coefficients vary intensively;</a:t>
+                </a:r>
+              </a:p>
+              <a:p>
+                <a:pPr marL="1202870" lvl="5" indent="-285750">
+                  <a:buClr>
+                    <a:srgbClr val="E48312"/>
+                  </a:buClr>
+                  <a:buFont typeface="Wingdings" panose="05000000000000000000" pitchFamily="2" charset="2"/>
+                  <a:buChar char="u"/>
+                </a:pPr>
+                <a14:m>
+                  <m:oMath xmlns:m="http://schemas.openxmlformats.org/officeDocument/2006/math">
+                    <m:r>
+                      <a:rPr lang="en-US" altLang="zh-CN" i="1">
+                        <a:solidFill>
+                          <a:srgbClr val="000000">
+                            <a:lumMod val="75000"/>
+                            <a:lumOff val="25000"/>
+                          </a:srgbClr>
+                        </a:solidFill>
+                        <a:latin typeface="Cambria Math" panose="02040503050406030204" pitchFamily="18" charset="0"/>
+                      </a:rPr>
+                      <m:t>𝑅</m:t>
+                    </m:r>
+                    <m:sSub>
+                      <m:sSubPr>
+                        <m:ctrlPr>
+                          <a:rPr lang="en-US" altLang="zh-CN" i="1">
+                            <a:solidFill>
+                              <a:srgbClr val="000000">
+                                <a:lumMod val="75000"/>
+                                <a:lumOff val="25000"/>
+                              </a:srgbClr>
+                            </a:solidFill>
+                            <a:latin typeface="Cambria Math" panose="02040503050406030204" pitchFamily="18" charset="0"/>
+                          </a:rPr>
+                        </m:ctrlPr>
+                      </m:sSubPr>
+                      <m:e>
+                        <m:r>
+                          <a:rPr lang="en-US" altLang="zh-CN" i="1">
+                            <a:solidFill>
+                              <a:srgbClr val="000000">
+                                <a:lumMod val="75000"/>
+                                <a:lumOff val="25000"/>
+                              </a:srgbClr>
+                            </a:solidFill>
+                            <a:latin typeface="Cambria Math" panose="02040503050406030204" pitchFamily="18" charset="0"/>
+                          </a:rPr>
+                          <m:t>𝑒</m:t>
+                        </m:r>
+                      </m:e>
+                      <m:sub>
+                        <m:r>
+                          <a:rPr lang="en-US" altLang="zh-CN" i="1">
+                            <a:solidFill>
+                              <a:srgbClr val="000000">
+                                <a:lumMod val="75000"/>
+                                <a:lumOff val="25000"/>
+                              </a:srgbClr>
+                            </a:solidFill>
+                            <a:latin typeface="Cambria Math" panose="02040503050406030204" pitchFamily="18" charset="0"/>
+                          </a:rPr>
+                          <m:t>𝜆</m:t>
+                        </m:r>
+                      </m:sub>
+                    </m:sSub>
+                    <m:r>
+                      <a:rPr lang="en-US" altLang="zh-CN" i="1">
+                        <a:solidFill>
+                          <a:srgbClr val="000000">
+                            <a:lumMod val="75000"/>
+                            <a:lumOff val="25000"/>
+                          </a:srgbClr>
+                        </a:solidFill>
+                        <a:latin typeface="Cambria Math" panose="02040503050406030204" pitchFamily="18" charset="0"/>
+                      </a:rPr>
+                      <m:t>&lt;5</m:t>
+                    </m:r>
+                    <m:r>
+                      <a:rPr lang="en-US" altLang="zh-CN" i="1">
+                        <a:solidFill>
+                          <a:srgbClr val="000000">
+                            <a:lumMod val="75000"/>
+                            <a:lumOff val="25000"/>
+                          </a:srgbClr>
+                        </a:solidFill>
+                        <a:latin typeface="Cambria Math" panose="02040503050406030204" pitchFamily="18" charset="0"/>
+                      </a:rPr>
+                      <m:t>0</m:t>
+                    </m:r>
+                    <m:r>
+                      <a:rPr lang="en-US" altLang="zh-CN" i="1">
+                        <a:solidFill>
+                          <a:srgbClr val="000000">
+                            <a:lumMod val="75000"/>
+                            <a:lumOff val="25000"/>
+                          </a:srgbClr>
+                        </a:solidFill>
+                        <a:latin typeface="Cambria Math" panose="02040503050406030204" pitchFamily="18" charset="0"/>
+                      </a:rPr>
+                      <m:t>0</m:t>
+                    </m:r>
+                  </m:oMath>
+                </a14:m>
+                <a:r>
+                  <a:rPr lang="zh-CN" altLang="en-US" dirty="0">
+                    <a:solidFill>
+                      <a:srgbClr val="000000">
+                        <a:lumMod val="75000"/>
+                        <a:lumOff val="25000"/>
+                      </a:srgbClr>
+                    </a:solidFill>
+                  </a:rPr>
+                  <a:t> </a:t>
+                </a:r>
+                <a:r>
+                  <a:rPr lang="en-US" altLang="zh-CN" dirty="0">
+                    <a:solidFill>
+                      <a:srgbClr val="000000">
+                        <a:lumMod val="75000"/>
+                        <a:lumOff val="25000"/>
+                      </a:srgbClr>
+                    </a:solidFill>
+                  </a:rPr>
+                  <a:t>:</a:t>
+                </a:r>
+              </a:p>
+              <a:p>
+                <a:pPr marL="1117120" lvl="6" indent="0">
+                  <a:buClr>
+                    <a:srgbClr val="E48312"/>
+                  </a:buClr>
+                  <a:buNone/>
+                </a:pPr>
+                <a:r>
+                  <a:rPr lang="en-US" altLang="zh-CN" dirty="0" smtClean="0">
+                    <a:solidFill>
+                      <a:srgbClr val="000000">
+                        <a:lumMod val="75000"/>
+                        <a:lumOff val="25000"/>
+                      </a:srgbClr>
+                    </a:solidFill>
+                  </a:rPr>
+                  <a:t> </a:t>
+                </a:r>
+                <a:r>
+                  <a:rPr lang="en-US" altLang="zh-CN" dirty="0">
+                    <a:solidFill>
+                      <a:srgbClr val="000000">
+                        <a:lumMod val="75000"/>
+                        <a:lumOff val="25000"/>
+                      </a:srgbClr>
+                    </a:solidFill>
+                  </a:rPr>
+                  <a:t>Scaling region well </a:t>
+                </a:r>
+                <a:r>
+                  <a:rPr lang="en-US" altLang="zh-CN" dirty="0" smtClean="0">
+                    <a:solidFill>
+                      <a:srgbClr val="000000">
+                        <a:lumMod val="75000"/>
+                        <a:lumOff val="25000"/>
+                      </a:srgbClr>
+                    </a:solidFill>
+                  </a:rPr>
+                  <a:t>developed.</a:t>
+                </a:r>
+              </a:p>
+              <a:p>
+                <a:pPr marL="1117120" lvl="6" indent="0">
+                  <a:buClr>
+                    <a:srgbClr val="E48312"/>
+                  </a:buClr>
+                  <a:buNone/>
+                </a:pPr>
+                <a:endParaRPr lang="en-US" altLang="zh-CN" dirty="0">
+                  <a:solidFill>
+                    <a:srgbClr val="000000">
+                      <a:lumMod val="75000"/>
+                      <a:lumOff val="25000"/>
+                    </a:srgbClr>
+                  </a:solidFill>
+                </a:endParaRPr>
+              </a:p>
+            </p:txBody>
+          </p:sp>
+        </mc:Choice>
+        <mc:Fallback>
+          <p:sp>
+            <p:nvSpPr>
+              <p:cNvPr id="6" name="内容占位符 5"/>
+              <p:cNvSpPr>
+                <a:spLocks noGrp="1" noRot="1" noChangeAspect="1" noMove="1" noResize="1" noEditPoints="1" noAdjustHandles="1" noChangeArrowheads="1" noChangeShapeType="1" noTextEdit="1"/>
+              </p:cNvSpPr>
+              <p:nvPr>
+                <p:ph idx="1"/>
+              </p:nvPr>
+            </p:nvSpPr>
+            <p:spPr>
+              <a:xfrm>
+                <a:off x="1097280" y="1845734"/>
+                <a:ext cx="5048543" cy="3341728"/>
+              </a:xfrm>
+              <a:blipFill>
+                <a:blip r:embed="rId2"/>
+                <a:stretch>
+                  <a:fillRect l="-4348" t="-3285" r="-725"/>
+                </a:stretch>
+              </a:blipFill>
+            </p:spPr>
+            <p:txBody>
+              <a:bodyPr/>
+              <a:lstStyle/>
+              <a:p>
+                <a:r>
+                  <a:rPr lang="zh-CN" altLang="en-US">
+                    <a:noFill/>
+                  </a:rPr>
+                  <a:t> </a:t>
+                </a:r>
+              </a:p>
+            </p:txBody>
+          </p:sp>
+        </mc:Fallback>
+      </mc:AlternateContent>
+      <p:pic>
+        <p:nvPicPr>
+          <p:cNvPr id="7" name="图片 6"/>
+          <p:cNvPicPr>
+            <a:picLocks noChangeAspect="1"/>
+          </p:cNvPicPr>
+          <p:nvPr/>
+        </p:nvPicPr>
+        <p:blipFill>
+          <a:blip r:embed="rId3">
+            <a:extLst>
+              <a:ext uri="{28A0092B-C50C-407E-A947-70E740481C1C}">
+                <a14:useLocalDpi xmlns:a14="http://schemas.microsoft.com/office/drawing/2010/main" val="0"/>
+              </a:ext>
+            </a:extLst>
+          </a:blip>
+          <a:stretch>
+            <a:fillRect/>
+          </a:stretch>
+        </p:blipFill>
+        <p:spPr>
+          <a:xfrm>
+            <a:off x="7241115" y="117417"/>
+            <a:ext cx="3626178" cy="5595079"/>
+          </a:xfrm>
+          <a:prstGeom prst="rect">
+            <a:avLst/>
+          </a:prstGeom>
+        </p:spPr>
+      </p:pic>
+      <p:cxnSp>
+        <p:nvCxnSpPr>
+          <p:cNvPr id="9" name="直接连接符 8"/>
+          <p:cNvCxnSpPr/>
+          <p:nvPr/>
+        </p:nvCxnSpPr>
+        <p:spPr>
+          <a:xfrm>
+            <a:off x="8398353" y="586000"/>
+            <a:ext cx="817685" cy="2302719"/>
+          </a:xfrm>
+          <a:prstGeom prst="line">
+            <a:avLst/>
+          </a:prstGeom>
+        </p:spPr>
+        <p:style>
+          <a:lnRef idx="2">
+            <a:schemeClr val="accent2"/>
+          </a:lnRef>
+          <a:fillRef idx="0">
+            <a:schemeClr val="accent2"/>
+          </a:fillRef>
+          <a:effectRef idx="1">
+            <a:schemeClr val="accent2"/>
+          </a:effectRef>
+          <a:fontRef idx="minor">
+            <a:schemeClr val="tx1"/>
+          </a:fontRef>
+        </p:style>
+      </p:cxnSp>
+      <p:cxnSp>
+        <p:nvCxnSpPr>
+          <p:cNvPr id="11" name="直接连接符 10"/>
+          <p:cNvCxnSpPr/>
+          <p:nvPr/>
+        </p:nvCxnSpPr>
+        <p:spPr>
+          <a:xfrm>
+            <a:off x="9488599" y="585999"/>
+            <a:ext cx="817685" cy="2302719"/>
+          </a:xfrm>
+          <a:prstGeom prst="line">
+            <a:avLst/>
+          </a:prstGeom>
+        </p:spPr>
+        <p:style>
+          <a:lnRef idx="2">
+            <a:schemeClr val="accent2"/>
+          </a:lnRef>
+          <a:fillRef idx="0">
+            <a:schemeClr val="accent2"/>
+          </a:fillRef>
+          <a:effectRef idx="1">
+            <a:schemeClr val="accent2"/>
+          </a:effectRef>
+          <a:fontRef idx="minor">
+            <a:schemeClr val="tx1"/>
+          </a:fontRef>
+        </p:style>
+      </p:cxnSp>
+      <mc:AlternateContent xmlns:mc="http://schemas.openxmlformats.org/markup-compatibility/2006">
+        <mc:Choice xmlns:a14="http://schemas.microsoft.com/office/drawing/2010/main" Requires="a14">
+          <p:sp>
+            <p:nvSpPr>
+              <p:cNvPr id="15" name="文本框 14"/>
+              <p:cNvSpPr txBox="1"/>
+              <p:nvPr/>
+            </p:nvSpPr>
+            <p:spPr>
+              <a:xfrm>
+                <a:off x="8071338" y="5712496"/>
+                <a:ext cx="2980593" cy="369332"/>
+              </a:xfrm>
+              <a:prstGeom prst="rect">
+                <a:avLst/>
+              </a:prstGeom>
+              <a:noFill/>
+            </p:spPr>
+            <p:txBody>
+              <a:bodyPr wrap="square" rtlCol="0">
+                <a:spAutoFit/>
+              </a:bodyPr>
+              <a:lstStyle/>
+              <a:p>
+                <a:r>
+                  <a:rPr lang="en-US" altLang="zh-CN" b="1" dirty="0"/>
+                  <a:t>(</a:t>
+                </a:r>
+                <a:r>
+                  <a:rPr lang="en-US" altLang="zh-CN" b="1" dirty="0"/>
+                  <a:t>1D</a:t>
+                </a:r>
+                <a:r>
+                  <a:rPr lang="zh-CN" altLang="en-US" b="1" dirty="0"/>
+                  <a:t>，</a:t>
+                </a:r>
+                <a14:m>
+                  <m:oMath xmlns:m="http://schemas.openxmlformats.org/officeDocument/2006/math">
+                    <m:r>
+                      <a:rPr lang="en-US" altLang="zh-CN" b="1" i="1" dirty="0">
+                        <a:latin typeface="Cambria Math" panose="02040503050406030204" pitchFamily="18" charset="0"/>
+                      </a:rPr>
+                      <m:t>𝒖</m:t>
+                    </m:r>
+                  </m:oMath>
+                </a14:m>
+                <a:r>
+                  <a:rPr lang="zh-CN" altLang="en-US" b="1" dirty="0"/>
+                  <a:t> </a:t>
+                </a:r>
+                <a:r>
+                  <a:rPr lang="en-US" altLang="zh-CN" b="1" dirty="0"/>
+                  <a:t>and </a:t>
+                </a:r>
+                <a14:m>
+                  <m:oMath xmlns:m="http://schemas.openxmlformats.org/officeDocument/2006/math">
+                    <m:r>
+                      <a:rPr lang="en-US" altLang="zh-CN" b="1" i="1" dirty="0">
+                        <a:latin typeface="Cambria Math" panose="02040503050406030204" pitchFamily="18" charset="0"/>
+                      </a:rPr>
+                      <m:t>𝒗</m:t>
+                    </m:r>
+                  </m:oMath>
+                </a14:m>
+                <a:r>
+                  <a:rPr lang="en-US" altLang="zh-CN" b="1" dirty="0"/>
+                  <a:t> power spectra)</a:t>
+                </a:r>
+                <a:endParaRPr lang="zh-CN" altLang="en-US" dirty="0"/>
+              </a:p>
+            </p:txBody>
+          </p:sp>
+        </mc:Choice>
+        <mc:Fallback>
+          <p:sp>
+            <p:nvSpPr>
+              <p:cNvPr id="15" name="文本框 14"/>
+              <p:cNvSpPr txBox="1">
+                <a:spLocks noRot="1" noChangeAspect="1" noMove="1" noResize="1" noEditPoints="1" noAdjustHandles="1" noChangeArrowheads="1" noChangeShapeType="1" noTextEdit="1"/>
+              </p:cNvSpPr>
+              <p:nvPr/>
+            </p:nvSpPr>
+            <p:spPr>
+              <a:xfrm>
+                <a:off x="8071338" y="5712496"/>
+                <a:ext cx="2980593" cy="369332"/>
+              </a:xfrm>
+              <a:prstGeom prst="rect">
+                <a:avLst/>
+              </a:prstGeom>
+              <a:blipFill>
+                <a:blip r:embed="rId4"/>
+                <a:stretch>
+                  <a:fillRect l="-1636" t="-13115" r="-1636" b="-26230"/>
+                </a:stretch>
+              </a:blipFill>
+            </p:spPr>
+            <p:txBody>
+              <a:bodyPr/>
+              <a:lstStyle/>
+              <a:p>
+                <a:r>
+                  <a:rPr lang="zh-CN" altLang="en-US">
+                    <a:noFill/>
+                  </a:rPr>
+                  <a:t> </a:t>
+                </a:r>
+              </a:p>
+            </p:txBody>
+          </p:sp>
+        </mc:Fallback>
+      </mc:AlternateContent>
+      <p:cxnSp>
+        <p:nvCxnSpPr>
+          <p:cNvPr id="17" name="直接箭头连接符 16"/>
+          <p:cNvCxnSpPr/>
+          <p:nvPr/>
+        </p:nvCxnSpPr>
+        <p:spPr>
+          <a:xfrm flipH="1" flipV="1">
+            <a:off x="8071338" y="1449309"/>
+            <a:ext cx="228600" cy="366350"/>
+          </a:xfrm>
+          <a:prstGeom prst="straightConnector1">
+            <a:avLst/>
+          </a:prstGeom>
+          <a:ln>
+            <a:tailEnd type="triangle"/>
+          </a:ln>
+        </p:spPr>
+        <p:style>
+          <a:lnRef idx="1">
+            <a:schemeClr val="accent1"/>
+          </a:lnRef>
+          <a:fillRef idx="0">
+            <a:schemeClr val="accent1"/>
+          </a:fillRef>
+          <a:effectRef idx="0">
+            <a:schemeClr val="accent1"/>
+          </a:effectRef>
+          <a:fontRef idx="minor">
+            <a:schemeClr val="tx1"/>
+          </a:fontRef>
+        </p:style>
+      </p:cxnSp>
+      <p:pic>
+        <p:nvPicPr>
+          <p:cNvPr id="18" name="图片 17"/>
+          <p:cNvPicPr>
+            <a:picLocks noChangeAspect="1"/>
+          </p:cNvPicPr>
+          <p:nvPr/>
+        </p:nvPicPr>
+        <p:blipFill>
+          <a:blip r:embed="rId5">
+            <a:extLst>
+              <a:ext uri="{28A0092B-C50C-407E-A947-70E740481C1C}">
+                <a14:useLocalDpi xmlns:a14="http://schemas.microsoft.com/office/drawing/2010/main" val="0"/>
+              </a:ext>
+            </a:extLst>
+          </a:blip>
+          <a:stretch>
+            <a:fillRect/>
+          </a:stretch>
+        </p:blipFill>
+        <p:spPr>
+          <a:xfrm>
+            <a:off x="7279539" y="2014044"/>
+            <a:ext cx="3680073" cy="2728896"/>
+          </a:xfrm>
+          <a:prstGeom prst="rect">
+            <a:avLst/>
+          </a:prstGeom>
+        </p:spPr>
+      </p:pic>
+      <p:sp>
+        <p:nvSpPr>
+          <p:cNvPr id="19" name="文本框 18"/>
+          <p:cNvSpPr txBox="1"/>
+          <p:nvPr/>
+        </p:nvSpPr>
+        <p:spPr>
+          <a:xfrm>
+            <a:off x="7484722" y="4390073"/>
+            <a:ext cx="1251751" cy="646331"/>
+          </a:xfrm>
+          <a:prstGeom prst="rect">
+            <a:avLst/>
+          </a:prstGeom>
+          <a:noFill/>
+        </p:spPr>
+        <p:txBody>
+          <a:bodyPr wrap="square" rtlCol="0">
+            <a:spAutoFit/>
+          </a:bodyPr>
+          <a:lstStyle/>
+          <a:p>
+            <a:pPr algn="ctr"/>
+            <a:r>
+              <a:rPr lang="en-US" altLang="zh-CN" dirty="0" smtClean="0"/>
+              <a:t>Weak Turbulence</a:t>
+            </a:r>
+            <a:endParaRPr lang="zh-CN" altLang="en-US" dirty="0"/>
+          </a:p>
+        </p:txBody>
+      </p:sp>
+      <p:sp>
+        <p:nvSpPr>
+          <p:cNvPr id="20" name="文本框 19"/>
+          <p:cNvSpPr txBox="1"/>
+          <p:nvPr/>
+        </p:nvSpPr>
+        <p:spPr>
+          <a:xfrm>
+            <a:off x="9349656" y="3371317"/>
+            <a:ext cx="1251751" cy="646331"/>
+          </a:xfrm>
+          <a:prstGeom prst="rect">
+            <a:avLst/>
+          </a:prstGeom>
+          <a:noFill/>
+        </p:spPr>
+        <p:txBody>
+          <a:bodyPr wrap="square" rtlCol="0">
+            <a:spAutoFit/>
+          </a:bodyPr>
+          <a:lstStyle/>
+          <a:p>
+            <a:pPr algn="ctr"/>
+            <a:r>
+              <a:rPr lang="en-US" altLang="zh-CN" dirty="0" smtClean="0">
+                <a:solidFill>
+                  <a:schemeClr val="bg2">
+                    <a:lumMod val="75000"/>
+                  </a:schemeClr>
+                </a:solidFill>
+              </a:rPr>
+              <a:t>Strong Turbulence</a:t>
+            </a:r>
+            <a:endParaRPr lang="zh-CN" altLang="en-US" dirty="0">
+              <a:solidFill>
+                <a:schemeClr val="bg2">
+                  <a:lumMod val="75000"/>
+                </a:schemeClr>
+              </a:solidFill>
+            </a:endParaRPr>
+          </a:p>
+        </p:txBody>
+      </p:sp>
+      <p:sp>
+        <p:nvSpPr>
+          <p:cNvPr id="21" name="文本框 20"/>
+          <p:cNvSpPr txBox="1"/>
+          <p:nvPr/>
+        </p:nvSpPr>
+        <p:spPr>
+          <a:xfrm>
+            <a:off x="8097905" y="1536338"/>
+            <a:ext cx="1251751" cy="369332"/>
+          </a:xfrm>
+          <a:prstGeom prst="rect">
+            <a:avLst/>
+          </a:prstGeom>
+          <a:noFill/>
+        </p:spPr>
+        <p:txBody>
+          <a:bodyPr wrap="square" rtlCol="0">
+            <a:spAutoFit/>
+          </a:bodyPr>
+          <a:lstStyle/>
+          <a:p>
+            <a:pPr algn="ctr"/>
+            <a:r>
+              <a:rPr lang="en-US" altLang="zh-CN" dirty="0" smtClean="0"/>
+              <a:t>Transition</a:t>
+            </a:r>
+            <a:endParaRPr lang="zh-CN" altLang="en-US" dirty="0"/>
+          </a:p>
+        </p:txBody>
+      </p:sp>
+      <p:cxnSp>
+        <p:nvCxnSpPr>
+          <p:cNvPr id="22" name="直接连接符 21"/>
+          <p:cNvCxnSpPr/>
+          <p:nvPr/>
+        </p:nvCxnSpPr>
+        <p:spPr>
+          <a:xfrm flipH="1" flipV="1">
+            <a:off x="8386289" y="1813565"/>
+            <a:ext cx="0" cy="2772000"/>
+          </a:xfrm>
+          <a:prstGeom prst="line">
+            <a:avLst/>
+          </a:prstGeom>
+          <a:ln w="9525" cap="flat" cmpd="sng" algn="ctr">
+            <a:solidFill>
+              <a:schemeClr val="accent1"/>
+            </a:solidFill>
+            <a:prstDash val="dash"/>
+            <a:round/>
+            <a:headEnd type="none" w="med" len="med"/>
+            <a:tailEnd type="none" w="med" len="med"/>
+          </a:ln>
+        </p:spPr>
+        <p:style>
+          <a:lnRef idx="0">
+            <a:scrgbClr r="0" g="0" b="0"/>
+          </a:lnRef>
+          <a:fillRef idx="0">
+            <a:scrgbClr r="0" g="0" b="0"/>
+          </a:fillRef>
+          <a:effectRef idx="0">
+            <a:scrgbClr r="0" g="0" b="0"/>
+          </a:effectRef>
+          <a:fontRef idx="minor">
+            <a:schemeClr val="tx1"/>
+          </a:fontRef>
+        </p:style>
+      </p:cxnSp>
+      <p:cxnSp>
+        <p:nvCxnSpPr>
+          <p:cNvPr id="23" name="直接连接符 22"/>
+          <p:cNvCxnSpPr/>
+          <p:nvPr/>
+        </p:nvCxnSpPr>
+        <p:spPr>
+          <a:xfrm flipH="1" flipV="1">
+            <a:off x="8991451" y="1813565"/>
+            <a:ext cx="0" cy="2769833"/>
+          </a:xfrm>
+          <a:prstGeom prst="line">
+            <a:avLst/>
+          </a:prstGeom>
+          <a:ln w="9525" cap="flat" cmpd="sng" algn="ctr">
+            <a:solidFill>
+              <a:schemeClr val="accent1"/>
+            </a:solidFill>
+            <a:prstDash val="dash"/>
+            <a:round/>
+            <a:headEnd type="none" w="med" len="med"/>
+            <a:tailEnd type="none" w="med" len="med"/>
+          </a:ln>
+        </p:spPr>
+        <p:style>
+          <a:lnRef idx="0">
+            <a:scrgbClr r="0" g="0" b="0"/>
+          </a:lnRef>
+          <a:fillRef idx="0">
+            <a:scrgbClr r="0" g="0" b="0"/>
+          </a:fillRef>
+          <a:effectRef idx="0">
+            <a:scrgbClr r="0" g="0" b="0"/>
+          </a:effectRef>
+          <a:fontRef idx="minor">
+            <a:schemeClr val="tx1"/>
+          </a:fontRef>
+        </p:style>
+      </p:cxnSp>
+      <p:sp>
+        <p:nvSpPr>
+          <p:cNvPr id="24" name="文本框 23"/>
+          <p:cNvSpPr txBox="1"/>
+          <p:nvPr/>
+        </p:nvSpPr>
+        <p:spPr>
+          <a:xfrm>
+            <a:off x="8109966" y="1733882"/>
+            <a:ext cx="430824" cy="215444"/>
+          </a:xfrm>
+          <a:prstGeom prst="rect">
+            <a:avLst/>
+          </a:prstGeom>
+          <a:noFill/>
+        </p:spPr>
+        <p:txBody>
+          <a:bodyPr wrap="square" rtlCol="0">
+            <a:spAutoFit/>
+          </a:bodyPr>
+          <a:lstStyle/>
+          <a:p>
+            <a:r>
+              <a:rPr lang="en-US" altLang="zh-CN" sz="800" dirty="0" smtClean="0"/>
+              <a:t>Re</a:t>
+            </a:r>
+            <a:endParaRPr lang="zh-CN" altLang="en-US" sz="800" dirty="0"/>
+          </a:p>
+        </p:txBody>
+      </p:sp>
+      <p:pic>
+        <p:nvPicPr>
+          <p:cNvPr id="26" name="图片 25"/>
+          <p:cNvPicPr>
+            <a:picLocks noChangeAspect="1"/>
+          </p:cNvPicPr>
+          <p:nvPr/>
+        </p:nvPicPr>
+        <p:blipFill>
+          <a:blip r:embed="rId6"/>
+          <a:stretch>
+            <a:fillRect/>
+          </a:stretch>
+        </p:blipFill>
+        <p:spPr>
+          <a:xfrm>
+            <a:off x="6202380" y="1841604"/>
+            <a:ext cx="5578142" cy="3630743"/>
+          </a:xfrm>
+          <a:prstGeom prst="rect">
+            <a:avLst/>
+          </a:prstGeom>
+        </p:spPr>
+      </p:pic>
+      <p:sp>
+        <p:nvSpPr>
+          <p:cNvPr id="27" name="文本框 26"/>
+          <p:cNvSpPr txBox="1"/>
+          <p:nvPr/>
+        </p:nvSpPr>
+        <p:spPr>
+          <a:xfrm>
+            <a:off x="1918367" y="4833519"/>
+            <a:ext cx="4501662" cy="707886"/>
+          </a:xfrm>
+          <a:prstGeom prst="rect">
+            <a:avLst/>
+          </a:prstGeom>
+          <a:noFill/>
+        </p:spPr>
+        <p:txBody>
+          <a:bodyPr wrap="square" rtlCol="0">
+            <a:spAutoFit/>
+          </a:bodyPr>
+          <a:lstStyle/>
+          <a:p>
+            <a:r>
+              <a:rPr lang="en-US" altLang="zh-CN" sz="2000" dirty="0" smtClean="0"/>
+              <a:t>The </a:t>
+            </a:r>
+            <a:r>
+              <a:rPr lang="en-US" altLang="zh-CN" sz="2000" dirty="0" smtClean="0">
+                <a:solidFill>
+                  <a:srgbClr val="FF0000"/>
+                </a:solidFill>
+              </a:rPr>
+              <a:t>-4/5 </a:t>
+            </a:r>
+            <a:r>
+              <a:rPr lang="en-US" altLang="zh-CN" sz="2000" dirty="0" smtClean="0"/>
+              <a:t>plateau is also met in the 3</a:t>
+            </a:r>
+            <a:r>
+              <a:rPr lang="en-US" altLang="zh-CN" sz="2000" baseline="30000" dirty="0" smtClean="0"/>
+              <a:t>rd</a:t>
+            </a:r>
+            <a:r>
+              <a:rPr lang="en-US" altLang="zh-CN" sz="2000" dirty="0" smtClean="0"/>
+              <a:t> order structure function when Re is large.  </a:t>
+            </a:r>
+            <a:endParaRPr lang="zh-CN" altLang="en-US" sz="2000" dirty="0"/>
+          </a:p>
+        </p:txBody>
+      </p:sp>
+      <p:sp>
+        <p:nvSpPr>
+          <p:cNvPr id="28" name="椭圆 27"/>
+          <p:cNvSpPr/>
+          <p:nvPr/>
+        </p:nvSpPr>
+        <p:spPr>
+          <a:xfrm>
+            <a:off x="8696271" y="1968493"/>
+            <a:ext cx="1125536" cy="310297"/>
+          </a:xfrm>
+          <a:prstGeom prst="ellipse">
+            <a:avLst/>
+          </a:prstGeom>
+          <a:solidFill>
+            <a:schemeClr val="accent1">
+              <a:alpha val="50000"/>
+            </a:schemeClr>
+          </a:solidFill>
+          <a:ln>
+            <a:noFill/>
+          </a:ln>
+        </p:spPr>
+        <p:style>
+          <a:lnRef idx="0">
+            <a:scrgbClr r="0" g="0" b="0"/>
+          </a:lnRef>
+          <a:fillRef idx="0">
+            <a:scrgbClr r="0" g="0" b="0"/>
+          </a:fillRef>
+          <a:effectRef idx="0">
+            <a:scrgbClr r="0" g="0" b="0"/>
+          </a:effectRef>
+          <a:fontRef idx="minor">
+            <a:schemeClr val="lt1"/>
+          </a:fontRef>
+        </p:style>
+        <p:txBody>
+          <a:bodyPr rtlCol="0" anchor="ctr"/>
+          <a:lstStyle/>
+          <a:p>
+            <a:pPr algn="ctr"/>
+            <a:endParaRPr lang="zh-CN" altLang="en-US"/>
+          </a:p>
+        </p:txBody>
+      </p:sp>
+      <p:sp>
+        <p:nvSpPr>
+          <p:cNvPr id="29" name="文本框 28"/>
+          <p:cNvSpPr txBox="1"/>
+          <p:nvPr/>
+        </p:nvSpPr>
+        <p:spPr>
+          <a:xfrm>
+            <a:off x="1903711" y="5576591"/>
+            <a:ext cx="4424175" cy="646331"/>
+          </a:xfrm>
+          <a:prstGeom prst="rect">
+            <a:avLst/>
+          </a:prstGeom>
+          <a:noFill/>
+        </p:spPr>
+        <p:txBody>
+          <a:bodyPr wrap="square" rtlCol="0">
+            <a:spAutoFit/>
+          </a:bodyPr>
+          <a:lstStyle/>
+          <a:p>
+            <a:r>
+              <a:rPr lang="en-US" altLang="zh-CN" dirty="0" smtClean="0"/>
+              <a:t>Departure at low Re also indicates that the turbulence is </a:t>
+            </a:r>
+            <a:r>
+              <a:rPr lang="en-US" altLang="zh-CN" dirty="0" smtClean="0">
+                <a:solidFill>
+                  <a:srgbClr val="FF0000"/>
+                </a:solidFill>
+              </a:rPr>
+              <a:t>weak</a:t>
+            </a:r>
+            <a:r>
+              <a:rPr lang="en-US" altLang="zh-CN" dirty="0" smtClean="0"/>
+              <a:t> there.</a:t>
+            </a:r>
+            <a:endParaRPr lang="zh-CN" altLang="en-US" dirty="0"/>
+          </a:p>
+        </p:txBody>
+      </p:sp>
+    </p:spTree>
+    <p:extLst>
+      <p:ext uri="{BB962C8B-B14F-4D97-AF65-F5344CB8AC3E}">
+        <p14:creationId xmlns:p14="http://schemas.microsoft.com/office/powerpoint/2010/main" val="2573380380"/>
+      </p:ext>
+    </p:extLst>
+  </p:cSld>
+  <p:clrMapOvr>
+    <a:masterClrMapping/>
+  </p:clrMapOvr>
+  <p:timing>
+    <p:tnLst>
+      <p:par>
+        <p:cTn id="1" dur="indefinite" restart="never" nodeType="tmRoot">
+          <p:childTnLst>
+            <p:seq concurrent="1" nextAc="seek">
+              <p:cTn id="2" dur="indefinite" nodeType="mainSeq">
+                <p:childTnLst>
+                  <p:par>
+                    <p:cTn id="3" fill="hold">
+                      <p:stCondLst>
+                        <p:cond delay="indefinite"/>
+                      </p:stCondLst>
+                      <p:childTnLst>
+                        <p:par>
+                          <p:cTn id="4" fill="hold">
+                            <p:stCondLst>
+                              <p:cond delay="0"/>
+                            </p:stCondLst>
+                            <p:childTnLst>
+                              <p:par>
+                                <p:cTn id="5" presetID="42" presetClass="entr" presetSubtype="0" fill="hold" nodeType="clickEffect">
+                                  <p:stCondLst>
+                                    <p:cond delay="0"/>
+                                  </p:stCondLst>
+                                  <p:childTnLst>
+                                    <p:set>
+                                      <p:cBhvr>
+                                        <p:cTn id="6" dur="1" fill="hold">
+                                          <p:stCondLst>
+                                            <p:cond delay="0"/>
+                                          </p:stCondLst>
+                                        </p:cTn>
+                                        <p:tgtEl>
+                                          <p:spTgt spid="6">
+                                            <p:txEl>
+                                              <p:pRg st="0" end="0"/>
+                                            </p:txEl>
+                                          </p:spTgt>
+                                        </p:tgtEl>
+                                        <p:attrNameLst>
+                                          <p:attrName>style.visibility</p:attrName>
+                                        </p:attrNameLst>
+                                      </p:cBhvr>
+                                      <p:to>
+                                        <p:strVal val="visible"/>
+                                      </p:to>
+                                    </p:set>
+                                    <p:animEffect transition="in" filter="fade">
+                                      <p:cBhvr>
+                                        <p:cTn id="7" dur="1000"/>
+                                        <p:tgtEl>
+                                          <p:spTgt spid="6">
+                                            <p:txEl>
+                                              <p:pRg st="0" end="0"/>
+                                            </p:txEl>
+                                          </p:spTgt>
+                                        </p:tgtEl>
+                                      </p:cBhvr>
+                                    </p:animEffect>
+                                    <p:anim calcmode="lin" valueType="num">
+                                      <p:cBhvr>
+                                        <p:cTn id="8" dur="1000" fill="hold"/>
+                                        <p:tgtEl>
+                                          <p:spTgt spid="6">
+                                            <p:txEl>
+                                              <p:pRg st="0" end="0"/>
+                                            </p:txEl>
+                                          </p:spTgt>
+                                        </p:tgtEl>
+                                        <p:attrNameLst>
+                                          <p:attrName>ppt_x</p:attrName>
+                                        </p:attrNameLst>
+                                      </p:cBhvr>
+                                      <p:tavLst>
+                                        <p:tav tm="0">
+                                          <p:val>
+                                            <p:strVal val="#ppt_x"/>
+                                          </p:val>
+                                        </p:tav>
+                                        <p:tav tm="100000">
+                                          <p:val>
+                                            <p:strVal val="#ppt_x"/>
+                                          </p:val>
+                                        </p:tav>
+                                      </p:tavLst>
+                                    </p:anim>
+                                    <p:anim calcmode="lin" valueType="num">
+                                      <p:cBhvr>
+                                        <p:cTn id="9" dur="1000" fill="hold"/>
+                                        <p:tgtEl>
+                                          <p:spTgt spid="6">
+                                            <p:txEl>
+                                              <p:pRg st="0" end="0"/>
+                                            </p:txEl>
+                                          </p:spTgt>
+                                        </p:tgtEl>
+                                        <p:attrNameLst>
+                                          <p:attrName>ppt_y</p:attrName>
+                                        </p:attrNameLst>
+                                      </p:cBhvr>
+                                      <p:tavLst>
+                                        <p:tav tm="0">
+                                          <p:val>
+                                            <p:strVal val="#ppt_y+.1"/>
+                                          </p:val>
+                                        </p:tav>
+                                        <p:tav tm="100000">
+                                          <p:val>
+                                            <p:strVal val="#ppt_y"/>
+                                          </p:val>
+                                        </p:tav>
+                                      </p:tavLst>
+                                    </p:anim>
+                                  </p:childTnLst>
+                                </p:cTn>
+                              </p:par>
+                            </p:childTnLst>
+                          </p:cTn>
+                        </p:par>
+                      </p:childTnLst>
+                    </p:cTn>
+                  </p:par>
+                  <p:par>
+                    <p:cTn id="10" fill="hold">
+                      <p:stCondLst>
+                        <p:cond delay="indefinite"/>
+                      </p:stCondLst>
+                      <p:childTnLst>
+                        <p:par>
+                          <p:cTn id="11" fill="hold">
+                            <p:stCondLst>
+                              <p:cond delay="0"/>
+                            </p:stCondLst>
+                            <p:childTnLst>
+                              <p:par>
+                                <p:cTn id="12" presetID="2" presetClass="entr" presetSubtype="4" fill="hold" nodeType="clickEffect">
+                                  <p:stCondLst>
+                                    <p:cond delay="0"/>
+                                  </p:stCondLst>
+                                  <p:childTnLst>
+                                    <p:set>
+                                      <p:cBhvr>
+                                        <p:cTn id="13" dur="1" fill="hold">
+                                          <p:stCondLst>
+                                            <p:cond delay="0"/>
+                                          </p:stCondLst>
+                                        </p:cTn>
+                                        <p:tgtEl>
+                                          <p:spTgt spid="9"/>
+                                        </p:tgtEl>
+                                        <p:attrNameLst>
+                                          <p:attrName>style.visibility</p:attrName>
+                                        </p:attrNameLst>
+                                      </p:cBhvr>
+                                      <p:to>
+                                        <p:strVal val="visible"/>
+                                      </p:to>
+                                    </p:set>
+                                    <p:anim calcmode="lin" valueType="num">
+                                      <p:cBhvr additive="base">
+                                        <p:cTn id="14" dur="500" fill="hold"/>
+                                        <p:tgtEl>
+                                          <p:spTgt spid="9"/>
+                                        </p:tgtEl>
+                                        <p:attrNameLst>
+                                          <p:attrName>ppt_x</p:attrName>
+                                        </p:attrNameLst>
+                                      </p:cBhvr>
+                                      <p:tavLst>
+                                        <p:tav tm="0">
+                                          <p:val>
+                                            <p:strVal val="#ppt_x"/>
+                                          </p:val>
+                                        </p:tav>
+                                        <p:tav tm="100000">
+                                          <p:val>
+                                            <p:strVal val="#ppt_x"/>
+                                          </p:val>
+                                        </p:tav>
+                                      </p:tavLst>
+                                    </p:anim>
+                                    <p:anim calcmode="lin" valueType="num">
+                                      <p:cBhvr additive="base">
+                                        <p:cTn id="15" dur="500" fill="hold"/>
+                                        <p:tgtEl>
+                                          <p:spTgt spid="9"/>
+                                        </p:tgtEl>
+                                        <p:attrNameLst>
+                                          <p:attrName>ppt_y</p:attrName>
+                                        </p:attrNameLst>
+                                      </p:cBhvr>
+                                      <p:tavLst>
+                                        <p:tav tm="0">
+                                          <p:val>
+                                            <p:strVal val="1+#ppt_h/2"/>
+                                          </p:val>
+                                        </p:tav>
+                                        <p:tav tm="100000">
+                                          <p:val>
+                                            <p:strVal val="#ppt_y"/>
+                                          </p:val>
+                                        </p:tav>
+                                      </p:tavLst>
+                                    </p:anim>
+                                  </p:childTnLst>
+                                </p:cTn>
+                              </p:par>
+                              <p:par>
+                                <p:cTn id="16" presetID="2" presetClass="entr" presetSubtype="4" fill="hold" nodeType="withEffect">
+                                  <p:stCondLst>
+                                    <p:cond delay="0"/>
+                                  </p:stCondLst>
+                                  <p:childTnLst>
+                                    <p:set>
+                                      <p:cBhvr>
+                                        <p:cTn id="17" dur="1" fill="hold">
+                                          <p:stCondLst>
+                                            <p:cond delay="0"/>
+                                          </p:stCondLst>
+                                        </p:cTn>
+                                        <p:tgtEl>
+                                          <p:spTgt spid="11"/>
+                                        </p:tgtEl>
+                                        <p:attrNameLst>
+                                          <p:attrName>style.visibility</p:attrName>
+                                        </p:attrNameLst>
+                                      </p:cBhvr>
+                                      <p:to>
+                                        <p:strVal val="visible"/>
+                                      </p:to>
+                                    </p:set>
+                                    <p:anim calcmode="lin" valueType="num">
+                                      <p:cBhvr additive="base">
+                                        <p:cTn id="18" dur="500" fill="hold"/>
+                                        <p:tgtEl>
+                                          <p:spTgt spid="11"/>
+                                        </p:tgtEl>
+                                        <p:attrNameLst>
+                                          <p:attrName>ppt_x</p:attrName>
+                                        </p:attrNameLst>
+                                      </p:cBhvr>
+                                      <p:tavLst>
+                                        <p:tav tm="0">
+                                          <p:val>
+                                            <p:strVal val="#ppt_x"/>
+                                          </p:val>
+                                        </p:tav>
+                                        <p:tav tm="100000">
+                                          <p:val>
+                                            <p:strVal val="#ppt_x"/>
+                                          </p:val>
+                                        </p:tav>
+                                      </p:tavLst>
+                                    </p:anim>
+                                    <p:anim calcmode="lin" valueType="num">
+                                      <p:cBhvr additive="base">
+                                        <p:cTn id="19" dur="500" fill="hold"/>
+                                        <p:tgtEl>
+                                          <p:spTgt spid="11"/>
+                                        </p:tgtEl>
+                                        <p:attrNameLst>
+                                          <p:attrName>ppt_y</p:attrName>
+                                        </p:attrNameLst>
+                                      </p:cBhvr>
+                                      <p:tavLst>
+                                        <p:tav tm="0">
+                                          <p:val>
+                                            <p:strVal val="1+#ppt_h/2"/>
+                                          </p:val>
+                                        </p:tav>
+                                        <p:tav tm="100000">
+                                          <p:val>
+                                            <p:strVal val="#ppt_y"/>
+                                          </p:val>
+                                        </p:tav>
+                                      </p:tavLst>
+                                    </p:anim>
+                                  </p:childTnLst>
+                                </p:cTn>
+                              </p:par>
+                              <p:par>
+                                <p:cTn id="20" presetID="2" presetClass="entr" presetSubtype="4" fill="hold" grpId="0" nodeType="withEffect">
+                                  <p:stCondLst>
+                                    <p:cond delay="0"/>
+                                  </p:stCondLst>
+                                  <p:childTnLst>
+                                    <p:set>
+                                      <p:cBhvr>
+                                        <p:cTn id="21" dur="1" fill="hold">
+                                          <p:stCondLst>
+                                            <p:cond delay="0"/>
+                                          </p:stCondLst>
+                                        </p:cTn>
+                                        <p:tgtEl>
+                                          <p:spTgt spid="15"/>
+                                        </p:tgtEl>
+                                        <p:attrNameLst>
+                                          <p:attrName>style.visibility</p:attrName>
+                                        </p:attrNameLst>
+                                      </p:cBhvr>
+                                      <p:to>
+                                        <p:strVal val="visible"/>
+                                      </p:to>
+                                    </p:set>
+                                    <p:anim calcmode="lin" valueType="num">
+                                      <p:cBhvr additive="base">
+                                        <p:cTn id="22" dur="500" fill="hold"/>
+                                        <p:tgtEl>
+                                          <p:spTgt spid="15"/>
+                                        </p:tgtEl>
+                                        <p:attrNameLst>
+                                          <p:attrName>ppt_x</p:attrName>
+                                        </p:attrNameLst>
+                                      </p:cBhvr>
+                                      <p:tavLst>
+                                        <p:tav tm="0">
+                                          <p:val>
+                                            <p:strVal val="#ppt_x"/>
+                                          </p:val>
+                                        </p:tav>
+                                        <p:tav tm="100000">
+                                          <p:val>
+                                            <p:strVal val="#ppt_x"/>
+                                          </p:val>
+                                        </p:tav>
+                                      </p:tavLst>
+                                    </p:anim>
+                                    <p:anim calcmode="lin" valueType="num">
+                                      <p:cBhvr additive="base">
+                                        <p:cTn id="23" dur="500" fill="hold"/>
+                                        <p:tgtEl>
+                                          <p:spTgt spid="15"/>
+                                        </p:tgtEl>
+                                        <p:attrNameLst>
+                                          <p:attrName>ppt_y</p:attrName>
+                                        </p:attrNameLst>
+                                      </p:cBhvr>
+                                      <p:tavLst>
+                                        <p:tav tm="0">
+                                          <p:val>
+                                            <p:strVal val="1+#ppt_h/2"/>
+                                          </p:val>
+                                        </p:tav>
+                                        <p:tav tm="100000">
+                                          <p:val>
+                                            <p:strVal val="#ppt_y"/>
+                                          </p:val>
+                                        </p:tav>
+                                      </p:tavLst>
+                                    </p:anim>
+                                  </p:childTnLst>
+                                </p:cTn>
+                              </p:par>
+                              <p:par>
+                                <p:cTn id="24" presetID="2" presetClass="entr" presetSubtype="4" fill="hold" nodeType="withEffect">
+                                  <p:stCondLst>
+                                    <p:cond delay="0"/>
+                                  </p:stCondLst>
+                                  <p:childTnLst>
+                                    <p:set>
+                                      <p:cBhvr>
+                                        <p:cTn id="25" dur="1" fill="hold">
+                                          <p:stCondLst>
+                                            <p:cond delay="0"/>
+                                          </p:stCondLst>
+                                        </p:cTn>
+                                        <p:tgtEl>
+                                          <p:spTgt spid="17"/>
+                                        </p:tgtEl>
+                                        <p:attrNameLst>
+                                          <p:attrName>style.visibility</p:attrName>
+                                        </p:attrNameLst>
+                                      </p:cBhvr>
+                                      <p:to>
+                                        <p:strVal val="visible"/>
+                                      </p:to>
+                                    </p:set>
+                                    <p:anim calcmode="lin" valueType="num">
+                                      <p:cBhvr additive="base">
+                                        <p:cTn id="26" dur="500" fill="hold"/>
+                                        <p:tgtEl>
+                                          <p:spTgt spid="17"/>
+                                        </p:tgtEl>
+                                        <p:attrNameLst>
+                                          <p:attrName>ppt_x</p:attrName>
+                                        </p:attrNameLst>
+                                      </p:cBhvr>
+                                      <p:tavLst>
+                                        <p:tav tm="0">
+                                          <p:val>
+                                            <p:strVal val="#ppt_x"/>
+                                          </p:val>
+                                        </p:tav>
+                                        <p:tav tm="100000">
+                                          <p:val>
+                                            <p:strVal val="#ppt_x"/>
+                                          </p:val>
+                                        </p:tav>
+                                      </p:tavLst>
+                                    </p:anim>
+                                    <p:anim calcmode="lin" valueType="num">
+                                      <p:cBhvr additive="base">
+                                        <p:cTn id="27" dur="500" fill="hold"/>
+                                        <p:tgtEl>
+                                          <p:spTgt spid="17"/>
+                                        </p:tgtEl>
+                                        <p:attrNameLst>
+                                          <p:attrName>ppt_y</p:attrName>
+                                        </p:attrNameLst>
+                                      </p:cBhvr>
+                                      <p:tavLst>
+                                        <p:tav tm="0">
+                                          <p:val>
+                                            <p:strVal val="1+#ppt_h/2"/>
+                                          </p:val>
+                                        </p:tav>
+                                        <p:tav tm="100000">
+                                          <p:val>
+                                            <p:strVal val="#ppt_y"/>
+                                          </p:val>
+                                        </p:tav>
+                                      </p:tavLst>
+                                    </p:anim>
+                                  </p:childTnLst>
+                                </p:cTn>
+                              </p:par>
+                              <p:par>
+                                <p:cTn id="28" presetID="2" presetClass="entr" presetSubtype="4" fill="hold" grpId="0" nodeType="withEffect">
+                                  <p:stCondLst>
+                                    <p:cond delay="0"/>
+                                  </p:stCondLst>
+                                  <p:childTnLst>
+                                    <p:set>
+                                      <p:cBhvr>
+                                        <p:cTn id="29" dur="1" fill="hold">
+                                          <p:stCondLst>
+                                            <p:cond delay="0"/>
+                                          </p:stCondLst>
+                                        </p:cTn>
+                                        <p:tgtEl>
+                                          <p:spTgt spid="24"/>
+                                        </p:tgtEl>
+                                        <p:attrNameLst>
+                                          <p:attrName>style.visibility</p:attrName>
+                                        </p:attrNameLst>
+                                      </p:cBhvr>
+                                      <p:to>
+                                        <p:strVal val="visible"/>
+                                      </p:to>
+                                    </p:set>
+                                    <p:anim calcmode="lin" valueType="num">
+                                      <p:cBhvr additive="base">
+                                        <p:cTn id="30" dur="500" fill="hold"/>
+                                        <p:tgtEl>
+                                          <p:spTgt spid="24"/>
+                                        </p:tgtEl>
+                                        <p:attrNameLst>
+                                          <p:attrName>ppt_x</p:attrName>
+                                        </p:attrNameLst>
+                                      </p:cBhvr>
+                                      <p:tavLst>
+                                        <p:tav tm="0">
+                                          <p:val>
+                                            <p:strVal val="#ppt_x"/>
+                                          </p:val>
+                                        </p:tav>
+                                        <p:tav tm="100000">
+                                          <p:val>
+                                            <p:strVal val="#ppt_x"/>
+                                          </p:val>
+                                        </p:tav>
+                                      </p:tavLst>
+                                    </p:anim>
+                                    <p:anim calcmode="lin" valueType="num">
+                                      <p:cBhvr additive="base">
+                                        <p:cTn id="31" dur="500" fill="hold"/>
+                                        <p:tgtEl>
+                                          <p:spTgt spid="24"/>
+                                        </p:tgtEl>
+                                        <p:attrNameLst>
+                                          <p:attrName>ppt_y</p:attrName>
+                                        </p:attrNameLst>
+                                      </p:cBhvr>
+                                      <p:tavLst>
+                                        <p:tav tm="0">
+                                          <p:val>
+                                            <p:strVal val="1+#ppt_h/2"/>
+                                          </p:val>
+                                        </p:tav>
+                                        <p:tav tm="100000">
+                                          <p:val>
+                                            <p:strVal val="#ppt_y"/>
+                                          </p:val>
+                                        </p:tav>
+                                      </p:tavLst>
+                                    </p:anim>
+                                  </p:childTnLst>
+                                </p:cTn>
+                              </p:par>
+                              <p:par>
+                                <p:cTn id="32" presetID="2" presetClass="entr" presetSubtype="4" fill="hold" nodeType="withEffect">
+                                  <p:stCondLst>
+                                    <p:cond delay="0"/>
+                                  </p:stCondLst>
+                                  <p:childTnLst>
+                                    <p:set>
+                                      <p:cBhvr>
+                                        <p:cTn id="33" dur="1" fill="hold">
+                                          <p:stCondLst>
+                                            <p:cond delay="0"/>
+                                          </p:stCondLst>
+                                        </p:cTn>
+                                        <p:tgtEl>
+                                          <p:spTgt spid="7"/>
+                                        </p:tgtEl>
+                                        <p:attrNameLst>
+                                          <p:attrName>style.visibility</p:attrName>
+                                        </p:attrNameLst>
+                                      </p:cBhvr>
+                                      <p:to>
+                                        <p:strVal val="visible"/>
+                                      </p:to>
+                                    </p:set>
+                                    <p:anim calcmode="lin" valueType="num">
+                                      <p:cBhvr additive="base">
+                                        <p:cTn id="34" dur="500" fill="hold"/>
+                                        <p:tgtEl>
+                                          <p:spTgt spid="7"/>
+                                        </p:tgtEl>
+                                        <p:attrNameLst>
+                                          <p:attrName>ppt_x</p:attrName>
+                                        </p:attrNameLst>
+                                      </p:cBhvr>
+                                      <p:tavLst>
+                                        <p:tav tm="0">
+                                          <p:val>
+                                            <p:strVal val="#ppt_x"/>
+                                          </p:val>
+                                        </p:tav>
+                                        <p:tav tm="100000">
+                                          <p:val>
+                                            <p:strVal val="#ppt_x"/>
+                                          </p:val>
+                                        </p:tav>
+                                      </p:tavLst>
+                                    </p:anim>
+                                    <p:anim calcmode="lin" valueType="num">
+                                      <p:cBhvr additive="base">
+                                        <p:cTn id="35" dur="500" fill="hold"/>
+                                        <p:tgtEl>
+                                          <p:spTgt spid="7"/>
+                                        </p:tgtEl>
+                                        <p:attrNameLst>
+                                          <p:attrName>ppt_y</p:attrName>
+                                        </p:attrNameLst>
+                                      </p:cBhvr>
+                                      <p:tavLst>
+                                        <p:tav tm="0">
+                                          <p:val>
+                                            <p:strVal val="1+#ppt_h/2"/>
+                                          </p:val>
+                                        </p:tav>
+                                        <p:tav tm="100000">
+                                          <p:val>
+                                            <p:strVal val="#ppt_y"/>
+                                          </p:val>
+                                        </p:tav>
+                                      </p:tavLst>
+                                    </p:anim>
+                                  </p:childTnLst>
+                                </p:cTn>
+                              </p:par>
+                            </p:childTnLst>
+                          </p:cTn>
+                        </p:par>
+                      </p:childTnLst>
+                    </p:cTn>
+                  </p:par>
+                  <p:par>
+                    <p:cTn id="36" fill="hold">
+                      <p:stCondLst>
+                        <p:cond delay="indefinite"/>
+                      </p:stCondLst>
+                      <p:childTnLst>
+                        <p:par>
+                          <p:cTn id="37" fill="hold">
+                            <p:stCondLst>
+                              <p:cond delay="0"/>
+                            </p:stCondLst>
+                            <p:childTnLst>
+                              <p:par>
+                                <p:cTn id="38" presetID="1" presetClass="entr" presetSubtype="0" fill="hold" nodeType="clickEffect">
+                                  <p:stCondLst>
+                                    <p:cond delay="0"/>
+                                  </p:stCondLst>
+                                  <p:childTnLst>
+                                    <p:set>
+                                      <p:cBhvr>
+                                        <p:cTn id="39" dur="1" fill="hold">
+                                          <p:stCondLst>
+                                            <p:cond delay="0"/>
+                                          </p:stCondLst>
+                                        </p:cTn>
+                                        <p:tgtEl>
+                                          <p:spTgt spid="6">
+                                            <p:txEl>
+                                              <p:pRg st="1" end="1"/>
+                                            </p:txEl>
+                                          </p:spTgt>
+                                        </p:tgtEl>
+                                        <p:attrNameLst>
+                                          <p:attrName>style.visibility</p:attrName>
+                                        </p:attrNameLst>
+                                      </p:cBhvr>
+                                      <p:to>
+                                        <p:strVal val="visible"/>
+                                      </p:to>
+                                    </p:set>
+                                  </p:childTnLst>
+                                </p:cTn>
+                              </p:par>
+                            </p:childTnLst>
+                          </p:cTn>
+                        </p:par>
+                      </p:childTnLst>
+                    </p:cTn>
+                  </p:par>
+                  <p:par>
+                    <p:cTn id="40" fill="hold">
+                      <p:stCondLst>
+                        <p:cond delay="indefinite"/>
+                      </p:stCondLst>
+                      <p:childTnLst>
+                        <p:par>
+                          <p:cTn id="41" fill="hold">
+                            <p:stCondLst>
+                              <p:cond delay="0"/>
+                            </p:stCondLst>
+                            <p:childTnLst>
+                              <p:par>
+                                <p:cTn id="42" presetID="42" presetClass="exit" presetSubtype="0" fill="hold" nodeType="clickEffect">
+                                  <p:stCondLst>
+                                    <p:cond delay="0"/>
+                                  </p:stCondLst>
+                                  <p:childTnLst>
+                                    <p:animEffect transition="out" filter="fade">
+                                      <p:cBhvr>
+                                        <p:cTn id="43" dur="1000"/>
+                                        <p:tgtEl>
+                                          <p:spTgt spid="9"/>
+                                        </p:tgtEl>
+                                      </p:cBhvr>
+                                    </p:animEffect>
+                                    <p:anim calcmode="lin" valueType="num">
+                                      <p:cBhvr>
+                                        <p:cTn id="44" dur="1000"/>
+                                        <p:tgtEl>
+                                          <p:spTgt spid="9"/>
+                                        </p:tgtEl>
+                                        <p:attrNameLst>
+                                          <p:attrName>ppt_x</p:attrName>
+                                        </p:attrNameLst>
+                                      </p:cBhvr>
+                                      <p:tavLst>
+                                        <p:tav tm="0">
+                                          <p:val>
+                                            <p:strVal val="ppt_x"/>
+                                          </p:val>
+                                        </p:tav>
+                                        <p:tav tm="100000">
+                                          <p:val>
+                                            <p:strVal val="ppt_x"/>
+                                          </p:val>
+                                        </p:tav>
+                                      </p:tavLst>
+                                    </p:anim>
+                                    <p:anim calcmode="lin" valueType="num">
+                                      <p:cBhvr>
+                                        <p:cTn id="45" dur="1000"/>
+                                        <p:tgtEl>
+                                          <p:spTgt spid="9"/>
+                                        </p:tgtEl>
+                                        <p:attrNameLst>
+                                          <p:attrName>ppt_y</p:attrName>
+                                        </p:attrNameLst>
+                                      </p:cBhvr>
+                                      <p:tavLst>
+                                        <p:tav tm="0">
+                                          <p:val>
+                                            <p:strVal val="ppt_y"/>
+                                          </p:val>
+                                        </p:tav>
+                                        <p:tav tm="100000">
+                                          <p:val>
+                                            <p:strVal val="ppt_y+.1"/>
+                                          </p:val>
+                                        </p:tav>
+                                      </p:tavLst>
+                                    </p:anim>
+                                    <p:set>
+                                      <p:cBhvr>
+                                        <p:cTn id="46" dur="1" fill="hold">
+                                          <p:stCondLst>
+                                            <p:cond delay="999"/>
+                                          </p:stCondLst>
+                                        </p:cTn>
+                                        <p:tgtEl>
+                                          <p:spTgt spid="9"/>
+                                        </p:tgtEl>
+                                        <p:attrNameLst>
+                                          <p:attrName>style.visibility</p:attrName>
+                                        </p:attrNameLst>
+                                      </p:cBhvr>
+                                      <p:to>
+                                        <p:strVal val="hidden"/>
+                                      </p:to>
+                                    </p:set>
+                                  </p:childTnLst>
+                                </p:cTn>
+                              </p:par>
+                              <p:par>
+                                <p:cTn id="47" presetID="42" presetClass="exit" presetSubtype="0" fill="hold" nodeType="withEffect">
+                                  <p:stCondLst>
+                                    <p:cond delay="0"/>
+                                  </p:stCondLst>
+                                  <p:childTnLst>
+                                    <p:animEffect transition="out" filter="fade">
+                                      <p:cBhvr>
+                                        <p:cTn id="48" dur="1000"/>
+                                        <p:tgtEl>
+                                          <p:spTgt spid="11"/>
+                                        </p:tgtEl>
+                                      </p:cBhvr>
+                                    </p:animEffect>
+                                    <p:anim calcmode="lin" valueType="num">
+                                      <p:cBhvr>
+                                        <p:cTn id="49" dur="1000"/>
+                                        <p:tgtEl>
+                                          <p:spTgt spid="11"/>
+                                        </p:tgtEl>
+                                        <p:attrNameLst>
+                                          <p:attrName>ppt_x</p:attrName>
+                                        </p:attrNameLst>
+                                      </p:cBhvr>
+                                      <p:tavLst>
+                                        <p:tav tm="0">
+                                          <p:val>
+                                            <p:strVal val="ppt_x"/>
+                                          </p:val>
+                                        </p:tav>
+                                        <p:tav tm="100000">
+                                          <p:val>
+                                            <p:strVal val="ppt_x"/>
+                                          </p:val>
+                                        </p:tav>
+                                      </p:tavLst>
+                                    </p:anim>
+                                    <p:anim calcmode="lin" valueType="num">
+                                      <p:cBhvr>
+                                        <p:cTn id="50" dur="1000"/>
+                                        <p:tgtEl>
+                                          <p:spTgt spid="11"/>
+                                        </p:tgtEl>
+                                        <p:attrNameLst>
+                                          <p:attrName>ppt_y</p:attrName>
+                                        </p:attrNameLst>
+                                      </p:cBhvr>
+                                      <p:tavLst>
+                                        <p:tav tm="0">
+                                          <p:val>
+                                            <p:strVal val="ppt_y"/>
+                                          </p:val>
+                                        </p:tav>
+                                        <p:tav tm="100000">
+                                          <p:val>
+                                            <p:strVal val="ppt_y+.1"/>
+                                          </p:val>
+                                        </p:tav>
+                                      </p:tavLst>
+                                    </p:anim>
+                                    <p:set>
+                                      <p:cBhvr>
+                                        <p:cTn id="51" dur="1" fill="hold">
+                                          <p:stCondLst>
+                                            <p:cond delay="999"/>
+                                          </p:stCondLst>
+                                        </p:cTn>
+                                        <p:tgtEl>
+                                          <p:spTgt spid="11"/>
+                                        </p:tgtEl>
+                                        <p:attrNameLst>
+                                          <p:attrName>style.visibility</p:attrName>
+                                        </p:attrNameLst>
+                                      </p:cBhvr>
+                                      <p:to>
+                                        <p:strVal val="hidden"/>
+                                      </p:to>
+                                    </p:set>
+                                  </p:childTnLst>
+                                </p:cTn>
+                              </p:par>
+                              <p:par>
+                                <p:cTn id="52" presetID="42" presetClass="exit" presetSubtype="0" fill="hold" grpId="1" nodeType="withEffect">
+                                  <p:stCondLst>
+                                    <p:cond delay="0"/>
+                                  </p:stCondLst>
+                                  <p:childTnLst>
+                                    <p:animEffect transition="out" filter="fade">
+                                      <p:cBhvr>
+                                        <p:cTn id="53" dur="1000"/>
+                                        <p:tgtEl>
+                                          <p:spTgt spid="15"/>
+                                        </p:tgtEl>
+                                      </p:cBhvr>
+                                    </p:animEffect>
+                                    <p:anim calcmode="lin" valueType="num">
+                                      <p:cBhvr>
+                                        <p:cTn id="54" dur="1000"/>
+                                        <p:tgtEl>
+                                          <p:spTgt spid="15"/>
+                                        </p:tgtEl>
+                                        <p:attrNameLst>
+                                          <p:attrName>ppt_x</p:attrName>
+                                        </p:attrNameLst>
+                                      </p:cBhvr>
+                                      <p:tavLst>
+                                        <p:tav tm="0">
+                                          <p:val>
+                                            <p:strVal val="ppt_x"/>
+                                          </p:val>
+                                        </p:tav>
+                                        <p:tav tm="100000">
+                                          <p:val>
+                                            <p:strVal val="ppt_x"/>
+                                          </p:val>
+                                        </p:tav>
+                                      </p:tavLst>
+                                    </p:anim>
+                                    <p:anim calcmode="lin" valueType="num">
+                                      <p:cBhvr>
+                                        <p:cTn id="55" dur="1000"/>
+                                        <p:tgtEl>
+                                          <p:spTgt spid="15"/>
+                                        </p:tgtEl>
+                                        <p:attrNameLst>
+                                          <p:attrName>ppt_y</p:attrName>
+                                        </p:attrNameLst>
+                                      </p:cBhvr>
+                                      <p:tavLst>
+                                        <p:tav tm="0">
+                                          <p:val>
+                                            <p:strVal val="ppt_y"/>
+                                          </p:val>
+                                        </p:tav>
+                                        <p:tav tm="100000">
+                                          <p:val>
+                                            <p:strVal val="ppt_y+.1"/>
+                                          </p:val>
+                                        </p:tav>
+                                      </p:tavLst>
+                                    </p:anim>
+                                    <p:set>
+                                      <p:cBhvr>
+                                        <p:cTn id="56" dur="1" fill="hold">
+                                          <p:stCondLst>
+                                            <p:cond delay="999"/>
+                                          </p:stCondLst>
+                                        </p:cTn>
+                                        <p:tgtEl>
+                                          <p:spTgt spid="15"/>
+                                        </p:tgtEl>
+                                        <p:attrNameLst>
+                                          <p:attrName>style.visibility</p:attrName>
+                                        </p:attrNameLst>
+                                      </p:cBhvr>
+                                      <p:to>
+                                        <p:strVal val="hidden"/>
+                                      </p:to>
+                                    </p:set>
+                                  </p:childTnLst>
+                                </p:cTn>
+                              </p:par>
+                              <p:par>
+                                <p:cTn id="57" presetID="42" presetClass="exit" presetSubtype="0" fill="hold" nodeType="withEffect">
+                                  <p:stCondLst>
+                                    <p:cond delay="0"/>
+                                  </p:stCondLst>
+                                  <p:childTnLst>
+                                    <p:animEffect transition="out" filter="fade">
+                                      <p:cBhvr>
+                                        <p:cTn id="58" dur="1000"/>
+                                        <p:tgtEl>
+                                          <p:spTgt spid="17"/>
+                                        </p:tgtEl>
+                                      </p:cBhvr>
+                                    </p:animEffect>
+                                    <p:anim calcmode="lin" valueType="num">
+                                      <p:cBhvr>
+                                        <p:cTn id="59" dur="1000"/>
+                                        <p:tgtEl>
+                                          <p:spTgt spid="17"/>
+                                        </p:tgtEl>
+                                        <p:attrNameLst>
+                                          <p:attrName>ppt_x</p:attrName>
+                                        </p:attrNameLst>
+                                      </p:cBhvr>
+                                      <p:tavLst>
+                                        <p:tav tm="0">
+                                          <p:val>
+                                            <p:strVal val="ppt_x"/>
+                                          </p:val>
+                                        </p:tav>
+                                        <p:tav tm="100000">
+                                          <p:val>
+                                            <p:strVal val="ppt_x"/>
+                                          </p:val>
+                                        </p:tav>
+                                      </p:tavLst>
+                                    </p:anim>
+                                    <p:anim calcmode="lin" valueType="num">
+                                      <p:cBhvr>
+                                        <p:cTn id="60" dur="1000"/>
+                                        <p:tgtEl>
+                                          <p:spTgt spid="17"/>
+                                        </p:tgtEl>
+                                        <p:attrNameLst>
+                                          <p:attrName>ppt_y</p:attrName>
+                                        </p:attrNameLst>
+                                      </p:cBhvr>
+                                      <p:tavLst>
+                                        <p:tav tm="0">
+                                          <p:val>
+                                            <p:strVal val="ppt_y"/>
+                                          </p:val>
+                                        </p:tav>
+                                        <p:tav tm="100000">
+                                          <p:val>
+                                            <p:strVal val="ppt_y+.1"/>
+                                          </p:val>
+                                        </p:tav>
+                                      </p:tavLst>
+                                    </p:anim>
+                                    <p:set>
+                                      <p:cBhvr>
+                                        <p:cTn id="61" dur="1" fill="hold">
+                                          <p:stCondLst>
+                                            <p:cond delay="999"/>
+                                          </p:stCondLst>
+                                        </p:cTn>
+                                        <p:tgtEl>
+                                          <p:spTgt spid="17"/>
+                                        </p:tgtEl>
+                                        <p:attrNameLst>
+                                          <p:attrName>style.visibility</p:attrName>
+                                        </p:attrNameLst>
+                                      </p:cBhvr>
+                                      <p:to>
+                                        <p:strVal val="hidden"/>
+                                      </p:to>
+                                    </p:set>
+                                  </p:childTnLst>
+                                </p:cTn>
+                              </p:par>
+                              <p:par>
+                                <p:cTn id="62" presetID="42" presetClass="exit" presetSubtype="0" fill="hold" grpId="1" nodeType="withEffect">
+                                  <p:stCondLst>
+                                    <p:cond delay="0"/>
+                                  </p:stCondLst>
+                                  <p:childTnLst>
+                                    <p:animEffect transition="out" filter="fade">
+                                      <p:cBhvr>
+                                        <p:cTn id="63" dur="1000"/>
+                                        <p:tgtEl>
+                                          <p:spTgt spid="24"/>
+                                        </p:tgtEl>
+                                      </p:cBhvr>
+                                    </p:animEffect>
+                                    <p:anim calcmode="lin" valueType="num">
+                                      <p:cBhvr>
+                                        <p:cTn id="64" dur="1000"/>
+                                        <p:tgtEl>
+                                          <p:spTgt spid="24"/>
+                                        </p:tgtEl>
+                                        <p:attrNameLst>
+                                          <p:attrName>ppt_x</p:attrName>
+                                        </p:attrNameLst>
+                                      </p:cBhvr>
+                                      <p:tavLst>
+                                        <p:tav tm="0">
+                                          <p:val>
+                                            <p:strVal val="ppt_x"/>
+                                          </p:val>
+                                        </p:tav>
+                                        <p:tav tm="100000">
+                                          <p:val>
+                                            <p:strVal val="ppt_x"/>
+                                          </p:val>
+                                        </p:tav>
+                                      </p:tavLst>
+                                    </p:anim>
+                                    <p:anim calcmode="lin" valueType="num">
+                                      <p:cBhvr>
+                                        <p:cTn id="65" dur="1000"/>
+                                        <p:tgtEl>
+                                          <p:spTgt spid="24"/>
+                                        </p:tgtEl>
+                                        <p:attrNameLst>
+                                          <p:attrName>ppt_y</p:attrName>
+                                        </p:attrNameLst>
+                                      </p:cBhvr>
+                                      <p:tavLst>
+                                        <p:tav tm="0">
+                                          <p:val>
+                                            <p:strVal val="ppt_y"/>
+                                          </p:val>
+                                        </p:tav>
+                                        <p:tav tm="100000">
+                                          <p:val>
+                                            <p:strVal val="ppt_y+.1"/>
+                                          </p:val>
+                                        </p:tav>
+                                      </p:tavLst>
+                                    </p:anim>
+                                    <p:set>
+                                      <p:cBhvr>
+                                        <p:cTn id="66" dur="1" fill="hold">
+                                          <p:stCondLst>
+                                            <p:cond delay="999"/>
+                                          </p:stCondLst>
+                                        </p:cTn>
+                                        <p:tgtEl>
+                                          <p:spTgt spid="24"/>
+                                        </p:tgtEl>
+                                        <p:attrNameLst>
+                                          <p:attrName>style.visibility</p:attrName>
+                                        </p:attrNameLst>
+                                      </p:cBhvr>
+                                      <p:to>
+                                        <p:strVal val="hidden"/>
+                                      </p:to>
+                                    </p:set>
+                                  </p:childTnLst>
+                                </p:cTn>
+                              </p:par>
+                              <p:par>
+                                <p:cTn id="67" presetID="42" presetClass="exit" presetSubtype="0" fill="hold" nodeType="withEffect">
+                                  <p:stCondLst>
+                                    <p:cond delay="0"/>
+                                  </p:stCondLst>
+                                  <p:childTnLst>
+                                    <p:animEffect transition="out" filter="fade">
+                                      <p:cBhvr>
+                                        <p:cTn id="68" dur="1000"/>
+                                        <p:tgtEl>
+                                          <p:spTgt spid="7"/>
+                                        </p:tgtEl>
+                                      </p:cBhvr>
+                                    </p:animEffect>
+                                    <p:anim calcmode="lin" valueType="num">
+                                      <p:cBhvr>
+                                        <p:cTn id="69" dur="1000"/>
+                                        <p:tgtEl>
+                                          <p:spTgt spid="7"/>
+                                        </p:tgtEl>
+                                        <p:attrNameLst>
+                                          <p:attrName>ppt_x</p:attrName>
+                                        </p:attrNameLst>
+                                      </p:cBhvr>
+                                      <p:tavLst>
+                                        <p:tav tm="0">
+                                          <p:val>
+                                            <p:strVal val="ppt_x"/>
+                                          </p:val>
+                                        </p:tav>
+                                        <p:tav tm="100000">
+                                          <p:val>
+                                            <p:strVal val="ppt_x"/>
+                                          </p:val>
+                                        </p:tav>
+                                      </p:tavLst>
+                                    </p:anim>
+                                    <p:anim calcmode="lin" valueType="num">
+                                      <p:cBhvr>
+                                        <p:cTn id="70" dur="1000"/>
+                                        <p:tgtEl>
+                                          <p:spTgt spid="7"/>
+                                        </p:tgtEl>
+                                        <p:attrNameLst>
+                                          <p:attrName>ppt_y</p:attrName>
+                                        </p:attrNameLst>
+                                      </p:cBhvr>
+                                      <p:tavLst>
+                                        <p:tav tm="0">
+                                          <p:val>
+                                            <p:strVal val="ppt_y"/>
+                                          </p:val>
+                                        </p:tav>
+                                        <p:tav tm="100000">
+                                          <p:val>
+                                            <p:strVal val="ppt_y+.1"/>
+                                          </p:val>
+                                        </p:tav>
+                                      </p:tavLst>
+                                    </p:anim>
+                                    <p:set>
+                                      <p:cBhvr>
+                                        <p:cTn id="71" dur="1" fill="hold">
+                                          <p:stCondLst>
+                                            <p:cond delay="999"/>
+                                          </p:stCondLst>
+                                        </p:cTn>
+                                        <p:tgtEl>
+                                          <p:spTgt spid="7"/>
+                                        </p:tgtEl>
+                                        <p:attrNameLst>
+                                          <p:attrName>style.visibility</p:attrName>
+                                        </p:attrNameLst>
+                                      </p:cBhvr>
+                                      <p:to>
+                                        <p:strVal val="hidden"/>
+                                      </p:to>
+                                    </p:set>
+                                  </p:childTnLst>
+                                </p:cTn>
+                              </p:par>
+                            </p:childTnLst>
+                          </p:cTn>
+                        </p:par>
+                      </p:childTnLst>
+                    </p:cTn>
+                  </p:par>
+                  <p:par>
+                    <p:cTn id="72" fill="hold">
+                      <p:stCondLst>
+                        <p:cond delay="indefinite"/>
+                      </p:stCondLst>
+                      <p:childTnLst>
+                        <p:par>
+                          <p:cTn id="73" fill="hold">
+                            <p:stCondLst>
+                              <p:cond delay="0"/>
+                            </p:stCondLst>
+                            <p:childTnLst>
+                              <p:par>
+                                <p:cTn id="74" presetID="21" presetClass="entr" presetSubtype="1" fill="hold" nodeType="clickEffect">
+                                  <p:stCondLst>
+                                    <p:cond delay="0"/>
+                                  </p:stCondLst>
+                                  <p:childTnLst>
+                                    <p:set>
+                                      <p:cBhvr>
+                                        <p:cTn id="75" dur="1" fill="hold">
+                                          <p:stCondLst>
+                                            <p:cond delay="0"/>
+                                          </p:stCondLst>
+                                        </p:cTn>
+                                        <p:tgtEl>
+                                          <p:spTgt spid="18"/>
+                                        </p:tgtEl>
+                                        <p:attrNameLst>
+                                          <p:attrName>style.visibility</p:attrName>
+                                        </p:attrNameLst>
+                                      </p:cBhvr>
+                                      <p:to>
+                                        <p:strVal val="visible"/>
+                                      </p:to>
+                                    </p:set>
+                                    <p:animEffect transition="in" filter="wheel(1)">
+                                      <p:cBhvr>
+                                        <p:cTn id="76" dur="2000"/>
+                                        <p:tgtEl>
+                                          <p:spTgt spid="18"/>
+                                        </p:tgtEl>
+                                      </p:cBhvr>
+                                    </p:animEffect>
+                                  </p:childTnLst>
+                                </p:cTn>
+                              </p:par>
+                              <p:par>
+                                <p:cTn id="77" presetID="21" presetClass="entr" presetSubtype="1" fill="hold" grpId="0" nodeType="withEffect">
+                                  <p:stCondLst>
+                                    <p:cond delay="0"/>
+                                  </p:stCondLst>
+                                  <p:childTnLst>
+                                    <p:set>
+                                      <p:cBhvr>
+                                        <p:cTn id="78" dur="1" fill="hold">
+                                          <p:stCondLst>
+                                            <p:cond delay="0"/>
+                                          </p:stCondLst>
+                                        </p:cTn>
+                                        <p:tgtEl>
+                                          <p:spTgt spid="19"/>
+                                        </p:tgtEl>
+                                        <p:attrNameLst>
+                                          <p:attrName>style.visibility</p:attrName>
+                                        </p:attrNameLst>
+                                      </p:cBhvr>
+                                      <p:to>
+                                        <p:strVal val="visible"/>
+                                      </p:to>
+                                    </p:set>
+                                    <p:animEffect transition="in" filter="wheel(1)">
+                                      <p:cBhvr>
+                                        <p:cTn id="79" dur="2000"/>
+                                        <p:tgtEl>
+                                          <p:spTgt spid="19"/>
+                                        </p:tgtEl>
+                                      </p:cBhvr>
+                                    </p:animEffect>
+                                  </p:childTnLst>
+                                </p:cTn>
+                              </p:par>
+                              <p:par>
+                                <p:cTn id="80" presetID="21" presetClass="entr" presetSubtype="1" fill="hold" grpId="0" nodeType="withEffect">
+                                  <p:stCondLst>
+                                    <p:cond delay="0"/>
+                                  </p:stCondLst>
+                                  <p:childTnLst>
+                                    <p:set>
+                                      <p:cBhvr>
+                                        <p:cTn id="81" dur="1" fill="hold">
+                                          <p:stCondLst>
+                                            <p:cond delay="0"/>
+                                          </p:stCondLst>
+                                        </p:cTn>
+                                        <p:tgtEl>
+                                          <p:spTgt spid="20"/>
+                                        </p:tgtEl>
+                                        <p:attrNameLst>
+                                          <p:attrName>style.visibility</p:attrName>
+                                        </p:attrNameLst>
+                                      </p:cBhvr>
+                                      <p:to>
+                                        <p:strVal val="visible"/>
+                                      </p:to>
+                                    </p:set>
+                                    <p:animEffect transition="in" filter="wheel(1)">
+                                      <p:cBhvr>
+                                        <p:cTn id="82" dur="2000"/>
+                                        <p:tgtEl>
+                                          <p:spTgt spid="20"/>
+                                        </p:tgtEl>
+                                      </p:cBhvr>
+                                    </p:animEffect>
+                                  </p:childTnLst>
+                                </p:cTn>
+                              </p:par>
+                              <p:par>
+                                <p:cTn id="83" presetID="21" presetClass="entr" presetSubtype="1" fill="hold" grpId="0" nodeType="withEffect">
+                                  <p:stCondLst>
+                                    <p:cond delay="0"/>
+                                  </p:stCondLst>
+                                  <p:childTnLst>
+                                    <p:set>
+                                      <p:cBhvr>
+                                        <p:cTn id="84" dur="1" fill="hold">
+                                          <p:stCondLst>
+                                            <p:cond delay="0"/>
+                                          </p:stCondLst>
+                                        </p:cTn>
+                                        <p:tgtEl>
+                                          <p:spTgt spid="21"/>
+                                        </p:tgtEl>
+                                        <p:attrNameLst>
+                                          <p:attrName>style.visibility</p:attrName>
+                                        </p:attrNameLst>
+                                      </p:cBhvr>
+                                      <p:to>
+                                        <p:strVal val="visible"/>
+                                      </p:to>
+                                    </p:set>
+                                    <p:animEffect transition="in" filter="wheel(1)">
+                                      <p:cBhvr>
+                                        <p:cTn id="85" dur="2000"/>
+                                        <p:tgtEl>
+                                          <p:spTgt spid="21"/>
+                                        </p:tgtEl>
+                                      </p:cBhvr>
+                                    </p:animEffect>
+                                  </p:childTnLst>
+                                </p:cTn>
+                              </p:par>
+                              <p:par>
+                                <p:cTn id="86" presetID="21" presetClass="entr" presetSubtype="1" fill="hold" nodeType="withEffect">
+                                  <p:stCondLst>
+                                    <p:cond delay="0"/>
+                                  </p:stCondLst>
+                                  <p:childTnLst>
+                                    <p:set>
+                                      <p:cBhvr>
+                                        <p:cTn id="87" dur="1" fill="hold">
+                                          <p:stCondLst>
+                                            <p:cond delay="0"/>
+                                          </p:stCondLst>
+                                        </p:cTn>
+                                        <p:tgtEl>
+                                          <p:spTgt spid="22"/>
+                                        </p:tgtEl>
+                                        <p:attrNameLst>
+                                          <p:attrName>style.visibility</p:attrName>
+                                        </p:attrNameLst>
+                                      </p:cBhvr>
+                                      <p:to>
+                                        <p:strVal val="visible"/>
+                                      </p:to>
+                                    </p:set>
+                                    <p:animEffect transition="in" filter="wheel(1)">
+                                      <p:cBhvr>
+                                        <p:cTn id="88" dur="2000"/>
+                                        <p:tgtEl>
+                                          <p:spTgt spid="22"/>
+                                        </p:tgtEl>
+                                      </p:cBhvr>
+                                    </p:animEffect>
+                                  </p:childTnLst>
+                                </p:cTn>
+                              </p:par>
+                              <p:par>
+                                <p:cTn id="89" presetID="21" presetClass="entr" presetSubtype="1" fill="hold" nodeType="withEffect">
+                                  <p:stCondLst>
+                                    <p:cond delay="0"/>
+                                  </p:stCondLst>
+                                  <p:childTnLst>
+                                    <p:set>
+                                      <p:cBhvr>
+                                        <p:cTn id="90" dur="1" fill="hold">
+                                          <p:stCondLst>
+                                            <p:cond delay="0"/>
+                                          </p:stCondLst>
+                                        </p:cTn>
+                                        <p:tgtEl>
+                                          <p:spTgt spid="23"/>
+                                        </p:tgtEl>
+                                        <p:attrNameLst>
+                                          <p:attrName>style.visibility</p:attrName>
+                                        </p:attrNameLst>
+                                      </p:cBhvr>
+                                      <p:to>
+                                        <p:strVal val="visible"/>
+                                      </p:to>
+                                    </p:set>
+                                    <p:animEffect transition="in" filter="wheel(1)">
+                                      <p:cBhvr>
+                                        <p:cTn id="91" dur="2000"/>
+                                        <p:tgtEl>
+                                          <p:spTgt spid="23"/>
+                                        </p:tgtEl>
+                                      </p:cBhvr>
+                                    </p:animEffect>
+                                  </p:childTnLst>
+                                </p:cTn>
+                              </p:par>
+                            </p:childTnLst>
+                          </p:cTn>
+                        </p:par>
+                      </p:childTnLst>
+                    </p:cTn>
+                  </p:par>
+                  <p:par>
+                    <p:cTn id="92" fill="hold">
+                      <p:stCondLst>
+                        <p:cond delay="indefinite"/>
+                      </p:stCondLst>
+                      <p:childTnLst>
+                        <p:par>
+                          <p:cTn id="93" fill="hold">
+                            <p:stCondLst>
+                              <p:cond delay="0"/>
+                            </p:stCondLst>
+                            <p:childTnLst>
+                              <p:par>
+                                <p:cTn id="94" presetID="42" presetClass="entr" presetSubtype="0" fill="hold" nodeType="clickEffect">
+                                  <p:stCondLst>
+                                    <p:cond delay="0"/>
+                                  </p:stCondLst>
+                                  <p:childTnLst>
+                                    <p:set>
+                                      <p:cBhvr>
+                                        <p:cTn id="95" dur="1" fill="hold">
+                                          <p:stCondLst>
+                                            <p:cond delay="0"/>
+                                          </p:stCondLst>
+                                        </p:cTn>
+                                        <p:tgtEl>
+                                          <p:spTgt spid="6">
+                                            <p:txEl>
+                                              <p:pRg st="2" end="2"/>
+                                            </p:txEl>
+                                          </p:spTgt>
+                                        </p:tgtEl>
+                                        <p:attrNameLst>
+                                          <p:attrName>style.visibility</p:attrName>
+                                        </p:attrNameLst>
+                                      </p:cBhvr>
+                                      <p:to>
+                                        <p:strVal val="visible"/>
+                                      </p:to>
+                                    </p:set>
+                                    <p:animEffect transition="in" filter="fade">
+                                      <p:cBhvr>
+                                        <p:cTn id="96" dur="1000"/>
+                                        <p:tgtEl>
+                                          <p:spTgt spid="6">
+                                            <p:txEl>
+                                              <p:pRg st="2" end="2"/>
+                                            </p:txEl>
+                                          </p:spTgt>
+                                        </p:tgtEl>
+                                      </p:cBhvr>
+                                    </p:animEffect>
+                                    <p:anim calcmode="lin" valueType="num">
+                                      <p:cBhvr>
+                                        <p:cTn id="97" dur="1000" fill="hold"/>
+                                        <p:tgtEl>
+                                          <p:spTgt spid="6">
+                                            <p:txEl>
+                                              <p:pRg st="2" end="2"/>
+                                            </p:txEl>
+                                          </p:spTgt>
+                                        </p:tgtEl>
+                                        <p:attrNameLst>
+                                          <p:attrName>ppt_x</p:attrName>
+                                        </p:attrNameLst>
+                                      </p:cBhvr>
+                                      <p:tavLst>
+                                        <p:tav tm="0">
+                                          <p:val>
+                                            <p:strVal val="#ppt_x"/>
+                                          </p:val>
+                                        </p:tav>
+                                        <p:tav tm="100000">
+                                          <p:val>
+                                            <p:strVal val="#ppt_x"/>
+                                          </p:val>
+                                        </p:tav>
+                                      </p:tavLst>
+                                    </p:anim>
+                                    <p:anim calcmode="lin" valueType="num">
+                                      <p:cBhvr>
+                                        <p:cTn id="98" dur="1000" fill="hold"/>
+                                        <p:tgtEl>
+                                          <p:spTgt spid="6">
+                                            <p:txEl>
+                                              <p:pRg st="2" end="2"/>
+                                            </p:txEl>
+                                          </p:spTgt>
+                                        </p:tgtEl>
+                                        <p:attrNameLst>
+                                          <p:attrName>ppt_y</p:attrName>
+                                        </p:attrNameLst>
+                                      </p:cBhvr>
+                                      <p:tavLst>
+                                        <p:tav tm="0">
+                                          <p:val>
+                                            <p:strVal val="#ppt_y+.1"/>
+                                          </p:val>
+                                        </p:tav>
+                                        <p:tav tm="100000">
+                                          <p:val>
+                                            <p:strVal val="#ppt_y"/>
+                                          </p:val>
+                                        </p:tav>
+                                      </p:tavLst>
+                                    </p:anim>
+                                  </p:childTnLst>
+                                </p:cTn>
+                              </p:par>
+                              <p:par>
+                                <p:cTn id="99" presetID="42" presetClass="entr" presetSubtype="0" fill="hold" nodeType="withEffect">
+                                  <p:stCondLst>
+                                    <p:cond delay="0"/>
+                                  </p:stCondLst>
+                                  <p:childTnLst>
+                                    <p:set>
+                                      <p:cBhvr>
+                                        <p:cTn id="100" dur="1" fill="hold">
+                                          <p:stCondLst>
+                                            <p:cond delay="0"/>
+                                          </p:stCondLst>
+                                        </p:cTn>
+                                        <p:tgtEl>
+                                          <p:spTgt spid="6">
+                                            <p:txEl>
+                                              <p:pRg st="3" end="3"/>
+                                            </p:txEl>
+                                          </p:spTgt>
+                                        </p:tgtEl>
+                                        <p:attrNameLst>
+                                          <p:attrName>style.visibility</p:attrName>
+                                        </p:attrNameLst>
+                                      </p:cBhvr>
+                                      <p:to>
+                                        <p:strVal val="visible"/>
+                                      </p:to>
+                                    </p:set>
+                                    <p:animEffect transition="in" filter="fade">
+                                      <p:cBhvr>
+                                        <p:cTn id="101" dur="1000"/>
+                                        <p:tgtEl>
+                                          <p:spTgt spid="6">
+                                            <p:txEl>
+                                              <p:pRg st="3" end="3"/>
+                                            </p:txEl>
+                                          </p:spTgt>
+                                        </p:tgtEl>
+                                      </p:cBhvr>
+                                    </p:animEffect>
+                                    <p:anim calcmode="lin" valueType="num">
+                                      <p:cBhvr>
+                                        <p:cTn id="102" dur="1000" fill="hold"/>
+                                        <p:tgtEl>
+                                          <p:spTgt spid="6">
+                                            <p:txEl>
+                                              <p:pRg st="3" end="3"/>
+                                            </p:txEl>
+                                          </p:spTgt>
+                                        </p:tgtEl>
+                                        <p:attrNameLst>
+                                          <p:attrName>ppt_x</p:attrName>
+                                        </p:attrNameLst>
+                                      </p:cBhvr>
+                                      <p:tavLst>
+                                        <p:tav tm="0">
+                                          <p:val>
+                                            <p:strVal val="#ppt_x"/>
+                                          </p:val>
+                                        </p:tav>
+                                        <p:tav tm="100000">
+                                          <p:val>
+                                            <p:strVal val="#ppt_x"/>
+                                          </p:val>
+                                        </p:tav>
+                                      </p:tavLst>
+                                    </p:anim>
+                                    <p:anim calcmode="lin" valueType="num">
+                                      <p:cBhvr>
+                                        <p:cTn id="103" dur="1000" fill="hold"/>
+                                        <p:tgtEl>
+                                          <p:spTgt spid="6">
+                                            <p:txEl>
+                                              <p:pRg st="3" end="3"/>
+                                            </p:txEl>
+                                          </p:spTgt>
+                                        </p:tgtEl>
+                                        <p:attrNameLst>
+                                          <p:attrName>ppt_y</p:attrName>
+                                        </p:attrNameLst>
+                                      </p:cBhvr>
+                                      <p:tavLst>
+                                        <p:tav tm="0">
+                                          <p:val>
+                                            <p:strVal val="#ppt_y+.1"/>
+                                          </p:val>
+                                        </p:tav>
+                                        <p:tav tm="100000">
+                                          <p:val>
+                                            <p:strVal val="#ppt_y"/>
+                                          </p:val>
+                                        </p:tav>
+                                      </p:tavLst>
+                                    </p:anim>
+                                  </p:childTnLst>
+                                </p:cTn>
+                              </p:par>
+                              <p:par>
+                                <p:cTn id="104" presetID="42" presetClass="entr" presetSubtype="0" fill="hold" nodeType="withEffect">
+                                  <p:stCondLst>
+                                    <p:cond delay="0"/>
+                                  </p:stCondLst>
+                                  <p:childTnLst>
+                                    <p:set>
+                                      <p:cBhvr>
+                                        <p:cTn id="105" dur="1" fill="hold">
+                                          <p:stCondLst>
+                                            <p:cond delay="0"/>
+                                          </p:stCondLst>
+                                        </p:cTn>
+                                        <p:tgtEl>
+                                          <p:spTgt spid="6">
+                                            <p:txEl>
+                                              <p:pRg st="4" end="4"/>
+                                            </p:txEl>
+                                          </p:spTgt>
+                                        </p:tgtEl>
+                                        <p:attrNameLst>
+                                          <p:attrName>style.visibility</p:attrName>
+                                        </p:attrNameLst>
+                                      </p:cBhvr>
+                                      <p:to>
+                                        <p:strVal val="visible"/>
+                                      </p:to>
+                                    </p:set>
+                                    <p:animEffect transition="in" filter="fade">
+                                      <p:cBhvr>
+                                        <p:cTn id="106" dur="1000"/>
+                                        <p:tgtEl>
+                                          <p:spTgt spid="6">
+                                            <p:txEl>
+                                              <p:pRg st="4" end="4"/>
+                                            </p:txEl>
+                                          </p:spTgt>
+                                        </p:tgtEl>
+                                      </p:cBhvr>
+                                    </p:animEffect>
+                                    <p:anim calcmode="lin" valueType="num">
+                                      <p:cBhvr>
+                                        <p:cTn id="107" dur="1000" fill="hold"/>
+                                        <p:tgtEl>
+                                          <p:spTgt spid="6">
+                                            <p:txEl>
+                                              <p:pRg st="4" end="4"/>
+                                            </p:txEl>
+                                          </p:spTgt>
+                                        </p:tgtEl>
+                                        <p:attrNameLst>
+                                          <p:attrName>ppt_x</p:attrName>
+                                        </p:attrNameLst>
+                                      </p:cBhvr>
+                                      <p:tavLst>
+                                        <p:tav tm="0">
+                                          <p:val>
+                                            <p:strVal val="#ppt_x"/>
+                                          </p:val>
+                                        </p:tav>
+                                        <p:tav tm="100000">
+                                          <p:val>
+                                            <p:strVal val="#ppt_x"/>
+                                          </p:val>
+                                        </p:tav>
+                                      </p:tavLst>
+                                    </p:anim>
+                                    <p:anim calcmode="lin" valueType="num">
+                                      <p:cBhvr>
+                                        <p:cTn id="108" dur="1000" fill="hold"/>
+                                        <p:tgtEl>
+                                          <p:spTgt spid="6">
+                                            <p:txEl>
+                                              <p:pRg st="4" end="4"/>
+                                            </p:txEl>
+                                          </p:spTgt>
+                                        </p:tgtEl>
+                                        <p:attrNameLst>
+                                          <p:attrName>ppt_y</p:attrName>
+                                        </p:attrNameLst>
+                                      </p:cBhvr>
+                                      <p:tavLst>
+                                        <p:tav tm="0">
+                                          <p:val>
+                                            <p:strVal val="#ppt_y+.1"/>
+                                          </p:val>
+                                        </p:tav>
+                                        <p:tav tm="100000">
+                                          <p:val>
+                                            <p:strVal val="#ppt_y"/>
+                                          </p:val>
+                                        </p:tav>
+                                      </p:tavLst>
+                                    </p:anim>
+                                  </p:childTnLst>
+                                </p:cTn>
+                              </p:par>
+                              <p:par>
+                                <p:cTn id="109" presetID="42" presetClass="entr" presetSubtype="0" fill="hold" nodeType="withEffect">
+                                  <p:stCondLst>
+                                    <p:cond delay="0"/>
+                                  </p:stCondLst>
+                                  <p:childTnLst>
+                                    <p:set>
+                                      <p:cBhvr>
+                                        <p:cTn id="110" dur="1" fill="hold">
+                                          <p:stCondLst>
+                                            <p:cond delay="0"/>
+                                          </p:stCondLst>
+                                        </p:cTn>
+                                        <p:tgtEl>
+                                          <p:spTgt spid="6">
+                                            <p:txEl>
+                                              <p:pRg st="5" end="5"/>
+                                            </p:txEl>
+                                          </p:spTgt>
+                                        </p:tgtEl>
+                                        <p:attrNameLst>
+                                          <p:attrName>style.visibility</p:attrName>
+                                        </p:attrNameLst>
+                                      </p:cBhvr>
+                                      <p:to>
+                                        <p:strVal val="visible"/>
+                                      </p:to>
+                                    </p:set>
+                                    <p:animEffect transition="in" filter="fade">
+                                      <p:cBhvr>
+                                        <p:cTn id="111" dur="1000"/>
+                                        <p:tgtEl>
+                                          <p:spTgt spid="6">
+                                            <p:txEl>
+                                              <p:pRg st="5" end="5"/>
+                                            </p:txEl>
+                                          </p:spTgt>
+                                        </p:tgtEl>
+                                      </p:cBhvr>
+                                    </p:animEffect>
+                                    <p:anim calcmode="lin" valueType="num">
+                                      <p:cBhvr>
+                                        <p:cTn id="112" dur="1000" fill="hold"/>
+                                        <p:tgtEl>
+                                          <p:spTgt spid="6">
+                                            <p:txEl>
+                                              <p:pRg st="5" end="5"/>
+                                            </p:txEl>
+                                          </p:spTgt>
+                                        </p:tgtEl>
+                                        <p:attrNameLst>
+                                          <p:attrName>ppt_x</p:attrName>
+                                        </p:attrNameLst>
+                                      </p:cBhvr>
+                                      <p:tavLst>
+                                        <p:tav tm="0">
+                                          <p:val>
+                                            <p:strVal val="#ppt_x"/>
+                                          </p:val>
+                                        </p:tav>
+                                        <p:tav tm="100000">
+                                          <p:val>
+                                            <p:strVal val="#ppt_x"/>
+                                          </p:val>
+                                        </p:tav>
+                                      </p:tavLst>
+                                    </p:anim>
+                                    <p:anim calcmode="lin" valueType="num">
+                                      <p:cBhvr>
+                                        <p:cTn id="113" dur="1000" fill="hold"/>
+                                        <p:tgtEl>
+                                          <p:spTgt spid="6">
+                                            <p:txEl>
+                                              <p:pRg st="5" end="5"/>
+                                            </p:txEl>
+                                          </p:spTgt>
+                                        </p:tgtEl>
+                                        <p:attrNameLst>
+                                          <p:attrName>ppt_y</p:attrName>
+                                        </p:attrNameLst>
+                                      </p:cBhvr>
+                                      <p:tavLst>
+                                        <p:tav tm="0">
+                                          <p:val>
+                                            <p:strVal val="#ppt_y+.1"/>
+                                          </p:val>
+                                        </p:tav>
+                                        <p:tav tm="100000">
+                                          <p:val>
+                                            <p:strVal val="#ppt_y"/>
+                                          </p:val>
+                                        </p:tav>
+                                      </p:tavLst>
+                                    </p:anim>
+                                  </p:childTnLst>
+                                </p:cTn>
+                              </p:par>
+                              <p:par>
+                                <p:cTn id="114" presetID="42" presetClass="entr" presetSubtype="0" fill="hold" nodeType="withEffect">
+                                  <p:stCondLst>
+                                    <p:cond delay="0"/>
+                                  </p:stCondLst>
+                                  <p:childTnLst>
+                                    <p:set>
+                                      <p:cBhvr>
+                                        <p:cTn id="115" dur="1" fill="hold">
+                                          <p:stCondLst>
+                                            <p:cond delay="0"/>
+                                          </p:stCondLst>
+                                        </p:cTn>
+                                        <p:tgtEl>
+                                          <p:spTgt spid="6">
+                                            <p:txEl>
+                                              <p:pRg st="6" end="6"/>
+                                            </p:txEl>
+                                          </p:spTgt>
+                                        </p:tgtEl>
+                                        <p:attrNameLst>
+                                          <p:attrName>style.visibility</p:attrName>
+                                        </p:attrNameLst>
+                                      </p:cBhvr>
+                                      <p:to>
+                                        <p:strVal val="visible"/>
+                                      </p:to>
+                                    </p:set>
+                                    <p:animEffect transition="in" filter="fade">
+                                      <p:cBhvr>
+                                        <p:cTn id="116" dur="1000"/>
+                                        <p:tgtEl>
+                                          <p:spTgt spid="6">
+                                            <p:txEl>
+                                              <p:pRg st="6" end="6"/>
+                                            </p:txEl>
+                                          </p:spTgt>
+                                        </p:tgtEl>
+                                      </p:cBhvr>
+                                    </p:animEffect>
+                                    <p:anim calcmode="lin" valueType="num">
+                                      <p:cBhvr>
+                                        <p:cTn id="117" dur="1000" fill="hold"/>
+                                        <p:tgtEl>
+                                          <p:spTgt spid="6">
+                                            <p:txEl>
+                                              <p:pRg st="6" end="6"/>
+                                            </p:txEl>
+                                          </p:spTgt>
+                                        </p:tgtEl>
+                                        <p:attrNameLst>
+                                          <p:attrName>ppt_x</p:attrName>
+                                        </p:attrNameLst>
+                                      </p:cBhvr>
+                                      <p:tavLst>
+                                        <p:tav tm="0">
+                                          <p:val>
+                                            <p:strVal val="#ppt_x"/>
+                                          </p:val>
+                                        </p:tav>
+                                        <p:tav tm="100000">
+                                          <p:val>
+                                            <p:strVal val="#ppt_x"/>
+                                          </p:val>
+                                        </p:tav>
+                                      </p:tavLst>
+                                    </p:anim>
+                                    <p:anim calcmode="lin" valueType="num">
+                                      <p:cBhvr>
+                                        <p:cTn id="118" dur="1000" fill="hold"/>
+                                        <p:tgtEl>
+                                          <p:spTgt spid="6">
+                                            <p:txEl>
+                                              <p:pRg st="6" end="6"/>
+                                            </p:txEl>
+                                          </p:spTgt>
+                                        </p:tgtEl>
+                                        <p:attrNameLst>
+                                          <p:attrName>ppt_y</p:attrName>
+                                        </p:attrNameLst>
+                                      </p:cBhvr>
+                                      <p:tavLst>
+                                        <p:tav tm="0">
+                                          <p:val>
+                                            <p:strVal val="#ppt_y+.1"/>
+                                          </p:val>
+                                        </p:tav>
+                                        <p:tav tm="100000">
+                                          <p:val>
+                                            <p:strVal val="#ppt_y"/>
+                                          </p:val>
+                                        </p:tav>
+                                      </p:tavLst>
+                                    </p:anim>
+                                  </p:childTnLst>
+                                </p:cTn>
+                              </p:par>
+                              <p:par>
+                                <p:cTn id="119" presetID="42" presetClass="entr" presetSubtype="0" fill="hold" nodeType="withEffect">
+                                  <p:stCondLst>
+                                    <p:cond delay="0"/>
+                                  </p:stCondLst>
+                                  <p:childTnLst>
+                                    <p:set>
+                                      <p:cBhvr>
+                                        <p:cTn id="120" dur="1" fill="hold">
+                                          <p:stCondLst>
+                                            <p:cond delay="0"/>
+                                          </p:stCondLst>
+                                        </p:cTn>
+                                        <p:tgtEl>
+                                          <p:spTgt spid="6">
+                                            <p:txEl>
+                                              <p:pRg st="7" end="7"/>
+                                            </p:txEl>
+                                          </p:spTgt>
+                                        </p:tgtEl>
+                                        <p:attrNameLst>
+                                          <p:attrName>style.visibility</p:attrName>
+                                        </p:attrNameLst>
+                                      </p:cBhvr>
+                                      <p:to>
+                                        <p:strVal val="visible"/>
+                                      </p:to>
+                                    </p:set>
+                                    <p:animEffect transition="in" filter="fade">
+                                      <p:cBhvr>
+                                        <p:cTn id="121" dur="1000"/>
+                                        <p:tgtEl>
+                                          <p:spTgt spid="6">
+                                            <p:txEl>
+                                              <p:pRg st="7" end="7"/>
+                                            </p:txEl>
+                                          </p:spTgt>
+                                        </p:tgtEl>
+                                      </p:cBhvr>
+                                    </p:animEffect>
+                                    <p:anim calcmode="lin" valueType="num">
+                                      <p:cBhvr>
+                                        <p:cTn id="122" dur="1000" fill="hold"/>
+                                        <p:tgtEl>
+                                          <p:spTgt spid="6">
+                                            <p:txEl>
+                                              <p:pRg st="7" end="7"/>
+                                            </p:txEl>
+                                          </p:spTgt>
+                                        </p:tgtEl>
+                                        <p:attrNameLst>
+                                          <p:attrName>ppt_x</p:attrName>
+                                        </p:attrNameLst>
+                                      </p:cBhvr>
+                                      <p:tavLst>
+                                        <p:tav tm="0">
+                                          <p:val>
+                                            <p:strVal val="#ppt_x"/>
+                                          </p:val>
+                                        </p:tav>
+                                        <p:tav tm="100000">
+                                          <p:val>
+                                            <p:strVal val="#ppt_x"/>
+                                          </p:val>
+                                        </p:tav>
+                                      </p:tavLst>
+                                    </p:anim>
+                                    <p:anim calcmode="lin" valueType="num">
+                                      <p:cBhvr>
+                                        <p:cTn id="123" dur="1000" fill="hold"/>
+                                        <p:tgtEl>
+                                          <p:spTgt spid="6">
+                                            <p:txEl>
+                                              <p:pRg st="7" end="7"/>
+                                            </p:txEl>
+                                          </p:spTgt>
+                                        </p:tgtEl>
+                                        <p:attrNameLst>
+                                          <p:attrName>ppt_y</p:attrName>
+                                        </p:attrNameLst>
+                                      </p:cBhvr>
+                                      <p:tavLst>
+                                        <p:tav tm="0">
+                                          <p:val>
+                                            <p:strVal val="#ppt_y+.1"/>
+                                          </p:val>
+                                        </p:tav>
+                                        <p:tav tm="100000">
+                                          <p:val>
+                                            <p:strVal val="#ppt_y"/>
+                                          </p:val>
+                                        </p:tav>
+                                      </p:tavLst>
+                                    </p:anim>
+                                  </p:childTnLst>
+                                </p:cTn>
+                              </p:par>
+                              <p:par>
+                                <p:cTn id="124" presetID="42" presetClass="entr" presetSubtype="0" fill="hold" nodeType="withEffect">
+                                  <p:stCondLst>
+                                    <p:cond delay="0"/>
+                                  </p:stCondLst>
+                                  <p:childTnLst>
+                                    <p:set>
+                                      <p:cBhvr>
+                                        <p:cTn id="125" dur="1" fill="hold">
+                                          <p:stCondLst>
+                                            <p:cond delay="0"/>
+                                          </p:stCondLst>
+                                        </p:cTn>
+                                        <p:tgtEl>
+                                          <p:spTgt spid="6">
+                                            <p:txEl>
+                                              <p:pRg st="8" end="8"/>
+                                            </p:txEl>
+                                          </p:spTgt>
+                                        </p:tgtEl>
+                                        <p:attrNameLst>
+                                          <p:attrName>style.visibility</p:attrName>
+                                        </p:attrNameLst>
+                                      </p:cBhvr>
+                                      <p:to>
+                                        <p:strVal val="visible"/>
+                                      </p:to>
+                                    </p:set>
+                                    <p:animEffect transition="in" filter="fade">
+                                      <p:cBhvr>
+                                        <p:cTn id="126" dur="1000"/>
+                                        <p:tgtEl>
+                                          <p:spTgt spid="6">
+                                            <p:txEl>
+                                              <p:pRg st="8" end="8"/>
+                                            </p:txEl>
+                                          </p:spTgt>
+                                        </p:tgtEl>
+                                      </p:cBhvr>
+                                    </p:animEffect>
+                                    <p:anim calcmode="lin" valueType="num">
+                                      <p:cBhvr>
+                                        <p:cTn id="127" dur="1000" fill="hold"/>
+                                        <p:tgtEl>
+                                          <p:spTgt spid="6">
+                                            <p:txEl>
+                                              <p:pRg st="8" end="8"/>
+                                            </p:txEl>
+                                          </p:spTgt>
+                                        </p:tgtEl>
+                                        <p:attrNameLst>
+                                          <p:attrName>ppt_x</p:attrName>
+                                        </p:attrNameLst>
+                                      </p:cBhvr>
+                                      <p:tavLst>
+                                        <p:tav tm="0">
+                                          <p:val>
+                                            <p:strVal val="#ppt_x"/>
+                                          </p:val>
+                                        </p:tav>
+                                        <p:tav tm="100000">
+                                          <p:val>
+                                            <p:strVal val="#ppt_x"/>
+                                          </p:val>
+                                        </p:tav>
+                                      </p:tavLst>
+                                    </p:anim>
+                                    <p:anim calcmode="lin" valueType="num">
+                                      <p:cBhvr>
+                                        <p:cTn id="128" dur="1000" fill="hold"/>
+                                        <p:tgtEl>
+                                          <p:spTgt spid="6">
+                                            <p:txEl>
+                                              <p:pRg st="8" end="8"/>
+                                            </p:txEl>
+                                          </p:spTgt>
+                                        </p:tgtEl>
+                                        <p:attrNameLst>
+                                          <p:attrName>ppt_y</p:attrName>
+                                        </p:attrNameLst>
+                                      </p:cBhvr>
+                                      <p:tavLst>
+                                        <p:tav tm="0">
+                                          <p:val>
+                                            <p:strVal val="#ppt_y+.1"/>
+                                          </p:val>
+                                        </p:tav>
+                                        <p:tav tm="100000">
+                                          <p:val>
+                                            <p:strVal val="#ppt_y"/>
+                                          </p:val>
+                                        </p:tav>
+                                      </p:tavLst>
+                                    </p:anim>
+                                  </p:childTnLst>
+                                </p:cTn>
+                              </p:par>
+                              <p:par>
+                                <p:cTn id="129" presetID="42" presetClass="entr" presetSubtype="0" fill="hold" nodeType="withEffect">
+                                  <p:stCondLst>
+                                    <p:cond delay="0"/>
+                                  </p:stCondLst>
+                                  <p:childTnLst>
+                                    <p:set>
+                                      <p:cBhvr>
+                                        <p:cTn id="130" dur="1" fill="hold">
+                                          <p:stCondLst>
+                                            <p:cond delay="0"/>
+                                          </p:stCondLst>
+                                        </p:cTn>
+                                        <p:tgtEl>
+                                          <p:spTgt spid="6">
+                                            <p:txEl>
+                                              <p:pRg st="9" end="9"/>
+                                            </p:txEl>
+                                          </p:spTgt>
+                                        </p:tgtEl>
+                                        <p:attrNameLst>
+                                          <p:attrName>style.visibility</p:attrName>
+                                        </p:attrNameLst>
+                                      </p:cBhvr>
+                                      <p:to>
+                                        <p:strVal val="visible"/>
+                                      </p:to>
+                                    </p:set>
+                                    <p:animEffect transition="in" filter="fade">
+                                      <p:cBhvr>
+                                        <p:cTn id="131" dur="1000"/>
+                                        <p:tgtEl>
+                                          <p:spTgt spid="6">
+                                            <p:txEl>
+                                              <p:pRg st="9" end="9"/>
+                                            </p:txEl>
+                                          </p:spTgt>
+                                        </p:tgtEl>
+                                      </p:cBhvr>
+                                    </p:animEffect>
+                                    <p:anim calcmode="lin" valueType="num">
+                                      <p:cBhvr>
+                                        <p:cTn id="132" dur="1000" fill="hold"/>
+                                        <p:tgtEl>
+                                          <p:spTgt spid="6">
+                                            <p:txEl>
+                                              <p:pRg st="9" end="9"/>
+                                            </p:txEl>
+                                          </p:spTgt>
+                                        </p:tgtEl>
+                                        <p:attrNameLst>
+                                          <p:attrName>ppt_x</p:attrName>
+                                        </p:attrNameLst>
+                                      </p:cBhvr>
+                                      <p:tavLst>
+                                        <p:tav tm="0">
+                                          <p:val>
+                                            <p:strVal val="#ppt_x"/>
+                                          </p:val>
+                                        </p:tav>
+                                        <p:tav tm="100000">
+                                          <p:val>
+                                            <p:strVal val="#ppt_x"/>
+                                          </p:val>
+                                        </p:tav>
+                                      </p:tavLst>
+                                    </p:anim>
+                                    <p:anim calcmode="lin" valueType="num">
+                                      <p:cBhvr>
+                                        <p:cTn id="133" dur="1000" fill="hold"/>
+                                        <p:tgtEl>
+                                          <p:spTgt spid="6">
+                                            <p:txEl>
+                                              <p:pRg st="9" end="9"/>
+                                            </p:txEl>
+                                          </p:spTgt>
+                                        </p:tgtEl>
+                                        <p:attrNameLst>
+                                          <p:attrName>ppt_y</p:attrName>
+                                        </p:attrNameLst>
+                                      </p:cBhvr>
+                                      <p:tavLst>
+                                        <p:tav tm="0">
+                                          <p:val>
+                                            <p:strVal val="#ppt_y+.1"/>
+                                          </p:val>
+                                        </p:tav>
+                                        <p:tav tm="100000">
+                                          <p:val>
+                                            <p:strVal val="#ppt_y"/>
+                                          </p:val>
+                                        </p:tav>
+                                      </p:tavLst>
+                                    </p:anim>
+                                  </p:childTnLst>
+                                </p:cTn>
+                              </p:par>
+                            </p:childTnLst>
+                          </p:cTn>
+                        </p:par>
+                      </p:childTnLst>
+                    </p:cTn>
+                  </p:par>
+                  <p:par>
+                    <p:cTn id="134" fill="hold">
+                      <p:stCondLst>
+                        <p:cond delay="indefinite"/>
+                      </p:stCondLst>
+                      <p:childTnLst>
+                        <p:par>
+                          <p:cTn id="135" fill="hold">
+                            <p:stCondLst>
+                              <p:cond delay="0"/>
+                            </p:stCondLst>
+                            <p:childTnLst>
+                              <p:par>
+                                <p:cTn id="136" presetID="1" presetClass="exit" presetSubtype="0" fill="hold" nodeType="clickEffect">
+                                  <p:stCondLst>
+                                    <p:cond delay="0"/>
+                                  </p:stCondLst>
+                                  <p:childTnLst>
+                                    <p:set>
+                                      <p:cBhvr>
+                                        <p:cTn id="137" dur="1" fill="hold">
+                                          <p:stCondLst>
+                                            <p:cond delay="0"/>
+                                          </p:stCondLst>
+                                        </p:cTn>
+                                        <p:tgtEl>
+                                          <p:spTgt spid="18"/>
+                                        </p:tgtEl>
+                                        <p:attrNameLst>
+                                          <p:attrName>style.visibility</p:attrName>
+                                        </p:attrNameLst>
+                                      </p:cBhvr>
+                                      <p:to>
+                                        <p:strVal val="hidden"/>
+                                      </p:to>
+                                    </p:set>
+                                  </p:childTnLst>
+                                </p:cTn>
+                              </p:par>
+                              <p:par>
+                                <p:cTn id="138" presetID="1" presetClass="exit" presetSubtype="0" fill="hold" grpId="1" nodeType="withEffect">
+                                  <p:stCondLst>
+                                    <p:cond delay="0"/>
+                                  </p:stCondLst>
+                                  <p:childTnLst>
+                                    <p:set>
+                                      <p:cBhvr>
+                                        <p:cTn id="139" dur="1" fill="hold">
+                                          <p:stCondLst>
+                                            <p:cond delay="0"/>
+                                          </p:stCondLst>
+                                        </p:cTn>
+                                        <p:tgtEl>
+                                          <p:spTgt spid="19"/>
+                                        </p:tgtEl>
+                                        <p:attrNameLst>
+                                          <p:attrName>style.visibility</p:attrName>
+                                        </p:attrNameLst>
+                                      </p:cBhvr>
+                                      <p:to>
+                                        <p:strVal val="hidden"/>
+                                      </p:to>
+                                    </p:set>
+                                  </p:childTnLst>
+                                </p:cTn>
+                              </p:par>
+                              <p:par>
+                                <p:cTn id="140" presetID="1" presetClass="exit" presetSubtype="0" fill="hold" grpId="1" nodeType="withEffect">
+                                  <p:stCondLst>
+                                    <p:cond delay="0"/>
+                                  </p:stCondLst>
+                                  <p:childTnLst>
+                                    <p:set>
+                                      <p:cBhvr>
+                                        <p:cTn id="141" dur="1" fill="hold">
+                                          <p:stCondLst>
+                                            <p:cond delay="0"/>
+                                          </p:stCondLst>
+                                        </p:cTn>
+                                        <p:tgtEl>
+                                          <p:spTgt spid="20"/>
+                                        </p:tgtEl>
+                                        <p:attrNameLst>
+                                          <p:attrName>style.visibility</p:attrName>
+                                        </p:attrNameLst>
+                                      </p:cBhvr>
+                                      <p:to>
+                                        <p:strVal val="hidden"/>
+                                      </p:to>
+                                    </p:set>
+                                  </p:childTnLst>
+                                </p:cTn>
+                              </p:par>
+                              <p:par>
+                                <p:cTn id="142" presetID="1" presetClass="exit" presetSubtype="0" fill="hold" grpId="1" nodeType="withEffect">
+                                  <p:stCondLst>
+                                    <p:cond delay="0"/>
+                                  </p:stCondLst>
+                                  <p:childTnLst>
+                                    <p:set>
+                                      <p:cBhvr>
+                                        <p:cTn id="143" dur="1" fill="hold">
+                                          <p:stCondLst>
+                                            <p:cond delay="0"/>
+                                          </p:stCondLst>
+                                        </p:cTn>
+                                        <p:tgtEl>
+                                          <p:spTgt spid="21"/>
+                                        </p:tgtEl>
+                                        <p:attrNameLst>
+                                          <p:attrName>style.visibility</p:attrName>
+                                        </p:attrNameLst>
+                                      </p:cBhvr>
+                                      <p:to>
+                                        <p:strVal val="hidden"/>
+                                      </p:to>
+                                    </p:set>
+                                  </p:childTnLst>
+                                </p:cTn>
+                              </p:par>
+                              <p:par>
+                                <p:cTn id="144" presetID="1" presetClass="exit" presetSubtype="0" fill="hold" nodeType="withEffect">
+                                  <p:stCondLst>
+                                    <p:cond delay="0"/>
+                                  </p:stCondLst>
+                                  <p:childTnLst>
+                                    <p:set>
+                                      <p:cBhvr>
+                                        <p:cTn id="145" dur="1" fill="hold">
+                                          <p:stCondLst>
+                                            <p:cond delay="0"/>
+                                          </p:stCondLst>
+                                        </p:cTn>
+                                        <p:tgtEl>
+                                          <p:spTgt spid="22"/>
+                                        </p:tgtEl>
+                                        <p:attrNameLst>
+                                          <p:attrName>style.visibility</p:attrName>
+                                        </p:attrNameLst>
+                                      </p:cBhvr>
+                                      <p:to>
+                                        <p:strVal val="hidden"/>
+                                      </p:to>
+                                    </p:set>
+                                  </p:childTnLst>
+                                </p:cTn>
+                              </p:par>
+                              <p:par>
+                                <p:cTn id="146" presetID="1" presetClass="exit" presetSubtype="0" fill="hold" nodeType="withEffect">
+                                  <p:stCondLst>
+                                    <p:cond delay="0"/>
+                                  </p:stCondLst>
+                                  <p:childTnLst>
+                                    <p:set>
+                                      <p:cBhvr>
+                                        <p:cTn id="147" dur="1" fill="hold">
+                                          <p:stCondLst>
+                                            <p:cond delay="0"/>
+                                          </p:stCondLst>
+                                        </p:cTn>
+                                        <p:tgtEl>
+                                          <p:spTgt spid="23"/>
+                                        </p:tgtEl>
+                                        <p:attrNameLst>
+                                          <p:attrName>style.visibility</p:attrName>
+                                        </p:attrNameLst>
+                                      </p:cBhvr>
+                                      <p:to>
+                                        <p:strVal val="hidden"/>
+                                      </p:to>
+                                    </p:set>
+                                  </p:childTnLst>
+                                </p:cTn>
+                              </p:par>
+                            </p:childTnLst>
+                          </p:cTn>
+                        </p:par>
+                      </p:childTnLst>
+                    </p:cTn>
+                  </p:par>
+                  <p:par>
+                    <p:cTn id="148" fill="hold">
+                      <p:stCondLst>
+                        <p:cond delay="indefinite"/>
+                      </p:stCondLst>
+                      <p:childTnLst>
+                        <p:par>
+                          <p:cTn id="149" fill="hold">
+                            <p:stCondLst>
+                              <p:cond delay="0"/>
+                            </p:stCondLst>
+                            <p:childTnLst>
+                              <p:par>
+                                <p:cTn id="150" presetID="42" presetClass="entr" presetSubtype="0" fill="hold" nodeType="clickEffect">
+                                  <p:stCondLst>
+                                    <p:cond delay="0"/>
+                                  </p:stCondLst>
+                                  <p:childTnLst>
+                                    <p:set>
+                                      <p:cBhvr>
+                                        <p:cTn id="151" dur="1" fill="hold">
+                                          <p:stCondLst>
+                                            <p:cond delay="0"/>
+                                          </p:stCondLst>
+                                        </p:cTn>
+                                        <p:tgtEl>
+                                          <p:spTgt spid="26"/>
+                                        </p:tgtEl>
+                                        <p:attrNameLst>
+                                          <p:attrName>style.visibility</p:attrName>
+                                        </p:attrNameLst>
+                                      </p:cBhvr>
+                                      <p:to>
+                                        <p:strVal val="visible"/>
+                                      </p:to>
+                                    </p:set>
+                                    <p:animEffect transition="in" filter="fade">
+                                      <p:cBhvr>
+                                        <p:cTn id="152" dur="1000"/>
+                                        <p:tgtEl>
+                                          <p:spTgt spid="26"/>
+                                        </p:tgtEl>
+                                      </p:cBhvr>
+                                    </p:animEffect>
+                                    <p:anim calcmode="lin" valueType="num">
+                                      <p:cBhvr>
+                                        <p:cTn id="153" dur="1000" fill="hold"/>
+                                        <p:tgtEl>
+                                          <p:spTgt spid="26"/>
+                                        </p:tgtEl>
+                                        <p:attrNameLst>
+                                          <p:attrName>ppt_x</p:attrName>
+                                        </p:attrNameLst>
+                                      </p:cBhvr>
+                                      <p:tavLst>
+                                        <p:tav tm="0">
+                                          <p:val>
+                                            <p:strVal val="#ppt_x"/>
+                                          </p:val>
+                                        </p:tav>
+                                        <p:tav tm="100000">
+                                          <p:val>
+                                            <p:strVal val="#ppt_x"/>
+                                          </p:val>
+                                        </p:tav>
+                                      </p:tavLst>
+                                    </p:anim>
+                                    <p:anim calcmode="lin" valueType="num">
+                                      <p:cBhvr>
+                                        <p:cTn id="154" dur="1000" fill="hold"/>
+                                        <p:tgtEl>
+                                          <p:spTgt spid="26"/>
+                                        </p:tgtEl>
+                                        <p:attrNameLst>
+                                          <p:attrName>ppt_y</p:attrName>
+                                        </p:attrNameLst>
+                                      </p:cBhvr>
+                                      <p:tavLst>
+                                        <p:tav tm="0">
+                                          <p:val>
+                                            <p:strVal val="#ppt_y+.1"/>
+                                          </p:val>
+                                        </p:tav>
+                                        <p:tav tm="100000">
+                                          <p:val>
+                                            <p:strVal val="#ppt_y"/>
+                                          </p:val>
+                                        </p:tav>
+                                      </p:tavLst>
+                                    </p:anim>
+                                  </p:childTnLst>
+                                </p:cTn>
+                              </p:par>
+                            </p:childTnLst>
+                          </p:cTn>
+                        </p:par>
+                      </p:childTnLst>
+                    </p:cTn>
+                  </p:par>
+                  <p:par>
+                    <p:cTn id="155" fill="hold">
+                      <p:stCondLst>
+                        <p:cond delay="indefinite"/>
+                      </p:stCondLst>
+                      <p:childTnLst>
+                        <p:par>
+                          <p:cTn id="156" fill="hold">
+                            <p:stCondLst>
+                              <p:cond delay="0"/>
+                            </p:stCondLst>
+                            <p:childTnLst>
+                              <p:par>
+                                <p:cTn id="157" presetID="1" presetClass="entr" presetSubtype="0" fill="hold" grpId="0" nodeType="clickEffect">
+                                  <p:stCondLst>
+                                    <p:cond delay="0"/>
+                                  </p:stCondLst>
+                                  <p:childTnLst>
+                                    <p:set>
+                                      <p:cBhvr>
+                                        <p:cTn id="158" dur="1" fill="hold">
+                                          <p:stCondLst>
+                                            <p:cond delay="0"/>
+                                          </p:stCondLst>
+                                        </p:cTn>
+                                        <p:tgtEl>
+                                          <p:spTgt spid="27"/>
+                                        </p:tgtEl>
+                                        <p:attrNameLst>
+                                          <p:attrName>style.visibility</p:attrName>
+                                        </p:attrNameLst>
+                                      </p:cBhvr>
+                                      <p:to>
+                                        <p:strVal val="visible"/>
+                                      </p:to>
+                                    </p:set>
+                                  </p:childTnLst>
+                                </p:cTn>
+                              </p:par>
+                              <p:par>
+                                <p:cTn id="159" presetID="1" presetClass="entr" presetSubtype="0" fill="hold" grpId="0" nodeType="withEffect">
+                                  <p:stCondLst>
+                                    <p:cond delay="0"/>
+                                  </p:stCondLst>
+                                  <p:childTnLst>
+                                    <p:set>
+                                      <p:cBhvr>
+                                        <p:cTn id="160" dur="1" fill="hold">
+                                          <p:stCondLst>
+                                            <p:cond delay="0"/>
+                                          </p:stCondLst>
+                                        </p:cTn>
+                                        <p:tgtEl>
+                                          <p:spTgt spid="28"/>
+                                        </p:tgtEl>
+                                        <p:attrNameLst>
+                                          <p:attrName>style.visibility</p:attrName>
+                                        </p:attrNameLst>
+                                      </p:cBhvr>
+                                      <p:to>
+                                        <p:strVal val="visible"/>
+                                      </p:to>
+                                    </p:set>
+                                  </p:childTnLst>
+                                </p:cTn>
+                              </p:par>
+                            </p:childTnLst>
+                          </p:cTn>
+                        </p:par>
+                      </p:childTnLst>
+                    </p:cTn>
+                  </p:par>
+                  <p:par>
+                    <p:cTn id="161" fill="hold">
+                      <p:stCondLst>
+                        <p:cond delay="indefinite"/>
+                      </p:stCondLst>
+                      <p:childTnLst>
+                        <p:par>
+                          <p:cTn id="162" fill="hold">
+                            <p:stCondLst>
+                              <p:cond delay="0"/>
+                            </p:stCondLst>
+                            <p:childTnLst>
+                              <p:par>
+                                <p:cTn id="163" presetID="2" presetClass="entr" presetSubtype="4" fill="hold" grpId="0" nodeType="clickEffect">
+                                  <p:stCondLst>
+                                    <p:cond delay="0"/>
+                                  </p:stCondLst>
+                                  <p:childTnLst>
+                                    <p:set>
+                                      <p:cBhvr>
+                                        <p:cTn id="164" dur="1" fill="hold">
+                                          <p:stCondLst>
+                                            <p:cond delay="0"/>
+                                          </p:stCondLst>
+                                        </p:cTn>
+                                        <p:tgtEl>
+                                          <p:spTgt spid="29"/>
+                                        </p:tgtEl>
+                                        <p:attrNameLst>
+                                          <p:attrName>style.visibility</p:attrName>
+                                        </p:attrNameLst>
+                                      </p:cBhvr>
+                                      <p:to>
+                                        <p:strVal val="visible"/>
+                                      </p:to>
+                                    </p:set>
+                                    <p:anim calcmode="lin" valueType="num">
+                                      <p:cBhvr additive="base">
+                                        <p:cTn id="165" dur="500" fill="hold"/>
+                                        <p:tgtEl>
+                                          <p:spTgt spid="29"/>
+                                        </p:tgtEl>
+                                        <p:attrNameLst>
+                                          <p:attrName>ppt_x</p:attrName>
+                                        </p:attrNameLst>
+                                      </p:cBhvr>
+                                      <p:tavLst>
+                                        <p:tav tm="0">
+                                          <p:val>
+                                            <p:strVal val="#ppt_x"/>
+                                          </p:val>
+                                        </p:tav>
+                                        <p:tav tm="100000">
+                                          <p:val>
+                                            <p:strVal val="#ppt_x"/>
+                                          </p:val>
+                                        </p:tav>
+                                      </p:tavLst>
+                                    </p:anim>
+                                    <p:anim calcmode="lin" valueType="num">
+                                      <p:cBhvr additive="base">
+                                        <p:cTn id="166" dur="500" fill="hold"/>
+                                        <p:tgtEl>
+                                          <p:spTgt spid="29"/>
+                                        </p:tgtEl>
+                                        <p:attrNameLst>
+                                          <p:attrName>ppt_y</p:attrName>
+                                        </p:attrNameLst>
+                                      </p:cBhvr>
+                                      <p:tavLst>
+                                        <p:tav tm="0">
+                                          <p:val>
+                                            <p:strVal val="1+#ppt_h/2"/>
+                                          </p:val>
+                                        </p:tav>
+                                        <p:tav tm="100000">
+                                          <p:val>
+                                            <p:strVal val="#ppt_y"/>
+                                          </p:val>
+                                        </p:tav>
+                                      </p:tavLst>
+                                    </p:anim>
+                                  </p:childTnLst>
+                                </p:cTn>
+                              </p:par>
+                            </p:childTnLst>
+                          </p:cTn>
+                        </p:par>
+                      </p:childTnLst>
+                    </p:cTn>
+                  </p:par>
+                </p:childTnLst>
+              </p:cTn>
+              <p:prevCondLst>
+                <p:cond evt="onPrev" delay="0">
+                  <p:tgtEl>
+                    <p:sldTgt/>
+                  </p:tgtEl>
+                </p:cond>
+              </p:prevCondLst>
+              <p:nextCondLst>
+                <p:cond evt="onNext" delay="0">
+                  <p:tgtEl>
+                    <p:sldTgt/>
+                  </p:tgtEl>
+                </p:cond>
+              </p:nextCondLst>
+            </p:seq>
+          </p:childTnLst>
+        </p:cTn>
+      </p:par>
+    </p:tnLst>
+    <p:bldLst>
+      <p:bldP spid="15" grpId="0"/>
+      <p:bldP spid="15" grpId="1"/>
+      <p:bldP spid="19" grpId="0"/>
+      <p:bldP spid="19" grpId="1"/>
+      <p:bldP spid="20" grpId="0"/>
+      <p:bldP spid="20" grpId="1"/>
+      <p:bldP spid="21" grpId="0"/>
+      <p:bldP spid="21" grpId="1"/>
+      <p:bldP spid="24" grpId="0"/>
+      <p:bldP spid="24" grpId="1"/>
+      <p:bldP spid="27" grpId="0"/>
+      <p:bldP spid="28" grpId="0" animBg="1"/>
+      <p:bldP spid="29" grpId="0"/>
+    </p:bldLst>
+  </p:timing>
+</p:sld>
+</file>
+
+<file path=ppt/slides/slide6.xml><?xml version="1.0" encoding="utf-8"?>
+<p:sld xmlns:a="http://schemas.openxmlformats.org/drawingml/2006/main" xmlns:r="http://schemas.openxmlformats.org/officeDocument/2006/relationships" xmlns:p="http://schemas.openxmlformats.org/presentationml/2006/main">
+  <p:cSld>
+    <p:spTree>
+      <p:nvGrpSpPr>
+        <p:cNvPr id="1" name=""/>
+        <p:cNvGrpSpPr/>
+        <p:nvPr/>
+      </p:nvGrpSpPr>
+      <p:grpSpPr>
+        <a:xfrm>
+          <a:off x="0" y="0"/>
+          <a:ext cx="0" cy="0"/>
+          <a:chOff x="0" y="0"/>
+          <a:chExt cx="0" cy="0"/>
+        </a:xfrm>
+      </p:grpSpPr>
+      <p:pic>
+        <p:nvPicPr>
+          <p:cNvPr id="2" name="内容占位符 1"/>
+          <p:cNvPicPr>
+            <a:picLocks noGrp="1" noChangeAspect="1"/>
+          </p:cNvPicPr>
+          <p:nvPr>
+            <p:ph idx="1"/>
+          </p:nvPr>
+        </p:nvPicPr>
+        <p:blipFill>
+          <a:blip r:embed="rId2">
+            <a:extLst>
+              <a:ext uri="{28A0092B-C50C-407E-A947-70E740481C1C}">
+                <a14:useLocalDpi xmlns:a14="http://schemas.microsoft.com/office/drawing/2010/main" val="0"/>
+              </a:ext>
+            </a:extLst>
+          </a:blip>
+          <a:stretch>
+            <a:fillRect/>
+          </a:stretch>
+        </p:blipFill>
+        <p:spPr>
+          <a:xfrm>
+            <a:off x="4838536" y="1845000"/>
+            <a:ext cx="6660043" cy="4131628"/>
+          </a:xfrm>
+        </p:spPr>
+      </p:pic>
+      <p:sp>
+        <p:nvSpPr>
+          <p:cNvPr id="4" name="标题 1"/>
+          <p:cNvSpPr>
+            <a:spLocks noGrp="1"/>
+          </p:cNvSpPr>
+          <p:nvPr>
+            <p:ph type="title"/>
+          </p:nvPr>
+        </p:nvSpPr>
+        <p:spPr>
+          <a:xfrm>
+            <a:off x="1097280" y="286603"/>
+            <a:ext cx="10058400" cy="1450757"/>
+          </a:xfrm>
+        </p:spPr>
+        <p:txBody>
+          <a:bodyPr/>
+          <a:lstStyle/>
+          <a:p>
+            <a:r>
+              <a:rPr lang="en-US" altLang="zh-CN" dirty="0"/>
+              <a:t>Results</a:t>
+            </a:r>
+            <a:endParaRPr lang="zh-CN" altLang="en-US" dirty="0"/>
+          </a:p>
+        </p:txBody>
+      </p:sp>
+      <p:sp>
+        <p:nvSpPr>
+          <p:cNvPr id="5" name="文本框 4"/>
+          <p:cNvSpPr txBox="1"/>
+          <p:nvPr/>
+        </p:nvSpPr>
+        <p:spPr>
+          <a:xfrm>
+            <a:off x="97654" y="117417"/>
+            <a:ext cx="3107184" cy="369332"/>
+          </a:xfrm>
+          <a:prstGeom prst="rect">
+            <a:avLst/>
+          </a:prstGeom>
+          <a:noFill/>
+        </p:spPr>
+        <p:txBody>
+          <a:bodyPr wrap="square" rtlCol="0">
+            <a:spAutoFit/>
+          </a:bodyPr>
+          <a:lstStyle/>
+          <a:p>
+            <a:r>
+              <a:rPr lang="en-US" altLang="zh-CN" dirty="0" smtClean="0">
+                <a:solidFill>
+                  <a:srgbClr val="FF0000"/>
+                </a:solidFill>
+              </a:rPr>
+              <a:t>Paper-reading Sharing</a:t>
+            </a:r>
+            <a:endParaRPr lang="zh-CN" altLang="en-US" dirty="0">
+              <a:solidFill>
+                <a:srgbClr val="FF0000"/>
+              </a:solidFill>
+            </a:endParaRPr>
+          </a:p>
+        </p:txBody>
+      </p:sp>
+      <mc:AlternateContent xmlns:mc="http://schemas.openxmlformats.org/markup-compatibility/2006">
+        <mc:Choice xmlns:a14="http://schemas.microsoft.com/office/drawing/2010/main" Requires="a14">
+          <p:sp>
+            <p:nvSpPr>
+              <p:cNvPr id="3" name="文本框 2"/>
+              <p:cNvSpPr txBox="1"/>
+              <p:nvPr/>
+            </p:nvSpPr>
+            <p:spPr>
+              <a:xfrm>
+                <a:off x="1097280" y="1906546"/>
+                <a:ext cx="3509889" cy="646331"/>
+              </a:xfrm>
+              <a:prstGeom prst="rect">
+                <a:avLst/>
+              </a:prstGeom>
+              <a:noFill/>
+            </p:spPr>
+            <p:txBody>
+              <a:bodyPr wrap="square" rtlCol="0">
+                <a:spAutoFit/>
+              </a:bodyPr>
+              <a:lstStyle/>
+              <a:p>
+                <a:r>
+                  <a:rPr lang="en-US" altLang="zh-CN" dirty="0" smtClean="0"/>
+                  <a:t>From the </a:t>
+                </a:r>
+                <a:r>
+                  <a:rPr lang="en-US" altLang="zh-CN" dirty="0" err="1" smtClean="0"/>
+                  <a:t>p.d.f</a:t>
+                </a:r>
+                <a:r>
+                  <a:rPr lang="en-US" altLang="zh-CN" dirty="0" smtClean="0"/>
+                  <a:t>. of </a:t>
+                </a:r>
+                <a14:m>
+                  <m:oMath xmlns:m="http://schemas.openxmlformats.org/officeDocument/2006/math">
+                    <m:r>
+                      <m:rPr>
+                        <m:sty m:val="p"/>
+                      </m:rPr>
+                      <a:rPr lang="en-US" altLang="zh-CN" b="0" i="0" smtClean="0">
+                        <a:latin typeface="Cambria Math" panose="02040503050406030204" pitchFamily="18" charset="0"/>
+                      </a:rPr>
+                      <m:t>Δ</m:t>
+                    </m:r>
+                    <m:r>
+                      <a:rPr lang="en-US" altLang="zh-CN" b="0" i="1" smtClean="0">
+                        <a:latin typeface="Cambria Math" panose="02040503050406030204" pitchFamily="18" charset="0"/>
+                      </a:rPr>
+                      <m:t>𝑢</m:t>
+                    </m:r>
+                    <m:d>
+                      <m:dPr>
+                        <m:ctrlPr>
+                          <a:rPr lang="en-US" altLang="zh-CN" b="0" i="1" smtClean="0">
+                            <a:latin typeface="Cambria Math" panose="02040503050406030204" pitchFamily="18" charset="0"/>
+                          </a:rPr>
+                        </m:ctrlPr>
+                      </m:dPr>
+                      <m:e>
+                        <m:sSub>
+                          <m:sSubPr>
+                            <m:ctrlPr>
+                              <a:rPr lang="en-US" altLang="zh-CN" b="0" i="1" smtClean="0">
+                                <a:latin typeface="Cambria Math" panose="02040503050406030204" pitchFamily="18" charset="0"/>
+                              </a:rPr>
+                            </m:ctrlPr>
+                          </m:sSubPr>
+                          <m:e>
+                            <m:r>
+                              <a:rPr lang="en-US" altLang="zh-CN" b="0" i="1" smtClean="0">
+                                <a:latin typeface="Cambria Math" panose="02040503050406030204" pitchFamily="18" charset="0"/>
+                              </a:rPr>
+                              <m:t>𝑟</m:t>
+                            </m:r>
+                          </m:e>
+                          <m:sub>
+                            <m:r>
+                              <a:rPr lang="en-US" altLang="zh-CN" b="0" i="1" smtClean="0">
+                                <a:latin typeface="Cambria Math" panose="02040503050406030204" pitchFamily="18" charset="0"/>
+                              </a:rPr>
+                              <m:t>𝑎</m:t>
+                            </m:r>
+                          </m:sub>
+                        </m:sSub>
+                      </m:e>
+                    </m:d>
+                  </m:oMath>
+                </a14:m>
+                <a:r>
+                  <a:rPr lang="en-US" altLang="zh-CN" dirty="0" smtClean="0"/>
+                  <a:t> and </a:t>
+                </a:r>
+                <a14:m>
+                  <m:oMath xmlns:m="http://schemas.openxmlformats.org/officeDocument/2006/math">
+                    <m:r>
+                      <m:rPr>
+                        <m:sty m:val="p"/>
+                      </m:rPr>
+                      <a:rPr lang="en-US" altLang="zh-CN">
+                        <a:latin typeface="Cambria Math" panose="02040503050406030204" pitchFamily="18" charset="0"/>
+                      </a:rPr>
+                      <m:t>Δ</m:t>
+                    </m:r>
+                    <m:r>
+                      <a:rPr lang="en-US" altLang="zh-CN" b="0" i="1" smtClean="0">
+                        <a:latin typeface="Cambria Math" panose="02040503050406030204" pitchFamily="18" charset="0"/>
+                      </a:rPr>
+                      <m:t>𝑣</m:t>
+                    </m:r>
+                    <m:d>
+                      <m:dPr>
+                        <m:ctrlPr>
+                          <a:rPr lang="en-US" altLang="zh-CN" i="1">
+                            <a:latin typeface="Cambria Math" panose="02040503050406030204" pitchFamily="18" charset="0"/>
+                          </a:rPr>
+                        </m:ctrlPr>
+                      </m:dPr>
+                      <m:e>
+                        <m:sSub>
+                          <m:sSubPr>
+                            <m:ctrlPr>
+                              <a:rPr lang="en-US" altLang="zh-CN" i="1">
+                                <a:latin typeface="Cambria Math" panose="02040503050406030204" pitchFamily="18" charset="0"/>
+                              </a:rPr>
+                            </m:ctrlPr>
+                          </m:sSubPr>
+                          <m:e>
+                            <m:r>
+                              <a:rPr lang="en-US" altLang="zh-CN" i="1">
+                                <a:latin typeface="Cambria Math" panose="02040503050406030204" pitchFamily="18" charset="0"/>
+                              </a:rPr>
+                              <m:t>𝑟</m:t>
+                            </m:r>
+                          </m:e>
+                          <m:sub>
+                            <m:r>
+                              <a:rPr lang="en-US" altLang="zh-CN" i="1">
+                                <a:latin typeface="Cambria Math" panose="02040503050406030204" pitchFamily="18" charset="0"/>
+                              </a:rPr>
+                              <m:t>𝑎</m:t>
+                            </m:r>
+                          </m:sub>
+                        </m:sSub>
+                      </m:e>
+                    </m:d>
                   </m:oMath>
                 </a14:m>
                 <a:r>
@@ -6548,18 +10794,74 @@
                 </a:r>
                 <a:r>
                   <a:rPr lang="en-US" altLang="zh-CN" dirty="0" smtClean="0"/>
-                  <a:t>: </a:t>
+                  <a:t>respectively</a:t>
+                </a:r>
+                <a:endParaRPr lang="zh-CN" altLang="en-US" dirty="0"/>
+              </a:p>
+            </p:txBody>
+          </p:sp>
+        </mc:Choice>
+        <mc:Fallback>
+          <p:sp>
+            <p:nvSpPr>
+              <p:cNvPr id="3" name="文本框 2"/>
+              <p:cNvSpPr txBox="1">
+                <a:spLocks noRot="1" noChangeAspect="1" noMove="1" noResize="1" noEditPoints="1" noAdjustHandles="1" noChangeArrowheads="1" noChangeShapeType="1" noTextEdit="1"/>
+              </p:cNvSpPr>
+              <p:nvPr/>
+            </p:nvSpPr>
+            <p:spPr>
+              <a:xfrm>
+                <a:off x="1097280" y="1906546"/>
+                <a:ext cx="3509889" cy="646331"/>
+              </a:xfrm>
+              <a:prstGeom prst="rect">
+                <a:avLst/>
+              </a:prstGeom>
+              <a:blipFill>
+                <a:blip r:embed="rId3"/>
+                <a:stretch>
+                  <a:fillRect l="-1389" t="-5660" b="-14151"/>
+                </a:stretch>
+              </a:blipFill>
+            </p:spPr>
+            <p:txBody>
+              <a:bodyPr/>
+              <a:lstStyle/>
+              <a:p>
+                <a:r>
+                  <a:rPr lang="zh-CN" altLang="en-US">
+                    <a:noFill/>
+                  </a:rPr>
+                  <a:t> </a:t>
                 </a:r>
               </a:p>
-              <a:p>
-                <a:pPr marL="384048" lvl="2" indent="0">
-                  <a:buNone/>
-                </a:pPr>
-                <a:r>
-                  <a:rPr lang="en-US" altLang="zh-CN" dirty="0" smtClean="0"/>
-                  <a:t>	Too short, no scaling range;</a:t>
-                </a:r>
-              </a:p>
+            </p:txBody>
+          </p:sp>
+        </mc:Fallback>
+      </mc:AlternateContent>
+      <mc:AlternateContent xmlns:mc="http://schemas.openxmlformats.org/markup-compatibility/2006">
+        <mc:Choice xmlns:a14="http://schemas.microsoft.com/office/drawing/2010/main" Requires="a14">
+          <p:sp>
+            <p:nvSpPr>
+              <p:cNvPr id="6" name="矩形 5"/>
+              <p:cNvSpPr/>
+              <p:nvPr/>
+            </p:nvSpPr>
+            <p:spPr>
+              <a:xfrm>
+                <a:off x="964223" y="2722063"/>
+                <a:ext cx="3874313" cy="1754326"/>
+              </a:xfrm>
+              <a:prstGeom prst="rect">
+                <a:avLst/>
+              </a:prstGeom>
+            </p:spPr>
+            <p:txBody>
+              <a:bodyPr wrap="square">
+                <a:spAutoFit/>
+              </a:bodyPr>
+              <a:lstStyle/>
               <a:p>
                 <a:pPr marL="715518" lvl="1" indent="-514350">
                   <a:buFont typeface="+mj-lt"/>
@@ -6605,7 +10907,7 @@
                       <m:t>&lt;</m:t>
                     </m:r>
                     <m:r>
-                      <a:rPr lang="en-US" altLang="zh-CN" b="0" i="1" smtClean="0">
+                      <a:rPr lang="en-US" altLang="zh-CN" i="1">
                         <a:latin typeface="Cambria Math" panose="02040503050406030204" pitchFamily="18" charset="0"/>
                       </a:rPr>
                       <m:t>10</m:t>
@@ -6623,7 +10925,7 @@
                   <a:t> </a:t>
                 </a:r>
                 <a:r>
-                  <a:rPr lang="en-US" altLang="zh-CN" dirty="0" smtClean="0"/>
+                  <a:rPr lang="en-US" altLang="zh-CN" dirty="0"/>
                   <a:t>: </a:t>
                 </a:r>
               </a:p>
@@ -6636,101 +10938,8 @@
                   <a:t>	</a:t>
                 </a:r>
                 <a:r>
-                  <a:rPr lang="en-US" altLang="zh-CN" dirty="0" smtClean="0"/>
-                  <a:t>Weak scaling range, </a:t>
-                </a:r>
-              </a:p>
-              <a:p>
-                <a:pPr marL="384048" lvl="2" indent="0">
-                  <a:buNone/>
-                </a:pPr>
-                <a:r>
                   <a:rPr lang="en-US" altLang="zh-CN" dirty="0"/>
-                  <a:t>	</a:t>
-                </a:r>
-                <a:r>
-                  <a:rPr lang="en-US" altLang="zh-CN" dirty="0" smtClean="0"/>
                   <a:t>intermittency has no effects on the inertial sub-range;</a:t>
-                </a:r>
-              </a:p>
-              <a:p>
-                <a:pPr marL="715518" lvl="1" indent="-514350">
-                  <a:buFont typeface="+mj-lt"/>
-                  <a:buAutoNum type="arabicPeriod"/>
-                </a:pPr>
-                <a14:m>
-                  <m:oMath xmlns:m="http://schemas.openxmlformats.org/officeDocument/2006/math">
-                    <m:r>
-                      <a:rPr lang="en-US" altLang="zh-CN" i="1">
-                        <a:latin typeface="Cambria Math" panose="02040503050406030204" pitchFamily="18" charset="0"/>
-                      </a:rPr>
-                      <m:t>𝑅</m:t>
-                    </m:r>
-                    <m:sSub>
-                      <m:sSubPr>
-                        <m:ctrlPr>
-                          <a:rPr lang="en-US" altLang="zh-CN" i="1">
-                            <a:latin typeface="Cambria Math" panose="02040503050406030204" pitchFamily="18" charset="0"/>
-                          </a:rPr>
-                        </m:ctrlPr>
-                      </m:sSubPr>
-                      <m:e>
-                        <m:r>
-                          <a:rPr lang="en-US" altLang="zh-CN" i="1">
-                            <a:latin typeface="Cambria Math" panose="02040503050406030204" pitchFamily="18" charset="0"/>
-                          </a:rPr>
-                          <m:t>𝑒</m:t>
-                        </m:r>
-                      </m:e>
-                      <m:sub>
-                        <m:r>
-                          <a:rPr lang="en-US" altLang="zh-CN" i="1">
-                            <a:latin typeface="Cambria Math" panose="02040503050406030204" pitchFamily="18" charset="0"/>
-                          </a:rPr>
-                          <m:t>𝜆</m:t>
-                        </m:r>
-                      </m:sub>
-                    </m:sSub>
-                    <m:r>
-                      <a:rPr lang="en-US" altLang="zh-CN" i="1">
-                        <a:latin typeface="Cambria Math" panose="02040503050406030204" pitchFamily="18" charset="0"/>
-                      </a:rPr>
-                      <m:t>&lt;</m:t>
-                    </m:r>
-                    <m:r>
-                      <a:rPr lang="en-US" altLang="zh-CN" b="0" i="1" smtClean="0">
-                        <a:latin typeface="Cambria Math" panose="02040503050406030204" pitchFamily="18" charset="0"/>
-                      </a:rPr>
-                      <m:t>20</m:t>
-                    </m:r>
-                    <m:r>
-                      <a:rPr lang="en-US" altLang="zh-CN" i="1">
-                        <a:latin typeface="Cambria Math" panose="02040503050406030204" pitchFamily="18" charset="0"/>
-                      </a:rPr>
-                      <m:t>0</m:t>
-                    </m:r>
-                  </m:oMath>
-                </a14:m>
-                <a:r>
-                  <a:rPr lang="zh-CN" altLang="en-US" dirty="0"/>
-                  <a:t> </a:t>
-                </a:r>
-                <a:r>
-                  <a:rPr lang="en-US" altLang="zh-CN" dirty="0" smtClean="0"/>
-                  <a:t>: </a:t>
-                </a:r>
-              </a:p>
-              <a:p>
-                <a:pPr marL="384048" lvl="2" indent="0">
-                  <a:buNone/>
-                </a:pPr>
-                <a:r>
-                  <a:rPr lang="en-US" altLang="zh-CN" dirty="0"/>
-                  <a:t>	</a:t>
-                </a:r>
-                <a:r>
-                  <a:rPr lang="en-US" altLang="zh-CN" dirty="0" smtClean="0"/>
-                  <a:t>Transition region, scaling coefficients vary intensively;</a:t>
                 </a:r>
               </a:p>
               <a:p>
@@ -6778,7 +10987,7 @@
                       <m:t>&lt;5</m:t>
                     </m:r>
                     <m:r>
-                      <a:rPr lang="en-US" altLang="zh-CN" b="0" i="1" smtClean="0">
+                      <a:rPr lang="en-US" altLang="zh-CN" i="1">
                         <a:latin typeface="Cambria Math" panose="02040503050406030204" pitchFamily="18" charset="0"/>
                       </a:rPr>
                       <m:t>0</m:t>
@@ -6796,7 +11005,7 @@
                   <a:t> </a:t>
                 </a:r>
                 <a:r>
-                  <a:rPr lang="en-US" altLang="zh-CN" dirty="0" smtClean="0"/>
+                  <a:rPr lang="en-US" altLang="zh-CN" dirty="0"/>
                   <a:t>:</a:t>
                 </a:r>
               </a:p>
@@ -6809,20 +11018,7 @@
                   <a:t>	</a:t>
                 </a:r>
                 <a:r>
-                  <a:rPr lang="en-US" altLang="zh-CN" dirty="0" smtClean="0"/>
-                  <a:t> Scaling region well developed.</a:t>
-                </a:r>
-              </a:p>
-              <a:p>
-                <a:pPr marL="384048" lvl="2" indent="0">
-                  <a:buNone/>
-                </a:pPr>
-                <a:r>
                   <a:rPr lang="en-US" altLang="zh-CN" dirty="0"/>
-                  <a:t>	</a:t>
-                </a:r>
-                <a:r>
-                  <a:rPr lang="en-US" altLang="zh-CN" dirty="0" smtClean="0"/>
                   <a:t> intermittency can be observed in inertial subrange. </a:t>
                 </a:r>
                 <a:endParaRPr lang="zh-CN" altLang="en-US" dirty="0"/>
@@ -6833,19 +11029,24 @@
         <mc:Fallback>
           <p:sp>
             <p:nvSpPr>
-              <p:cNvPr id="3" name="内容占位符 2"/>
+              <p:cNvPr id="6" name="矩形 5"/>
               <p:cNvSpPr>
-                <a:spLocks noGrp="1" noRot="1" noChangeAspect="1" noMove="1" noResize="1" noEditPoints="1" noAdjustHandles="1" noChangeArrowheads="1" noChangeShapeType="1" noTextEdit="1"/>
+                <a:spLocks noRot="1" noChangeAspect="1" noMove="1" noResize="1" noEditPoints="1" noAdjustHandles="1" noChangeArrowheads="1" noChangeShapeType="1" noTextEdit="1"/>
               </p:cNvSpPr>
-              <p:nvPr>
-                <p:ph idx="1"/>
-              </p:nvPr>
+              <p:nvPr/>
             </p:nvSpPr>
             <p:spPr>
+              <a:xfrm>
+                <a:off x="964223" y="2722063"/>
+                <a:ext cx="3874313" cy="1754326"/>
+              </a:xfrm>
+              <a:prstGeom prst="rect">
+                <a:avLst/>
+              </a:prstGeom>
               <a:blipFill>
                 <a:blip r:embed="rId4"/>
                 <a:stretch>
-                  <a:fillRect t="-2273"/>
+                  <a:fillRect t="-2091" b="-4878"/>
                 </a:stretch>
               </a:blipFill>
             </p:spPr>
@@ -6864,196 +11065,296 @@
           </p:sp>
         </mc:Fallback>
       </mc:AlternateContent>
-      <p:cxnSp>
-        <p:nvCxnSpPr>
-          <p:cNvPr id="8" name="直接箭头连接符 7"/>
-          <p:cNvCxnSpPr/>
-          <p:nvPr/>
-        </p:nvCxnSpPr>
+    </p:spTree>
+    <p:extLst>
+      <p:ext uri="{BB962C8B-B14F-4D97-AF65-F5344CB8AC3E}">
+        <p14:creationId xmlns:p14="http://schemas.microsoft.com/office/powerpoint/2010/main" val="487532725"/>
+      </p:ext>
+    </p:extLst>
+  </p:cSld>
+  <p:clrMapOvr>
+    <a:masterClrMapping/>
+  </p:clrMapOvr>
+  <p:timing>
+    <p:tnLst>
+      <p:par>
+        <p:cTn id="1" dur="indefinite" restart="never" nodeType="tmRoot"/>
+      </p:par>
+    </p:tnLst>
+  </p:timing>
+</p:sld>
+</file>
+
+<file path=ppt/slides/slide7.xml><?xml version="1.0" encoding="utf-8"?>
+<p:sld xmlns:a="http://schemas.openxmlformats.org/drawingml/2006/main" xmlns:r="http://schemas.openxmlformats.org/officeDocument/2006/relationships" xmlns:p="http://schemas.openxmlformats.org/presentationml/2006/main">
+  <p:cSld>
+    <p:spTree>
+      <p:nvGrpSpPr>
+        <p:cNvPr id="1" name=""/>
+        <p:cNvGrpSpPr/>
+        <p:nvPr/>
+      </p:nvGrpSpPr>
+      <p:grpSpPr>
+        <a:xfrm>
+          <a:off x="0" y="0"/>
+          <a:ext cx="0" cy="0"/>
+          <a:chOff x="0" y="0"/>
+          <a:chExt cx="0" cy="0"/>
+        </a:xfrm>
+      </p:grpSpPr>
+      <p:sp>
+        <p:nvSpPr>
+          <p:cNvPr id="4" name="标题 1"/>
+          <p:cNvSpPr>
+            <a:spLocks noGrp="1"/>
+          </p:cNvSpPr>
+          <p:nvPr>
+            <p:ph type="title"/>
+          </p:nvPr>
+        </p:nvSpPr>
         <p:spPr>
           <a:xfrm>
-            <a:off x="1097280" y="5597437"/>
-            <a:ext cx="10058400" cy="0"/>
+            <a:off x="1097280" y="286603"/>
+            <a:ext cx="10058400" cy="1450757"/>
           </a:xfrm>
-          <a:prstGeom prst="straightConnector1">
+        </p:spPr>
+        <p:txBody>
+          <a:bodyPr/>
+          <a:lstStyle/>
+          <a:p>
+            <a:r>
+              <a:rPr lang="en-US" altLang="zh-CN" dirty="0"/>
+              <a:t>Results</a:t>
+            </a:r>
+            <a:endParaRPr lang="zh-CN" altLang="en-US" dirty="0"/>
+          </a:p>
+        </p:txBody>
+      </p:sp>
+      <p:sp>
+        <p:nvSpPr>
+          <p:cNvPr id="5" name="文本框 4"/>
+          <p:cNvSpPr txBox="1"/>
+          <p:nvPr/>
+        </p:nvSpPr>
+        <p:spPr>
+          <a:xfrm>
+            <a:off x="97654" y="117417"/>
+            <a:ext cx="3107184" cy="369332"/>
+          </a:xfrm>
+          <a:prstGeom prst="rect">
             <a:avLst/>
           </a:prstGeom>
-          <a:ln>
-            <a:tailEnd type="triangle"/>
-          </a:ln>
+          <a:noFill/>
         </p:spPr>
-        <p:style>
-          <a:lnRef idx="1">
-            <a:schemeClr val="dk1"/>
-          </a:lnRef>
-          <a:fillRef idx="0">
-            <a:schemeClr val="dk1"/>
-          </a:fillRef>
-          <a:effectRef idx="0">
-            <a:schemeClr val="dk1"/>
-          </a:effectRef>
-          <a:fontRef idx="minor">
-            <a:schemeClr val="tx1"/>
-          </a:fontRef>
-        </p:style>
-      </p:cxnSp>
-      <p:sp>
-        <p:nvSpPr>
-          <p:cNvPr id="9" name="流程图: 接点 8"/>
-          <p:cNvSpPr/>
-          <p:nvPr/>
-        </p:nvSpPr>
+        <p:txBody>
+          <a:bodyPr wrap="square" rtlCol="0">
+            <a:spAutoFit/>
+          </a:bodyPr>
+          <a:lstStyle/>
+          <a:p>
+            <a:r>
+              <a:rPr lang="en-US" altLang="zh-CN" dirty="0" smtClean="0">
+                <a:solidFill>
+                  <a:srgbClr val="FF0000"/>
+                </a:solidFill>
+              </a:rPr>
+              <a:t>Paper-reading Sharing</a:t>
+            </a:r>
+            <a:endParaRPr lang="zh-CN" altLang="en-US" dirty="0">
+              <a:solidFill>
+                <a:srgbClr val="FF0000"/>
+              </a:solidFill>
+            </a:endParaRPr>
+          </a:p>
+        </p:txBody>
+      </p:sp>
+      <p:pic>
+        <p:nvPicPr>
+          <p:cNvPr id="6" name="内容占位符 5"/>
+          <p:cNvPicPr>
+            <a:picLocks noGrp="1" noChangeAspect="1"/>
+          </p:cNvPicPr>
+          <p:nvPr>
+            <p:ph idx="1"/>
+          </p:nvPr>
+        </p:nvPicPr>
+        <p:blipFill rotWithShape="1">
+          <a:blip r:embed="rId2">
+            <a:extLst>
+              <a:ext uri="{28A0092B-C50C-407E-A947-70E740481C1C}">
+                <a14:useLocalDpi xmlns:a14="http://schemas.microsoft.com/office/drawing/2010/main" val="0"/>
+              </a:ext>
+            </a:extLst>
+          </a:blip>
+          <a:srcRect t="49040"/>
+          <a:stretch/>
+        </p:blipFill>
         <p:spPr>
           <a:xfrm>
-            <a:off x="2068497" y="5537546"/>
-            <a:ext cx="97654" cy="119782"/>
+            <a:off x="8228366" y="2229711"/>
+            <a:ext cx="3806545" cy="2905981"/>
           </a:xfrm>
-          <a:prstGeom prst="flowChartConnector">
+        </p:spPr>
+      </p:pic>
+      <p:pic>
+        <p:nvPicPr>
+          <p:cNvPr id="7" name="内容占位符 5"/>
+          <p:cNvPicPr>
+            <a:picLocks noChangeAspect="1"/>
+          </p:cNvPicPr>
+          <p:nvPr/>
+        </p:nvPicPr>
+        <p:blipFill rotWithShape="1">
+          <a:blip r:embed="rId2">
+            <a:extLst>
+              <a:ext uri="{28A0092B-C50C-407E-A947-70E740481C1C}">
+                <a14:useLocalDpi xmlns:a14="http://schemas.microsoft.com/office/drawing/2010/main" val="0"/>
+              </a:ext>
+            </a:extLst>
+          </a:blip>
+          <a:srcRect b="50960"/>
+          <a:stretch/>
+        </p:blipFill>
+        <p:spPr>
+          <a:xfrm>
+            <a:off x="4421821" y="2284427"/>
+            <a:ext cx="3806545" cy="2796547"/>
+          </a:xfrm>
+          <a:prstGeom prst="rect">
             <a:avLst/>
           </a:prstGeom>
         </p:spPr>
-        <p:style>
-          <a:lnRef idx="2">
-            <a:schemeClr val="accent1">
-              <a:shade val="50000"/>
-            </a:schemeClr>
-          </a:lnRef>
-          <a:fillRef idx="1">
-            <a:schemeClr val="accent1"/>
-          </a:fillRef>
-          <a:effectRef idx="0">
-            <a:schemeClr val="accent1"/>
-          </a:effectRef>
-          <a:fontRef idx="minor">
-            <a:schemeClr val="lt1"/>
-          </a:fontRef>
-        </p:style>
-        <p:txBody>
-          <a:bodyPr rtlCol="0" anchor="ctr"/>
-          <a:lstStyle/>
-          <a:p>
-            <a:pPr algn="ctr"/>
-            <a:endParaRPr lang="zh-CN" altLang="en-US"/>
-          </a:p>
-        </p:txBody>
-      </p:sp>
-      <p:sp>
-        <p:nvSpPr>
-          <p:cNvPr id="10" name="流程图: 接点 9"/>
-          <p:cNvSpPr/>
+      </p:pic>
+      <p:sp>
+        <p:nvSpPr>
+          <p:cNvPr id="8" name="文本框 7"/>
+          <p:cNvSpPr txBox="1"/>
           <p:nvPr/>
         </p:nvSpPr>
         <p:spPr>
           <a:xfrm>
-            <a:off x="4324905" y="5537546"/>
-            <a:ext cx="97654" cy="119782"/>
+            <a:off x="1097280" y="1906546"/>
+            <a:ext cx="3509889" cy="369332"/>
           </a:xfrm>
-          <a:prstGeom prst="flowChartConnector">
+          <a:prstGeom prst="rect">
             <a:avLst/>
           </a:prstGeom>
+          <a:noFill/>
         </p:spPr>
-        <p:style>
-          <a:lnRef idx="2">
-            <a:schemeClr val="accent1">
-              <a:shade val="50000"/>
-            </a:schemeClr>
-          </a:lnRef>
-          <a:fillRef idx="1">
-            <a:schemeClr val="accent1"/>
-          </a:fillRef>
-          <a:effectRef idx="0">
-            <a:schemeClr val="accent1"/>
-          </a:effectRef>
-          <a:fontRef idx="minor">
-            <a:schemeClr val="lt1"/>
-          </a:fontRef>
-        </p:style>
         <p:txBody>
-          <a:bodyPr rtlCol="0" anchor="ctr"/>
+          <a:bodyPr wrap="square" rtlCol="0">
+            <a:spAutoFit/>
+          </a:bodyPr>
           <a:lstStyle/>
           <a:p>
-            <a:pPr algn="ctr"/>
-            <a:endParaRPr lang="zh-CN" altLang="en-US"/>
+            <a:r>
+              <a:rPr lang="en-US" altLang="zh-CN" dirty="0" smtClean="0"/>
+              <a:t>From the conditional statistics</a:t>
+            </a:r>
+            <a:endParaRPr lang="zh-CN" altLang="en-US" dirty="0"/>
           </a:p>
         </p:txBody>
       </p:sp>
-      <p:sp>
-        <p:nvSpPr>
-          <p:cNvPr id="11" name="流程图: 接点 10"/>
-          <p:cNvSpPr/>
-          <p:nvPr/>
+    </p:spTree>
+    <p:extLst>
+      <p:ext uri="{BB962C8B-B14F-4D97-AF65-F5344CB8AC3E}">
+        <p14:creationId xmlns:p14="http://schemas.microsoft.com/office/powerpoint/2010/main" val="30940655"/>
+      </p:ext>
+    </p:extLst>
+  </p:cSld>
+  <p:clrMapOvr>
+    <a:masterClrMapping/>
+  </p:clrMapOvr>
+  <p:timing>
+    <p:tnLst>
+      <p:par>
+        <p:cTn id="1" dur="indefinite" restart="never" nodeType="tmRoot"/>
+      </p:par>
+    </p:tnLst>
+  </p:timing>
+</p:sld>
+</file>
+
+<file path=ppt/slides/slide8.xml><?xml version="1.0" encoding="utf-8"?>
+<p:sld xmlns:a="http://schemas.openxmlformats.org/drawingml/2006/main" xmlns:r="http://schemas.openxmlformats.org/officeDocument/2006/relationships" xmlns:p="http://schemas.openxmlformats.org/presentationml/2006/main">
+  <p:cSld>
+    <p:spTree>
+      <p:nvGrpSpPr>
+        <p:cNvPr id="1" name=""/>
+        <p:cNvGrpSpPr/>
+        <p:nvPr/>
+      </p:nvGrpSpPr>
+      <p:grpSpPr>
+        <a:xfrm>
+          <a:off x="0" y="0"/>
+          <a:ext cx="0" cy="0"/>
+          <a:chOff x="0" y="0"/>
+          <a:chExt cx="0" cy="0"/>
+        </a:xfrm>
+      </p:grpSpPr>
+      <p:sp>
+        <p:nvSpPr>
+          <p:cNvPr id="4" name="标题 1"/>
+          <p:cNvSpPr>
+            <a:spLocks noGrp="1"/>
+          </p:cNvSpPr>
+          <p:nvPr>
+            <p:ph type="title"/>
+          </p:nvPr>
         </p:nvSpPr>
         <p:spPr>
           <a:xfrm>
-            <a:off x="7042951" y="5537546"/>
-            <a:ext cx="97654" cy="119782"/>
+            <a:off x="1097280" y="286603"/>
+            <a:ext cx="10058400" cy="1450757"/>
           </a:xfrm>
-          <a:prstGeom prst="flowChartConnector">
+        </p:spPr>
+        <p:txBody>
+          <a:bodyPr/>
+          <a:lstStyle/>
+          <a:p>
+            <a:r>
+              <a:rPr lang="en-US" altLang="zh-CN" dirty="0" smtClean="0"/>
+              <a:t>Conclusion</a:t>
+            </a:r>
+            <a:endParaRPr lang="zh-CN" altLang="en-US" dirty="0"/>
+          </a:p>
+        </p:txBody>
+      </p:sp>
+      <p:sp>
+        <p:nvSpPr>
+          <p:cNvPr id="5" name="文本框 4"/>
+          <p:cNvSpPr txBox="1"/>
+          <p:nvPr/>
+        </p:nvSpPr>
+        <p:spPr>
+          <a:xfrm>
+            <a:off x="97654" y="117417"/>
+            <a:ext cx="3107184" cy="369332"/>
+          </a:xfrm>
+          <a:prstGeom prst="rect">
             <a:avLst/>
           </a:prstGeom>
+          <a:noFill/>
         </p:spPr>
-        <p:style>
-          <a:lnRef idx="2">
-            <a:schemeClr val="accent1">
-              <a:shade val="50000"/>
-            </a:schemeClr>
-          </a:lnRef>
-          <a:fillRef idx="1">
-            <a:schemeClr val="accent1"/>
-          </a:fillRef>
-          <a:effectRef idx="0">
-            <a:schemeClr val="accent1"/>
-          </a:effectRef>
-          <a:fontRef idx="minor">
-            <a:schemeClr val="lt1"/>
-          </a:fontRef>
-        </p:style>
         <p:txBody>
-          <a:bodyPr rtlCol="0" anchor="ctr"/>
+          <a:bodyPr wrap="square" rtlCol="0">
+            <a:spAutoFit/>
+          </a:bodyPr>
           <a:lstStyle/>
           <a:p>
-            <a:pPr algn="ctr"/>
-            <a:endParaRPr lang="zh-CN" altLang="en-US"/>
-          </a:p>
-        </p:txBody>
-      </p:sp>
-      <p:sp>
-        <p:nvSpPr>
-          <p:cNvPr id="12" name="流程图: 接点 11"/>
-          <p:cNvSpPr/>
-          <p:nvPr/>
-        </p:nvSpPr>
-        <p:spPr>
-          <a:xfrm>
-            <a:off x="10025849" y="5537546"/>
-            <a:ext cx="97654" cy="119782"/>
-          </a:xfrm>
-          <a:prstGeom prst="flowChartConnector">
-            <a:avLst/>
-          </a:prstGeom>
-        </p:spPr>
-        <p:style>
-          <a:lnRef idx="2">
-            <a:schemeClr val="accent1">
-              <a:shade val="50000"/>
-            </a:schemeClr>
-          </a:lnRef>
-          <a:fillRef idx="1">
-            <a:schemeClr val="accent1"/>
-          </a:fillRef>
-          <a:effectRef idx="0">
-            <a:schemeClr val="accent1"/>
-          </a:effectRef>
-          <a:fontRef idx="minor">
-            <a:schemeClr val="lt1"/>
-          </a:fontRef>
-        </p:style>
-        <p:txBody>
-          <a:bodyPr rtlCol="0" anchor="ctr"/>
-          <a:lstStyle/>
-          <a:p>
-            <a:pPr algn="ctr"/>
-            <a:endParaRPr lang="zh-CN" altLang="en-US"/>
+            <a:r>
+              <a:rPr lang="en-US" altLang="zh-CN" dirty="0" smtClean="0">
+                <a:solidFill>
+                  <a:srgbClr val="FF0000"/>
+                </a:solidFill>
+              </a:rPr>
+              <a:t>Paper-reading Sharing</a:t>
+            </a:r>
+            <a:endParaRPr lang="zh-CN" altLang="en-US" dirty="0">
+              <a:solidFill>
+                <a:srgbClr val="FF0000"/>
+              </a:solidFill>
+            </a:endParaRPr>
           </a:p>
         </p:txBody>
       </p:sp>
@@ -7061,66 +11362,83 @@
         <mc:Choice xmlns:a14="http://schemas.microsoft.com/office/drawing/2010/main" Requires="a14">
           <p:sp>
             <p:nvSpPr>
-              <p:cNvPr id="13" name="文本框 12"/>
-              <p:cNvSpPr txBox="1"/>
-              <p:nvPr/>
+              <p:cNvPr id="2" name="内容占位符 1"/>
+              <p:cNvSpPr>
+                <a:spLocks noGrp="1"/>
+              </p:cNvSpPr>
+              <p:nvPr>
+                <p:ph idx="1"/>
+              </p:nvPr>
             </p:nvSpPr>
-            <p:spPr>
-              <a:xfrm>
-                <a:off x="10948411" y="5651986"/>
-                <a:ext cx="414537" cy="276999"/>
-              </a:xfrm>
-              <a:prstGeom prst="rect">
-                <a:avLst/>
-              </a:prstGeom>
-              <a:noFill/>
-            </p:spPr>
+            <p:spPr/>
             <p:txBody>
-              <a:bodyPr wrap="none" lIns="0" tIns="0" rIns="0" bIns="0" rtlCol="0">
-                <a:spAutoFit/>
-              </a:bodyPr>
+              <a:bodyPr/>
               <a:lstStyle/>
               <a:p>
+                <a:pPr marL="91440" lvl="1" indent="-91440">
+                  <a:spcBef>
+                    <a:spcPts val="1200"/>
+                  </a:spcBef>
+                  <a:spcAft>
+                    <a:spcPts val="200"/>
+                  </a:spcAft>
+                  <a:buSzPct val="100000"/>
+                  <a:buFont typeface="Calibri" panose="020F0502020204030204" pitchFamily="34" charset="0"/>
+                  <a:buChar char=" "/>
+                </a:pPr>
+                <a:r>
+                  <a:rPr lang="en-US" altLang="zh-CN" sz="2600" dirty="0">
+                    <a:solidFill>
+                      <a:srgbClr val="FF0000"/>
+                    </a:solidFill>
+                  </a:rPr>
+                  <a:t>Qualitative</a:t>
+                </a:r>
+                <a:r>
+                  <a:rPr lang="en-US" altLang="zh-CN" sz="2600" dirty="0"/>
+                  <a:t> difference is observed when </a:t>
+                </a:r>
                 <a14:m>
-                  <m:oMathPara xmlns:m="http://schemas.openxmlformats.org/officeDocument/2006/math">
-                    <m:oMathParaPr>
-                      <m:jc m:val="centerGroup"/>
-                    </m:oMathParaPr>
-                    <m:oMath xmlns:m="http://schemas.openxmlformats.org/officeDocument/2006/math">
-                      <m:r>
-                        <a:rPr lang="en-US" altLang="zh-CN" b="0" i="1" smtClean="0">
-                          <a:latin typeface="Cambria Math" panose="02040503050406030204" pitchFamily="18" charset="0"/>
-                        </a:rPr>
-                        <m:t>𝑅</m:t>
-                      </m:r>
-                      <m:sSub>
-                        <m:sSubPr>
-                          <m:ctrlPr>
-                            <a:rPr lang="en-US" altLang="zh-CN" b="0" i="1" smtClean="0">
-                              <a:latin typeface="Cambria Math" panose="02040503050406030204" pitchFamily="18" charset="0"/>
-                            </a:rPr>
-                          </m:ctrlPr>
-                        </m:sSubPr>
-                        <m:e>
-                          <m:r>
-                            <a:rPr lang="en-US" altLang="zh-CN" b="0" i="1" smtClean="0">
-                              <a:latin typeface="Cambria Math" panose="02040503050406030204" pitchFamily="18" charset="0"/>
-                            </a:rPr>
-                            <m:t>𝑒</m:t>
-                          </m:r>
-                        </m:e>
-                        <m:sub>
-                          <m:r>
-                            <a:rPr lang="en-US" altLang="zh-CN" b="0" i="1" smtClean="0">
-                              <a:latin typeface="Cambria Math" panose="02040503050406030204" pitchFamily="18" charset="0"/>
-                            </a:rPr>
-                            <m:t>𝜆</m:t>
-                          </m:r>
-                        </m:sub>
-                      </m:sSub>
-                    </m:oMath>
-                  </m:oMathPara>
+                  <m:oMath xmlns:m="http://schemas.openxmlformats.org/officeDocument/2006/math">
+                    <m:r>
+                      <a:rPr lang="en-US" altLang="zh-CN" sz="2600" i="1">
+                        <a:latin typeface="Cambria Math" panose="02040503050406030204" pitchFamily="18" charset="0"/>
+                      </a:rPr>
+                      <m:t>𝑅</m:t>
+                    </m:r>
+                    <m:sSub>
+                      <m:sSubPr>
+                        <m:ctrlPr>
+                          <a:rPr lang="en-US" altLang="zh-CN" sz="2600" i="1">
+                            <a:latin typeface="Cambria Math" panose="02040503050406030204" pitchFamily="18" charset="0"/>
+                          </a:rPr>
+                        </m:ctrlPr>
+                      </m:sSubPr>
+                      <m:e>
+                        <m:r>
+                          <a:rPr lang="en-US" altLang="zh-CN" sz="2600" i="1">
+                            <a:latin typeface="Cambria Math" panose="02040503050406030204" pitchFamily="18" charset="0"/>
+                          </a:rPr>
+                          <m:t>𝑒</m:t>
+                        </m:r>
+                      </m:e>
+                      <m:sub>
+                        <m:r>
+                          <a:rPr lang="en-US" altLang="zh-CN" sz="2600" i="1">
+                            <a:latin typeface="Cambria Math" panose="02040503050406030204" pitchFamily="18" charset="0"/>
+                          </a:rPr>
+                          <m:t>𝜆</m:t>
+                        </m:r>
+                      </m:sub>
+                    </m:sSub>
+                  </m:oMath>
                 </a14:m>
+                <a:r>
+                  <a:rPr lang="en-US" altLang="zh-CN" sz="2600" dirty="0"/>
+                  <a:t> increases from 50 to 500 .</a:t>
+                </a:r>
+              </a:p>
+              <a:p>
                 <a:endParaRPr lang="zh-CN" altLang="en-US" dirty="0"/>
               </a:p>
             </p:txBody>
@@ -7129,24 +11447,19 @@
         <mc:Fallback>
           <p:sp>
             <p:nvSpPr>
-              <p:cNvPr id="13" name="文本框 12"/>
-              <p:cNvSpPr txBox="1">
-                <a:spLocks noRot="1" noChangeAspect="1" noMove="1" noResize="1" noEditPoints="1" noAdjustHandles="1" noChangeArrowheads="1" noChangeShapeType="1" noTextEdit="1"/>
+              <p:cNvPr id="2" name="内容占位符 1"/>
+              <p:cNvSpPr>
+                <a:spLocks noGrp="1" noRot="1" noChangeAspect="1" noMove="1" noResize="1" noEditPoints="1" noAdjustHandles="1" noChangeArrowheads="1" noChangeShapeType="1" noTextEdit="1"/>
               </p:cNvSpPr>
-              <p:nvPr/>
+              <p:nvPr>
+                <p:ph idx="1"/>
+              </p:nvPr>
             </p:nvSpPr>
             <p:spPr>
-              <a:xfrm>
-                <a:off x="10948411" y="5651986"/>
-                <a:ext cx="414537" cy="276999"/>
-              </a:xfrm>
-              <a:prstGeom prst="rect">
-                <a:avLst/>
-              </a:prstGeom>
               <a:blipFill>
-                <a:blip r:embed="rId5"/>
+                <a:blip r:embed="rId2"/>
                 <a:stretch>
-                  <a:fillRect l="-11765" r="-5882" b="-17391"/>
+                  <a:fillRect l="-1091" t="-2273"/>
                 </a:stretch>
               </a:blipFill>
             </p:spPr>
@@ -7165,706 +11478,27 @@
           </p:sp>
         </mc:Fallback>
       </mc:AlternateContent>
-      <mc:AlternateContent xmlns:mc="http://schemas.openxmlformats.org/markup-compatibility/2006">
-        <mc:Choice xmlns:a14="http://schemas.microsoft.com/office/drawing/2010/main" Requires="a14">
-          <p:sp>
-            <p:nvSpPr>
-              <p:cNvPr id="14" name="文本框 13"/>
-              <p:cNvSpPr txBox="1"/>
-              <p:nvPr/>
-            </p:nvSpPr>
-            <p:spPr>
-              <a:xfrm>
-                <a:off x="1962696" y="5651986"/>
-                <a:ext cx="309380" cy="276999"/>
-              </a:xfrm>
-              <a:prstGeom prst="rect">
-                <a:avLst/>
-              </a:prstGeom>
-              <a:noFill/>
-            </p:spPr>
-            <p:txBody>
-              <a:bodyPr wrap="none" lIns="0" tIns="0" rIns="0" bIns="0" rtlCol="0">
-                <a:spAutoFit/>
-              </a:bodyPr>
-              <a:lstStyle/>
-              <a:p>
-                <a14:m>
-                  <m:oMathPara xmlns:m="http://schemas.openxmlformats.org/officeDocument/2006/math">
-                    <m:oMathParaPr>
-                      <m:jc m:val="centerGroup"/>
-                    </m:oMathParaPr>
-                    <m:oMath xmlns:m="http://schemas.openxmlformats.org/officeDocument/2006/math">
-                      <m:r>
-                        <a:rPr lang="en-US" altLang="zh-CN" b="0" i="1" smtClean="0">
-                          <a:latin typeface="Cambria Math" panose="02040503050406030204" pitchFamily="18" charset="0"/>
-                        </a:rPr>
-                        <m:t>50</m:t>
-                      </m:r>
-                    </m:oMath>
-                  </m:oMathPara>
-                </a14:m>
-                <a:endParaRPr lang="zh-CN" altLang="en-US" dirty="0"/>
-              </a:p>
-            </p:txBody>
-          </p:sp>
-        </mc:Choice>
-        <mc:Fallback>
-          <p:sp>
-            <p:nvSpPr>
-              <p:cNvPr id="14" name="文本框 13"/>
-              <p:cNvSpPr txBox="1">
-                <a:spLocks noRot="1" noChangeAspect="1" noMove="1" noResize="1" noEditPoints="1" noAdjustHandles="1" noChangeArrowheads="1" noChangeShapeType="1" noTextEdit="1"/>
-              </p:cNvSpPr>
-              <p:nvPr/>
-            </p:nvSpPr>
-            <p:spPr>
-              <a:xfrm>
-                <a:off x="1962696" y="5651986"/>
-                <a:ext cx="309380" cy="276999"/>
-              </a:xfrm>
-              <a:prstGeom prst="rect">
-                <a:avLst/>
-              </a:prstGeom>
-              <a:blipFill>
-                <a:blip r:embed="rId6"/>
-                <a:stretch>
-                  <a:fillRect l="-19608" r="-17647" b="-6522"/>
-                </a:stretch>
-              </a:blipFill>
-            </p:spPr>
-            <p:txBody>
-              <a:bodyPr/>
-              <a:lstStyle/>
-              <a:p>
-                <a:r>
-                  <a:rPr lang="zh-CN" altLang="en-US">
-                    <a:noFill/>
-                  </a:rPr>
-                  <a:t> </a:t>
-                </a:r>
-              </a:p>
-            </p:txBody>
-          </p:sp>
-        </mc:Fallback>
-      </mc:AlternateContent>
-      <mc:AlternateContent xmlns:mc="http://schemas.openxmlformats.org/markup-compatibility/2006">
-        <mc:Choice xmlns:a14="http://schemas.microsoft.com/office/drawing/2010/main" Requires="a14">
-          <p:sp>
-            <p:nvSpPr>
-              <p:cNvPr id="15" name="文本框 14"/>
-              <p:cNvSpPr txBox="1"/>
-              <p:nvPr/>
-            </p:nvSpPr>
-            <p:spPr>
-              <a:xfrm>
-                <a:off x="4157707" y="5651985"/>
-                <a:ext cx="437620" cy="276999"/>
-              </a:xfrm>
-              <a:prstGeom prst="rect">
-                <a:avLst/>
-              </a:prstGeom>
-              <a:noFill/>
-            </p:spPr>
-            <p:txBody>
-              <a:bodyPr wrap="none" lIns="0" tIns="0" rIns="0" bIns="0" rtlCol="0">
-                <a:spAutoFit/>
-              </a:bodyPr>
-              <a:lstStyle/>
-              <a:p>
-                <a14:m>
-                  <m:oMathPara xmlns:m="http://schemas.openxmlformats.org/officeDocument/2006/math">
-                    <m:oMathParaPr>
-                      <m:jc m:val="centerGroup"/>
-                    </m:oMathParaPr>
-                    <m:oMath xmlns:m="http://schemas.openxmlformats.org/officeDocument/2006/math">
-                      <m:r>
-                        <a:rPr lang="en-US" altLang="zh-CN" b="0" i="1" smtClean="0">
-                          <a:latin typeface="Cambria Math" panose="02040503050406030204" pitchFamily="18" charset="0"/>
-                        </a:rPr>
-                        <m:t>100</m:t>
-                      </m:r>
-                    </m:oMath>
-                  </m:oMathPara>
-                </a14:m>
-                <a:endParaRPr lang="zh-CN" altLang="en-US" dirty="0"/>
-              </a:p>
-            </p:txBody>
-          </p:sp>
-        </mc:Choice>
-        <mc:Fallback>
-          <p:sp>
-            <p:nvSpPr>
-              <p:cNvPr id="15" name="文本框 14"/>
-              <p:cNvSpPr txBox="1">
-                <a:spLocks noRot="1" noChangeAspect="1" noMove="1" noResize="1" noEditPoints="1" noAdjustHandles="1" noChangeArrowheads="1" noChangeShapeType="1" noTextEdit="1"/>
-              </p:cNvSpPr>
-              <p:nvPr/>
-            </p:nvSpPr>
-            <p:spPr>
-              <a:xfrm>
-                <a:off x="4157707" y="5651985"/>
-                <a:ext cx="437620" cy="276999"/>
-              </a:xfrm>
-              <a:prstGeom prst="rect">
-                <a:avLst/>
-              </a:prstGeom>
-              <a:blipFill>
-                <a:blip r:embed="rId7"/>
-                <a:stretch>
-                  <a:fillRect l="-11111" r="-13889" b="-6522"/>
-                </a:stretch>
-              </a:blipFill>
-            </p:spPr>
-            <p:txBody>
-              <a:bodyPr/>
-              <a:lstStyle/>
-              <a:p>
-                <a:r>
-                  <a:rPr lang="zh-CN" altLang="en-US">
-                    <a:noFill/>
-                  </a:rPr>
-                  <a:t> </a:t>
-                </a:r>
-              </a:p>
-            </p:txBody>
-          </p:sp>
-        </mc:Fallback>
-      </mc:AlternateContent>
-      <mc:AlternateContent xmlns:mc="http://schemas.openxmlformats.org/markup-compatibility/2006">
-        <mc:Choice xmlns:a14="http://schemas.microsoft.com/office/drawing/2010/main" Requires="a14">
-          <p:sp>
-            <p:nvSpPr>
-              <p:cNvPr id="16" name="文本框 15"/>
-              <p:cNvSpPr txBox="1"/>
-              <p:nvPr/>
-            </p:nvSpPr>
-            <p:spPr>
-              <a:xfrm>
-                <a:off x="6872968" y="5651985"/>
-                <a:ext cx="437620" cy="276999"/>
-              </a:xfrm>
-              <a:prstGeom prst="rect">
-                <a:avLst/>
-              </a:prstGeom>
-              <a:noFill/>
-            </p:spPr>
-            <p:txBody>
-              <a:bodyPr wrap="none" lIns="0" tIns="0" rIns="0" bIns="0" rtlCol="0">
-                <a:spAutoFit/>
-              </a:bodyPr>
-              <a:lstStyle/>
-              <a:p>
-                <a14:m>
-                  <m:oMathPara xmlns:m="http://schemas.openxmlformats.org/officeDocument/2006/math">
-                    <m:oMathParaPr>
-                      <m:jc m:val="centerGroup"/>
-                    </m:oMathParaPr>
-                    <m:oMath xmlns:m="http://schemas.openxmlformats.org/officeDocument/2006/math">
-                      <m:r>
-                        <a:rPr lang="en-US" altLang="zh-CN" b="0" i="1" smtClean="0">
-                          <a:latin typeface="Cambria Math" panose="02040503050406030204" pitchFamily="18" charset="0"/>
-                        </a:rPr>
-                        <m:t>200</m:t>
-                      </m:r>
-                    </m:oMath>
-                  </m:oMathPara>
-                </a14:m>
-                <a:endParaRPr lang="zh-CN" altLang="en-US" dirty="0"/>
-              </a:p>
-            </p:txBody>
-          </p:sp>
-        </mc:Choice>
-        <mc:Fallback>
-          <p:sp>
-            <p:nvSpPr>
-              <p:cNvPr id="16" name="文本框 15"/>
-              <p:cNvSpPr txBox="1">
-                <a:spLocks noRot="1" noChangeAspect="1" noMove="1" noResize="1" noEditPoints="1" noAdjustHandles="1" noChangeArrowheads="1" noChangeShapeType="1" noTextEdit="1"/>
-              </p:cNvSpPr>
-              <p:nvPr/>
-            </p:nvSpPr>
-            <p:spPr>
-              <a:xfrm>
-                <a:off x="6872968" y="5651985"/>
-                <a:ext cx="437620" cy="276999"/>
-              </a:xfrm>
-              <a:prstGeom prst="rect">
-                <a:avLst/>
-              </a:prstGeom>
-              <a:blipFill>
-                <a:blip r:embed="rId8"/>
-                <a:stretch>
-                  <a:fillRect l="-11111" r="-13889" b="-6522"/>
-                </a:stretch>
-              </a:blipFill>
-            </p:spPr>
-            <p:txBody>
-              <a:bodyPr/>
-              <a:lstStyle/>
-              <a:p>
-                <a:r>
-                  <a:rPr lang="zh-CN" altLang="en-US">
-                    <a:noFill/>
-                  </a:rPr>
-                  <a:t> </a:t>
-                </a:r>
-              </a:p>
-            </p:txBody>
-          </p:sp>
-        </mc:Fallback>
-      </mc:AlternateContent>
-      <mc:AlternateContent xmlns:mc="http://schemas.openxmlformats.org/markup-compatibility/2006">
-        <mc:Choice xmlns:a14="http://schemas.microsoft.com/office/drawing/2010/main" Requires="a14">
-          <p:sp>
-            <p:nvSpPr>
-              <p:cNvPr id="17" name="文本框 16"/>
-              <p:cNvSpPr txBox="1"/>
-              <p:nvPr/>
-            </p:nvSpPr>
-            <p:spPr>
-              <a:xfrm>
-                <a:off x="9855866" y="5657772"/>
-                <a:ext cx="437620" cy="276999"/>
-              </a:xfrm>
-              <a:prstGeom prst="rect">
-                <a:avLst/>
-              </a:prstGeom>
-              <a:noFill/>
-            </p:spPr>
-            <p:txBody>
-              <a:bodyPr wrap="none" lIns="0" tIns="0" rIns="0" bIns="0" rtlCol="0">
-                <a:spAutoFit/>
-              </a:bodyPr>
-              <a:lstStyle/>
-              <a:p>
-                <a14:m>
-                  <m:oMathPara xmlns:m="http://schemas.openxmlformats.org/officeDocument/2006/math">
-                    <m:oMathParaPr>
-                      <m:jc m:val="centerGroup"/>
-                    </m:oMathParaPr>
-                    <m:oMath xmlns:m="http://schemas.openxmlformats.org/officeDocument/2006/math">
-                      <m:r>
-                        <a:rPr lang="en-US" altLang="zh-CN" b="0" i="1" smtClean="0">
-                          <a:latin typeface="Cambria Math" panose="02040503050406030204" pitchFamily="18" charset="0"/>
-                        </a:rPr>
-                        <m:t>500</m:t>
-                      </m:r>
-                    </m:oMath>
-                  </m:oMathPara>
-                </a14:m>
-                <a:endParaRPr lang="zh-CN" altLang="en-US" dirty="0"/>
-              </a:p>
-            </p:txBody>
-          </p:sp>
-        </mc:Choice>
-        <mc:Fallback>
-          <p:sp>
-            <p:nvSpPr>
-              <p:cNvPr id="17" name="文本框 16"/>
-              <p:cNvSpPr txBox="1">
-                <a:spLocks noRot="1" noChangeAspect="1" noMove="1" noResize="1" noEditPoints="1" noAdjustHandles="1" noChangeArrowheads="1" noChangeShapeType="1" noTextEdit="1"/>
-              </p:cNvSpPr>
-              <p:nvPr/>
-            </p:nvSpPr>
-            <p:spPr>
-              <a:xfrm>
-                <a:off x="9855866" y="5657772"/>
-                <a:ext cx="437620" cy="276999"/>
-              </a:xfrm>
-              <a:prstGeom prst="rect">
-                <a:avLst/>
-              </a:prstGeom>
-              <a:blipFill>
-                <a:blip r:embed="rId9"/>
-                <a:stretch>
-                  <a:fillRect l="-12500" r="-13889" b="-6522"/>
-                </a:stretch>
-              </a:blipFill>
-            </p:spPr>
-            <p:txBody>
-              <a:bodyPr/>
-              <a:lstStyle/>
-              <a:p>
-                <a:r>
-                  <a:rPr lang="zh-CN" altLang="en-US">
-                    <a:noFill/>
-                  </a:rPr>
-                  <a:t> </a:t>
-                </a:r>
-              </a:p>
-            </p:txBody>
-          </p:sp>
-        </mc:Fallback>
-      </mc:AlternateContent>
-      <p:sp>
-        <p:nvSpPr>
-          <p:cNvPr id="19" name="文本框 18"/>
-          <p:cNvSpPr txBox="1"/>
-          <p:nvPr/>
-        </p:nvSpPr>
-        <p:spPr>
-          <a:xfrm>
-            <a:off x="2536254" y="5661258"/>
-            <a:ext cx="1251751" cy="646331"/>
-          </a:xfrm>
-          <a:prstGeom prst="rect">
-            <a:avLst/>
-          </a:prstGeom>
-          <a:noFill/>
-        </p:spPr>
-        <p:txBody>
-          <a:bodyPr wrap="square" rtlCol="0">
-            <a:spAutoFit/>
-          </a:bodyPr>
-          <a:lstStyle/>
-          <a:p>
-            <a:pPr algn="ctr"/>
-            <a:r>
-              <a:rPr lang="en-US" altLang="zh-CN" dirty="0" smtClean="0"/>
-              <a:t>Weak Turbulence</a:t>
-            </a:r>
-            <a:endParaRPr lang="zh-CN" altLang="en-US" dirty="0"/>
-          </a:p>
-        </p:txBody>
-      </p:sp>
-      <p:sp>
-        <p:nvSpPr>
-          <p:cNvPr id="20" name="文本框 19"/>
-          <p:cNvSpPr txBox="1"/>
-          <p:nvPr/>
-        </p:nvSpPr>
-        <p:spPr>
-          <a:xfrm>
-            <a:off x="8083596" y="5642366"/>
-            <a:ext cx="1251751" cy="646331"/>
-          </a:xfrm>
-          <a:prstGeom prst="rect">
-            <a:avLst/>
-          </a:prstGeom>
-          <a:noFill/>
-        </p:spPr>
-        <p:txBody>
-          <a:bodyPr wrap="square" rtlCol="0">
-            <a:spAutoFit/>
-          </a:bodyPr>
-          <a:lstStyle/>
-          <a:p>
-            <a:pPr algn="ctr"/>
-            <a:r>
-              <a:rPr lang="en-US" altLang="zh-CN" dirty="0" smtClean="0"/>
-              <a:t>Strong Turbulence</a:t>
-            </a:r>
-            <a:endParaRPr lang="zh-CN" altLang="en-US" dirty="0"/>
-          </a:p>
-        </p:txBody>
-      </p:sp>
-      <p:sp>
-        <p:nvSpPr>
-          <p:cNvPr id="21" name="文本框 20"/>
-          <p:cNvSpPr txBox="1"/>
-          <p:nvPr/>
-        </p:nvSpPr>
-        <p:spPr>
-          <a:xfrm>
-            <a:off x="5163947" y="5780866"/>
-            <a:ext cx="1251751" cy="369332"/>
-          </a:xfrm>
-          <a:prstGeom prst="rect">
-            <a:avLst/>
-          </a:prstGeom>
-          <a:noFill/>
-        </p:spPr>
-        <p:txBody>
-          <a:bodyPr wrap="square" rtlCol="0">
-            <a:spAutoFit/>
-          </a:bodyPr>
-          <a:lstStyle/>
-          <a:p>
-            <a:pPr algn="ctr"/>
-            <a:r>
-              <a:rPr lang="en-US" altLang="zh-CN" dirty="0" smtClean="0"/>
-              <a:t>Transition</a:t>
-            </a:r>
-            <a:endParaRPr lang="zh-CN" altLang="en-US" dirty="0"/>
-          </a:p>
-        </p:txBody>
-      </p:sp>
-      <p:pic>
-        <p:nvPicPr>
-          <p:cNvPr id="26" name="图片 25"/>
-          <p:cNvPicPr>
-            <a:picLocks noChangeAspect="1"/>
-          </p:cNvPicPr>
-          <p:nvPr/>
-        </p:nvPicPr>
-        <p:blipFill>
-          <a:blip r:embed="rId10">
-            <a:extLst>
-              <a:ext uri="{28A0092B-C50C-407E-A947-70E740481C1C}">
-                <a14:useLocalDpi xmlns:a14="http://schemas.microsoft.com/office/drawing/2010/main" val="0"/>
-              </a:ext>
-            </a:extLst>
-          </a:blip>
-          <a:stretch>
-            <a:fillRect/>
-          </a:stretch>
-        </p:blipFill>
-        <p:spPr>
-          <a:xfrm>
-            <a:off x="7140605" y="2474975"/>
-            <a:ext cx="3680073" cy="2728896"/>
-          </a:xfrm>
-          <a:prstGeom prst="rect">
-            <a:avLst/>
-          </a:prstGeom>
-        </p:spPr>
-      </p:pic>
-      <p:cxnSp>
-        <p:nvCxnSpPr>
-          <p:cNvPr id="28" name="直接连接符 27"/>
-          <p:cNvCxnSpPr/>
-          <p:nvPr/>
-        </p:nvCxnSpPr>
-        <p:spPr>
-          <a:xfrm flipH="1" flipV="1">
-            <a:off x="8247355" y="2274496"/>
-            <a:ext cx="0" cy="2772000"/>
-          </a:xfrm>
-          <a:prstGeom prst="line">
-            <a:avLst/>
-          </a:prstGeom>
-          <a:ln w="9525" cap="flat" cmpd="sng" algn="ctr">
-            <a:solidFill>
-              <a:schemeClr val="accent1"/>
-            </a:solidFill>
-            <a:prstDash val="dash"/>
-            <a:round/>
-            <a:headEnd type="none" w="med" len="med"/>
-            <a:tailEnd type="none" w="med" len="med"/>
-          </a:ln>
-        </p:spPr>
-        <p:style>
-          <a:lnRef idx="0">
-            <a:scrgbClr r="0" g="0" b="0"/>
-          </a:lnRef>
-          <a:fillRef idx="0">
-            <a:scrgbClr r="0" g="0" b="0"/>
-          </a:fillRef>
-          <a:effectRef idx="0">
-            <a:scrgbClr r="0" g="0" b="0"/>
-          </a:effectRef>
-          <a:fontRef idx="minor">
-            <a:schemeClr val="tx1"/>
-          </a:fontRef>
-        </p:style>
-      </p:cxnSp>
-      <p:cxnSp>
-        <p:nvCxnSpPr>
-          <p:cNvPr id="30" name="直接连接符 29"/>
-          <p:cNvCxnSpPr/>
-          <p:nvPr/>
-        </p:nvCxnSpPr>
-        <p:spPr>
-          <a:xfrm flipH="1" flipV="1">
-            <a:off x="8852517" y="2274496"/>
-            <a:ext cx="0" cy="2769833"/>
-          </a:xfrm>
-          <a:prstGeom prst="line">
-            <a:avLst/>
-          </a:prstGeom>
-          <a:ln w="9525" cap="flat" cmpd="sng" algn="ctr">
-            <a:solidFill>
-              <a:schemeClr val="accent1"/>
-            </a:solidFill>
-            <a:prstDash val="dash"/>
-            <a:round/>
-            <a:headEnd type="none" w="med" len="med"/>
-            <a:tailEnd type="none" w="med" len="med"/>
-          </a:ln>
-        </p:spPr>
-        <p:style>
-          <a:lnRef idx="0">
-            <a:scrgbClr r="0" g="0" b="0"/>
-          </a:lnRef>
-          <a:fillRef idx="0">
-            <a:scrgbClr r="0" g="0" b="0"/>
-          </a:fillRef>
-          <a:effectRef idx="0">
-            <a:scrgbClr r="0" g="0" b="0"/>
-          </a:effectRef>
-          <a:fontRef idx="minor">
-            <a:schemeClr val="tx1"/>
-          </a:fontRef>
-        </p:style>
-      </p:cxnSp>
-      <p:sp>
-        <p:nvSpPr>
-          <p:cNvPr id="32" name="文本框 31"/>
-          <p:cNvSpPr txBox="1"/>
-          <p:nvPr/>
-        </p:nvSpPr>
-        <p:spPr>
-          <a:xfrm>
-            <a:off x="97654" y="117417"/>
-            <a:ext cx="3107184" cy="369332"/>
-          </a:xfrm>
-          <a:prstGeom prst="rect">
-            <a:avLst/>
-          </a:prstGeom>
-          <a:noFill/>
-        </p:spPr>
-        <p:txBody>
-          <a:bodyPr wrap="square" rtlCol="0">
-            <a:spAutoFit/>
-          </a:bodyPr>
-          <a:lstStyle/>
-          <a:p>
-            <a:r>
-              <a:rPr lang="en-US" altLang="zh-CN" dirty="0" smtClean="0">
-                <a:solidFill>
-                  <a:srgbClr val="FF0000"/>
-                </a:solidFill>
-              </a:rPr>
-              <a:t>Paper-reading Sharing</a:t>
-            </a:r>
-            <a:endParaRPr lang="zh-CN" altLang="en-US" dirty="0">
-              <a:solidFill>
-                <a:srgbClr val="FF0000"/>
-              </a:solidFill>
-            </a:endParaRPr>
-          </a:p>
-        </p:txBody>
-      </p:sp>
     </p:spTree>
     <p:extLst>
       <p:ext uri="{BB962C8B-B14F-4D97-AF65-F5344CB8AC3E}">
-        <p14:creationId xmlns:p14="http://schemas.microsoft.com/office/powerpoint/2010/main" val="1802996763"/>
+        <p14:creationId xmlns:p14="http://schemas.microsoft.com/office/powerpoint/2010/main" val="886582211"/>
       </p:ext>
     </p:extLst>
   </p:cSld>
   <p:clrMapOvr>
     <a:masterClrMapping/>
   </p:clrMapOvr>
+  <p:timing>
+    <p:tnLst>
+      <p:par>
+        <p:cTn id="1" dur="indefinite" restart="never" nodeType="tmRoot"/>
+      </p:par>
+    </p:tnLst>
+  </p:timing>
 </p:sld>
 </file>
 
-<file path=ppt/slides/slide6.xml><?xml version="1.0" encoding="utf-8"?>
-<p:sld xmlns:a="http://schemas.openxmlformats.org/drawingml/2006/main" xmlns:r="http://schemas.openxmlformats.org/officeDocument/2006/relationships" xmlns:p="http://schemas.openxmlformats.org/presentationml/2006/main">
-  <p:cSld>
-    <p:spTree>
-      <p:nvGrpSpPr>
-        <p:cNvPr id="1" name=""/>
-        <p:cNvGrpSpPr/>
-        <p:nvPr/>
-      </p:nvGrpSpPr>
-      <p:grpSpPr>
-        <a:xfrm>
-          <a:off x="0" y="0"/>
-          <a:ext cx="0" cy="0"/>
-          <a:chOff x="0" y="0"/>
-          <a:chExt cx="0" cy="0"/>
-        </a:xfrm>
-      </p:grpSpPr>
-      <p:sp>
-        <p:nvSpPr>
-          <p:cNvPr id="3" name="内容占位符 2"/>
-          <p:cNvSpPr>
-            <a:spLocks noGrp="1"/>
-          </p:cNvSpPr>
-          <p:nvPr>
-            <p:ph idx="1"/>
-          </p:nvPr>
-        </p:nvSpPr>
-        <p:spPr/>
-        <p:txBody>
-          <a:bodyPr/>
-          <a:lstStyle/>
-          <a:p>
-            <a:endParaRPr lang="zh-CN" altLang="en-US"/>
-          </a:p>
-        </p:txBody>
-      </p:sp>
-      <p:sp>
-        <p:nvSpPr>
-          <p:cNvPr id="4" name="标题 1"/>
-          <p:cNvSpPr>
-            <a:spLocks noGrp="1"/>
-          </p:cNvSpPr>
-          <p:nvPr>
-            <p:ph type="title"/>
-          </p:nvPr>
-        </p:nvSpPr>
-        <p:spPr>
-          <a:xfrm>
-            <a:off x="1097280" y="286603"/>
-            <a:ext cx="10058400" cy="1450757"/>
-          </a:xfrm>
-        </p:spPr>
-        <p:txBody>
-          <a:bodyPr/>
-          <a:lstStyle/>
-          <a:p>
-            <a:r>
-              <a:rPr lang="en-US" altLang="zh-CN" dirty="0"/>
-              <a:t>Results</a:t>
-            </a:r>
-            <a:endParaRPr lang="zh-CN" altLang="en-US" dirty="0"/>
-          </a:p>
-        </p:txBody>
-      </p:sp>
-      <p:sp>
-        <p:nvSpPr>
-          <p:cNvPr id="5" name="文本框 4"/>
-          <p:cNvSpPr txBox="1"/>
-          <p:nvPr/>
-        </p:nvSpPr>
-        <p:spPr>
-          <a:xfrm>
-            <a:off x="97654" y="117417"/>
-            <a:ext cx="3107184" cy="369332"/>
-          </a:xfrm>
-          <a:prstGeom prst="rect">
-            <a:avLst/>
-          </a:prstGeom>
-          <a:noFill/>
-        </p:spPr>
-        <p:txBody>
-          <a:bodyPr wrap="square" rtlCol="0">
-            <a:spAutoFit/>
-          </a:bodyPr>
-          <a:lstStyle/>
-          <a:p>
-            <a:r>
-              <a:rPr lang="en-US" altLang="zh-CN" dirty="0" smtClean="0">
-                <a:solidFill>
-                  <a:srgbClr val="FF0000"/>
-                </a:solidFill>
-              </a:rPr>
-              <a:t>Paper-reading Sharing</a:t>
-            </a:r>
-            <a:endParaRPr lang="zh-CN" altLang="en-US" dirty="0">
-              <a:solidFill>
-                <a:srgbClr val="FF0000"/>
-              </a:solidFill>
-            </a:endParaRPr>
-          </a:p>
-        </p:txBody>
-      </p:sp>
-    </p:spTree>
-    <p:extLst>
-      <p:ext uri="{BB962C8B-B14F-4D97-AF65-F5344CB8AC3E}">
-        <p14:creationId xmlns:p14="http://schemas.microsoft.com/office/powerpoint/2010/main" val="2573380380"/>
-      </p:ext>
-    </p:extLst>
-  </p:cSld>
-  <p:clrMapOvr>
-    <a:masterClrMapping/>
-  </p:clrMapOvr>
-</p:sld>
-</file>
-
-<file path=ppt/slides/slide7.xml><?xml version="1.0" encoding="utf-8"?>
+<file path=ppt/slides/slide9.xml><?xml version="1.0" encoding="utf-8"?>
 <p:sld xmlns:a="http://schemas.openxmlformats.org/drawingml/2006/main" xmlns:r="http://schemas.openxmlformats.org/officeDocument/2006/relationships" xmlns:p="http://schemas.openxmlformats.org/presentationml/2006/main">
   <p:cSld>
     <p:spTree>
@@ -7984,6 +11618,13 @@
   <p:clrMapOvr>
     <a:masterClrMapping/>
   </p:clrMapOvr>
+  <p:timing>
+    <p:tnLst>
+      <p:par>
+        <p:cTn id="1" dur="indefinite" restart="never" nodeType="tmRoot"/>
+      </p:par>
+    </p:tnLst>
+  </p:timing>
 </p:sld>
 </file>
 

--- a/VM524/PROJ/report.pptx
+++ b/VM524/PROJ/report.pptx
@@ -205,7 +205,7 @@
           <a:p>
             <a:fld id="{7E8940A6-D96D-4BDB-B738-D7B3DCB2AC7E}" type="datetimeFigureOut">
               <a:rPr lang="zh-CN" altLang="en-US" smtClean="0"/>
-              <a:t>2018/12/9</a:t>
+              <a:t>2018/12/10</a:t>
             </a:fld>
             <a:endParaRPr lang="zh-CN" altLang="en-US"/>
           </a:p>
@@ -867,7 +867,7 @@
           <a:p>
             <a:fld id="{15FF52C8-9431-454D-88CB-B736B1C7F743}" type="datetimeFigureOut">
               <a:rPr lang="zh-CN" altLang="en-US" smtClean="0"/>
-              <a:t>2018/12/9</a:t>
+              <a:t>2018/12/10</a:t>
             </a:fld>
             <a:endParaRPr lang="zh-CN" altLang="en-US"/>
           </a:p>
@@ -1075,7 +1075,7 @@
           <a:p>
             <a:fld id="{15FF52C8-9431-454D-88CB-B736B1C7F743}" type="datetimeFigureOut">
               <a:rPr lang="zh-CN" altLang="en-US" smtClean="0"/>
-              <a:t>2018/12/9</a:t>
+              <a:t>2018/12/10</a:t>
             </a:fld>
             <a:endParaRPr lang="zh-CN" altLang="en-US"/>
           </a:p>
@@ -1331,7 +1331,7 @@
           <a:p>
             <a:fld id="{15FF52C8-9431-454D-88CB-B736B1C7F743}" type="datetimeFigureOut">
               <a:rPr lang="zh-CN" altLang="en-US" smtClean="0"/>
-              <a:t>2018/12/9</a:t>
+              <a:t>2018/12/10</a:t>
             </a:fld>
             <a:endParaRPr lang="zh-CN" altLang="en-US"/>
           </a:p>
@@ -1505,7 +1505,7 @@
           <a:p>
             <a:fld id="{15FF52C8-9431-454D-88CB-B736B1C7F743}" type="datetimeFigureOut">
               <a:rPr lang="zh-CN" altLang="en-US" smtClean="0"/>
-              <a:t>2018/12/9</a:t>
+              <a:t>2018/12/10</a:t>
             </a:fld>
             <a:endParaRPr lang="zh-CN" altLang="en-US"/>
           </a:p>
@@ -1848,7 +1848,7 @@
           <a:p>
             <a:fld id="{15FF52C8-9431-454D-88CB-B736B1C7F743}" type="datetimeFigureOut">
               <a:rPr lang="zh-CN" altLang="en-US" smtClean="0"/>
-              <a:t>2018/12/9</a:t>
+              <a:t>2018/12/10</a:t>
             </a:fld>
             <a:endParaRPr lang="zh-CN" altLang="en-US"/>
           </a:p>
@@ -2123,7 +2123,7 @@
           <a:p>
             <a:fld id="{15FF52C8-9431-454D-88CB-B736B1C7F743}" type="datetimeFigureOut">
               <a:rPr lang="zh-CN" altLang="en-US" smtClean="0"/>
-              <a:t>2018/12/9</a:t>
+              <a:t>2018/12/10</a:t>
             </a:fld>
             <a:endParaRPr lang="zh-CN" altLang="en-US"/>
           </a:p>
@@ -2502,7 +2502,7 @@
           <a:p>
             <a:fld id="{15FF52C8-9431-454D-88CB-B736B1C7F743}" type="datetimeFigureOut">
               <a:rPr lang="zh-CN" altLang="en-US" smtClean="0"/>
-              <a:t>2018/12/9</a:t>
+              <a:t>2018/12/10</a:t>
             </a:fld>
             <a:endParaRPr lang="zh-CN" altLang="en-US"/>
           </a:p>
@@ -2620,7 +2620,7 @@
           <a:p>
             <a:fld id="{15FF52C8-9431-454D-88CB-B736B1C7F743}" type="datetimeFigureOut">
               <a:rPr lang="zh-CN" altLang="en-US" smtClean="0"/>
-              <a:t>2018/12/9</a:t>
+              <a:t>2018/12/10</a:t>
             </a:fld>
             <a:endParaRPr lang="zh-CN" altLang="en-US"/>
           </a:p>
@@ -2791,7 +2791,7 @@
           <a:p>
             <a:fld id="{15FF52C8-9431-454D-88CB-B736B1C7F743}" type="datetimeFigureOut">
               <a:rPr lang="zh-CN" altLang="en-US" smtClean="0"/>
-              <a:t>2018/12/9</a:t>
+              <a:t>2018/12/10</a:t>
             </a:fld>
             <a:endParaRPr lang="zh-CN" altLang="en-US"/>
           </a:p>
@@ -3145,7 +3145,7 @@
           <a:p>
             <a:fld id="{15FF52C8-9431-454D-88CB-B736B1C7F743}" type="datetimeFigureOut">
               <a:rPr lang="zh-CN" altLang="en-US" smtClean="0"/>
-              <a:t>2018/12/9</a:t>
+              <a:t>2018/12/10</a:t>
             </a:fld>
             <a:endParaRPr lang="zh-CN" altLang="en-US"/>
           </a:p>
@@ -3527,7 +3527,7 @@
           <a:p>
             <a:fld id="{15FF52C8-9431-454D-88CB-B736B1C7F743}" type="datetimeFigureOut">
               <a:rPr lang="zh-CN" altLang="en-US" smtClean="0"/>
-              <a:t>2018/12/9</a:t>
+              <a:t>2018/12/10</a:t>
             </a:fld>
             <a:endParaRPr lang="zh-CN" altLang="en-US"/>
           </a:p>
@@ -3814,7 +3814,7 @@
           <a:p>
             <a:fld id="{15FF52C8-9431-454D-88CB-B736B1C7F743}" type="datetimeFigureOut">
               <a:rPr lang="zh-CN" altLang="en-US" smtClean="0"/>
-              <a:t>2018/12/9</a:t>
+              <a:t>2018/12/10</a:t>
             </a:fld>
             <a:endParaRPr lang="zh-CN" altLang="en-US"/>
           </a:p>
@@ -5108,9 +5108,1225 @@
   <p:timing>
     <p:tnLst>
       <p:par>
-        <p:cTn id="1" dur="indefinite" restart="never" nodeType="tmRoot"/>
+        <p:cTn id="1" dur="indefinite" restart="never" nodeType="tmRoot">
+          <p:childTnLst>
+            <p:seq concurrent="1" nextAc="seek">
+              <p:cTn id="2" dur="indefinite" nodeType="mainSeq">
+                <p:childTnLst>
+                  <p:par>
+                    <p:cTn id="3" fill="hold">
+                      <p:stCondLst>
+                        <p:cond delay="indefinite"/>
+                      </p:stCondLst>
+                      <p:childTnLst>
+                        <p:par>
+                          <p:cTn id="4" fill="hold">
+                            <p:stCondLst>
+                              <p:cond delay="0"/>
+                            </p:stCondLst>
+                            <p:childTnLst>
+                              <p:par>
+                                <p:cTn id="5" presetID="1" presetClass="entr" presetSubtype="0" fill="hold" nodeType="clickEffect">
+                                  <p:stCondLst>
+                                    <p:cond delay="0"/>
+                                  </p:stCondLst>
+                                  <p:childTnLst>
+                                    <p:set>
+                                      <p:cBhvr>
+                                        <p:cTn id="6" dur="1" fill="hold">
+                                          <p:stCondLst>
+                                            <p:cond delay="0"/>
+                                          </p:stCondLst>
+                                        </p:cTn>
+                                        <p:tgtEl>
+                                          <p:spTgt spid="3">
+                                            <p:txEl>
+                                              <p:pRg st="0" end="0"/>
+                                            </p:txEl>
+                                          </p:spTgt>
+                                        </p:tgtEl>
+                                        <p:attrNameLst>
+                                          <p:attrName>style.visibility</p:attrName>
+                                        </p:attrNameLst>
+                                      </p:cBhvr>
+                                      <p:to>
+                                        <p:strVal val="visible"/>
+                                      </p:to>
+                                    </p:set>
+                                  </p:childTnLst>
+                                </p:cTn>
+                              </p:par>
+                            </p:childTnLst>
+                          </p:cTn>
+                        </p:par>
+                      </p:childTnLst>
+                    </p:cTn>
+                  </p:par>
+                  <p:par>
+                    <p:cTn id="7" fill="hold">
+                      <p:stCondLst>
+                        <p:cond delay="indefinite"/>
+                      </p:stCondLst>
+                      <p:childTnLst>
+                        <p:par>
+                          <p:cTn id="8" fill="hold">
+                            <p:stCondLst>
+                              <p:cond delay="0"/>
+                            </p:stCondLst>
+                            <p:childTnLst>
+                              <p:par>
+                                <p:cTn id="9" presetID="42" presetClass="entr" presetSubtype="0" fill="hold" nodeType="clickEffect">
+                                  <p:stCondLst>
+                                    <p:cond delay="0"/>
+                                  </p:stCondLst>
+                                  <p:childTnLst>
+                                    <p:set>
+                                      <p:cBhvr>
+                                        <p:cTn id="10" dur="1" fill="hold">
+                                          <p:stCondLst>
+                                            <p:cond delay="0"/>
+                                          </p:stCondLst>
+                                        </p:cTn>
+                                        <p:tgtEl>
+                                          <p:spTgt spid="6"/>
+                                        </p:tgtEl>
+                                        <p:attrNameLst>
+                                          <p:attrName>style.visibility</p:attrName>
+                                        </p:attrNameLst>
+                                      </p:cBhvr>
+                                      <p:to>
+                                        <p:strVal val="visible"/>
+                                      </p:to>
+                                    </p:set>
+                                    <p:animEffect transition="in" filter="fade">
+                                      <p:cBhvr>
+                                        <p:cTn id="11" dur="1000"/>
+                                        <p:tgtEl>
+                                          <p:spTgt spid="6"/>
+                                        </p:tgtEl>
+                                      </p:cBhvr>
+                                    </p:animEffect>
+                                    <p:anim calcmode="lin" valueType="num">
+                                      <p:cBhvr>
+                                        <p:cTn id="12" dur="1000" fill="hold"/>
+                                        <p:tgtEl>
+                                          <p:spTgt spid="6"/>
+                                        </p:tgtEl>
+                                        <p:attrNameLst>
+                                          <p:attrName>ppt_x</p:attrName>
+                                        </p:attrNameLst>
+                                      </p:cBhvr>
+                                      <p:tavLst>
+                                        <p:tav tm="0">
+                                          <p:val>
+                                            <p:strVal val="#ppt_x"/>
+                                          </p:val>
+                                        </p:tav>
+                                        <p:tav tm="100000">
+                                          <p:val>
+                                            <p:strVal val="#ppt_x"/>
+                                          </p:val>
+                                        </p:tav>
+                                      </p:tavLst>
+                                    </p:anim>
+                                    <p:anim calcmode="lin" valueType="num">
+                                      <p:cBhvr>
+                                        <p:cTn id="13" dur="1000" fill="hold"/>
+                                        <p:tgtEl>
+                                          <p:spTgt spid="6"/>
+                                        </p:tgtEl>
+                                        <p:attrNameLst>
+                                          <p:attrName>ppt_y</p:attrName>
+                                        </p:attrNameLst>
+                                      </p:cBhvr>
+                                      <p:tavLst>
+                                        <p:tav tm="0">
+                                          <p:val>
+                                            <p:strVal val="#ppt_y+.1"/>
+                                          </p:val>
+                                        </p:tav>
+                                        <p:tav tm="100000">
+                                          <p:val>
+                                            <p:strVal val="#ppt_y"/>
+                                          </p:val>
+                                        </p:tav>
+                                      </p:tavLst>
+                                    </p:anim>
+                                  </p:childTnLst>
+                                </p:cTn>
+                              </p:par>
+                              <p:par>
+                                <p:cTn id="14" presetID="42" presetClass="entr" presetSubtype="0" fill="hold" nodeType="withEffect">
+                                  <p:stCondLst>
+                                    <p:cond delay="0"/>
+                                  </p:stCondLst>
+                                  <p:childTnLst>
+                                    <p:set>
+                                      <p:cBhvr>
+                                        <p:cTn id="15" dur="1" fill="hold">
+                                          <p:stCondLst>
+                                            <p:cond delay="0"/>
+                                          </p:stCondLst>
+                                        </p:cTn>
+                                        <p:tgtEl>
+                                          <p:spTgt spid="7"/>
+                                        </p:tgtEl>
+                                        <p:attrNameLst>
+                                          <p:attrName>style.visibility</p:attrName>
+                                        </p:attrNameLst>
+                                      </p:cBhvr>
+                                      <p:to>
+                                        <p:strVal val="visible"/>
+                                      </p:to>
+                                    </p:set>
+                                    <p:animEffect transition="in" filter="fade">
+                                      <p:cBhvr>
+                                        <p:cTn id="16" dur="1000"/>
+                                        <p:tgtEl>
+                                          <p:spTgt spid="7"/>
+                                        </p:tgtEl>
+                                      </p:cBhvr>
+                                    </p:animEffect>
+                                    <p:anim calcmode="lin" valueType="num">
+                                      <p:cBhvr>
+                                        <p:cTn id="17" dur="1000" fill="hold"/>
+                                        <p:tgtEl>
+                                          <p:spTgt spid="7"/>
+                                        </p:tgtEl>
+                                        <p:attrNameLst>
+                                          <p:attrName>ppt_x</p:attrName>
+                                        </p:attrNameLst>
+                                      </p:cBhvr>
+                                      <p:tavLst>
+                                        <p:tav tm="0">
+                                          <p:val>
+                                            <p:strVal val="#ppt_x"/>
+                                          </p:val>
+                                        </p:tav>
+                                        <p:tav tm="100000">
+                                          <p:val>
+                                            <p:strVal val="#ppt_x"/>
+                                          </p:val>
+                                        </p:tav>
+                                      </p:tavLst>
+                                    </p:anim>
+                                    <p:anim calcmode="lin" valueType="num">
+                                      <p:cBhvr>
+                                        <p:cTn id="18" dur="1000" fill="hold"/>
+                                        <p:tgtEl>
+                                          <p:spTgt spid="7"/>
+                                        </p:tgtEl>
+                                        <p:attrNameLst>
+                                          <p:attrName>ppt_y</p:attrName>
+                                        </p:attrNameLst>
+                                      </p:cBhvr>
+                                      <p:tavLst>
+                                        <p:tav tm="0">
+                                          <p:val>
+                                            <p:strVal val="#ppt_y+.1"/>
+                                          </p:val>
+                                        </p:tav>
+                                        <p:tav tm="100000">
+                                          <p:val>
+                                            <p:strVal val="#ppt_y"/>
+                                          </p:val>
+                                        </p:tav>
+                                      </p:tavLst>
+                                    </p:anim>
+                                  </p:childTnLst>
+                                </p:cTn>
+                              </p:par>
+                            </p:childTnLst>
+                          </p:cTn>
+                        </p:par>
+                      </p:childTnLst>
+                    </p:cTn>
+                  </p:par>
+                  <p:par>
+                    <p:cTn id="19" fill="hold">
+                      <p:stCondLst>
+                        <p:cond delay="indefinite"/>
+                      </p:stCondLst>
+                      <p:childTnLst>
+                        <p:par>
+                          <p:cTn id="20" fill="hold">
+                            <p:stCondLst>
+                              <p:cond delay="0"/>
+                            </p:stCondLst>
+                            <p:childTnLst>
+                              <p:par>
+                                <p:cTn id="21" presetID="42" presetClass="entr" presetSubtype="0" fill="hold" nodeType="clickEffect">
+                                  <p:stCondLst>
+                                    <p:cond delay="0"/>
+                                  </p:stCondLst>
+                                  <p:childTnLst>
+                                    <p:set>
+                                      <p:cBhvr>
+                                        <p:cTn id="22" dur="1" fill="hold">
+                                          <p:stCondLst>
+                                            <p:cond delay="0"/>
+                                          </p:stCondLst>
+                                        </p:cTn>
+                                        <p:tgtEl>
+                                          <p:spTgt spid="3">
+                                            <p:txEl>
+                                              <p:pRg st="1" end="1"/>
+                                            </p:txEl>
+                                          </p:spTgt>
+                                        </p:tgtEl>
+                                        <p:attrNameLst>
+                                          <p:attrName>style.visibility</p:attrName>
+                                        </p:attrNameLst>
+                                      </p:cBhvr>
+                                      <p:to>
+                                        <p:strVal val="visible"/>
+                                      </p:to>
+                                    </p:set>
+                                    <p:animEffect transition="in" filter="fade">
+                                      <p:cBhvr>
+                                        <p:cTn id="23" dur="1000"/>
+                                        <p:tgtEl>
+                                          <p:spTgt spid="3">
+                                            <p:txEl>
+                                              <p:pRg st="1" end="1"/>
+                                            </p:txEl>
+                                          </p:spTgt>
+                                        </p:tgtEl>
+                                      </p:cBhvr>
+                                    </p:animEffect>
+                                    <p:anim calcmode="lin" valueType="num">
+                                      <p:cBhvr>
+                                        <p:cTn id="24" dur="1000" fill="hold"/>
+                                        <p:tgtEl>
+                                          <p:spTgt spid="3">
+                                            <p:txEl>
+                                              <p:pRg st="1" end="1"/>
+                                            </p:txEl>
+                                          </p:spTgt>
+                                        </p:tgtEl>
+                                        <p:attrNameLst>
+                                          <p:attrName>ppt_x</p:attrName>
+                                        </p:attrNameLst>
+                                      </p:cBhvr>
+                                      <p:tavLst>
+                                        <p:tav tm="0">
+                                          <p:val>
+                                            <p:strVal val="#ppt_x"/>
+                                          </p:val>
+                                        </p:tav>
+                                        <p:tav tm="100000">
+                                          <p:val>
+                                            <p:strVal val="#ppt_x"/>
+                                          </p:val>
+                                        </p:tav>
+                                      </p:tavLst>
+                                    </p:anim>
+                                    <p:anim calcmode="lin" valueType="num">
+                                      <p:cBhvr>
+                                        <p:cTn id="25" dur="1000" fill="hold"/>
+                                        <p:tgtEl>
+                                          <p:spTgt spid="3">
+                                            <p:txEl>
+                                              <p:pRg st="1" end="1"/>
+                                            </p:txEl>
+                                          </p:spTgt>
+                                        </p:tgtEl>
+                                        <p:attrNameLst>
+                                          <p:attrName>ppt_y</p:attrName>
+                                        </p:attrNameLst>
+                                      </p:cBhvr>
+                                      <p:tavLst>
+                                        <p:tav tm="0">
+                                          <p:val>
+                                            <p:strVal val="#ppt_y+.1"/>
+                                          </p:val>
+                                        </p:tav>
+                                        <p:tav tm="100000">
+                                          <p:val>
+                                            <p:strVal val="#ppt_y"/>
+                                          </p:val>
+                                        </p:tav>
+                                      </p:tavLst>
+                                    </p:anim>
+                                  </p:childTnLst>
+                                </p:cTn>
+                              </p:par>
+                              <p:par>
+                                <p:cTn id="26" presetID="42" presetClass="entr" presetSubtype="0" fill="hold" nodeType="withEffect">
+                                  <p:stCondLst>
+                                    <p:cond delay="0"/>
+                                  </p:stCondLst>
+                                  <p:childTnLst>
+                                    <p:set>
+                                      <p:cBhvr>
+                                        <p:cTn id="27" dur="1" fill="hold">
+                                          <p:stCondLst>
+                                            <p:cond delay="0"/>
+                                          </p:stCondLst>
+                                        </p:cTn>
+                                        <p:tgtEl>
+                                          <p:spTgt spid="3">
+                                            <p:txEl>
+                                              <p:pRg st="2" end="2"/>
+                                            </p:txEl>
+                                          </p:spTgt>
+                                        </p:tgtEl>
+                                        <p:attrNameLst>
+                                          <p:attrName>style.visibility</p:attrName>
+                                        </p:attrNameLst>
+                                      </p:cBhvr>
+                                      <p:to>
+                                        <p:strVal val="visible"/>
+                                      </p:to>
+                                    </p:set>
+                                    <p:animEffect transition="in" filter="fade">
+                                      <p:cBhvr>
+                                        <p:cTn id="28" dur="1000"/>
+                                        <p:tgtEl>
+                                          <p:spTgt spid="3">
+                                            <p:txEl>
+                                              <p:pRg st="2" end="2"/>
+                                            </p:txEl>
+                                          </p:spTgt>
+                                        </p:tgtEl>
+                                      </p:cBhvr>
+                                    </p:animEffect>
+                                    <p:anim calcmode="lin" valueType="num">
+                                      <p:cBhvr>
+                                        <p:cTn id="29" dur="1000" fill="hold"/>
+                                        <p:tgtEl>
+                                          <p:spTgt spid="3">
+                                            <p:txEl>
+                                              <p:pRg st="2" end="2"/>
+                                            </p:txEl>
+                                          </p:spTgt>
+                                        </p:tgtEl>
+                                        <p:attrNameLst>
+                                          <p:attrName>ppt_x</p:attrName>
+                                        </p:attrNameLst>
+                                      </p:cBhvr>
+                                      <p:tavLst>
+                                        <p:tav tm="0">
+                                          <p:val>
+                                            <p:strVal val="#ppt_x"/>
+                                          </p:val>
+                                        </p:tav>
+                                        <p:tav tm="100000">
+                                          <p:val>
+                                            <p:strVal val="#ppt_x"/>
+                                          </p:val>
+                                        </p:tav>
+                                      </p:tavLst>
+                                    </p:anim>
+                                    <p:anim calcmode="lin" valueType="num">
+                                      <p:cBhvr>
+                                        <p:cTn id="30" dur="1000" fill="hold"/>
+                                        <p:tgtEl>
+                                          <p:spTgt spid="3">
+                                            <p:txEl>
+                                              <p:pRg st="2" end="2"/>
+                                            </p:txEl>
+                                          </p:spTgt>
+                                        </p:tgtEl>
+                                        <p:attrNameLst>
+                                          <p:attrName>ppt_y</p:attrName>
+                                        </p:attrNameLst>
+                                      </p:cBhvr>
+                                      <p:tavLst>
+                                        <p:tav tm="0">
+                                          <p:val>
+                                            <p:strVal val="#ppt_y+.1"/>
+                                          </p:val>
+                                        </p:tav>
+                                        <p:tav tm="100000">
+                                          <p:val>
+                                            <p:strVal val="#ppt_y"/>
+                                          </p:val>
+                                        </p:tav>
+                                      </p:tavLst>
+                                    </p:anim>
+                                  </p:childTnLst>
+                                </p:cTn>
+                              </p:par>
+                            </p:childTnLst>
+                          </p:cTn>
+                        </p:par>
+                      </p:childTnLst>
+                    </p:cTn>
+                  </p:par>
+                  <p:par>
+                    <p:cTn id="31" fill="hold">
+                      <p:stCondLst>
+                        <p:cond delay="indefinite"/>
+                      </p:stCondLst>
+                      <p:childTnLst>
+                        <p:par>
+                          <p:cTn id="32" fill="hold">
+                            <p:stCondLst>
+                              <p:cond delay="0"/>
+                            </p:stCondLst>
+                            <p:childTnLst>
+                              <p:par>
+                                <p:cTn id="33" presetID="42" presetClass="entr" presetSubtype="0" fill="hold" nodeType="clickEffect">
+                                  <p:stCondLst>
+                                    <p:cond delay="0"/>
+                                  </p:stCondLst>
+                                  <p:childTnLst>
+                                    <p:set>
+                                      <p:cBhvr>
+                                        <p:cTn id="34" dur="1" fill="hold">
+                                          <p:stCondLst>
+                                            <p:cond delay="0"/>
+                                          </p:stCondLst>
+                                        </p:cTn>
+                                        <p:tgtEl>
+                                          <p:spTgt spid="3">
+                                            <p:txEl>
+                                              <p:pRg st="3" end="3"/>
+                                            </p:txEl>
+                                          </p:spTgt>
+                                        </p:tgtEl>
+                                        <p:attrNameLst>
+                                          <p:attrName>style.visibility</p:attrName>
+                                        </p:attrNameLst>
+                                      </p:cBhvr>
+                                      <p:to>
+                                        <p:strVal val="visible"/>
+                                      </p:to>
+                                    </p:set>
+                                    <p:animEffect transition="in" filter="fade">
+                                      <p:cBhvr>
+                                        <p:cTn id="35" dur="1000"/>
+                                        <p:tgtEl>
+                                          <p:spTgt spid="3">
+                                            <p:txEl>
+                                              <p:pRg st="3" end="3"/>
+                                            </p:txEl>
+                                          </p:spTgt>
+                                        </p:tgtEl>
+                                      </p:cBhvr>
+                                    </p:animEffect>
+                                    <p:anim calcmode="lin" valueType="num">
+                                      <p:cBhvr>
+                                        <p:cTn id="36" dur="1000" fill="hold"/>
+                                        <p:tgtEl>
+                                          <p:spTgt spid="3">
+                                            <p:txEl>
+                                              <p:pRg st="3" end="3"/>
+                                            </p:txEl>
+                                          </p:spTgt>
+                                        </p:tgtEl>
+                                        <p:attrNameLst>
+                                          <p:attrName>ppt_x</p:attrName>
+                                        </p:attrNameLst>
+                                      </p:cBhvr>
+                                      <p:tavLst>
+                                        <p:tav tm="0">
+                                          <p:val>
+                                            <p:strVal val="#ppt_x"/>
+                                          </p:val>
+                                        </p:tav>
+                                        <p:tav tm="100000">
+                                          <p:val>
+                                            <p:strVal val="#ppt_x"/>
+                                          </p:val>
+                                        </p:tav>
+                                      </p:tavLst>
+                                    </p:anim>
+                                    <p:anim calcmode="lin" valueType="num">
+                                      <p:cBhvr>
+                                        <p:cTn id="37" dur="1000" fill="hold"/>
+                                        <p:tgtEl>
+                                          <p:spTgt spid="3">
+                                            <p:txEl>
+                                              <p:pRg st="3" end="3"/>
+                                            </p:txEl>
+                                          </p:spTgt>
+                                        </p:tgtEl>
+                                        <p:attrNameLst>
+                                          <p:attrName>ppt_y</p:attrName>
+                                        </p:attrNameLst>
+                                      </p:cBhvr>
+                                      <p:tavLst>
+                                        <p:tav tm="0">
+                                          <p:val>
+                                            <p:strVal val="#ppt_y+.1"/>
+                                          </p:val>
+                                        </p:tav>
+                                        <p:tav tm="100000">
+                                          <p:val>
+                                            <p:strVal val="#ppt_y"/>
+                                          </p:val>
+                                        </p:tav>
+                                      </p:tavLst>
+                                    </p:anim>
+                                  </p:childTnLst>
+                                </p:cTn>
+                              </p:par>
+                              <p:par>
+                                <p:cTn id="38" presetID="42" presetClass="entr" presetSubtype="0" fill="hold" nodeType="withEffect">
+                                  <p:stCondLst>
+                                    <p:cond delay="0"/>
+                                  </p:stCondLst>
+                                  <p:childTnLst>
+                                    <p:set>
+                                      <p:cBhvr>
+                                        <p:cTn id="39" dur="1" fill="hold">
+                                          <p:stCondLst>
+                                            <p:cond delay="0"/>
+                                          </p:stCondLst>
+                                        </p:cTn>
+                                        <p:tgtEl>
+                                          <p:spTgt spid="3">
+                                            <p:txEl>
+                                              <p:pRg st="4" end="4"/>
+                                            </p:txEl>
+                                          </p:spTgt>
+                                        </p:tgtEl>
+                                        <p:attrNameLst>
+                                          <p:attrName>style.visibility</p:attrName>
+                                        </p:attrNameLst>
+                                      </p:cBhvr>
+                                      <p:to>
+                                        <p:strVal val="visible"/>
+                                      </p:to>
+                                    </p:set>
+                                    <p:animEffect transition="in" filter="fade">
+                                      <p:cBhvr>
+                                        <p:cTn id="40" dur="1000"/>
+                                        <p:tgtEl>
+                                          <p:spTgt spid="3">
+                                            <p:txEl>
+                                              <p:pRg st="4" end="4"/>
+                                            </p:txEl>
+                                          </p:spTgt>
+                                        </p:tgtEl>
+                                      </p:cBhvr>
+                                    </p:animEffect>
+                                    <p:anim calcmode="lin" valueType="num">
+                                      <p:cBhvr>
+                                        <p:cTn id="41" dur="1000" fill="hold"/>
+                                        <p:tgtEl>
+                                          <p:spTgt spid="3">
+                                            <p:txEl>
+                                              <p:pRg st="4" end="4"/>
+                                            </p:txEl>
+                                          </p:spTgt>
+                                        </p:tgtEl>
+                                        <p:attrNameLst>
+                                          <p:attrName>ppt_x</p:attrName>
+                                        </p:attrNameLst>
+                                      </p:cBhvr>
+                                      <p:tavLst>
+                                        <p:tav tm="0">
+                                          <p:val>
+                                            <p:strVal val="#ppt_x"/>
+                                          </p:val>
+                                        </p:tav>
+                                        <p:tav tm="100000">
+                                          <p:val>
+                                            <p:strVal val="#ppt_x"/>
+                                          </p:val>
+                                        </p:tav>
+                                      </p:tavLst>
+                                    </p:anim>
+                                    <p:anim calcmode="lin" valueType="num">
+                                      <p:cBhvr>
+                                        <p:cTn id="42" dur="1000" fill="hold"/>
+                                        <p:tgtEl>
+                                          <p:spTgt spid="3">
+                                            <p:txEl>
+                                              <p:pRg st="4" end="4"/>
+                                            </p:txEl>
+                                          </p:spTgt>
+                                        </p:tgtEl>
+                                        <p:attrNameLst>
+                                          <p:attrName>ppt_y</p:attrName>
+                                        </p:attrNameLst>
+                                      </p:cBhvr>
+                                      <p:tavLst>
+                                        <p:tav tm="0">
+                                          <p:val>
+                                            <p:strVal val="#ppt_y+.1"/>
+                                          </p:val>
+                                        </p:tav>
+                                        <p:tav tm="100000">
+                                          <p:val>
+                                            <p:strVal val="#ppt_y"/>
+                                          </p:val>
+                                        </p:tav>
+                                      </p:tavLst>
+                                    </p:anim>
+                                  </p:childTnLst>
+                                </p:cTn>
+                              </p:par>
+                            </p:childTnLst>
+                          </p:cTn>
+                        </p:par>
+                      </p:childTnLst>
+                    </p:cTn>
+                  </p:par>
+                  <p:par>
+                    <p:cTn id="43" fill="hold">
+                      <p:stCondLst>
+                        <p:cond delay="indefinite"/>
+                      </p:stCondLst>
+                      <p:childTnLst>
+                        <p:par>
+                          <p:cTn id="44" fill="hold">
+                            <p:stCondLst>
+                              <p:cond delay="0"/>
+                            </p:stCondLst>
+                            <p:childTnLst>
+                              <p:par>
+                                <p:cTn id="45" presetID="6" presetClass="entr" presetSubtype="16" fill="hold" nodeType="clickEffect">
+                                  <p:stCondLst>
+                                    <p:cond delay="0"/>
+                                  </p:stCondLst>
+                                  <p:childTnLst>
+                                    <p:set>
+                                      <p:cBhvr>
+                                        <p:cTn id="46" dur="1" fill="hold">
+                                          <p:stCondLst>
+                                            <p:cond delay="0"/>
+                                          </p:stCondLst>
+                                        </p:cTn>
+                                        <p:tgtEl>
+                                          <p:spTgt spid="3">
+                                            <p:txEl>
+                                              <p:pRg st="5" end="5"/>
+                                            </p:txEl>
+                                          </p:spTgt>
+                                        </p:tgtEl>
+                                        <p:attrNameLst>
+                                          <p:attrName>style.visibility</p:attrName>
+                                        </p:attrNameLst>
+                                      </p:cBhvr>
+                                      <p:to>
+                                        <p:strVal val="visible"/>
+                                      </p:to>
+                                    </p:set>
+                                    <p:animEffect transition="in" filter="circle(in)">
+                                      <p:cBhvr>
+                                        <p:cTn id="47" dur="2000"/>
+                                        <p:tgtEl>
+                                          <p:spTgt spid="3">
+                                            <p:txEl>
+                                              <p:pRg st="5" end="5"/>
+                                            </p:txEl>
+                                          </p:spTgt>
+                                        </p:tgtEl>
+                                      </p:cBhvr>
+                                    </p:animEffect>
+                                  </p:childTnLst>
+                                </p:cTn>
+                              </p:par>
+                            </p:childTnLst>
+                          </p:cTn>
+                        </p:par>
+                      </p:childTnLst>
+                    </p:cTn>
+                  </p:par>
+                  <p:par>
+                    <p:cTn id="48" fill="hold">
+                      <p:stCondLst>
+                        <p:cond delay="indefinite"/>
+                      </p:stCondLst>
+                      <p:childTnLst>
+                        <p:par>
+                          <p:cTn id="49" fill="hold">
+                            <p:stCondLst>
+                              <p:cond delay="0"/>
+                            </p:stCondLst>
+                            <p:childTnLst>
+                              <p:par>
+                                <p:cTn id="50" presetID="42" presetClass="entr" presetSubtype="0" fill="hold" nodeType="clickEffect">
+                                  <p:stCondLst>
+                                    <p:cond delay="0"/>
+                                  </p:stCondLst>
+                                  <p:childTnLst>
+                                    <p:set>
+                                      <p:cBhvr>
+                                        <p:cTn id="51" dur="1" fill="hold">
+                                          <p:stCondLst>
+                                            <p:cond delay="0"/>
+                                          </p:stCondLst>
+                                        </p:cTn>
+                                        <p:tgtEl>
+                                          <p:spTgt spid="3">
+                                            <p:txEl>
+                                              <p:pRg st="6" end="6"/>
+                                            </p:txEl>
+                                          </p:spTgt>
+                                        </p:tgtEl>
+                                        <p:attrNameLst>
+                                          <p:attrName>style.visibility</p:attrName>
+                                        </p:attrNameLst>
+                                      </p:cBhvr>
+                                      <p:to>
+                                        <p:strVal val="visible"/>
+                                      </p:to>
+                                    </p:set>
+                                    <p:animEffect transition="in" filter="fade">
+                                      <p:cBhvr>
+                                        <p:cTn id="52" dur="1000"/>
+                                        <p:tgtEl>
+                                          <p:spTgt spid="3">
+                                            <p:txEl>
+                                              <p:pRg st="6" end="6"/>
+                                            </p:txEl>
+                                          </p:spTgt>
+                                        </p:tgtEl>
+                                      </p:cBhvr>
+                                    </p:animEffect>
+                                    <p:anim calcmode="lin" valueType="num">
+                                      <p:cBhvr>
+                                        <p:cTn id="53" dur="1000" fill="hold"/>
+                                        <p:tgtEl>
+                                          <p:spTgt spid="3">
+                                            <p:txEl>
+                                              <p:pRg st="6" end="6"/>
+                                            </p:txEl>
+                                          </p:spTgt>
+                                        </p:tgtEl>
+                                        <p:attrNameLst>
+                                          <p:attrName>ppt_x</p:attrName>
+                                        </p:attrNameLst>
+                                      </p:cBhvr>
+                                      <p:tavLst>
+                                        <p:tav tm="0">
+                                          <p:val>
+                                            <p:strVal val="#ppt_x"/>
+                                          </p:val>
+                                        </p:tav>
+                                        <p:tav tm="100000">
+                                          <p:val>
+                                            <p:strVal val="#ppt_x"/>
+                                          </p:val>
+                                        </p:tav>
+                                      </p:tavLst>
+                                    </p:anim>
+                                    <p:anim calcmode="lin" valueType="num">
+                                      <p:cBhvr>
+                                        <p:cTn id="54" dur="1000" fill="hold"/>
+                                        <p:tgtEl>
+                                          <p:spTgt spid="3">
+                                            <p:txEl>
+                                              <p:pRg st="6" end="6"/>
+                                            </p:txEl>
+                                          </p:spTgt>
+                                        </p:tgtEl>
+                                        <p:attrNameLst>
+                                          <p:attrName>ppt_y</p:attrName>
+                                        </p:attrNameLst>
+                                      </p:cBhvr>
+                                      <p:tavLst>
+                                        <p:tav tm="0">
+                                          <p:val>
+                                            <p:strVal val="#ppt_y+.1"/>
+                                          </p:val>
+                                        </p:tav>
+                                        <p:tav tm="100000">
+                                          <p:val>
+                                            <p:strVal val="#ppt_y"/>
+                                          </p:val>
+                                        </p:tav>
+                                      </p:tavLst>
+                                    </p:anim>
+                                  </p:childTnLst>
+                                </p:cTn>
+                              </p:par>
+                            </p:childTnLst>
+                          </p:cTn>
+                        </p:par>
+                      </p:childTnLst>
+                    </p:cTn>
+                  </p:par>
+                  <p:par>
+                    <p:cTn id="55" fill="hold">
+                      <p:stCondLst>
+                        <p:cond delay="indefinite"/>
+                      </p:stCondLst>
+                      <p:childTnLst>
+                        <p:par>
+                          <p:cTn id="56" fill="hold">
+                            <p:stCondLst>
+                              <p:cond delay="0"/>
+                            </p:stCondLst>
+                            <p:childTnLst>
+                              <p:par>
+                                <p:cTn id="57" presetID="42" presetClass="entr" presetSubtype="0" fill="hold" nodeType="clickEffect">
+                                  <p:stCondLst>
+                                    <p:cond delay="0"/>
+                                  </p:stCondLst>
+                                  <p:childTnLst>
+                                    <p:set>
+                                      <p:cBhvr>
+                                        <p:cTn id="58" dur="1" fill="hold">
+                                          <p:stCondLst>
+                                            <p:cond delay="0"/>
+                                          </p:stCondLst>
+                                        </p:cTn>
+                                        <p:tgtEl>
+                                          <p:spTgt spid="8"/>
+                                        </p:tgtEl>
+                                        <p:attrNameLst>
+                                          <p:attrName>style.visibility</p:attrName>
+                                        </p:attrNameLst>
+                                      </p:cBhvr>
+                                      <p:to>
+                                        <p:strVal val="visible"/>
+                                      </p:to>
+                                    </p:set>
+                                    <p:animEffect transition="in" filter="fade">
+                                      <p:cBhvr>
+                                        <p:cTn id="59" dur="1000"/>
+                                        <p:tgtEl>
+                                          <p:spTgt spid="8"/>
+                                        </p:tgtEl>
+                                      </p:cBhvr>
+                                    </p:animEffect>
+                                    <p:anim calcmode="lin" valueType="num">
+                                      <p:cBhvr>
+                                        <p:cTn id="60" dur="1000" fill="hold"/>
+                                        <p:tgtEl>
+                                          <p:spTgt spid="8"/>
+                                        </p:tgtEl>
+                                        <p:attrNameLst>
+                                          <p:attrName>ppt_x</p:attrName>
+                                        </p:attrNameLst>
+                                      </p:cBhvr>
+                                      <p:tavLst>
+                                        <p:tav tm="0">
+                                          <p:val>
+                                            <p:strVal val="#ppt_x"/>
+                                          </p:val>
+                                        </p:tav>
+                                        <p:tav tm="100000">
+                                          <p:val>
+                                            <p:strVal val="#ppt_x"/>
+                                          </p:val>
+                                        </p:tav>
+                                      </p:tavLst>
+                                    </p:anim>
+                                    <p:anim calcmode="lin" valueType="num">
+                                      <p:cBhvr>
+                                        <p:cTn id="61" dur="1000" fill="hold"/>
+                                        <p:tgtEl>
+                                          <p:spTgt spid="8"/>
+                                        </p:tgtEl>
+                                        <p:attrNameLst>
+                                          <p:attrName>ppt_y</p:attrName>
+                                        </p:attrNameLst>
+                                      </p:cBhvr>
+                                      <p:tavLst>
+                                        <p:tav tm="0">
+                                          <p:val>
+                                            <p:strVal val="#ppt_y+.1"/>
+                                          </p:val>
+                                        </p:tav>
+                                        <p:tav tm="100000">
+                                          <p:val>
+                                            <p:strVal val="#ppt_y"/>
+                                          </p:val>
+                                        </p:tav>
+                                      </p:tavLst>
+                                    </p:anim>
+                                  </p:childTnLst>
+                                </p:cTn>
+                              </p:par>
+                              <p:par>
+                                <p:cTn id="62" presetID="42" presetClass="entr" presetSubtype="0" fill="hold" grpId="0" nodeType="withEffect">
+                                  <p:stCondLst>
+                                    <p:cond delay="0"/>
+                                  </p:stCondLst>
+                                  <p:childTnLst>
+                                    <p:set>
+                                      <p:cBhvr>
+                                        <p:cTn id="63" dur="1" fill="hold">
+                                          <p:stCondLst>
+                                            <p:cond delay="0"/>
+                                          </p:stCondLst>
+                                        </p:cTn>
+                                        <p:tgtEl>
+                                          <p:spTgt spid="9"/>
+                                        </p:tgtEl>
+                                        <p:attrNameLst>
+                                          <p:attrName>style.visibility</p:attrName>
+                                        </p:attrNameLst>
+                                      </p:cBhvr>
+                                      <p:to>
+                                        <p:strVal val="visible"/>
+                                      </p:to>
+                                    </p:set>
+                                    <p:animEffect transition="in" filter="fade">
+                                      <p:cBhvr>
+                                        <p:cTn id="64" dur="1000"/>
+                                        <p:tgtEl>
+                                          <p:spTgt spid="9"/>
+                                        </p:tgtEl>
+                                      </p:cBhvr>
+                                    </p:animEffect>
+                                    <p:anim calcmode="lin" valueType="num">
+                                      <p:cBhvr>
+                                        <p:cTn id="65" dur="1000" fill="hold"/>
+                                        <p:tgtEl>
+                                          <p:spTgt spid="9"/>
+                                        </p:tgtEl>
+                                        <p:attrNameLst>
+                                          <p:attrName>ppt_x</p:attrName>
+                                        </p:attrNameLst>
+                                      </p:cBhvr>
+                                      <p:tavLst>
+                                        <p:tav tm="0">
+                                          <p:val>
+                                            <p:strVal val="#ppt_x"/>
+                                          </p:val>
+                                        </p:tav>
+                                        <p:tav tm="100000">
+                                          <p:val>
+                                            <p:strVal val="#ppt_x"/>
+                                          </p:val>
+                                        </p:tav>
+                                      </p:tavLst>
+                                    </p:anim>
+                                    <p:anim calcmode="lin" valueType="num">
+                                      <p:cBhvr>
+                                        <p:cTn id="66" dur="1000" fill="hold"/>
+                                        <p:tgtEl>
+                                          <p:spTgt spid="9"/>
+                                        </p:tgtEl>
+                                        <p:attrNameLst>
+                                          <p:attrName>ppt_y</p:attrName>
+                                        </p:attrNameLst>
+                                      </p:cBhvr>
+                                      <p:tavLst>
+                                        <p:tav tm="0">
+                                          <p:val>
+                                            <p:strVal val="#ppt_y+.1"/>
+                                          </p:val>
+                                        </p:tav>
+                                        <p:tav tm="100000">
+                                          <p:val>
+                                            <p:strVal val="#ppt_y"/>
+                                          </p:val>
+                                        </p:tav>
+                                      </p:tavLst>
+                                    </p:anim>
+                                  </p:childTnLst>
+                                </p:cTn>
+                              </p:par>
+                            </p:childTnLst>
+                          </p:cTn>
+                        </p:par>
+                      </p:childTnLst>
+                    </p:cTn>
+                  </p:par>
+                  <p:par>
+                    <p:cTn id="67" fill="hold">
+                      <p:stCondLst>
+                        <p:cond delay="indefinite"/>
+                      </p:stCondLst>
+                      <p:childTnLst>
+                        <p:par>
+                          <p:cTn id="68" fill="hold">
+                            <p:stCondLst>
+                              <p:cond delay="0"/>
+                            </p:stCondLst>
+                            <p:childTnLst>
+                              <p:par>
+                                <p:cTn id="69" presetID="42" presetClass="entr" presetSubtype="0" fill="hold" grpId="0" nodeType="clickEffect">
+                                  <p:stCondLst>
+                                    <p:cond delay="0"/>
+                                  </p:stCondLst>
+                                  <p:childTnLst>
+                                    <p:set>
+                                      <p:cBhvr>
+                                        <p:cTn id="70" dur="1" fill="hold">
+                                          <p:stCondLst>
+                                            <p:cond delay="0"/>
+                                          </p:stCondLst>
+                                        </p:cTn>
+                                        <p:tgtEl>
+                                          <p:spTgt spid="11"/>
+                                        </p:tgtEl>
+                                        <p:attrNameLst>
+                                          <p:attrName>style.visibility</p:attrName>
+                                        </p:attrNameLst>
+                                      </p:cBhvr>
+                                      <p:to>
+                                        <p:strVal val="visible"/>
+                                      </p:to>
+                                    </p:set>
+                                    <p:animEffect transition="in" filter="fade">
+                                      <p:cBhvr>
+                                        <p:cTn id="71" dur="1000"/>
+                                        <p:tgtEl>
+                                          <p:spTgt spid="11"/>
+                                        </p:tgtEl>
+                                      </p:cBhvr>
+                                    </p:animEffect>
+                                    <p:anim calcmode="lin" valueType="num">
+                                      <p:cBhvr>
+                                        <p:cTn id="72" dur="1000" fill="hold"/>
+                                        <p:tgtEl>
+                                          <p:spTgt spid="11"/>
+                                        </p:tgtEl>
+                                        <p:attrNameLst>
+                                          <p:attrName>ppt_x</p:attrName>
+                                        </p:attrNameLst>
+                                      </p:cBhvr>
+                                      <p:tavLst>
+                                        <p:tav tm="0">
+                                          <p:val>
+                                            <p:strVal val="#ppt_x"/>
+                                          </p:val>
+                                        </p:tav>
+                                        <p:tav tm="100000">
+                                          <p:val>
+                                            <p:strVal val="#ppt_x"/>
+                                          </p:val>
+                                        </p:tav>
+                                      </p:tavLst>
+                                    </p:anim>
+                                    <p:anim calcmode="lin" valueType="num">
+                                      <p:cBhvr>
+                                        <p:cTn id="73" dur="1000" fill="hold"/>
+                                        <p:tgtEl>
+                                          <p:spTgt spid="11"/>
+                                        </p:tgtEl>
+                                        <p:attrNameLst>
+                                          <p:attrName>ppt_y</p:attrName>
+                                        </p:attrNameLst>
+                                      </p:cBhvr>
+                                      <p:tavLst>
+                                        <p:tav tm="0">
+                                          <p:val>
+                                            <p:strVal val="#ppt_y+.1"/>
+                                          </p:val>
+                                        </p:tav>
+                                        <p:tav tm="100000">
+                                          <p:val>
+                                            <p:strVal val="#ppt_y"/>
+                                          </p:val>
+                                        </p:tav>
+                                      </p:tavLst>
+                                    </p:anim>
+                                  </p:childTnLst>
+                                </p:cTn>
+                              </p:par>
+                              <p:par>
+                                <p:cTn id="74" presetID="42" presetClass="entr" presetSubtype="0" fill="hold" nodeType="withEffect">
+                                  <p:stCondLst>
+                                    <p:cond delay="0"/>
+                                  </p:stCondLst>
+                                  <p:childTnLst>
+                                    <p:set>
+                                      <p:cBhvr>
+                                        <p:cTn id="75" dur="1" fill="hold">
+                                          <p:stCondLst>
+                                            <p:cond delay="0"/>
+                                          </p:stCondLst>
+                                        </p:cTn>
+                                        <p:tgtEl>
+                                          <p:spTgt spid="10"/>
+                                        </p:tgtEl>
+                                        <p:attrNameLst>
+                                          <p:attrName>style.visibility</p:attrName>
+                                        </p:attrNameLst>
+                                      </p:cBhvr>
+                                      <p:to>
+                                        <p:strVal val="visible"/>
+                                      </p:to>
+                                    </p:set>
+                                    <p:animEffect transition="in" filter="fade">
+                                      <p:cBhvr>
+                                        <p:cTn id="76" dur="1000"/>
+                                        <p:tgtEl>
+                                          <p:spTgt spid="10"/>
+                                        </p:tgtEl>
+                                      </p:cBhvr>
+                                    </p:animEffect>
+                                    <p:anim calcmode="lin" valueType="num">
+                                      <p:cBhvr>
+                                        <p:cTn id="77" dur="1000" fill="hold"/>
+                                        <p:tgtEl>
+                                          <p:spTgt spid="10"/>
+                                        </p:tgtEl>
+                                        <p:attrNameLst>
+                                          <p:attrName>ppt_x</p:attrName>
+                                        </p:attrNameLst>
+                                      </p:cBhvr>
+                                      <p:tavLst>
+                                        <p:tav tm="0">
+                                          <p:val>
+                                            <p:strVal val="#ppt_x"/>
+                                          </p:val>
+                                        </p:tav>
+                                        <p:tav tm="100000">
+                                          <p:val>
+                                            <p:strVal val="#ppt_x"/>
+                                          </p:val>
+                                        </p:tav>
+                                      </p:tavLst>
+                                    </p:anim>
+                                    <p:anim calcmode="lin" valueType="num">
+                                      <p:cBhvr>
+                                        <p:cTn id="78" dur="1000" fill="hold"/>
+                                        <p:tgtEl>
+                                          <p:spTgt spid="10"/>
+                                        </p:tgtEl>
+                                        <p:attrNameLst>
+                                          <p:attrName>ppt_y</p:attrName>
+                                        </p:attrNameLst>
+                                      </p:cBhvr>
+                                      <p:tavLst>
+                                        <p:tav tm="0">
+                                          <p:val>
+                                            <p:strVal val="#ppt_y+.1"/>
+                                          </p:val>
+                                        </p:tav>
+                                        <p:tav tm="100000">
+                                          <p:val>
+                                            <p:strVal val="#ppt_y"/>
+                                          </p:val>
+                                        </p:tav>
+                                      </p:tavLst>
+                                    </p:anim>
+                                  </p:childTnLst>
+                                </p:cTn>
+                              </p:par>
+                            </p:childTnLst>
+                          </p:cTn>
+                        </p:par>
+                      </p:childTnLst>
+                    </p:cTn>
+                  </p:par>
+                </p:childTnLst>
+              </p:cTn>
+              <p:prevCondLst>
+                <p:cond evt="onPrev" delay="0">
+                  <p:tgtEl>
+                    <p:sldTgt/>
+                  </p:tgtEl>
+                </p:cond>
+              </p:prevCondLst>
+              <p:nextCondLst>
+                <p:cond evt="onNext" delay="0">
+                  <p:tgtEl>
+                    <p:sldTgt/>
+                  </p:tgtEl>
+                </p:cond>
+              </p:nextCondLst>
+            </p:seq>
+          </p:childTnLst>
+        </p:cTn>
       </p:par>
     </p:tnLst>
+    <p:bldLst>
+      <p:bldP spid="9" grpId="0"/>
+      <p:bldP spid="11" grpId="0"/>
+    </p:bldLst>
   </p:timing>
 </p:sld>
 </file>
@@ -6338,9 +7554,1596 @@
   <p:timing>
     <p:tnLst>
       <p:par>
-        <p:cTn id="1" dur="indefinite" restart="never" nodeType="tmRoot"/>
+        <p:cTn id="1" dur="indefinite" restart="never" nodeType="tmRoot">
+          <p:childTnLst>
+            <p:seq concurrent="1" nextAc="seek">
+              <p:cTn id="2" dur="indefinite" nodeType="mainSeq">
+                <p:childTnLst>
+                  <p:par>
+                    <p:cTn id="3" fill="hold">
+                      <p:stCondLst>
+                        <p:cond delay="indefinite"/>
+                      </p:stCondLst>
+                      <p:childTnLst>
+                        <p:par>
+                          <p:cTn id="4" fill="hold">
+                            <p:stCondLst>
+                              <p:cond delay="0"/>
+                            </p:stCondLst>
+                            <p:childTnLst>
+                              <p:par>
+                                <p:cTn id="5" presetID="42" presetClass="entr" presetSubtype="0" fill="hold" nodeType="clickEffect">
+                                  <p:stCondLst>
+                                    <p:cond delay="0"/>
+                                  </p:stCondLst>
+                                  <p:childTnLst>
+                                    <p:set>
+                                      <p:cBhvr>
+                                        <p:cTn id="6" dur="1" fill="hold">
+                                          <p:stCondLst>
+                                            <p:cond delay="0"/>
+                                          </p:stCondLst>
+                                        </p:cTn>
+                                        <p:tgtEl>
+                                          <p:spTgt spid="3">
+                                            <p:txEl>
+                                              <p:pRg st="0" end="0"/>
+                                            </p:txEl>
+                                          </p:spTgt>
+                                        </p:tgtEl>
+                                        <p:attrNameLst>
+                                          <p:attrName>style.visibility</p:attrName>
+                                        </p:attrNameLst>
+                                      </p:cBhvr>
+                                      <p:to>
+                                        <p:strVal val="visible"/>
+                                      </p:to>
+                                    </p:set>
+                                    <p:animEffect transition="in" filter="fade">
+                                      <p:cBhvr>
+                                        <p:cTn id="7" dur="1000"/>
+                                        <p:tgtEl>
+                                          <p:spTgt spid="3">
+                                            <p:txEl>
+                                              <p:pRg st="0" end="0"/>
+                                            </p:txEl>
+                                          </p:spTgt>
+                                        </p:tgtEl>
+                                      </p:cBhvr>
+                                    </p:animEffect>
+                                    <p:anim calcmode="lin" valueType="num">
+                                      <p:cBhvr>
+                                        <p:cTn id="8" dur="1000" fill="hold"/>
+                                        <p:tgtEl>
+                                          <p:spTgt spid="3">
+                                            <p:txEl>
+                                              <p:pRg st="0" end="0"/>
+                                            </p:txEl>
+                                          </p:spTgt>
+                                        </p:tgtEl>
+                                        <p:attrNameLst>
+                                          <p:attrName>ppt_x</p:attrName>
+                                        </p:attrNameLst>
+                                      </p:cBhvr>
+                                      <p:tavLst>
+                                        <p:tav tm="0">
+                                          <p:val>
+                                            <p:strVal val="#ppt_x"/>
+                                          </p:val>
+                                        </p:tav>
+                                        <p:tav tm="100000">
+                                          <p:val>
+                                            <p:strVal val="#ppt_x"/>
+                                          </p:val>
+                                        </p:tav>
+                                      </p:tavLst>
+                                    </p:anim>
+                                    <p:anim calcmode="lin" valueType="num">
+                                      <p:cBhvr>
+                                        <p:cTn id="9" dur="1000" fill="hold"/>
+                                        <p:tgtEl>
+                                          <p:spTgt spid="3">
+                                            <p:txEl>
+                                              <p:pRg st="0" end="0"/>
+                                            </p:txEl>
+                                          </p:spTgt>
+                                        </p:tgtEl>
+                                        <p:attrNameLst>
+                                          <p:attrName>ppt_y</p:attrName>
+                                        </p:attrNameLst>
+                                      </p:cBhvr>
+                                      <p:tavLst>
+                                        <p:tav tm="0">
+                                          <p:val>
+                                            <p:strVal val="#ppt_y+.1"/>
+                                          </p:val>
+                                        </p:tav>
+                                        <p:tav tm="100000">
+                                          <p:val>
+                                            <p:strVal val="#ppt_y"/>
+                                          </p:val>
+                                        </p:tav>
+                                      </p:tavLst>
+                                    </p:anim>
+                                  </p:childTnLst>
+                                </p:cTn>
+                              </p:par>
+                            </p:childTnLst>
+                          </p:cTn>
+                        </p:par>
+                      </p:childTnLst>
+                    </p:cTn>
+                  </p:par>
+                  <p:par>
+                    <p:cTn id="10" fill="hold">
+                      <p:stCondLst>
+                        <p:cond delay="indefinite"/>
+                      </p:stCondLst>
+                      <p:childTnLst>
+                        <p:par>
+                          <p:cTn id="11" fill="hold">
+                            <p:stCondLst>
+                              <p:cond delay="0"/>
+                            </p:stCondLst>
+                            <p:childTnLst>
+                              <p:par>
+                                <p:cTn id="12" presetID="42" presetClass="entr" presetSubtype="0" fill="hold" grpId="0" nodeType="clickEffect">
+                                  <p:stCondLst>
+                                    <p:cond delay="0"/>
+                                  </p:stCondLst>
+                                  <p:childTnLst>
+                                    <p:set>
+                                      <p:cBhvr>
+                                        <p:cTn id="13" dur="1" fill="hold">
+                                          <p:stCondLst>
+                                            <p:cond delay="0"/>
+                                          </p:stCondLst>
+                                        </p:cTn>
+                                        <p:tgtEl>
+                                          <p:spTgt spid="5"/>
+                                        </p:tgtEl>
+                                        <p:attrNameLst>
+                                          <p:attrName>style.visibility</p:attrName>
+                                        </p:attrNameLst>
+                                      </p:cBhvr>
+                                      <p:to>
+                                        <p:strVal val="visible"/>
+                                      </p:to>
+                                    </p:set>
+                                    <p:animEffect transition="in" filter="fade">
+                                      <p:cBhvr>
+                                        <p:cTn id="14" dur="1000"/>
+                                        <p:tgtEl>
+                                          <p:spTgt spid="5"/>
+                                        </p:tgtEl>
+                                      </p:cBhvr>
+                                    </p:animEffect>
+                                    <p:anim calcmode="lin" valueType="num">
+                                      <p:cBhvr>
+                                        <p:cTn id="15" dur="1000" fill="hold"/>
+                                        <p:tgtEl>
+                                          <p:spTgt spid="5"/>
+                                        </p:tgtEl>
+                                        <p:attrNameLst>
+                                          <p:attrName>ppt_x</p:attrName>
+                                        </p:attrNameLst>
+                                      </p:cBhvr>
+                                      <p:tavLst>
+                                        <p:tav tm="0">
+                                          <p:val>
+                                            <p:strVal val="#ppt_x"/>
+                                          </p:val>
+                                        </p:tav>
+                                        <p:tav tm="100000">
+                                          <p:val>
+                                            <p:strVal val="#ppt_x"/>
+                                          </p:val>
+                                        </p:tav>
+                                      </p:tavLst>
+                                    </p:anim>
+                                    <p:anim calcmode="lin" valueType="num">
+                                      <p:cBhvr>
+                                        <p:cTn id="16" dur="1000" fill="hold"/>
+                                        <p:tgtEl>
+                                          <p:spTgt spid="5"/>
+                                        </p:tgtEl>
+                                        <p:attrNameLst>
+                                          <p:attrName>ppt_y</p:attrName>
+                                        </p:attrNameLst>
+                                      </p:cBhvr>
+                                      <p:tavLst>
+                                        <p:tav tm="0">
+                                          <p:val>
+                                            <p:strVal val="#ppt_y+.1"/>
+                                          </p:val>
+                                        </p:tav>
+                                        <p:tav tm="100000">
+                                          <p:val>
+                                            <p:strVal val="#ppt_y"/>
+                                          </p:val>
+                                        </p:tav>
+                                      </p:tavLst>
+                                    </p:anim>
+                                  </p:childTnLst>
+                                </p:cTn>
+                              </p:par>
+                              <p:par>
+                                <p:cTn id="17" presetID="42" presetClass="entr" presetSubtype="0" fill="hold" grpId="0" nodeType="withEffect">
+                                  <p:stCondLst>
+                                    <p:cond delay="0"/>
+                                  </p:stCondLst>
+                                  <p:childTnLst>
+                                    <p:set>
+                                      <p:cBhvr>
+                                        <p:cTn id="18" dur="1" fill="hold">
+                                          <p:stCondLst>
+                                            <p:cond delay="0"/>
+                                          </p:stCondLst>
+                                        </p:cTn>
+                                        <p:tgtEl>
+                                          <p:spTgt spid="6"/>
+                                        </p:tgtEl>
+                                        <p:attrNameLst>
+                                          <p:attrName>style.visibility</p:attrName>
+                                        </p:attrNameLst>
+                                      </p:cBhvr>
+                                      <p:to>
+                                        <p:strVal val="visible"/>
+                                      </p:to>
+                                    </p:set>
+                                    <p:animEffect transition="in" filter="fade">
+                                      <p:cBhvr>
+                                        <p:cTn id="19" dur="1000"/>
+                                        <p:tgtEl>
+                                          <p:spTgt spid="6"/>
+                                        </p:tgtEl>
+                                      </p:cBhvr>
+                                    </p:animEffect>
+                                    <p:anim calcmode="lin" valueType="num">
+                                      <p:cBhvr>
+                                        <p:cTn id="20" dur="1000" fill="hold"/>
+                                        <p:tgtEl>
+                                          <p:spTgt spid="6"/>
+                                        </p:tgtEl>
+                                        <p:attrNameLst>
+                                          <p:attrName>ppt_x</p:attrName>
+                                        </p:attrNameLst>
+                                      </p:cBhvr>
+                                      <p:tavLst>
+                                        <p:tav tm="0">
+                                          <p:val>
+                                            <p:strVal val="#ppt_x"/>
+                                          </p:val>
+                                        </p:tav>
+                                        <p:tav tm="100000">
+                                          <p:val>
+                                            <p:strVal val="#ppt_x"/>
+                                          </p:val>
+                                        </p:tav>
+                                      </p:tavLst>
+                                    </p:anim>
+                                    <p:anim calcmode="lin" valueType="num">
+                                      <p:cBhvr>
+                                        <p:cTn id="21" dur="1000" fill="hold"/>
+                                        <p:tgtEl>
+                                          <p:spTgt spid="6"/>
+                                        </p:tgtEl>
+                                        <p:attrNameLst>
+                                          <p:attrName>ppt_y</p:attrName>
+                                        </p:attrNameLst>
+                                      </p:cBhvr>
+                                      <p:tavLst>
+                                        <p:tav tm="0">
+                                          <p:val>
+                                            <p:strVal val="#ppt_y+.1"/>
+                                          </p:val>
+                                        </p:tav>
+                                        <p:tav tm="100000">
+                                          <p:val>
+                                            <p:strVal val="#ppt_y"/>
+                                          </p:val>
+                                        </p:tav>
+                                      </p:tavLst>
+                                    </p:anim>
+                                  </p:childTnLst>
+                                </p:cTn>
+                              </p:par>
+                            </p:childTnLst>
+                          </p:cTn>
+                        </p:par>
+                      </p:childTnLst>
+                    </p:cTn>
+                  </p:par>
+                  <p:par>
+                    <p:cTn id="22" fill="hold">
+                      <p:stCondLst>
+                        <p:cond delay="indefinite"/>
+                      </p:stCondLst>
+                      <p:childTnLst>
+                        <p:par>
+                          <p:cTn id="23" fill="hold">
+                            <p:stCondLst>
+                              <p:cond delay="0"/>
+                            </p:stCondLst>
+                            <p:childTnLst>
+                              <p:par>
+                                <p:cTn id="24" presetID="42" presetClass="entr" presetSubtype="0" fill="hold" nodeType="clickEffect">
+                                  <p:stCondLst>
+                                    <p:cond delay="0"/>
+                                  </p:stCondLst>
+                                  <p:childTnLst>
+                                    <p:set>
+                                      <p:cBhvr>
+                                        <p:cTn id="25" dur="1" fill="hold">
+                                          <p:stCondLst>
+                                            <p:cond delay="0"/>
+                                          </p:stCondLst>
+                                        </p:cTn>
+                                        <p:tgtEl>
+                                          <p:spTgt spid="3">
+                                            <p:txEl>
+                                              <p:pRg st="1" end="1"/>
+                                            </p:txEl>
+                                          </p:spTgt>
+                                        </p:tgtEl>
+                                        <p:attrNameLst>
+                                          <p:attrName>style.visibility</p:attrName>
+                                        </p:attrNameLst>
+                                      </p:cBhvr>
+                                      <p:to>
+                                        <p:strVal val="visible"/>
+                                      </p:to>
+                                    </p:set>
+                                    <p:animEffect transition="in" filter="fade">
+                                      <p:cBhvr>
+                                        <p:cTn id="26" dur="1000"/>
+                                        <p:tgtEl>
+                                          <p:spTgt spid="3">
+                                            <p:txEl>
+                                              <p:pRg st="1" end="1"/>
+                                            </p:txEl>
+                                          </p:spTgt>
+                                        </p:tgtEl>
+                                      </p:cBhvr>
+                                    </p:animEffect>
+                                    <p:anim calcmode="lin" valueType="num">
+                                      <p:cBhvr>
+                                        <p:cTn id="27" dur="1000" fill="hold"/>
+                                        <p:tgtEl>
+                                          <p:spTgt spid="3">
+                                            <p:txEl>
+                                              <p:pRg st="1" end="1"/>
+                                            </p:txEl>
+                                          </p:spTgt>
+                                        </p:tgtEl>
+                                        <p:attrNameLst>
+                                          <p:attrName>ppt_x</p:attrName>
+                                        </p:attrNameLst>
+                                      </p:cBhvr>
+                                      <p:tavLst>
+                                        <p:tav tm="0">
+                                          <p:val>
+                                            <p:strVal val="#ppt_x"/>
+                                          </p:val>
+                                        </p:tav>
+                                        <p:tav tm="100000">
+                                          <p:val>
+                                            <p:strVal val="#ppt_x"/>
+                                          </p:val>
+                                        </p:tav>
+                                      </p:tavLst>
+                                    </p:anim>
+                                    <p:anim calcmode="lin" valueType="num">
+                                      <p:cBhvr>
+                                        <p:cTn id="28" dur="1000" fill="hold"/>
+                                        <p:tgtEl>
+                                          <p:spTgt spid="3">
+                                            <p:txEl>
+                                              <p:pRg st="1" end="1"/>
+                                            </p:txEl>
+                                          </p:spTgt>
+                                        </p:tgtEl>
+                                        <p:attrNameLst>
+                                          <p:attrName>ppt_y</p:attrName>
+                                        </p:attrNameLst>
+                                      </p:cBhvr>
+                                      <p:tavLst>
+                                        <p:tav tm="0">
+                                          <p:val>
+                                            <p:strVal val="#ppt_y+.1"/>
+                                          </p:val>
+                                        </p:tav>
+                                        <p:tav tm="100000">
+                                          <p:val>
+                                            <p:strVal val="#ppt_y"/>
+                                          </p:val>
+                                        </p:tav>
+                                      </p:tavLst>
+                                    </p:anim>
+                                  </p:childTnLst>
+                                </p:cTn>
+                              </p:par>
+                            </p:childTnLst>
+                          </p:cTn>
+                        </p:par>
+                      </p:childTnLst>
+                    </p:cTn>
+                  </p:par>
+                  <p:par>
+                    <p:cTn id="29" fill="hold">
+                      <p:stCondLst>
+                        <p:cond delay="indefinite"/>
+                      </p:stCondLst>
+                      <p:childTnLst>
+                        <p:par>
+                          <p:cTn id="30" fill="hold">
+                            <p:stCondLst>
+                              <p:cond delay="0"/>
+                            </p:stCondLst>
+                            <p:childTnLst>
+                              <p:par>
+                                <p:cTn id="31" presetID="42" presetClass="entr" presetSubtype="0" fill="hold" nodeType="clickEffect">
+                                  <p:stCondLst>
+                                    <p:cond delay="0"/>
+                                  </p:stCondLst>
+                                  <p:childTnLst>
+                                    <p:set>
+                                      <p:cBhvr>
+                                        <p:cTn id="32" dur="1" fill="hold">
+                                          <p:stCondLst>
+                                            <p:cond delay="0"/>
+                                          </p:stCondLst>
+                                        </p:cTn>
+                                        <p:tgtEl>
+                                          <p:spTgt spid="7"/>
+                                        </p:tgtEl>
+                                        <p:attrNameLst>
+                                          <p:attrName>style.visibility</p:attrName>
+                                        </p:attrNameLst>
+                                      </p:cBhvr>
+                                      <p:to>
+                                        <p:strVal val="visible"/>
+                                      </p:to>
+                                    </p:set>
+                                    <p:animEffect transition="in" filter="fade">
+                                      <p:cBhvr>
+                                        <p:cTn id="33" dur="1000"/>
+                                        <p:tgtEl>
+                                          <p:spTgt spid="7"/>
+                                        </p:tgtEl>
+                                      </p:cBhvr>
+                                    </p:animEffect>
+                                    <p:anim calcmode="lin" valueType="num">
+                                      <p:cBhvr>
+                                        <p:cTn id="34" dur="1000" fill="hold"/>
+                                        <p:tgtEl>
+                                          <p:spTgt spid="7"/>
+                                        </p:tgtEl>
+                                        <p:attrNameLst>
+                                          <p:attrName>ppt_x</p:attrName>
+                                        </p:attrNameLst>
+                                      </p:cBhvr>
+                                      <p:tavLst>
+                                        <p:tav tm="0">
+                                          <p:val>
+                                            <p:strVal val="#ppt_x"/>
+                                          </p:val>
+                                        </p:tav>
+                                        <p:tav tm="100000">
+                                          <p:val>
+                                            <p:strVal val="#ppt_x"/>
+                                          </p:val>
+                                        </p:tav>
+                                      </p:tavLst>
+                                    </p:anim>
+                                    <p:anim calcmode="lin" valueType="num">
+                                      <p:cBhvr>
+                                        <p:cTn id="35" dur="1000" fill="hold"/>
+                                        <p:tgtEl>
+                                          <p:spTgt spid="7"/>
+                                        </p:tgtEl>
+                                        <p:attrNameLst>
+                                          <p:attrName>ppt_y</p:attrName>
+                                        </p:attrNameLst>
+                                      </p:cBhvr>
+                                      <p:tavLst>
+                                        <p:tav tm="0">
+                                          <p:val>
+                                            <p:strVal val="#ppt_y+.1"/>
+                                          </p:val>
+                                        </p:tav>
+                                        <p:tav tm="100000">
+                                          <p:val>
+                                            <p:strVal val="#ppt_y"/>
+                                          </p:val>
+                                        </p:tav>
+                                      </p:tavLst>
+                                    </p:anim>
+                                  </p:childTnLst>
+                                </p:cTn>
+                              </p:par>
+                            </p:childTnLst>
+                          </p:cTn>
+                        </p:par>
+                      </p:childTnLst>
+                    </p:cTn>
+                  </p:par>
+                  <p:par>
+                    <p:cTn id="36" fill="hold">
+                      <p:stCondLst>
+                        <p:cond delay="indefinite"/>
+                      </p:stCondLst>
+                      <p:childTnLst>
+                        <p:par>
+                          <p:cTn id="37" fill="hold">
+                            <p:stCondLst>
+                              <p:cond delay="0"/>
+                            </p:stCondLst>
+                            <p:childTnLst>
+                              <p:par>
+                                <p:cTn id="38" presetID="42" presetClass="entr" presetSubtype="0" fill="hold" grpId="0" nodeType="clickEffect">
+                                  <p:stCondLst>
+                                    <p:cond delay="0"/>
+                                  </p:stCondLst>
+                                  <p:childTnLst>
+                                    <p:set>
+                                      <p:cBhvr>
+                                        <p:cTn id="39" dur="1" fill="hold">
+                                          <p:stCondLst>
+                                            <p:cond delay="0"/>
+                                          </p:stCondLst>
+                                        </p:cTn>
+                                        <p:tgtEl>
+                                          <p:spTgt spid="8"/>
+                                        </p:tgtEl>
+                                        <p:attrNameLst>
+                                          <p:attrName>style.visibility</p:attrName>
+                                        </p:attrNameLst>
+                                      </p:cBhvr>
+                                      <p:to>
+                                        <p:strVal val="visible"/>
+                                      </p:to>
+                                    </p:set>
+                                    <p:animEffect transition="in" filter="fade">
+                                      <p:cBhvr>
+                                        <p:cTn id="40" dur="1000"/>
+                                        <p:tgtEl>
+                                          <p:spTgt spid="8"/>
+                                        </p:tgtEl>
+                                      </p:cBhvr>
+                                    </p:animEffect>
+                                    <p:anim calcmode="lin" valueType="num">
+                                      <p:cBhvr>
+                                        <p:cTn id="41" dur="1000" fill="hold"/>
+                                        <p:tgtEl>
+                                          <p:spTgt spid="8"/>
+                                        </p:tgtEl>
+                                        <p:attrNameLst>
+                                          <p:attrName>ppt_x</p:attrName>
+                                        </p:attrNameLst>
+                                      </p:cBhvr>
+                                      <p:tavLst>
+                                        <p:tav tm="0">
+                                          <p:val>
+                                            <p:strVal val="#ppt_x"/>
+                                          </p:val>
+                                        </p:tav>
+                                        <p:tav tm="100000">
+                                          <p:val>
+                                            <p:strVal val="#ppt_x"/>
+                                          </p:val>
+                                        </p:tav>
+                                      </p:tavLst>
+                                    </p:anim>
+                                    <p:anim calcmode="lin" valueType="num">
+                                      <p:cBhvr>
+                                        <p:cTn id="42" dur="1000" fill="hold"/>
+                                        <p:tgtEl>
+                                          <p:spTgt spid="8"/>
+                                        </p:tgtEl>
+                                        <p:attrNameLst>
+                                          <p:attrName>ppt_y</p:attrName>
+                                        </p:attrNameLst>
+                                      </p:cBhvr>
+                                      <p:tavLst>
+                                        <p:tav tm="0">
+                                          <p:val>
+                                            <p:strVal val="#ppt_y+.1"/>
+                                          </p:val>
+                                        </p:tav>
+                                        <p:tav tm="100000">
+                                          <p:val>
+                                            <p:strVal val="#ppt_y"/>
+                                          </p:val>
+                                        </p:tav>
+                                      </p:tavLst>
+                                    </p:anim>
+                                  </p:childTnLst>
+                                </p:cTn>
+                              </p:par>
+                              <p:par>
+                                <p:cTn id="43" presetID="42" presetClass="entr" presetSubtype="0" fill="hold" nodeType="withEffect">
+                                  <p:stCondLst>
+                                    <p:cond delay="0"/>
+                                  </p:stCondLst>
+                                  <p:childTnLst>
+                                    <p:set>
+                                      <p:cBhvr>
+                                        <p:cTn id="44" dur="1" fill="hold">
+                                          <p:stCondLst>
+                                            <p:cond delay="0"/>
+                                          </p:stCondLst>
+                                        </p:cTn>
+                                        <p:tgtEl>
+                                          <p:spTgt spid="12"/>
+                                        </p:tgtEl>
+                                        <p:attrNameLst>
+                                          <p:attrName>style.visibility</p:attrName>
+                                        </p:attrNameLst>
+                                      </p:cBhvr>
+                                      <p:to>
+                                        <p:strVal val="visible"/>
+                                      </p:to>
+                                    </p:set>
+                                    <p:animEffect transition="in" filter="fade">
+                                      <p:cBhvr>
+                                        <p:cTn id="45" dur="1000"/>
+                                        <p:tgtEl>
+                                          <p:spTgt spid="12"/>
+                                        </p:tgtEl>
+                                      </p:cBhvr>
+                                    </p:animEffect>
+                                    <p:anim calcmode="lin" valueType="num">
+                                      <p:cBhvr>
+                                        <p:cTn id="46" dur="1000" fill="hold"/>
+                                        <p:tgtEl>
+                                          <p:spTgt spid="12"/>
+                                        </p:tgtEl>
+                                        <p:attrNameLst>
+                                          <p:attrName>ppt_x</p:attrName>
+                                        </p:attrNameLst>
+                                      </p:cBhvr>
+                                      <p:tavLst>
+                                        <p:tav tm="0">
+                                          <p:val>
+                                            <p:strVal val="#ppt_x"/>
+                                          </p:val>
+                                        </p:tav>
+                                        <p:tav tm="100000">
+                                          <p:val>
+                                            <p:strVal val="#ppt_x"/>
+                                          </p:val>
+                                        </p:tav>
+                                      </p:tavLst>
+                                    </p:anim>
+                                    <p:anim calcmode="lin" valueType="num">
+                                      <p:cBhvr>
+                                        <p:cTn id="47" dur="1000" fill="hold"/>
+                                        <p:tgtEl>
+                                          <p:spTgt spid="12"/>
+                                        </p:tgtEl>
+                                        <p:attrNameLst>
+                                          <p:attrName>ppt_y</p:attrName>
+                                        </p:attrNameLst>
+                                      </p:cBhvr>
+                                      <p:tavLst>
+                                        <p:tav tm="0">
+                                          <p:val>
+                                            <p:strVal val="#ppt_y+.1"/>
+                                          </p:val>
+                                        </p:tav>
+                                        <p:tav tm="100000">
+                                          <p:val>
+                                            <p:strVal val="#ppt_y"/>
+                                          </p:val>
+                                        </p:tav>
+                                      </p:tavLst>
+                                    </p:anim>
+                                  </p:childTnLst>
+                                </p:cTn>
+                              </p:par>
+                              <p:par>
+                                <p:cTn id="48" presetID="42" presetClass="entr" presetSubtype="0" fill="hold" nodeType="withEffect">
+                                  <p:stCondLst>
+                                    <p:cond delay="0"/>
+                                  </p:stCondLst>
+                                  <p:childTnLst>
+                                    <p:set>
+                                      <p:cBhvr>
+                                        <p:cTn id="49" dur="1" fill="hold">
+                                          <p:stCondLst>
+                                            <p:cond delay="0"/>
+                                          </p:stCondLst>
+                                        </p:cTn>
+                                        <p:tgtEl>
+                                          <p:spTgt spid="13"/>
+                                        </p:tgtEl>
+                                        <p:attrNameLst>
+                                          <p:attrName>style.visibility</p:attrName>
+                                        </p:attrNameLst>
+                                      </p:cBhvr>
+                                      <p:to>
+                                        <p:strVal val="visible"/>
+                                      </p:to>
+                                    </p:set>
+                                    <p:animEffect transition="in" filter="fade">
+                                      <p:cBhvr>
+                                        <p:cTn id="50" dur="1000"/>
+                                        <p:tgtEl>
+                                          <p:spTgt spid="13"/>
+                                        </p:tgtEl>
+                                      </p:cBhvr>
+                                    </p:animEffect>
+                                    <p:anim calcmode="lin" valueType="num">
+                                      <p:cBhvr>
+                                        <p:cTn id="51" dur="1000" fill="hold"/>
+                                        <p:tgtEl>
+                                          <p:spTgt spid="13"/>
+                                        </p:tgtEl>
+                                        <p:attrNameLst>
+                                          <p:attrName>ppt_x</p:attrName>
+                                        </p:attrNameLst>
+                                      </p:cBhvr>
+                                      <p:tavLst>
+                                        <p:tav tm="0">
+                                          <p:val>
+                                            <p:strVal val="#ppt_x"/>
+                                          </p:val>
+                                        </p:tav>
+                                        <p:tav tm="100000">
+                                          <p:val>
+                                            <p:strVal val="#ppt_x"/>
+                                          </p:val>
+                                        </p:tav>
+                                      </p:tavLst>
+                                    </p:anim>
+                                    <p:anim calcmode="lin" valueType="num">
+                                      <p:cBhvr>
+                                        <p:cTn id="52" dur="1000" fill="hold"/>
+                                        <p:tgtEl>
+                                          <p:spTgt spid="13"/>
+                                        </p:tgtEl>
+                                        <p:attrNameLst>
+                                          <p:attrName>ppt_y</p:attrName>
+                                        </p:attrNameLst>
+                                      </p:cBhvr>
+                                      <p:tavLst>
+                                        <p:tav tm="0">
+                                          <p:val>
+                                            <p:strVal val="#ppt_y+.1"/>
+                                          </p:val>
+                                        </p:tav>
+                                        <p:tav tm="100000">
+                                          <p:val>
+                                            <p:strVal val="#ppt_y"/>
+                                          </p:val>
+                                        </p:tav>
+                                      </p:tavLst>
+                                    </p:anim>
+                                  </p:childTnLst>
+                                </p:cTn>
+                              </p:par>
+                            </p:childTnLst>
+                          </p:cTn>
+                        </p:par>
+                      </p:childTnLst>
+                    </p:cTn>
+                  </p:par>
+                  <p:par>
+                    <p:cTn id="53" fill="hold">
+                      <p:stCondLst>
+                        <p:cond delay="indefinite"/>
+                      </p:stCondLst>
+                      <p:childTnLst>
+                        <p:par>
+                          <p:cTn id="54" fill="hold">
+                            <p:stCondLst>
+                              <p:cond delay="0"/>
+                            </p:stCondLst>
+                            <p:childTnLst>
+                              <p:par>
+                                <p:cTn id="55" presetID="42" presetClass="entr" presetSubtype="0" fill="hold" grpId="0" nodeType="clickEffect">
+                                  <p:stCondLst>
+                                    <p:cond delay="0"/>
+                                  </p:stCondLst>
+                                  <p:childTnLst>
+                                    <p:set>
+                                      <p:cBhvr>
+                                        <p:cTn id="56" dur="1" fill="hold">
+                                          <p:stCondLst>
+                                            <p:cond delay="0"/>
+                                          </p:stCondLst>
+                                        </p:cTn>
+                                        <p:tgtEl>
+                                          <p:spTgt spid="16"/>
+                                        </p:tgtEl>
+                                        <p:attrNameLst>
+                                          <p:attrName>style.visibility</p:attrName>
+                                        </p:attrNameLst>
+                                      </p:cBhvr>
+                                      <p:to>
+                                        <p:strVal val="visible"/>
+                                      </p:to>
+                                    </p:set>
+                                    <p:animEffect transition="in" filter="fade">
+                                      <p:cBhvr>
+                                        <p:cTn id="57" dur="1000"/>
+                                        <p:tgtEl>
+                                          <p:spTgt spid="16"/>
+                                        </p:tgtEl>
+                                      </p:cBhvr>
+                                    </p:animEffect>
+                                    <p:anim calcmode="lin" valueType="num">
+                                      <p:cBhvr>
+                                        <p:cTn id="58" dur="1000" fill="hold"/>
+                                        <p:tgtEl>
+                                          <p:spTgt spid="16"/>
+                                        </p:tgtEl>
+                                        <p:attrNameLst>
+                                          <p:attrName>ppt_x</p:attrName>
+                                        </p:attrNameLst>
+                                      </p:cBhvr>
+                                      <p:tavLst>
+                                        <p:tav tm="0">
+                                          <p:val>
+                                            <p:strVal val="#ppt_x"/>
+                                          </p:val>
+                                        </p:tav>
+                                        <p:tav tm="100000">
+                                          <p:val>
+                                            <p:strVal val="#ppt_x"/>
+                                          </p:val>
+                                        </p:tav>
+                                      </p:tavLst>
+                                    </p:anim>
+                                    <p:anim calcmode="lin" valueType="num">
+                                      <p:cBhvr>
+                                        <p:cTn id="59" dur="1000" fill="hold"/>
+                                        <p:tgtEl>
+                                          <p:spTgt spid="16"/>
+                                        </p:tgtEl>
+                                        <p:attrNameLst>
+                                          <p:attrName>ppt_y</p:attrName>
+                                        </p:attrNameLst>
+                                      </p:cBhvr>
+                                      <p:tavLst>
+                                        <p:tav tm="0">
+                                          <p:val>
+                                            <p:strVal val="#ppt_y+.1"/>
+                                          </p:val>
+                                        </p:tav>
+                                        <p:tav tm="100000">
+                                          <p:val>
+                                            <p:strVal val="#ppt_y"/>
+                                          </p:val>
+                                        </p:tav>
+                                      </p:tavLst>
+                                    </p:anim>
+                                  </p:childTnLst>
+                                </p:cTn>
+                              </p:par>
+                              <p:par>
+                                <p:cTn id="60" presetID="42" presetClass="entr" presetSubtype="0" fill="hold" nodeType="withEffect">
+                                  <p:stCondLst>
+                                    <p:cond delay="0"/>
+                                  </p:stCondLst>
+                                  <p:childTnLst>
+                                    <p:set>
+                                      <p:cBhvr>
+                                        <p:cTn id="61" dur="1" fill="hold">
+                                          <p:stCondLst>
+                                            <p:cond delay="0"/>
+                                          </p:stCondLst>
+                                        </p:cTn>
+                                        <p:tgtEl>
+                                          <p:spTgt spid="20"/>
+                                        </p:tgtEl>
+                                        <p:attrNameLst>
+                                          <p:attrName>style.visibility</p:attrName>
+                                        </p:attrNameLst>
+                                      </p:cBhvr>
+                                      <p:to>
+                                        <p:strVal val="visible"/>
+                                      </p:to>
+                                    </p:set>
+                                    <p:animEffect transition="in" filter="fade">
+                                      <p:cBhvr>
+                                        <p:cTn id="62" dur="1000"/>
+                                        <p:tgtEl>
+                                          <p:spTgt spid="20"/>
+                                        </p:tgtEl>
+                                      </p:cBhvr>
+                                    </p:animEffect>
+                                    <p:anim calcmode="lin" valueType="num">
+                                      <p:cBhvr>
+                                        <p:cTn id="63" dur="1000" fill="hold"/>
+                                        <p:tgtEl>
+                                          <p:spTgt spid="20"/>
+                                        </p:tgtEl>
+                                        <p:attrNameLst>
+                                          <p:attrName>ppt_x</p:attrName>
+                                        </p:attrNameLst>
+                                      </p:cBhvr>
+                                      <p:tavLst>
+                                        <p:tav tm="0">
+                                          <p:val>
+                                            <p:strVal val="#ppt_x"/>
+                                          </p:val>
+                                        </p:tav>
+                                        <p:tav tm="100000">
+                                          <p:val>
+                                            <p:strVal val="#ppt_x"/>
+                                          </p:val>
+                                        </p:tav>
+                                      </p:tavLst>
+                                    </p:anim>
+                                    <p:anim calcmode="lin" valueType="num">
+                                      <p:cBhvr>
+                                        <p:cTn id="64" dur="1000" fill="hold"/>
+                                        <p:tgtEl>
+                                          <p:spTgt spid="20"/>
+                                        </p:tgtEl>
+                                        <p:attrNameLst>
+                                          <p:attrName>ppt_y</p:attrName>
+                                        </p:attrNameLst>
+                                      </p:cBhvr>
+                                      <p:tavLst>
+                                        <p:tav tm="0">
+                                          <p:val>
+                                            <p:strVal val="#ppt_y+.1"/>
+                                          </p:val>
+                                        </p:tav>
+                                        <p:tav tm="100000">
+                                          <p:val>
+                                            <p:strVal val="#ppt_y"/>
+                                          </p:val>
+                                        </p:tav>
+                                      </p:tavLst>
+                                    </p:anim>
+                                  </p:childTnLst>
+                                </p:cTn>
+                              </p:par>
+                              <p:par>
+                                <p:cTn id="65" presetID="42" presetClass="entr" presetSubtype="0" fill="hold" grpId="0" nodeType="withEffect">
+                                  <p:stCondLst>
+                                    <p:cond delay="0"/>
+                                  </p:stCondLst>
+                                  <p:childTnLst>
+                                    <p:set>
+                                      <p:cBhvr>
+                                        <p:cTn id="66" dur="1" fill="hold">
+                                          <p:stCondLst>
+                                            <p:cond delay="0"/>
+                                          </p:stCondLst>
+                                        </p:cTn>
+                                        <p:tgtEl>
+                                          <p:spTgt spid="18"/>
+                                        </p:tgtEl>
+                                        <p:attrNameLst>
+                                          <p:attrName>style.visibility</p:attrName>
+                                        </p:attrNameLst>
+                                      </p:cBhvr>
+                                      <p:to>
+                                        <p:strVal val="visible"/>
+                                      </p:to>
+                                    </p:set>
+                                    <p:animEffect transition="in" filter="fade">
+                                      <p:cBhvr>
+                                        <p:cTn id="67" dur="1000"/>
+                                        <p:tgtEl>
+                                          <p:spTgt spid="18"/>
+                                        </p:tgtEl>
+                                      </p:cBhvr>
+                                    </p:animEffect>
+                                    <p:anim calcmode="lin" valueType="num">
+                                      <p:cBhvr>
+                                        <p:cTn id="68" dur="1000" fill="hold"/>
+                                        <p:tgtEl>
+                                          <p:spTgt spid="18"/>
+                                        </p:tgtEl>
+                                        <p:attrNameLst>
+                                          <p:attrName>ppt_x</p:attrName>
+                                        </p:attrNameLst>
+                                      </p:cBhvr>
+                                      <p:tavLst>
+                                        <p:tav tm="0">
+                                          <p:val>
+                                            <p:strVal val="#ppt_x"/>
+                                          </p:val>
+                                        </p:tav>
+                                        <p:tav tm="100000">
+                                          <p:val>
+                                            <p:strVal val="#ppt_x"/>
+                                          </p:val>
+                                        </p:tav>
+                                      </p:tavLst>
+                                    </p:anim>
+                                    <p:anim calcmode="lin" valueType="num">
+                                      <p:cBhvr>
+                                        <p:cTn id="69" dur="1000" fill="hold"/>
+                                        <p:tgtEl>
+                                          <p:spTgt spid="18"/>
+                                        </p:tgtEl>
+                                        <p:attrNameLst>
+                                          <p:attrName>ppt_y</p:attrName>
+                                        </p:attrNameLst>
+                                      </p:cBhvr>
+                                      <p:tavLst>
+                                        <p:tav tm="0">
+                                          <p:val>
+                                            <p:strVal val="#ppt_y+.1"/>
+                                          </p:val>
+                                        </p:tav>
+                                        <p:tav tm="100000">
+                                          <p:val>
+                                            <p:strVal val="#ppt_y"/>
+                                          </p:val>
+                                        </p:tav>
+                                      </p:tavLst>
+                                    </p:anim>
+                                  </p:childTnLst>
+                                </p:cTn>
+                              </p:par>
+                              <p:par>
+                                <p:cTn id="70" presetID="42" presetClass="entr" presetSubtype="0" fill="hold" nodeType="withEffect">
+                                  <p:stCondLst>
+                                    <p:cond delay="0"/>
+                                  </p:stCondLst>
+                                  <p:childTnLst>
+                                    <p:set>
+                                      <p:cBhvr>
+                                        <p:cTn id="71" dur="1" fill="hold">
+                                          <p:stCondLst>
+                                            <p:cond delay="0"/>
+                                          </p:stCondLst>
+                                        </p:cTn>
+                                        <p:tgtEl>
+                                          <p:spTgt spid="22"/>
+                                        </p:tgtEl>
+                                        <p:attrNameLst>
+                                          <p:attrName>style.visibility</p:attrName>
+                                        </p:attrNameLst>
+                                      </p:cBhvr>
+                                      <p:to>
+                                        <p:strVal val="visible"/>
+                                      </p:to>
+                                    </p:set>
+                                    <p:animEffect transition="in" filter="fade">
+                                      <p:cBhvr>
+                                        <p:cTn id="72" dur="1000"/>
+                                        <p:tgtEl>
+                                          <p:spTgt spid="22"/>
+                                        </p:tgtEl>
+                                      </p:cBhvr>
+                                    </p:animEffect>
+                                    <p:anim calcmode="lin" valueType="num">
+                                      <p:cBhvr>
+                                        <p:cTn id="73" dur="1000" fill="hold"/>
+                                        <p:tgtEl>
+                                          <p:spTgt spid="22"/>
+                                        </p:tgtEl>
+                                        <p:attrNameLst>
+                                          <p:attrName>ppt_x</p:attrName>
+                                        </p:attrNameLst>
+                                      </p:cBhvr>
+                                      <p:tavLst>
+                                        <p:tav tm="0">
+                                          <p:val>
+                                            <p:strVal val="#ppt_x"/>
+                                          </p:val>
+                                        </p:tav>
+                                        <p:tav tm="100000">
+                                          <p:val>
+                                            <p:strVal val="#ppt_x"/>
+                                          </p:val>
+                                        </p:tav>
+                                      </p:tavLst>
+                                    </p:anim>
+                                    <p:anim calcmode="lin" valueType="num">
+                                      <p:cBhvr>
+                                        <p:cTn id="74" dur="1000" fill="hold"/>
+                                        <p:tgtEl>
+                                          <p:spTgt spid="22"/>
+                                        </p:tgtEl>
+                                        <p:attrNameLst>
+                                          <p:attrName>ppt_y</p:attrName>
+                                        </p:attrNameLst>
+                                      </p:cBhvr>
+                                      <p:tavLst>
+                                        <p:tav tm="0">
+                                          <p:val>
+                                            <p:strVal val="#ppt_y+.1"/>
+                                          </p:val>
+                                        </p:tav>
+                                        <p:tav tm="100000">
+                                          <p:val>
+                                            <p:strVal val="#ppt_y"/>
+                                          </p:val>
+                                        </p:tav>
+                                      </p:tavLst>
+                                    </p:anim>
+                                  </p:childTnLst>
+                                </p:cTn>
+                              </p:par>
+                              <p:par>
+                                <p:cTn id="75" presetID="42" presetClass="entr" presetSubtype="0" fill="hold" grpId="0" nodeType="withEffect">
+                                  <p:stCondLst>
+                                    <p:cond delay="0"/>
+                                  </p:stCondLst>
+                                  <p:childTnLst>
+                                    <p:set>
+                                      <p:cBhvr>
+                                        <p:cTn id="76" dur="1" fill="hold">
+                                          <p:stCondLst>
+                                            <p:cond delay="0"/>
+                                          </p:stCondLst>
+                                        </p:cTn>
+                                        <p:tgtEl>
+                                          <p:spTgt spid="17"/>
+                                        </p:tgtEl>
+                                        <p:attrNameLst>
+                                          <p:attrName>style.visibility</p:attrName>
+                                        </p:attrNameLst>
+                                      </p:cBhvr>
+                                      <p:to>
+                                        <p:strVal val="visible"/>
+                                      </p:to>
+                                    </p:set>
+                                    <p:animEffect transition="in" filter="fade">
+                                      <p:cBhvr>
+                                        <p:cTn id="77" dur="1000"/>
+                                        <p:tgtEl>
+                                          <p:spTgt spid="17"/>
+                                        </p:tgtEl>
+                                      </p:cBhvr>
+                                    </p:animEffect>
+                                    <p:anim calcmode="lin" valueType="num">
+                                      <p:cBhvr>
+                                        <p:cTn id="78" dur="1000" fill="hold"/>
+                                        <p:tgtEl>
+                                          <p:spTgt spid="17"/>
+                                        </p:tgtEl>
+                                        <p:attrNameLst>
+                                          <p:attrName>ppt_x</p:attrName>
+                                        </p:attrNameLst>
+                                      </p:cBhvr>
+                                      <p:tavLst>
+                                        <p:tav tm="0">
+                                          <p:val>
+                                            <p:strVal val="#ppt_x"/>
+                                          </p:val>
+                                        </p:tav>
+                                        <p:tav tm="100000">
+                                          <p:val>
+                                            <p:strVal val="#ppt_x"/>
+                                          </p:val>
+                                        </p:tav>
+                                      </p:tavLst>
+                                    </p:anim>
+                                    <p:anim calcmode="lin" valueType="num">
+                                      <p:cBhvr>
+                                        <p:cTn id="79" dur="1000" fill="hold"/>
+                                        <p:tgtEl>
+                                          <p:spTgt spid="17"/>
+                                        </p:tgtEl>
+                                        <p:attrNameLst>
+                                          <p:attrName>ppt_y</p:attrName>
+                                        </p:attrNameLst>
+                                      </p:cBhvr>
+                                      <p:tavLst>
+                                        <p:tav tm="0">
+                                          <p:val>
+                                            <p:strVal val="#ppt_y+.1"/>
+                                          </p:val>
+                                        </p:tav>
+                                        <p:tav tm="100000">
+                                          <p:val>
+                                            <p:strVal val="#ppt_y"/>
+                                          </p:val>
+                                        </p:tav>
+                                      </p:tavLst>
+                                    </p:anim>
+                                  </p:childTnLst>
+                                </p:cTn>
+                              </p:par>
+                            </p:childTnLst>
+                          </p:cTn>
+                        </p:par>
+                      </p:childTnLst>
+                    </p:cTn>
+                  </p:par>
+                  <p:par>
+                    <p:cTn id="80" fill="hold">
+                      <p:stCondLst>
+                        <p:cond delay="indefinite"/>
+                      </p:stCondLst>
+                      <p:childTnLst>
+                        <p:par>
+                          <p:cTn id="81" fill="hold">
+                            <p:stCondLst>
+                              <p:cond delay="0"/>
+                            </p:stCondLst>
+                            <p:childTnLst>
+                              <p:par>
+                                <p:cTn id="82" presetID="42" presetClass="entr" presetSubtype="0" fill="hold" grpId="0" nodeType="clickEffect">
+                                  <p:stCondLst>
+                                    <p:cond delay="0"/>
+                                  </p:stCondLst>
+                                  <p:childTnLst>
+                                    <p:set>
+                                      <p:cBhvr>
+                                        <p:cTn id="83" dur="1" fill="hold">
+                                          <p:stCondLst>
+                                            <p:cond delay="0"/>
+                                          </p:stCondLst>
+                                        </p:cTn>
+                                        <p:tgtEl>
+                                          <p:spTgt spid="24"/>
+                                        </p:tgtEl>
+                                        <p:attrNameLst>
+                                          <p:attrName>style.visibility</p:attrName>
+                                        </p:attrNameLst>
+                                      </p:cBhvr>
+                                      <p:to>
+                                        <p:strVal val="visible"/>
+                                      </p:to>
+                                    </p:set>
+                                    <p:animEffect transition="in" filter="fade">
+                                      <p:cBhvr>
+                                        <p:cTn id="84" dur="1000"/>
+                                        <p:tgtEl>
+                                          <p:spTgt spid="24"/>
+                                        </p:tgtEl>
+                                      </p:cBhvr>
+                                    </p:animEffect>
+                                    <p:anim calcmode="lin" valueType="num">
+                                      <p:cBhvr>
+                                        <p:cTn id="85" dur="1000" fill="hold"/>
+                                        <p:tgtEl>
+                                          <p:spTgt spid="24"/>
+                                        </p:tgtEl>
+                                        <p:attrNameLst>
+                                          <p:attrName>ppt_x</p:attrName>
+                                        </p:attrNameLst>
+                                      </p:cBhvr>
+                                      <p:tavLst>
+                                        <p:tav tm="0">
+                                          <p:val>
+                                            <p:strVal val="#ppt_x"/>
+                                          </p:val>
+                                        </p:tav>
+                                        <p:tav tm="100000">
+                                          <p:val>
+                                            <p:strVal val="#ppt_x"/>
+                                          </p:val>
+                                        </p:tav>
+                                      </p:tavLst>
+                                    </p:anim>
+                                    <p:anim calcmode="lin" valueType="num">
+                                      <p:cBhvr>
+                                        <p:cTn id="86" dur="1000" fill="hold"/>
+                                        <p:tgtEl>
+                                          <p:spTgt spid="24"/>
+                                        </p:tgtEl>
+                                        <p:attrNameLst>
+                                          <p:attrName>ppt_y</p:attrName>
+                                        </p:attrNameLst>
+                                      </p:cBhvr>
+                                      <p:tavLst>
+                                        <p:tav tm="0">
+                                          <p:val>
+                                            <p:strVal val="#ppt_y+.1"/>
+                                          </p:val>
+                                        </p:tav>
+                                        <p:tav tm="100000">
+                                          <p:val>
+                                            <p:strVal val="#ppt_y"/>
+                                          </p:val>
+                                        </p:tav>
+                                      </p:tavLst>
+                                    </p:anim>
+                                  </p:childTnLst>
+                                </p:cTn>
+                              </p:par>
+                              <p:par>
+                                <p:cTn id="87" presetID="42" presetClass="entr" presetSubtype="0" fill="hold" nodeType="withEffect">
+                                  <p:stCondLst>
+                                    <p:cond delay="0"/>
+                                  </p:stCondLst>
+                                  <p:childTnLst>
+                                    <p:set>
+                                      <p:cBhvr>
+                                        <p:cTn id="88" dur="1" fill="hold">
+                                          <p:stCondLst>
+                                            <p:cond delay="0"/>
+                                          </p:stCondLst>
+                                        </p:cTn>
+                                        <p:tgtEl>
+                                          <p:spTgt spid="27"/>
+                                        </p:tgtEl>
+                                        <p:attrNameLst>
+                                          <p:attrName>style.visibility</p:attrName>
+                                        </p:attrNameLst>
+                                      </p:cBhvr>
+                                      <p:to>
+                                        <p:strVal val="visible"/>
+                                      </p:to>
+                                    </p:set>
+                                    <p:animEffect transition="in" filter="fade">
+                                      <p:cBhvr>
+                                        <p:cTn id="89" dur="1000"/>
+                                        <p:tgtEl>
+                                          <p:spTgt spid="27"/>
+                                        </p:tgtEl>
+                                      </p:cBhvr>
+                                    </p:animEffect>
+                                    <p:anim calcmode="lin" valueType="num">
+                                      <p:cBhvr>
+                                        <p:cTn id="90" dur="1000" fill="hold"/>
+                                        <p:tgtEl>
+                                          <p:spTgt spid="27"/>
+                                        </p:tgtEl>
+                                        <p:attrNameLst>
+                                          <p:attrName>ppt_x</p:attrName>
+                                        </p:attrNameLst>
+                                      </p:cBhvr>
+                                      <p:tavLst>
+                                        <p:tav tm="0">
+                                          <p:val>
+                                            <p:strVal val="#ppt_x"/>
+                                          </p:val>
+                                        </p:tav>
+                                        <p:tav tm="100000">
+                                          <p:val>
+                                            <p:strVal val="#ppt_x"/>
+                                          </p:val>
+                                        </p:tav>
+                                      </p:tavLst>
+                                    </p:anim>
+                                    <p:anim calcmode="lin" valueType="num">
+                                      <p:cBhvr>
+                                        <p:cTn id="91" dur="1000" fill="hold"/>
+                                        <p:tgtEl>
+                                          <p:spTgt spid="27"/>
+                                        </p:tgtEl>
+                                        <p:attrNameLst>
+                                          <p:attrName>ppt_y</p:attrName>
+                                        </p:attrNameLst>
+                                      </p:cBhvr>
+                                      <p:tavLst>
+                                        <p:tav tm="0">
+                                          <p:val>
+                                            <p:strVal val="#ppt_y+.1"/>
+                                          </p:val>
+                                        </p:tav>
+                                        <p:tav tm="100000">
+                                          <p:val>
+                                            <p:strVal val="#ppt_y"/>
+                                          </p:val>
+                                        </p:tav>
+                                      </p:tavLst>
+                                    </p:anim>
+                                  </p:childTnLst>
+                                </p:cTn>
+                              </p:par>
+                              <p:par>
+                                <p:cTn id="92" presetID="42" presetClass="entr" presetSubtype="0" fill="hold" grpId="0" nodeType="withEffect">
+                                  <p:stCondLst>
+                                    <p:cond delay="0"/>
+                                  </p:stCondLst>
+                                  <p:childTnLst>
+                                    <p:set>
+                                      <p:cBhvr>
+                                        <p:cTn id="93" dur="1" fill="hold">
+                                          <p:stCondLst>
+                                            <p:cond delay="0"/>
+                                          </p:stCondLst>
+                                        </p:cTn>
+                                        <p:tgtEl>
+                                          <p:spTgt spid="30"/>
+                                        </p:tgtEl>
+                                        <p:attrNameLst>
+                                          <p:attrName>style.visibility</p:attrName>
+                                        </p:attrNameLst>
+                                      </p:cBhvr>
+                                      <p:to>
+                                        <p:strVal val="visible"/>
+                                      </p:to>
+                                    </p:set>
+                                    <p:animEffect transition="in" filter="fade">
+                                      <p:cBhvr>
+                                        <p:cTn id="94" dur="1000"/>
+                                        <p:tgtEl>
+                                          <p:spTgt spid="30"/>
+                                        </p:tgtEl>
+                                      </p:cBhvr>
+                                    </p:animEffect>
+                                    <p:anim calcmode="lin" valueType="num">
+                                      <p:cBhvr>
+                                        <p:cTn id="95" dur="1000" fill="hold"/>
+                                        <p:tgtEl>
+                                          <p:spTgt spid="30"/>
+                                        </p:tgtEl>
+                                        <p:attrNameLst>
+                                          <p:attrName>ppt_x</p:attrName>
+                                        </p:attrNameLst>
+                                      </p:cBhvr>
+                                      <p:tavLst>
+                                        <p:tav tm="0">
+                                          <p:val>
+                                            <p:strVal val="#ppt_x"/>
+                                          </p:val>
+                                        </p:tav>
+                                        <p:tav tm="100000">
+                                          <p:val>
+                                            <p:strVal val="#ppt_x"/>
+                                          </p:val>
+                                        </p:tav>
+                                      </p:tavLst>
+                                    </p:anim>
+                                    <p:anim calcmode="lin" valueType="num">
+                                      <p:cBhvr>
+                                        <p:cTn id="96" dur="1000" fill="hold"/>
+                                        <p:tgtEl>
+                                          <p:spTgt spid="30"/>
+                                        </p:tgtEl>
+                                        <p:attrNameLst>
+                                          <p:attrName>ppt_y</p:attrName>
+                                        </p:attrNameLst>
+                                      </p:cBhvr>
+                                      <p:tavLst>
+                                        <p:tav tm="0">
+                                          <p:val>
+                                            <p:strVal val="#ppt_y+.1"/>
+                                          </p:val>
+                                        </p:tav>
+                                        <p:tav tm="100000">
+                                          <p:val>
+                                            <p:strVal val="#ppt_y"/>
+                                          </p:val>
+                                        </p:tav>
+                                      </p:tavLst>
+                                    </p:anim>
+                                  </p:childTnLst>
+                                </p:cTn>
+                              </p:par>
+                            </p:childTnLst>
+                          </p:cTn>
+                        </p:par>
+                      </p:childTnLst>
+                    </p:cTn>
+                  </p:par>
+                  <p:par>
+                    <p:cTn id="97" fill="hold">
+                      <p:stCondLst>
+                        <p:cond delay="indefinite"/>
+                      </p:stCondLst>
+                      <p:childTnLst>
+                        <p:par>
+                          <p:cTn id="98" fill="hold">
+                            <p:stCondLst>
+                              <p:cond delay="0"/>
+                            </p:stCondLst>
+                            <p:childTnLst>
+                              <p:par>
+                                <p:cTn id="99" presetID="42" presetClass="entr" presetSubtype="0" fill="hold" grpId="0" nodeType="clickEffect">
+                                  <p:stCondLst>
+                                    <p:cond delay="0"/>
+                                  </p:stCondLst>
+                                  <p:childTnLst>
+                                    <p:set>
+                                      <p:cBhvr>
+                                        <p:cTn id="100" dur="1" fill="hold">
+                                          <p:stCondLst>
+                                            <p:cond delay="0"/>
+                                          </p:stCondLst>
+                                        </p:cTn>
+                                        <p:tgtEl>
+                                          <p:spTgt spid="23"/>
+                                        </p:tgtEl>
+                                        <p:attrNameLst>
+                                          <p:attrName>style.visibility</p:attrName>
+                                        </p:attrNameLst>
+                                      </p:cBhvr>
+                                      <p:to>
+                                        <p:strVal val="visible"/>
+                                      </p:to>
+                                    </p:set>
+                                    <p:animEffect transition="in" filter="fade">
+                                      <p:cBhvr>
+                                        <p:cTn id="101" dur="1000"/>
+                                        <p:tgtEl>
+                                          <p:spTgt spid="23"/>
+                                        </p:tgtEl>
+                                      </p:cBhvr>
+                                    </p:animEffect>
+                                    <p:anim calcmode="lin" valueType="num">
+                                      <p:cBhvr>
+                                        <p:cTn id="102" dur="1000" fill="hold"/>
+                                        <p:tgtEl>
+                                          <p:spTgt spid="23"/>
+                                        </p:tgtEl>
+                                        <p:attrNameLst>
+                                          <p:attrName>ppt_x</p:attrName>
+                                        </p:attrNameLst>
+                                      </p:cBhvr>
+                                      <p:tavLst>
+                                        <p:tav tm="0">
+                                          <p:val>
+                                            <p:strVal val="#ppt_x"/>
+                                          </p:val>
+                                        </p:tav>
+                                        <p:tav tm="100000">
+                                          <p:val>
+                                            <p:strVal val="#ppt_x"/>
+                                          </p:val>
+                                        </p:tav>
+                                      </p:tavLst>
+                                    </p:anim>
+                                    <p:anim calcmode="lin" valueType="num">
+                                      <p:cBhvr>
+                                        <p:cTn id="103" dur="1000" fill="hold"/>
+                                        <p:tgtEl>
+                                          <p:spTgt spid="23"/>
+                                        </p:tgtEl>
+                                        <p:attrNameLst>
+                                          <p:attrName>ppt_y</p:attrName>
+                                        </p:attrNameLst>
+                                      </p:cBhvr>
+                                      <p:tavLst>
+                                        <p:tav tm="0">
+                                          <p:val>
+                                            <p:strVal val="#ppt_y+.1"/>
+                                          </p:val>
+                                        </p:tav>
+                                        <p:tav tm="100000">
+                                          <p:val>
+                                            <p:strVal val="#ppt_y"/>
+                                          </p:val>
+                                        </p:tav>
+                                      </p:tavLst>
+                                    </p:anim>
+                                  </p:childTnLst>
+                                </p:cTn>
+                              </p:par>
+                            </p:childTnLst>
+                          </p:cTn>
+                        </p:par>
+                      </p:childTnLst>
+                    </p:cTn>
+                  </p:par>
+                </p:childTnLst>
+              </p:cTn>
+              <p:prevCondLst>
+                <p:cond evt="onPrev" delay="0">
+                  <p:tgtEl>
+                    <p:sldTgt/>
+                  </p:tgtEl>
+                </p:cond>
+              </p:prevCondLst>
+              <p:nextCondLst>
+                <p:cond evt="onNext" delay="0">
+                  <p:tgtEl>
+                    <p:sldTgt/>
+                  </p:tgtEl>
+                </p:cond>
+              </p:nextCondLst>
+            </p:seq>
+          </p:childTnLst>
+        </p:cTn>
       </p:par>
     </p:tnLst>
+    <p:bldLst>
+      <p:bldP spid="5" grpId="0"/>
+      <p:bldP spid="6" grpId="0"/>
+      <p:bldP spid="8" grpId="0"/>
+      <p:bldP spid="16" grpId="0" animBg="1"/>
+      <p:bldP spid="17" grpId="0" animBg="1"/>
+      <p:bldP spid="18" grpId="0"/>
+      <p:bldP spid="23" grpId="0"/>
+      <p:bldP spid="24" grpId="0" animBg="1"/>
+      <p:bldP spid="30" grpId="0"/>
+    </p:bldLst>
   </p:timing>
 </p:sld>
 </file>
@@ -6428,8 +9231,8 @@
           </a:p>
         </p:txBody>
       </p:sp>
-      <mc:AlternateContent xmlns:mc="http://schemas.openxmlformats.org/markup-compatibility/2006">
-        <mc:Choice xmlns:a14="http://schemas.microsoft.com/office/drawing/2010/main" Requires="a14">
+      <mc:AlternateContent xmlns:mc="http://schemas.openxmlformats.org/markup-compatibility/2006" xmlns:a14="http://schemas.microsoft.com/office/drawing/2010/main">
+        <mc:Choice Requires="a14">
           <p:sp>
             <p:nvSpPr>
               <p:cNvPr id="6" name="内容占位符 5"/>
@@ -6738,31 +9541,7 @@
                         </a:solidFill>
                         <a:latin typeface="Cambria Math" panose="02040503050406030204" pitchFamily="18" charset="0"/>
                       </a:rPr>
-                      <m:t>&lt;</m:t>
-                    </m:r>
-                    <m:r>
-                      <a:rPr lang="en-US" altLang="zh-CN" i="1">
-                        <a:solidFill>
-                          <a:srgbClr val="000000">
-                            <a:lumMod val="75000"/>
-                            <a:lumOff val="25000"/>
-                          </a:srgbClr>
-                        </a:solidFill>
-                        <a:latin typeface="Cambria Math" panose="02040503050406030204" pitchFamily="18" charset="0"/>
-                      </a:rPr>
-                      <m:t>10</m:t>
-                    </m:r>
-                    <m:r>
-                      <a:rPr lang="en-US" altLang="zh-CN" i="1">
-                        <a:solidFill>
-                          <a:srgbClr val="000000">
-                            <a:lumMod val="75000"/>
-                            <a:lumOff val="25000"/>
-                          </a:srgbClr>
-                        </a:solidFill>
-                        <a:latin typeface="Cambria Math" panose="02040503050406030204" pitchFamily="18" charset="0"/>
-                      </a:rPr>
-                      <m:t>0</m:t>
+                      <m:t>&lt;100</m:t>
                     </m:r>
                   </m:oMath>
                 </a14:m>
@@ -6935,31 +9714,7 @@
                         </a:solidFill>
                         <a:latin typeface="Cambria Math" panose="02040503050406030204" pitchFamily="18" charset="0"/>
                       </a:rPr>
-                      <m:t>&lt;</m:t>
-                    </m:r>
-                    <m:r>
-                      <a:rPr lang="en-US" altLang="zh-CN" i="1">
-                        <a:solidFill>
-                          <a:srgbClr val="000000">
-                            <a:lumMod val="75000"/>
-                            <a:lumOff val="25000"/>
-                          </a:srgbClr>
-                        </a:solidFill>
-                        <a:latin typeface="Cambria Math" panose="02040503050406030204" pitchFamily="18" charset="0"/>
-                      </a:rPr>
-                      <m:t>20</m:t>
-                    </m:r>
-                    <m:r>
-                      <a:rPr lang="en-US" altLang="zh-CN" i="1">
-                        <a:solidFill>
-                          <a:srgbClr val="000000">
-                            <a:lumMod val="75000"/>
-                            <a:lumOff val="25000"/>
-                          </a:srgbClr>
-                        </a:solidFill>
-                        <a:latin typeface="Cambria Math" panose="02040503050406030204" pitchFamily="18" charset="0"/>
-                      </a:rPr>
-                      <m:t>0</m:t>
+                      <m:t>&lt;200</m:t>
                     </m:r>
                   </m:oMath>
                 </a14:m>
@@ -7091,31 +9846,7 @@
                         </a:solidFill>
                         <a:latin typeface="Cambria Math" panose="02040503050406030204" pitchFamily="18" charset="0"/>
                       </a:rPr>
-                      <m:t>&lt;5</m:t>
-                    </m:r>
-                    <m:r>
-                      <a:rPr lang="en-US" altLang="zh-CN" i="1">
-                        <a:solidFill>
-                          <a:srgbClr val="000000">
-                            <a:lumMod val="75000"/>
-                            <a:lumOff val="25000"/>
-                          </a:srgbClr>
-                        </a:solidFill>
-                        <a:latin typeface="Cambria Math" panose="02040503050406030204" pitchFamily="18" charset="0"/>
-                      </a:rPr>
-                      <m:t>0</m:t>
-                    </m:r>
-                    <m:r>
-                      <a:rPr lang="en-US" altLang="zh-CN" i="1">
-                        <a:solidFill>
-                          <a:srgbClr val="000000">
-                            <a:lumMod val="75000"/>
-                            <a:lumOff val="25000"/>
-                          </a:srgbClr>
-                        </a:solidFill>
-                        <a:latin typeface="Cambria Math" panose="02040503050406030204" pitchFamily="18" charset="0"/>
-                      </a:rPr>
-                      <m:t>0</m:t>
+                      <m:t>&lt;500</m:t>
                     </m:r>
                   </m:oMath>
                 </a14:m>
@@ -7202,7 +9933,7 @@
             </p:txBody>
           </p:sp>
         </mc:Choice>
-        <mc:Fallback>
+        <mc:Fallback xmlns="">
           <p:sp>
             <p:nvSpPr>
               <p:cNvPr id="6" name="内容占位符 5"/>
@@ -7330,8 +10061,8 @@
           </a:fontRef>
         </p:style>
       </p:cxnSp>
-      <mc:AlternateContent xmlns:mc="http://schemas.openxmlformats.org/markup-compatibility/2006">
-        <mc:Choice xmlns:a14="http://schemas.microsoft.com/office/drawing/2010/main" Requires="a14">
+      <mc:AlternateContent xmlns:mc="http://schemas.openxmlformats.org/markup-compatibility/2006" xmlns:a14="http://schemas.microsoft.com/office/drawing/2010/main">
+        <mc:Choice Requires="a14">
           <p:sp>
             <p:nvSpPr>
               <p:cNvPr id="15" name="文本框 14"/>
@@ -7356,11 +10087,7 @@
               <a:p>
                 <a:r>
                   <a:rPr lang="en-US" altLang="zh-CN" b="1" dirty="0"/>
-                  <a:t>(</a:t>
-                </a:r>
-                <a:r>
-                  <a:rPr lang="en-US" altLang="zh-CN" b="1" dirty="0"/>
-                  <a:t>1D</a:t>
+                  <a:t>(1D</a:t>
                 </a:r>
                 <a:r>
                   <a:rPr lang="zh-CN" altLang="en-US" b="1" dirty="0"/>
@@ -7403,7 +10130,7 @@
             </p:txBody>
           </p:sp>
         </mc:Choice>
-        <mc:Fallback>
+        <mc:Fallback xmlns="">
           <p:sp>
             <p:nvSpPr>
               <p:cNvPr id="15" name="文本框 14"/>
@@ -10649,7 +13376,7 @@
             <p:spPr>
               <a:xfrm>
                 <a:off x="1097280" y="1906546"/>
-                <a:ext cx="3509889" cy="646331"/>
+                <a:ext cx="3741256" cy="646331"/>
               </a:xfrm>
               <a:prstGeom prst="rect">
                 <a:avLst/>
@@ -10681,20 +13408,20 @@
                         <m:sty m:val="p"/>
                       </m:rPr>
                       <a:rPr lang="en-US" altLang="zh-CN" b="0" i="0" smtClean="0">
+                        <a:solidFill>
+                          <a:srgbClr val="FF0000"/>
+                        </a:solidFill>
                         <a:latin typeface="Cambria Math" panose="02040503050406030204" pitchFamily="18" charset="0"/>
                       </a:rPr>
-                      <m:t>Δ</m:t>
-                    </m:r>
-                    <m:r>
-                      <a:rPr lang="en-US" altLang="zh-CN" b="0" i="1" smtClean="0">
-                        <a:latin typeface="Cambria Math" panose="02040503050406030204" pitchFamily="18" charset="0"/>
-                      </a:rPr>
-                      <m:t>𝑢</m:t>
+                      <m:t>Δu</m:t>
                     </m:r>
                     <m:d>
                       <m:dPr>
                         <m:ctrlPr>
-                          <a:rPr lang="en-US" altLang="zh-CN" b="0" i="1" smtClean="0">
+                          <a:rPr lang="en-US" altLang="zh-CN" b="0" smtClean="0">
+                            <a:solidFill>
+                              <a:srgbClr val="FF0000"/>
+                            </a:solidFill>
                             <a:latin typeface="Cambria Math" panose="02040503050406030204" pitchFamily="18" charset="0"/>
                           </a:rPr>
                         </m:ctrlPr>
@@ -10703,25 +13430,40 @@
                         <m:sSub>
                           <m:sSubPr>
                             <m:ctrlPr>
-                              <a:rPr lang="en-US" altLang="zh-CN" b="0" i="1" smtClean="0">
+                              <a:rPr lang="en-US" altLang="zh-CN" b="0" smtClean="0">
+                                <a:solidFill>
+                                  <a:srgbClr val="FF0000"/>
+                                </a:solidFill>
                                 <a:latin typeface="Cambria Math" panose="02040503050406030204" pitchFamily="18" charset="0"/>
                               </a:rPr>
                             </m:ctrlPr>
                           </m:sSubPr>
                           <m:e>
                             <m:r>
-                              <a:rPr lang="en-US" altLang="zh-CN" b="0" i="1" smtClean="0">
+                              <m:rPr>
+                                <m:sty m:val="p"/>
+                              </m:rPr>
+                              <a:rPr lang="en-US" altLang="zh-CN" b="0" i="0" smtClean="0">
+                                <a:solidFill>
+                                  <a:srgbClr val="FF0000"/>
+                                </a:solidFill>
                                 <a:latin typeface="Cambria Math" panose="02040503050406030204" pitchFamily="18" charset="0"/>
                               </a:rPr>
-                              <m:t>𝑟</m:t>
+                              <m:t>r</m:t>
                             </m:r>
                           </m:e>
                           <m:sub>
                             <m:r>
-                              <a:rPr lang="en-US" altLang="zh-CN" b="0" i="1" smtClean="0">
+                              <m:rPr>
+                                <m:sty m:val="p"/>
+                              </m:rPr>
+                              <a:rPr lang="en-US" altLang="zh-CN" b="0" i="0" smtClean="0">
+                                <a:solidFill>
+                                  <a:srgbClr val="FF0000"/>
+                                </a:solidFill>
                                 <a:latin typeface="Cambria Math" panose="02040503050406030204" pitchFamily="18" charset="0"/>
                               </a:rPr>
-                              <m:t>𝑎</m:t>
+                              <m:t>a</m:t>
                             </m:r>
                           </m:sub>
                         </m:sSub>
@@ -10739,13 +13481,19 @@
                       <m:rPr>
                         <m:sty m:val="p"/>
                       </m:rPr>
-                      <a:rPr lang="en-US" altLang="zh-CN">
+                      <a:rPr lang="en-US" altLang="zh-CN" smtClean="0">
+                        <a:solidFill>
+                          <a:srgbClr val="FF0000"/>
+                        </a:solidFill>
                         <a:latin typeface="Cambria Math" panose="02040503050406030204" pitchFamily="18" charset="0"/>
                       </a:rPr>
                       <m:t>Δ</m:t>
                     </m:r>
                     <m:r>
                       <a:rPr lang="en-US" altLang="zh-CN" b="0" i="1" smtClean="0">
+                        <a:solidFill>
+                          <a:srgbClr val="FF0000"/>
+                        </a:solidFill>
                         <a:latin typeface="Cambria Math" panose="02040503050406030204" pitchFamily="18" charset="0"/>
                       </a:rPr>
                       <m:t>𝑣</m:t>
@@ -10754,6 +13502,9 @@
                       <m:dPr>
                         <m:ctrlPr>
                           <a:rPr lang="en-US" altLang="zh-CN" i="1">
+                            <a:solidFill>
+                              <a:srgbClr val="FF0000"/>
+                            </a:solidFill>
                             <a:latin typeface="Cambria Math" panose="02040503050406030204" pitchFamily="18" charset="0"/>
                           </a:rPr>
                         </m:ctrlPr>
@@ -10763,6 +13514,9 @@
                           <m:sSubPr>
                             <m:ctrlPr>
                               <a:rPr lang="en-US" altLang="zh-CN" i="1">
+                                <a:solidFill>
+                                  <a:srgbClr val="FF0000"/>
+                                </a:solidFill>
                                 <a:latin typeface="Cambria Math" panose="02040503050406030204" pitchFamily="18" charset="0"/>
                               </a:rPr>
                             </m:ctrlPr>
@@ -10770,6 +13524,9 @@
                           <m:e>
                             <m:r>
                               <a:rPr lang="en-US" altLang="zh-CN" i="1">
+                                <a:solidFill>
+                                  <a:srgbClr val="FF0000"/>
+                                </a:solidFill>
                                 <a:latin typeface="Cambria Math" panose="02040503050406030204" pitchFamily="18" charset="0"/>
                               </a:rPr>
                               <m:t>𝑟</m:t>
@@ -10778,6 +13535,9 @@
                           <m:sub>
                             <m:r>
                               <a:rPr lang="en-US" altLang="zh-CN" i="1">
+                                <a:solidFill>
+                                  <a:srgbClr val="FF0000"/>
+                                </a:solidFill>
                                 <a:latin typeface="Cambria Math" panose="02040503050406030204" pitchFamily="18" charset="0"/>
                               </a:rPr>
                               <m:t>𝑎</m:t>
@@ -10794,7 +13554,21 @@
                 </a:r>
                 <a:r>
                   <a:rPr lang="en-US" altLang="zh-CN" dirty="0" smtClean="0"/>
-                  <a:t>respectively</a:t>
+                  <a:t>: </a:t>
+                </a:r>
+              </a:p>
+              <a:p>
+                <a:r>
+                  <a:rPr lang="en-US" altLang="zh-CN" dirty="0" smtClean="0"/>
+                  <a:t>(normalized by corresponding </a:t>
+                </a:r>
+                <a:r>
+                  <a:rPr lang="en-US" altLang="zh-CN" dirty="0" err="1" smtClean="0"/>
+                  <a:t>r.m.s</a:t>
+                </a:r>
+                <a:r>
+                  <a:rPr lang="en-US" altLang="zh-CN" dirty="0" smtClean="0"/>
+                  <a:t>.)</a:t>
                 </a:r>
                 <a:endParaRPr lang="zh-CN" altLang="en-US" dirty="0"/>
               </a:p>
@@ -10813,7 +13587,7 @@
             <p:spPr>
               <a:xfrm>
                 <a:off x="1097280" y="1906546"/>
-                <a:ext cx="3509889" cy="646331"/>
+                <a:ext cx="3741256" cy="646331"/>
               </a:xfrm>
               <a:prstGeom prst="rect">
                 <a:avLst/>
@@ -10821,7 +13595,7 @@
               <a:blipFill>
                 <a:blip r:embed="rId3"/>
                 <a:stretch>
-                  <a:fillRect l="-1389" t="-5660" b="-14151"/>
+                  <a:fillRect l="-1303" t="-5660" r="-1792" b="-14151"/>
                 </a:stretch>
               </a:blipFill>
             </p:spPr>
@@ -10850,8 +13624,8 @@
             </p:nvSpPr>
             <p:spPr>
               <a:xfrm>
-                <a:off x="964223" y="2722063"/>
-                <a:ext cx="3874313" cy="1754326"/>
+                <a:off x="915702" y="2658536"/>
+                <a:ext cx="3874313" cy="2308324"/>
               </a:xfrm>
               <a:prstGeom prst="rect">
                 <a:avLst/>
@@ -10870,7 +13644,12 @@
                 <a14:m>
                   <m:oMath xmlns:m="http://schemas.openxmlformats.org/officeDocument/2006/math">
                     <m:r>
-                      <a:rPr lang="en-US" altLang="zh-CN" i="1">
+                      <a:rPr lang="en-US" altLang="zh-CN" i="1" smtClean="0">
+                        <a:solidFill>
+                          <a:schemeClr val="bg2">
+                            <a:lumMod val="50000"/>
+                          </a:schemeClr>
+                        </a:solidFill>
                         <a:latin typeface="Cambria Math" panose="02040503050406030204" pitchFamily="18" charset="0"/>
                       </a:rPr>
                       <m:t>𝑅</m:t>
@@ -10879,6 +13658,11 @@
                       <m:sSubPr>
                         <m:ctrlPr>
                           <a:rPr lang="en-US" altLang="zh-CN" i="1">
+                            <a:solidFill>
+                              <a:schemeClr val="bg2">
+                                <a:lumMod val="50000"/>
+                              </a:schemeClr>
+                            </a:solidFill>
                             <a:latin typeface="Cambria Math" panose="02040503050406030204" pitchFamily="18" charset="0"/>
                           </a:rPr>
                         </m:ctrlPr>
@@ -10886,6 +13670,11 @@
                       <m:e>
                         <m:r>
                           <a:rPr lang="en-US" altLang="zh-CN" i="1">
+                            <a:solidFill>
+                              <a:schemeClr val="bg2">
+                                <a:lumMod val="50000"/>
+                              </a:schemeClr>
+                            </a:solidFill>
                             <a:latin typeface="Cambria Math" panose="02040503050406030204" pitchFamily="18" charset="0"/>
                           </a:rPr>
                           <m:t>𝑒</m:t>
@@ -10894,6 +13683,11 @@
                       <m:sub>
                         <m:r>
                           <a:rPr lang="en-US" altLang="zh-CN" i="1">
+                            <a:solidFill>
+                              <a:schemeClr val="bg2">
+                                <a:lumMod val="50000"/>
+                              </a:schemeClr>
+                            </a:solidFill>
                             <a:latin typeface="Cambria Math" panose="02040503050406030204" pitchFamily="18" charset="0"/>
                           </a:rPr>
                           <m:t>𝜆</m:t>
@@ -10904,19 +13698,7 @@
                       <a:rPr lang="en-US" altLang="zh-CN" i="1">
                         <a:latin typeface="Cambria Math" panose="02040503050406030204" pitchFamily="18" charset="0"/>
                       </a:rPr>
-                      <m:t>&lt;</m:t>
-                    </m:r>
-                    <m:r>
-                      <a:rPr lang="en-US" altLang="zh-CN" i="1">
-                        <a:latin typeface="Cambria Math" panose="02040503050406030204" pitchFamily="18" charset="0"/>
-                      </a:rPr>
-                      <m:t>10</m:t>
-                    </m:r>
-                    <m:r>
-                      <a:rPr lang="en-US" altLang="zh-CN" i="1">
-                        <a:latin typeface="Cambria Math" panose="02040503050406030204" pitchFamily="18" charset="0"/>
-                      </a:rPr>
-                      <m:t>0</m:t>
+                      <m:t>&lt;100</m:t>
                     </m:r>
                   </m:oMath>
                 </a14:m>
@@ -10928,18 +13710,33 @@
                   <a:rPr lang="en-US" altLang="zh-CN" dirty="0"/>
                   <a:t>: </a:t>
                 </a:r>
+                <a:endParaRPr lang="en-US" altLang="zh-CN" dirty="0" smtClean="0"/>
               </a:p>
               <a:p>
-                <a:pPr marL="384048" lvl="2" indent="0">
-                  <a:buNone/>
-                </a:pPr>
+                <a:pPr marL="658368" lvl="2"/>
                 <a:r>
-                  <a:rPr lang="en-US" altLang="zh-CN" dirty="0"/>
-                  <a:t>	</a:t>
+                  <a:rPr lang="en-US" altLang="zh-CN" dirty="0" smtClean="0"/>
+                  <a:t>Gaussian profile;</a:t>
+                </a:r>
+                <a:endParaRPr lang="en-US" altLang="zh-CN" dirty="0"/>
+              </a:p>
+              <a:p>
+                <a:pPr marL="658368" lvl="2"/>
+                <a:r>
+                  <a:rPr lang="en-US" altLang="zh-CN" dirty="0" smtClean="0"/>
+                  <a:t>Internal intermittency </a:t>
                 </a:r>
                 <a:r>
                   <a:rPr lang="en-US" altLang="zh-CN" dirty="0"/>
-                  <a:t>intermittency has no effects on the inertial sub-range;</a:t>
+                  <a:t>has no effects on the inertial </a:t>
+                </a:r>
+                <a:r>
+                  <a:rPr lang="en-US" altLang="zh-CN" dirty="0" smtClean="0"/>
+                  <a:t>subrange</a:t>
+                </a:r>
+                <a:r>
+                  <a:rPr lang="en-US" altLang="zh-CN" dirty="0"/>
+                  <a:t>;</a:t>
                 </a:r>
               </a:p>
               <a:p>
@@ -10950,7 +13747,12 @@
                 <a14:m>
                   <m:oMath xmlns:m="http://schemas.openxmlformats.org/officeDocument/2006/math">
                     <m:r>
-                      <a:rPr lang="en-US" altLang="zh-CN" i="1">
+                      <a:rPr lang="en-US" altLang="zh-CN" i="1" smtClean="0">
+                        <a:solidFill>
+                          <a:schemeClr val="bg2">
+                            <a:lumMod val="50000"/>
+                          </a:schemeClr>
+                        </a:solidFill>
                         <a:latin typeface="Cambria Math" panose="02040503050406030204" pitchFamily="18" charset="0"/>
                       </a:rPr>
                       <m:t>𝑅</m:t>
@@ -10959,6 +13761,11 @@
                       <m:sSubPr>
                         <m:ctrlPr>
                           <a:rPr lang="en-US" altLang="zh-CN" i="1">
+                            <a:solidFill>
+                              <a:schemeClr val="bg2">
+                                <a:lumMod val="50000"/>
+                              </a:schemeClr>
+                            </a:solidFill>
                             <a:latin typeface="Cambria Math" panose="02040503050406030204" pitchFamily="18" charset="0"/>
                           </a:rPr>
                         </m:ctrlPr>
@@ -10966,6 +13773,11 @@
                       <m:e>
                         <m:r>
                           <a:rPr lang="en-US" altLang="zh-CN" i="1">
+                            <a:solidFill>
+                              <a:schemeClr val="bg2">
+                                <a:lumMod val="50000"/>
+                              </a:schemeClr>
+                            </a:solidFill>
                             <a:latin typeface="Cambria Math" panose="02040503050406030204" pitchFamily="18" charset="0"/>
                           </a:rPr>
                           <m:t>𝑒</m:t>
@@ -10974,6 +13786,11 @@
                       <m:sub>
                         <m:r>
                           <a:rPr lang="en-US" altLang="zh-CN" i="1">
+                            <a:solidFill>
+                              <a:schemeClr val="bg2">
+                                <a:lumMod val="50000"/>
+                              </a:schemeClr>
+                            </a:solidFill>
                             <a:latin typeface="Cambria Math" panose="02040503050406030204" pitchFamily="18" charset="0"/>
                           </a:rPr>
                           <m:t>𝜆</m:t>
@@ -10981,22 +13798,16 @@
                       </m:sub>
                     </m:sSub>
                     <m:r>
-                      <a:rPr lang="en-US" altLang="zh-CN" i="1">
+                      <a:rPr lang="en-US" altLang="zh-CN" b="0" i="1" smtClean="0">
                         <a:latin typeface="Cambria Math" panose="02040503050406030204" pitchFamily="18" charset="0"/>
                       </a:rPr>
-                      <m:t>&lt;5</m:t>
+                      <m:t>&gt;2</m:t>
                     </m:r>
                     <m:r>
                       <a:rPr lang="en-US" altLang="zh-CN" i="1">
                         <a:latin typeface="Cambria Math" panose="02040503050406030204" pitchFamily="18" charset="0"/>
                       </a:rPr>
-                      <m:t>0</m:t>
-                    </m:r>
-                    <m:r>
-                      <a:rPr lang="en-US" altLang="zh-CN" i="1">
-                        <a:latin typeface="Cambria Math" panose="02040503050406030204" pitchFamily="18" charset="0"/>
-                      </a:rPr>
-                      <m:t>0</m:t>
+                      <m:t>00</m:t>
                     </m:r>
                   </m:oMath>
                 </a14:m>
@@ -11005,21 +13816,27 @@
                   <a:t> </a:t>
                 </a:r>
                 <a:r>
-                  <a:rPr lang="en-US" altLang="zh-CN" dirty="0"/>
+                  <a:rPr lang="en-US" altLang="zh-CN" dirty="0" smtClean="0"/>
                   <a:t>:</a:t>
                 </a:r>
               </a:p>
               <a:p>
-                <a:pPr marL="384048" lvl="2" indent="0">
-                  <a:buNone/>
-                </a:pPr>
+                <a:pPr marL="658368" lvl="2"/>
                 <a:r>
-                  <a:rPr lang="en-US" altLang="zh-CN" dirty="0"/>
-                  <a:t>	</a:t>
+                  <a:rPr lang="en-US" altLang="zh-CN" dirty="0" smtClean="0"/>
+                  <a:t>Super Gaussian;</a:t>
+                </a:r>
+                <a:endParaRPr lang="en-US" altLang="zh-CN" dirty="0"/>
+              </a:p>
+              <a:p>
+                <a:pPr marL="658368" lvl="2"/>
+                <a:r>
+                  <a:rPr lang="en-US" altLang="zh-CN" dirty="0" smtClean="0"/>
+                  <a:t>Internal intermittency </a:t>
                 </a:r>
                 <a:r>
                   <a:rPr lang="en-US" altLang="zh-CN" dirty="0"/>
-                  <a:t> intermittency can be observed in inertial subrange. </a:t>
+                  <a:t>can be observed in inertial subrange. </a:t>
                 </a:r>
                 <a:endParaRPr lang="zh-CN" altLang="en-US" dirty="0"/>
               </a:p>
@@ -11037,8 +13854,8 @@
             </p:nvSpPr>
             <p:spPr>
               <a:xfrm>
-                <a:off x="964223" y="2722063"/>
-                <a:ext cx="3874313" cy="1754326"/>
+                <a:off x="915702" y="2658536"/>
+                <a:ext cx="3874313" cy="2308324"/>
               </a:xfrm>
               <a:prstGeom prst="rect">
                 <a:avLst/>
@@ -11046,7 +13863,7 @@
               <a:blipFill>
                 <a:blip r:embed="rId4"/>
                 <a:stretch>
-                  <a:fillRect t="-2091" b="-4878"/>
+                  <a:fillRect t="-1319" b="-3166"/>
                 </a:stretch>
               </a:blipFill>
             </p:spPr>
@@ -11065,6 +13882,409 @@
           </p:sp>
         </mc:Fallback>
       </mc:AlternateContent>
+      <p:sp>
+        <p:nvSpPr>
+          <p:cNvPr id="7" name="椭圆 6"/>
+          <p:cNvSpPr/>
+          <p:nvPr/>
+        </p:nvSpPr>
+        <p:spPr>
+          <a:xfrm>
+            <a:off x="5625317" y="3949476"/>
+            <a:ext cx="696351" cy="1573823"/>
+          </a:xfrm>
+          <a:prstGeom prst="ellipse">
+            <a:avLst/>
+          </a:prstGeom>
+          <a:solidFill>
+            <a:schemeClr val="accent5">
+              <a:alpha val="50000"/>
+            </a:schemeClr>
+          </a:solidFill>
+          <a:ln>
+            <a:noFill/>
+          </a:ln>
+        </p:spPr>
+        <p:style>
+          <a:lnRef idx="0">
+            <a:scrgbClr r="0" g="0" b="0"/>
+          </a:lnRef>
+          <a:fillRef idx="0">
+            <a:scrgbClr r="0" g="0" b="0"/>
+          </a:fillRef>
+          <a:effectRef idx="0">
+            <a:scrgbClr r="0" g="0" b="0"/>
+          </a:effectRef>
+          <a:fontRef idx="minor">
+            <a:schemeClr val="lt1"/>
+          </a:fontRef>
+        </p:style>
+        <p:txBody>
+          <a:bodyPr rtlCol="0" anchor="ctr"/>
+          <a:lstStyle/>
+          <a:p>
+            <a:pPr algn="ctr"/>
+            <a:endParaRPr lang="zh-CN" altLang="en-US"/>
+          </a:p>
+        </p:txBody>
+      </p:sp>
+      <p:sp>
+        <p:nvSpPr>
+          <p:cNvPr id="8" name="文本框 7"/>
+          <p:cNvSpPr txBox="1"/>
+          <p:nvPr/>
+        </p:nvSpPr>
+        <p:spPr>
+          <a:xfrm>
+            <a:off x="4066484" y="6000695"/>
+            <a:ext cx="4743407" cy="369332"/>
+          </a:xfrm>
+          <a:prstGeom prst="rect">
+            <a:avLst/>
+          </a:prstGeom>
+          <a:noFill/>
+        </p:spPr>
+        <p:txBody>
+          <a:bodyPr wrap="square" rtlCol="0">
+            <a:spAutoFit/>
+          </a:bodyPr>
+          <a:lstStyle/>
+          <a:p>
+            <a:r>
+              <a:rPr lang="en-US" altLang="zh-CN" dirty="0" smtClean="0"/>
+              <a:t>Due to internal intermittency predicted by K62.</a:t>
+            </a:r>
+            <a:endParaRPr lang="zh-CN" altLang="en-US" dirty="0"/>
+          </a:p>
+        </p:txBody>
+      </p:sp>
+      <p:cxnSp>
+        <p:nvCxnSpPr>
+          <p:cNvPr id="10" name="直接箭头连接符 9"/>
+          <p:cNvCxnSpPr>
+            <a:stCxn id="7" idx="3"/>
+          </p:cNvCxnSpPr>
+          <p:nvPr/>
+        </p:nvCxnSpPr>
+        <p:spPr>
+          <a:xfrm flipH="1">
+            <a:off x="5556738" y="5292818"/>
+            <a:ext cx="170557" cy="707877"/>
+          </a:xfrm>
+          <a:prstGeom prst="straightConnector1">
+            <a:avLst/>
+          </a:prstGeom>
+          <a:ln>
+            <a:tailEnd type="triangle"/>
+          </a:ln>
+        </p:spPr>
+        <p:style>
+          <a:lnRef idx="1">
+            <a:schemeClr val="accent1"/>
+          </a:lnRef>
+          <a:fillRef idx="0">
+            <a:schemeClr val="accent1"/>
+          </a:fillRef>
+          <a:effectRef idx="0">
+            <a:schemeClr val="accent1"/>
+          </a:effectRef>
+          <a:fontRef idx="minor">
+            <a:schemeClr val="tx1"/>
+          </a:fontRef>
+        </p:style>
+      </p:cxnSp>
+      <p:sp>
+        <p:nvSpPr>
+          <p:cNvPr id="11" name="椭圆 10"/>
+          <p:cNvSpPr/>
+          <p:nvPr/>
+        </p:nvSpPr>
+        <p:spPr>
+          <a:xfrm>
+            <a:off x="9596853" y="2699238"/>
+            <a:ext cx="317322" cy="914400"/>
+          </a:xfrm>
+          <a:prstGeom prst="ellipse">
+            <a:avLst/>
+          </a:prstGeom>
+          <a:solidFill>
+            <a:schemeClr val="accent5">
+              <a:alpha val="50000"/>
+            </a:schemeClr>
+          </a:solidFill>
+          <a:ln>
+            <a:noFill/>
+          </a:ln>
+        </p:spPr>
+        <p:style>
+          <a:lnRef idx="0">
+            <a:scrgbClr r="0" g="0" b="0"/>
+          </a:lnRef>
+          <a:fillRef idx="0">
+            <a:scrgbClr r="0" g="0" b="0"/>
+          </a:fillRef>
+          <a:effectRef idx="0">
+            <a:scrgbClr r="0" g="0" b="0"/>
+          </a:effectRef>
+          <a:fontRef idx="minor">
+            <a:schemeClr val="lt1"/>
+          </a:fontRef>
+        </p:style>
+        <p:txBody>
+          <a:bodyPr rtlCol="0" anchor="ctr"/>
+          <a:lstStyle/>
+          <a:p>
+            <a:pPr algn="ctr"/>
+            <a:endParaRPr lang="zh-CN" altLang="en-US"/>
+          </a:p>
+        </p:txBody>
+      </p:sp>
+      <p:cxnSp>
+        <p:nvCxnSpPr>
+          <p:cNvPr id="12" name="直接箭头连接符 11"/>
+          <p:cNvCxnSpPr/>
+          <p:nvPr/>
+        </p:nvCxnSpPr>
+        <p:spPr>
+          <a:xfrm flipH="1" flipV="1">
+            <a:off x="8809892" y="2229711"/>
+            <a:ext cx="786961" cy="679145"/>
+          </a:xfrm>
+          <a:prstGeom prst="straightConnector1">
+            <a:avLst/>
+          </a:prstGeom>
+          <a:ln>
+            <a:tailEnd type="triangle"/>
+          </a:ln>
+        </p:spPr>
+        <p:style>
+          <a:lnRef idx="1">
+            <a:schemeClr val="accent1"/>
+          </a:lnRef>
+          <a:fillRef idx="0">
+            <a:schemeClr val="accent1"/>
+          </a:fillRef>
+          <a:effectRef idx="0">
+            <a:schemeClr val="accent1"/>
+          </a:effectRef>
+          <a:fontRef idx="minor">
+            <a:schemeClr val="tx1"/>
+          </a:fontRef>
+        </p:style>
+      </p:cxnSp>
+      <p:sp>
+        <p:nvSpPr>
+          <p:cNvPr id="14" name="文本框 13"/>
+          <p:cNvSpPr txBox="1"/>
+          <p:nvPr/>
+        </p:nvSpPr>
+        <p:spPr>
+          <a:xfrm>
+            <a:off x="7816361" y="1906546"/>
+            <a:ext cx="1116623" cy="369332"/>
+          </a:xfrm>
+          <a:prstGeom prst="rect">
+            <a:avLst/>
+          </a:prstGeom>
+          <a:noFill/>
+        </p:spPr>
+        <p:txBody>
+          <a:bodyPr wrap="square" rtlCol="0">
+            <a:spAutoFit/>
+          </a:bodyPr>
+          <a:lstStyle/>
+          <a:p>
+            <a:r>
+              <a:rPr lang="en-US" altLang="zh-CN" dirty="0" smtClean="0"/>
+              <a:t>Gaussian</a:t>
+            </a:r>
+            <a:endParaRPr lang="zh-CN" altLang="en-US" dirty="0"/>
+          </a:p>
+        </p:txBody>
+      </p:sp>
+      <mc:AlternateContent xmlns:mc="http://schemas.openxmlformats.org/markup-compatibility/2006">
+        <mc:Choice xmlns:a14="http://schemas.microsoft.com/office/drawing/2010/main" Requires="a14">
+          <p:sp>
+            <p:nvSpPr>
+              <p:cNvPr id="16" name="文本框 15"/>
+              <p:cNvSpPr txBox="1"/>
+              <p:nvPr/>
+            </p:nvSpPr>
+            <p:spPr>
+              <a:xfrm>
+                <a:off x="1159365" y="5185178"/>
+                <a:ext cx="3084798" cy="646331"/>
+              </a:xfrm>
+              <a:prstGeom prst="rect">
+                <a:avLst/>
+              </a:prstGeom>
+              <a:noFill/>
+            </p:spPr>
+            <p:txBody>
+              <a:bodyPr wrap="square" rtlCol="0">
+                <a:spAutoFit/>
+              </a:bodyPr>
+              <a:lstStyle/>
+              <a:p>
+                <a:r>
+                  <a:rPr lang="en-US" altLang="zh-CN" dirty="0" smtClean="0"/>
+                  <a:t>Indicating </a:t>
+                </a:r>
+                <a:r>
+                  <a:rPr lang="en-US" altLang="zh-CN" dirty="0" smtClean="0">
+                    <a:solidFill>
+                      <a:srgbClr val="FF0000"/>
+                    </a:solidFill>
+                  </a:rPr>
+                  <a:t>transition</a:t>
+                </a:r>
+                <a:r>
+                  <a:rPr lang="en-US" altLang="zh-CN" dirty="0" smtClean="0"/>
+                  <a:t> between </a:t>
+                </a:r>
+                <a14:m>
+                  <m:oMath xmlns:m="http://schemas.openxmlformats.org/officeDocument/2006/math">
+                    <m:r>
+                      <a:rPr lang="en-US" altLang="zh-CN" b="0" i="1" smtClean="0">
+                        <a:latin typeface="Cambria Math" panose="02040503050406030204" pitchFamily="18" charset="0"/>
+                      </a:rPr>
+                      <m:t>100&lt;</m:t>
+                    </m:r>
+                    <m:r>
+                      <a:rPr lang="en-US" altLang="zh-CN" b="0" i="1" smtClean="0">
+                        <a:latin typeface="Cambria Math" panose="02040503050406030204" pitchFamily="18" charset="0"/>
+                      </a:rPr>
+                      <m:t>𝑅</m:t>
+                    </m:r>
+                    <m:sSub>
+                      <m:sSubPr>
+                        <m:ctrlPr>
+                          <a:rPr lang="en-US" altLang="zh-CN" b="0" i="1" smtClean="0">
+                            <a:latin typeface="Cambria Math" panose="02040503050406030204" pitchFamily="18" charset="0"/>
+                          </a:rPr>
+                        </m:ctrlPr>
+                      </m:sSubPr>
+                      <m:e>
+                        <m:r>
+                          <a:rPr lang="en-US" altLang="zh-CN" b="0" i="1" smtClean="0">
+                            <a:latin typeface="Cambria Math" panose="02040503050406030204" pitchFamily="18" charset="0"/>
+                          </a:rPr>
+                          <m:t>𝑒</m:t>
+                        </m:r>
+                      </m:e>
+                      <m:sub>
+                        <m:r>
+                          <a:rPr lang="en-US" altLang="zh-CN" b="0" i="1" smtClean="0">
+                            <a:latin typeface="Cambria Math" panose="02040503050406030204" pitchFamily="18" charset="0"/>
+                          </a:rPr>
+                          <m:t>𝜆</m:t>
+                        </m:r>
+                      </m:sub>
+                    </m:sSub>
+                    <m:r>
+                      <a:rPr lang="en-US" altLang="zh-CN" b="0" i="1" smtClean="0">
+                        <a:latin typeface="Cambria Math" panose="02040503050406030204" pitchFamily="18" charset="0"/>
+                      </a:rPr>
+                      <m:t>&lt;200</m:t>
+                    </m:r>
+                  </m:oMath>
+                </a14:m>
+                <a:r>
+                  <a:rPr lang="en-US" altLang="zh-CN" dirty="0" smtClean="0"/>
+                  <a:t>!</a:t>
+                </a:r>
+                <a:endParaRPr lang="zh-CN" altLang="en-US" dirty="0"/>
+              </a:p>
+            </p:txBody>
+          </p:sp>
+        </mc:Choice>
+        <mc:Fallback>
+          <p:sp>
+            <p:nvSpPr>
+              <p:cNvPr id="16" name="文本框 15"/>
+              <p:cNvSpPr txBox="1">
+                <a:spLocks noRot="1" noChangeAspect="1" noMove="1" noResize="1" noEditPoints="1" noAdjustHandles="1" noChangeArrowheads="1" noChangeShapeType="1" noTextEdit="1"/>
+              </p:cNvSpPr>
+              <p:nvPr/>
+            </p:nvSpPr>
+            <p:spPr>
+              <a:xfrm>
+                <a:off x="1159365" y="5185178"/>
+                <a:ext cx="3084798" cy="646331"/>
+              </a:xfrm>
+              <a:prstGeom prst="rect">
+                <a:avLst/>
+              </a:prstGeom>
+              <a:blipFill>
+                <a:blip r:embed="rId5"/>
+                <a:stretch>
+                  <a:fillRect l="-1581" t="-5660" b="-14151"/>
+                </a:stretch>
+              </a:blipFill>
+            </p:spPr>
+            <p:txBody>
+              <a:bodyPr/>
+              <a:lstStyle/>
+              <a:p>
+                <a:r>
+                  <a:rPr lang="zh-CN" altLang="en-US">
+                    <a:noFill/>
+                  </a:rPr>
+                  <a:t> </a:t>
+                </a:r>
+              </a:p>
+            </p:txBody>
+          </p:sp>
+        </mc:Fallback>
+      </mc:AlternateContent>
+      <p:sp>
+        <p:nvSpPr>
+          <p:cNvPr id="18" name="矩形 17"/>
+          <p:cNvSpPr/>
+          <p:nvPr/>
+        </p:nvSpPr>
+        <p:spPr>
+          <a:xfrm>
+            <a:off x="1159365" y="5185178"/>
+            <a:ext cx="2907119" cy="646331"/>
+          </a:xfrm>
+          <a:prstGeom prst="rect">
+            <a:avLst/>
+          </a:prstGeom>
+          <a:noFill/>
+          <a:ln w="9525" cap="flat" cmpd="sng" algn="ctr">
+            <a:solidFill>
+              <a:schemeClr val="accent3"/>
+            </a:solidFill>
+            <a:prstDash val="solid"/>
+            <a:round/>
+            <a:headEnd type="none" w="med" len="med"/>
+            <a:tailEnd type="none" w="med" len="med"/>
+          </a:ln>
+        </p:spPr>
+        <p:style>
+          <a:lnRef idx="0">
+            <a:scrgbClr r="0" g="0" b="0"/>
+          </a:lnRef>
+          <a:fillRef idx="0">
+            <a:scrgbClr r="0" g="0" b="0"/>
+          </a:fillRef>
+          <a:effectRef idx="0">
+            <a:scrgbClr r="0" g="0" b="0"/>
+          </a:effectRef>
+          <a:fontRef idx="minor">
+            <a:schemeClr val="accent3"/>
+          </a:fontRef>
+        </p:style>
+        <p:txBody>
+          <a:bodyPr rtlCol="0" anchor="ctr"/>
+          <a:lstStyle/>
+          <a:p>
+            <a:pPr algn="ctr"/>
+            <a:endParaRPr lang="zh-CN" altLang="en-US"/>
+          </a:p>
+        </p:txBody>
+      </p:sp>
     </p:spTree>
     <p:extLst>
       <p:ext uri="{BB962C8B-B14F-4D97-AF65-F5344CB8AC3E}">
@@ -11078,9 +14298,1443 @@
   <p:timing>
     <p:tnLst>
       <p:par>
-        <p:cTn id="1" dur="indefinite" restart="never" nodeType="tmRoot"/>
+        <p:cTn id="1" dur="indefinite" restart="never" nodeType="tmRoot">
+          <p:childTnLst>
+            <p:seq concurrent="1" nextAc="seek">
+              <p:cTn id="2" dur="indefinite" nodeType="mainSeq">
+                <p:childTnLst>
+                  <p:par>
+                    <p:cTn id="3" fill="hold">
+                      <p:stCondLst>
+                        <p:cond delay="indefinite"/>
+                      </p:stCondLst>
+                      <p:childTnLst>
+                        <p:par>
+                          <p:cTn id="4" fill="hold">
+                            <p:stCondLst>
+                              <p:cond delay="0"/>
+                            </p:stCondLst>
+                            <p:childTnLst>
+                              <p:par>
+                                <p:cTn id="5" presetID="42" presetClass="entr" presetSubtype="0" fill="hold" nodeType="clickEffect">
+                                  <p:stCondLst>
+                                    <p:cond delay="0"/>
+                                  </p:stCondLst>
+                                  <p:childTnLst>
+                                    <p:set>
+                                      <p:cBhvr>
+                                        <p:cTn id="6" dur="1" fill="hold">
+                                          <p:stCondLst>
+                                            <p:cond delay="0"/>
+                                          </p:stCondLst>
+                                        </p:cTn>
+                                        <p:tgtEl>
+                                          <p:spTgt spid="2"/>
+                                        </p:tgtEl>
+                                        <p:attrNameLst>
+                                          <p:attrName>style.visibility</p:attrName>
+                                        </p:attrNameLst>
+                                      </p:cBhvr>
+                                      <p:to>
+                                        <p:strVal val="visible"/>
+                                      </p:to>
+                                    </p:set>
+                                    <p:animEffect transition="in" filter="fade">
+                                      <p:cBhvr>
+                                        <p:cTn id="7" dur="1000"/>
+                                        <p:tgtEl>
+                                          <p:spTgt spid="2"/>
+                                        </p:tgtEl>
+                                      </p:cBhvr>
+                                    </p:animEffect>
+                                    <p:anim calcmode="lin" valueType="num">
+                                      <p:cBhvr>
+                                        <p:cTn id="8" dur="1000" fill="hold"/>
+                                        <p:tgtEl>
+                                          <p:spTgt spid="2"/>
+                                        </p:tgtEl>
+                                        <p:attrNameLst>
+                                          <p:attrName>ppt_x</p:attrName>
+                                        </p:attrNameLst>
+                                      </p:cBhvr>
+                                      <p:tavLst>
+                                        <p:tav tm="0">
+                                          <p:val>
+                                            <p:strVal val="#ppt_x"/>
+                                          </p:val>
+                                        </p:tav>
+                                        <p:tav tm="100000">
+                                          <p:val>
+                                            <p:strVal val="#ppt_x"/>
+                                          </p:val>
+                                        </p:tav>
+                                      </p:tavLst>
+                                    </p:anim>
+                                    <p:anim calcmode="lin" valueType="num">
+                                      <p:cBhvr>
+                                        <p:cTn id="9" dur="1000" fill="hold"/>
+                                        <p:tgtEl>
+                                          <p:spTgt spid="2"/>
+                                        </p:tgtEl>
+                                        <p:attrNameLst>
+                                          <p:attrName>ppt_y</p:attrName>
+                                        </p:attrNameLst>
+                                      </p:cBhvr>
+                                      <p:tavLst>
+                                        <p:tav tm="0">
+                                          <p:val>
+                                            <p:strVal val="#ppt_y+.1"/>
+                                          </p:val>
+                                        </p:tav>
+                                        <p:tav tm="100000">
+                                          <p:val>
+                                            <p:strVal val="#ppt_y"/>
+                                          </p:val>
+                                        </p:tav>
+                                      </p:tavLst>
+                                    </p:anim>
+                                  </p:childTnLst>
+                                </p:cTn>
+                              </p:par>
+                            </p:childTnLst>
+                          </p:cTn>
+                        </p:par>
+                      </p:childTnLst>
+                    </p:cTn>
+                  </p:par>
+                  <p:par>
+                    <p:cTn id="10" fill="hold">
+                      <p:stCondLst>
+                        <p:cond delay="indefinite"/>
+                      </p:stCondLst>
+                      <p:childTnLst>
+                        <p:par>
+                          <p:cTn id="11" fill="hold">
+                            <p:stCondLst>
+                              <p:cond delay="0"/>
+                            </p:stCondLst>
+                            <p:childTnLst>
+                              <p:par>
+                                <p:cTn id="12" presetID="42" presetClass="entr" presetSubtype="0" fill="hold" nodeType="clickEffect">
+                                  <p:stCondLst>
+                                    <p:cond delay="0"/>
+                                  </p:stCondLst>
+                                  <p:childTnLst>
+                                    <p:set>
+                                      <p:cBhvr>
+                                        <p:cTn id="13" dur="1" fill="hold">
+                                          <p:stCondLst>
+                                            <p:cond delay="0"/>
+                                          </p:stCondLst>
+                                        </p:cTn>
+                                        <p:tgtEl>
+                                          <p:spTgt spid="6">
+                                            <p:txEl>
+                                              <p:pRg st="0" end="0"/>
+                                            </p:txEl>
+                                          </p:spTgt>
+                                        </p:tgtEl>
+                                        <p:attrNameLst>
+                                          <p:attrName>style.visibility</p:attrName>
+                                        </p:attrNameLst>
+                                      </p:cBhvr>
+                                      <p:to>
+                                        <p:strVal val="visible"/>
+                                      </p:to>
+                                    </p:set>
+                                    <p:animEffect transition="in" filter="fade">
+                                      <p:cBhvr>
+                                        <p:cTn id="14" dur="1000"/>
+                                        <p:tgtEl>
+                                          <p:spTgt spid="6">
+                                            <p:txEl>
+                                              <p:pRg st="0" end="0"/>
+                                            </p:txEl>
+                                          </p:spTgt>
+                                        </p:tgtEl>
+                                      </p:cBhvr>
+                                    </p:animEffect>
+                                    <p:anim calcmode="lin" valueType="num">
+                                      <p:cBhvr>
+                                        <p:cTn id="15" dur="1000" fill="hold"/>
+                                        <p:tgtEl>
+                                          <p:spTgt spid="6">
+                                            <p:txEl>
+                                              <p:pRg st="0" end="0"/>
+                                            </p:txEl>
+                                          </p:spTgt>
+                                        </p:tgtEl>
+                                        <p:attrNameLst>
+                                          <p:attrName>ppt_x</p:attrName>
+                                        </p:attrNameLst>
+                                      </p:cBhvr>
+                                      <p:tavLst>
+                                        <p:tav tm="0">
+                                          <p:val>
+                                            <p:strVal val="#ppt_x"/>
+                                          </p:val>
+                                        </p:tav>
+                                        <p:tav tm="100000">
+                                          <p:val>
+                                            <p:strVal val="#ppt_x"/>
+                                          </p:val>
+                                        </p:tav>
+                                      </p:tavLst>
+                                    </p:anim>
+                                    <p:anim calcmode="lin" valueType="num">
+                                      <p:cBhvr>
+                                        <p:cTn id="16" dur="1000" fill="hold"/>
+                                        <p:tgtEl>
+                                          <p:spTgt spid="6">
+                                            <p:txEl>
+                                              <p:pRg st="0" end="0"/>
+                                            </p:txEl>
+                                          </p:spTgt>
+                                        </p:tgtEl>
+                                        <p:attrNameLst>
+                                          <p:attrName>ppt_y</p:attrName>
+                                        </p:attrNameLst>
+                                      </p:cBhvr>
+                                      <p:tavLst>
+                                        <p:tav tm="0">
+                                          <p:val>
+                                            <p:strVal val="#ppt_y+.1"/>
+                                          </p:val>
+                                        </p:tav>
+                                        <p:tav tm="100000">
+                                          <p:val>
+                                            <p:strVal val="#ppt_y"/>
+                                          </p:val>
+                                        </p:tav>
+                                      </p:tavLst>
+                                    </p:anim>
+                                  </p:childTnLst>
+                                </p:cTn>
+                              </p:par>
+                              <p:par>
+                                <p:cTn id="17" presetID="42" presetClass="entr" presetSubtype="0" fill="hold" nodeType="withEffect">
+                                  <p:stCondLst>
+                                    <p:cond delay="0"/>
+                                  </p:stCondLst>
+                                  <p:childTnLst>
+                                    <p:set>
+                                      <p:cBhvr>
+                                        <p:cTn id="18" dur="1" fill="hold">
+                                          <p:stCondLst>
+                                            <p:cond delay="0"/>
+                                          </p:stCondLst>
+                                        </p:cTn>
+                                        <p:tgtEl>
+                                          <p:spTgt spid="6">
+                                            <p:txEl>
+                                              <p:pRg st="1" end="1"/>
+                                            </p:txEl>
+                                          </p:spTgt>
+                                        </p:tgtEl>
+                                        <p:attrNameLst>
+                                          <p:attrName>style.visibility</p:attrName>
+                                        </p:attrNameLst>
+                                      </p:cBhvr>
+                                      <p:to>
+                                        <p:strVal val="visible"/>
+                                      </p:to>
+                                    </p:set>
+                                    <p:animEffect transition="in" filter="fade">
+                                      <p:cBhvr>
+                                        <p:cTn id="19" dur="1000"/>
+                                        <p:tgtEl>
+                                          <p:spTgt spid="6">
+                                            <p:txEl>
+                                              <p:pRg st="1" end="1"/>
+                                            </p:txEl>
+                                          </p:spTgt>
+                                        </p:tgtEl>
+                                      </p:cBhvr>
+                                    </p:animEffect>
+                                    <p:anim calcmode="lin" valueType="num">
+                                      <p:cBhvr>
+                                        <p:cTn id="20" dur="1000" fill="hold"/>
+                                        <p:tgtEl>
+                                          <p:spTgt spid="6">
+                                            <p:txEl>
+                                              <p:pRg st="1" end="1"/>
+                                            </p:txEl>
+                                          </p:spTgt>
+                                        </p:tgtEl>
+                                        <p:attrNameLst>
+                                          <p:attrName>ppt_x</p:attrName>
+                                        </p:attrNameLst>
+                                      </p:cBhvr>
+                                      <p:tavLst>
+                                        <p:tav tm="0">
+                                          <p:val>
+                                            <p:strVal val="#ppt_x"/>
+                                          </p:val>
+                                        </p:tav>
+                                        <p:tav tm="100000">
+                                          <p:val>
+                                            <p:strVal val="#ppt_x"/>
+                                          </p:val>
+                                        </p:tav>
+                                      </p:tavLst>
+                                    </p:anim>
+                                    <p:anim calcmode="lin" valueType="num">
+                                      <p:cBhvr>
+                                        <p:cTn id="21" dur="1000" fill="hold"/>
+                                        <p:tgtEl>
+                                          <p:spTgt spid="6">
+                                            <p:txEl>
+                                              <p:pRg st="1" end="1"/>
+                                            </p:txEl>
+                                          </p:spTgt>
+                                        </p:tgtEl>
+                                        <p:attrNameLst>
+                                          <p:attrName>ppt_y</p:attrName>
+                                        </p:attrNameLst>
+                                      </p:cBhvr>
+                                      <p:tavLst>
+                                        <p:tav tm="0">
+                                          <p:val>
+                                            <p:strVal val="#ppt_y+.1"/>
+                                          </p:val>
+                                        </p:tav>
+                                        <p:tav tm="100000">
+                                          <p:val>
+                                            <p:strVal val="#ppt_y"/>
+                                          </p:val>
+                                        </p:tav>
+                                      </p:tavLst>
+                                    </p:anim>
+                                  </p:childTnLst>
+                                </p:cTn>
+                              </p:par>
+                              <p:par>
+                                <p:cTn id="22" presetID="42" presetClass="entr" presetSubtype="0" fill="hold" nodeType="withEffect">
+                                  <p:stCondLst>
+                                    <p:cond delay="0"/>
+                                  </p:stCondLst>
+                                  <p:childTnLst>
+                                    <p:set>
+                                      <p:cBhvr>
+                                        <p:cTn id="23" dur="1" fill="hold">
+                                          <p:stCondLst>
+                                            <p:cond delay="0"/>
+                                          </p:stCondLst>
+                                        </p:cTn>
+                                        <p:tgtEl>
+                                          <p:spTgt spid="6">
+                                            <p:txEl>
+                                              <p:pRg st="2" end="2"/>
+                                            </p:txEl>
+                                          </p:spTgt>
+                                        </p:tgtEl>
+                                        <p:attrNameLst>
+                                          <p:attrName>style.visibility</p:attrName>
+                                        </p:attrNameLst>
+                                      </p:cBhvr>
+                                      <p:to>
+                                        <p:strVal val="visible"/>
+                                      </p:to>
+                                    </p:set>
+                                    <p:animEffect transition="in" filter="fade">
+                                      <p:cBhvr>
+                                        <p:cTn id="24" dur="1000"/>
+                                        <p:tgtEl>
+                                          <p:spTgt spid="6">
+                                            <p:txEl>
+                                              <p:pRg st="2" end="2"/>
+                                            </p:txEl>
+                                          </p:spTgt>
+                                        </p:tgtEl>
+                                      </p:cBhvr>
+                                    </p:animEffect>
+                                    <p:anim calcmode="lin" valueType="num">
+                                      <p:cBhvr>
+                                        <p:cTn id="25" dur="1000" fill="hold"/>
+                                        <p:tgtEl>
+                                          <p:spTgt spid="6">
+                                            <p:txEl>
+                                              <p:pRg st="2" end="2"/>
+                                            </p:txEl>
+                                          </p:spTgt>
+                                        </p:tgtEl>
+                                        <p:attrNameLst>
+                                          <p:attrName>ppt_x</p:attrName>
+                                        </p:attrNameLst>
+                                      </p:cBhvr>
+                                      <p:tavLst>
+                                        <p:tav tm="0">
+                                          <p:val>
+                                            <p:strVal val="#ppt_x"/>
+                                          </p:val>
+                                        </p:tav>
+                                        <p:tav tm="100000">
+                                          <p:val>
+                                            <p:strVal val="#ppt_x"/>
+                                          </p:val>
+                                        </p:tav>
+                                      </p:tavLst>
+                                    </p:anim>
+                                    <p:anim calcmode="lin" valueType="num">
+                                      <p:cBhvr>
+                                        <p:cTn id="26" dur="1000" fill="hold"/>
+                                        <p:tgtEl>
+                                          <p:spTgt spid="6">
+                                            <p:txEl>
+                                              <p:pRg st="2" end="2"/>
+                                            </p:txEl>
+                                          </p:spTgt>
+                                        </p:tgtEl>
+                                        <p:attrNameLst>
+                                          <p:attrName>ppt_y</p:attrName>
+                                        </p:attrNameLst>
+                                      </p:cBhvr>
+                                      <p:tavLst>
+                                        <p:tav tm="0">
+                                          <p:val>
+                                            <p:strVal val="#ppt_y+.1"/>
+                                          </p:val>
+                                        </p:tav>
+                                        <p:tav tm="100000">
+                                          <p:val>
+                                            <p:strVal val="#ppt_y"/>
+                                          </p:val>
+                                        </p:tav>
+                                      </p:tavLst>
+                                    </p:anim>
+                                  </p:childTnLst>
+                                </p:cTn>
+                              </p:par>
+                            </p:childTnLst>
+                          </p:cTn>
+                        </p:par>
+                      </p:childTnLst>
+                    </p:cTn>
+                  </p:par>
+                  <p:par>
+                    <p:cTn id="27" fill="hold">
+                      <p:stCondLst>
+                        <p:cond delay="indefinite"/>
+                      </p:stCondLst>
+                      <p:childTnLst>
+                        <p:par>
+                          <p:cTn id="28" fill="hold">
+                            <p:stCondLst>
+                              <p:cond delay="0"/>
+                            </p:stCondLst>
+                            <p:childTnLst>
+                              <p:par>
+                                <p:cTn id="29" presetID="42" presetClass="entr" presetSubtype="0" fill="hold" grpId="0" nodeType="clickEffect">
+                                  <p:stCondLst>
+                                    <p:cond delay="0"/>
+                                  </p:stCondLst>
+                                  <p:childTnLst>
+                                    <p:set>
+                                      <p:cBhvr>
+                                        <p:cTn id="30" dur="1" fill="hold">
+                                          <p:stCondLst>
+                                            <p:cond delay="0"/>
+                                          </p:stCondLst>
+                                        </p:cTn>
+                                        <p:tgtEl>
+                                          <p:spTgt spid="11"/>
+                                        </p:tgtEl>
+                                        <p:attrNameLst>
+                                          <p:attrName>style.visibility</p:attrName>
+                                        </p:attrNameLst>
+                                      </p:cBhvr>
+                                      <p:to>
+                                        <p:strVal val="visible"/>
+                                      </p:to>
+                                    </p:set>
+                                    <p:animEffect transition="in" filter="fade">
+                                      <p:cBhvr>
+                                        <p:cTn id="31" dur="1000"/>
+                                        <p:tgtEl>
+                                          <p:spTgt spid="11"/>
+                                        </p:tgtEl>
+                                      </p:cBhvr>
+                                    </p:animEffect>
+                                    <p:anim calcmode="lin" valueType="num">
+                                      <p:cBhvr>
+                                        <p:cTn id="32" dur="1000" fill="hold"/>
+                                        <p:tgtEl>
+                                          <p:spTgt spid="11"/>
+                                        </p:tgtEl>
+                                        <p:attrNameLst>
+                                          <p:attrName>ppt_x</p:attrName>
+                                        </p:attrNameLst>
+                                      </p:cBhvr>
+                                      <p:tavLst>
+                                        <p:tav tm="0">
+                                          <p:val>
+                                            <p:strVal val="#ppt_x"/>
+                                          </p:val>
+                                        </p:tav>
+                                        <p:tav tm="100000">
+                                          <p:val>
+                                            <p:strVal val="#ppt_x"/>
+                                          </p:val>
+                                        </p:tav>
+                                      </p:tavLst>
+                                    </p:anim>
+                                    <p:anim calcmode="lin" valueType="num">
+                                      <p:cBhvr>
+                                        <p:cTn id="33" dur="1000" fill="hold"/>
+                                        <p:tgtEl>
+                                          <p:spTgt spid="11"/>
+                                        </p:tgtEl>
+                                        <p:attrNameLst>
+                                          <p:attrName>ppt_y</p:attrName>
+                                        </p:attrNameLst>
+                                      </p:cBhvr>
+                                      <p:tavLst>
+                                        <p:tav tm="0">
+                                          <p:val>
+                                            <p:strVal val="#ppt_y+.1"/>
+                                          </p:val>
+                                        </p:tav>
+                                        <p:tav tm="100000">
+                                          <p:val>
+                                            <p:strVal val="#ppt_y"/>
+                                          </p:val>
+                                        </p:tav>
+                                      </p:tavLst>
+                                    </p:anim>
+                                  </p:childTnLst>
+                                </p:cTn>
+                              </p:par>
+                              <p:par>
+                                <p:cTn id="34" presetID="42" presetClass="entr" presetSubtype="0" fill="hold" nodeType="withEffect">
+                                  <p:stCondLst>
+                                    <p:cond delay="0"/>
+                                  </p:stCondLst>
+                                  <p:childTnLst>
+                                    <p:set>
+                                      <p:cBhvr>
+                                        <p:cTn id="35" dur="1" fill="hold">
+                                          <p:stCondLst>
+                                            <p:cond delay="0"/>
+                                          </p:stCondLst>
+                                        </p:cTn>
+                                        <p:tgtEl>
+                                          <p:spTgt spid="12"/>
+                                        </p:tgtEl>
+                                        <p:attrNameLst>
+                                          <p:attrName>style.visibility</p:attrName>
+                                        </p:attrNameLst>
+                                      </p:cBhvr>
+                                      <p:to>
+                                        <p:strVal val="visible"/>
+                                      </p:to>
+                                    </p:set>
+                                    <p:animEffect transition="in" filter="fade">
+                                      <p:cBhvr>
+                                        <p:cTn id="36" dur="1000"/>
+                                        <p:tgtEl>
+                                          <p:spTgt spid="12"/>
+                                        </p:tgtEl>
+                                      </p:cBhvr>
+                                    </p:animEffect>
+                                    <p:anim calcmode="lin" valueType="num">
+                                      <p:cBhvr>
+                                        <p:cTn id="37" dur="1000" fill="hold"/>
+                                        <p:tgtEl>
+                                          <p:spTgt spid="12"/>
+                                        </p:tgtEl>
+                                        <p:attrNameLst>
+                                          <p:attrName>ppt_x</p:attrName>
+                                        </p:attrNameLst>
+                                      </p:cBhvr>
+                                      <p:tavLst>
+                                        <p:tav tm="0">
+                                          <p:val>
+                                            <p:strVal val="#ppt_x"/>
+                                          </p:val>
+                                        </p:tav>
+                                        <p:tav tm="100000">
+                                          <p:val>
+                                            <p:strVal val="#ppt_x"/>
+                                          </p:val>
+                                        </p:tav>
+                                      </p:tavLst>
+                                    </p:anim>
+                                    <p:anim calcmode="lin" valueType="num">
+                                      <p:cBhvr>
+                                        <p:cTn id="38" dur="1000" fill="hold"/>
+                                        <p:tgtEl>
+                                          <p:spTgt spid="12"/>
+                                        </p:tgtEl>
+                                        <p:attrNameLst>
+                                          <p:attrName>ppt_y</p:attrName>
+                                        </p:attrNameLst>
+                                      </p:cBhvr>
+                                      <p:tavLst>
+                                        <p:tav tm="0">
+                                          <p:val>
+                                            <p:strVal val="#ppt_y+.1"/>
+                                          </p:val>
+                                        </p:tav>
+                                        <p:tav tm="100000">
+                                          <p:val>
+                                            <p:strVal val="#ppt_y"/>
+                                          </p:val>
+                                        </p:tav>
+                                      </p:tavLst>
+                                    </p:anim>
+                                  </p:childTnLst>
+                                </p:cTn>
+                              </p:par>
+                              <p:par>
+                                <p:cTn id="39" presetID="42" presetClass="entr" presetSubtype="0" fill="hold" grpId="0" nodeType="withEffect">
+                                  <p:stCondLst>
+                                    <p:cond delay="0"/>
+                                  </p:stCondLst>
+                                  <p:childTnLst>
+                                    <p:set>
+                                      <p:cBhvr>
+                                        <p:cTn id="40" dur="1" fill="hold">
+                                          <p:stCondLst>
+                                            <p:cond delay="0"/>
+                                          </p:stCondLst>
+                                        </p:cTn>
+                                        <p:tgtEl>
+                                          <p:spTgt spid="14"/>
+                                        </p:tgtEl>
+                                        <p:attrNameLst>
+                                          <p:attrName>style.visibility</p:attrName>
+                                        </p:attrNameLst>
+                                      </p:cBhvr>
+                                      <p:to>
+                                        <p:strVal val="visible"/>
+                                      </p:to>
+                                    </p:set>
+                                    <p:animEffect transition="in" filter="fade">
+                                      <p:cBhvr>
+                                        <p:cTn id="41" dur="1000"/>
+                                        <p:tgtEl>
+                                          <p:spTgt spid="14"/>
+                                        </p:tgtEl>
+                                      </p:cBhvr>
+                                    </p:animEffect>
+                                    <p:anim calcmode="lin" valueType="num">
+                                      <p:cBhvr>
+                                        <p:cTn id="42" dur="1000" fill="hold"/>
+                                        <p:tgtEl>
+                                          <p:spTgt spid="14"/>
+                                        </p:tgtEl>
+                                        <p:attrNameLst>
+                                          <p:attrName>ppt_x</p:attrName>
+                                        </p:attrNameLst>
+                                      </p:cBhvr>
+                                      <p:tavLst>
+                                        <p:tav tm="0">
+                                          <p:val>
+                                            <p:strVal val="#ppt_x"/>
+                                          </p:val>
+                                        </p:tav>
+                                        <p:tav tm="100000">
+                                          <p:val>
+                                            <p:strVal val="#ppt_x"/>
+                                          </p:val>
+                                        </p:tav>
+                                      </p:tavLst>
+                                    </p:anim>
+                                    <p:anim calcmode="lin" valueType="num">
+                                      <p:cBhvr>
+                                        <p:cTn id="43" dur="1000" fill="hold"/>
+                                        <p:tgtEl>
+                                          <p:spTgt spid="14"/>
+                                        </p:tgtEl>
+                                        <p:attrNameLst>
+                                          <p:attrName>ppt_y</p:attrName>
+                                        </p:attrNameLst>
+                                      </p:cBhvr>
+                                      <p:tavLst>
+                                        <p:tav tm="0">
+                                          <p:val>
+                                            <p:strVal val="#ppt_y+.1"/>
+                                          </p:val>
+                                        </p:tav>
+                                        <p:tav tm="100000">
+                                          <p:val>
+                                            <p:strVal val="#ppt_y"/>
+                                          </p:val>
+                                        </p:tav>
+                                      </p:tavLst>
+                                    </p:anim>
+                                  </p:childTnLst>
+                                </p:cTn>
+                              </p:par>
+                            </p:childTnLst>
+                          </p:cTn>
+                        </p:par>
+                      </p:childTnLst>
+                    </p:cTn>
+                  </p:par>
+                  <p:par>
+                    <p:cTn id="44" fill="hold">
+                      <p:stCondLst>
+                        <p:cond delay="indefinite"/>
+                      </p:stCondLst>
+                      <p:childTnLst>
+                        <p:par>
+                          <p:cTn id="45" fill="hold">
+                            <p:stCondLst>
+                              <p:cond delay="0"/>
+                            </p:stCondLst>
+                            <p:childTnLst>
+                              <p:par>
+                                <p:cTn id="46" presetID="42" presetClass="entr" presetSubtype="0" fill="hold" nodeType="clickEffect">
+                                  <p:stCondLst>
+                                    <p:cond delay="0"/>
+                                  </p:stCondLst>
+                                  <p:childTnLst>
+                                    <p:set>
+                                      <p:cBhvr>
+                                        <p:cTn id="47" dur="1" fill="hold">
+                                          <p:stCondLst>
+                                            <p:cond delay="0"/>
+                                          </p:stCondLst>
+                                        </p:cTn>
+                                        <p:tgtEl>
+                                          <p:spTgt spid="6">
+                                            <p:txEl>
+                                              <p:pRg st="3" end="3"/>
+                                            </p:txEl>
+                                          </p:spTgt>
+                                        </p:tgtEl>
+                                        <p:attrNameLst>
+                                          <p:attrName>style.visibility</p:attrName>
+                                        </p:attrNameLst>
+                                      </p:cBhvr>
+                                      <p:to>
+                                        <p:strVal val="visible"/>
+                                      </p:to>
+                                    </p:set>
+                                    <p:animEffect transition="in" filter="fade">
+                                      <p:cBhvr>
+                                        <p:cTn id="48" dur="1000"/>
+                                        <p:tgtEl>
+                                          <p:spTgt spid="6">
+                                            <p:txEl>
+                                              <p:pRg st="3" end="3"/>
+                                            </p:txEl>
+                                          </p:spTgt>
+                                        </p:tgtEl>
+                                      </p:cBhvr>
+                                    </p:animEffect>
+                                    <p:anim calcmode="lin" valueType="num">
+                                      <p:cBhvr>
+                                        <p:cTn id="49" dur="1000" fill="hold"/>
+                                        <p:tgtEl>
+                                          <p:spTgt spid="6">
+                                            <p:txEl>
+                                              <p:pRg st="3" end="3"/>
+                                            </p:txEl>
+                                          </p:spTgt>
+                                        </p:tgtEl>
+                                        <p:attrNameLst>
+                                          <p:attrName>ppt_x</p:attrName>
+                                        </p:attrNameLst>
+                                      </p:cBhvr>
+                                      <p:tavLst>
+                                        <p:tav tm="0">
+                                          <p:val>
+                                            <p:strVal val="#ppt_x"/>
+                                          </p:val>
+                                        </p:tav>
+                                        <p:tav tm="100000">
+                                          <p:val>
+                                            <p:strVal val="#ppt_x"/>
+                                          </p:val>
+                                        </p:tav>
+                                      </p:tavLst>
+                                    </p:anim>
+                                    <p:anim calcmode="lin" valueType="num">
+                                      <p:cBhvr>
+                                        <p:cTn id="50" dur="1000" fill="hold"/>
+                                        <p:tgtEl>
+                                          <p:spTgt spid="6">
+                                            <p:txEl>
+                                              <p:pRg st="3" end="3"/>
+                                            </p:txEl>
+                                          </p:spTgt>
+                                        </p:tgtEl>
+                                        <p:attrNameLst>
+                                          <p:attrName>ppt_y</p:attrName>
+                                        </p:attrNameLst>
+                                      </p:cBhvr>
+                                      <p:tavLst>
+                                        <p:tav tm="0">
+                                          <p:val>
+                                            <p:strVal val="#ppt_y+.1"/>
+                                          </p:val>
+                                        </p:tav>
+                                        <p:tav tm="100000">
+                                          <p:val>
+                                            <p:strVal val="#ppt_y"/>
+                                          </p:val>
+                                        </p:tav>
+                                      </p:tavLst>
+                                    </p:anim>
+                                  </p:childTnLst>
+                                </p:cTn>
+                              </p:par>
+                              <p:par>
+                                <p:cTn id="51" presetID="42" presetClass="entr" presetSubtype="0" fill="hold" nodeType="withEffect">
+                                  <p:stCondLst>
+                                    <p:cond delay="0"/>
+                                  </p:stCondLst>
+                                  <p:childTnLst>
+                                    <p:set>
+                                      <p:cBhvr>
+                                        <p:cTn id="52" dur="1" fill="hold">
+                                          <p:stCondLst>
+                                            <p:cond delay="0"/>
+                                          </p:stCondLst>
+                                        </p:cTn>
+                                        <p:tgtEl>
+                                          <p:spTgt spid="6">
+                                            <p:txEl>
+                                              <p:pRg st="4" end="4"/>
+                                            </p:txEl>
+                                          </p:spTgt>
+                                        </p:tgtEl>
+                                        <p:attrNameLst>
+                                          <p:attrName>style.visibility</p:attrName>
+                                        </p:attrNameLst>
+                                      </p:cBhvr>
+                                      <p:to>
+                                        <p:strVal val="visible"/>
+                                      </p:to>
+                                    </p:set>
+                                    <p:animEffect transition="in" filter="fade">
+                                      <p:cBhvr>
+                                        <p:cTn id="53" dur="1000"/>
+                                        <p:tgtEl>
+                                          <p:spTgt spid="6">
+                                            <p:txEl>
+                                              <p:pRg st="4" end="4"/>
+                                            </p:txEl>
+                                          </p:spTgt>
+                                        </p:tgtEl>
+                                      </p:cBhvr>
+                                    </p:animEffect>
+                                    <p:anim calcmode="lin" valueType="num">
+                                      <p:cBhvr>
+                                        <p:cTn id="54" dur="1000" fill="hold"/>
+                                        <p:tgtEl>
+                                          <p:spTgt spid="6">
+                                            <p:txEl>
+                                              <p:pRg st="4" end="4"/>
+                                            </p:txEl>
+                                          </p:spTgt>
+                                        </p:tgtEl>
+                                        <p:attrNameLst>
+                                          <p:attrName>ppt_x</p:attrName>
+                                        </p:attrNameLst>
+                                      </p:cBhvr>
+                                      <p:tavLst>
+                                        <p:tav tm="0">
+                                          <p:val>
+                                            <p:strVal val="#ppt_x"/>
+                                          </p:val>
+                                        </p:tav>
+                                        <p:tav tm="100000">
+                                          <p:val>
+                                            <p:strVal val="#ppt_x"/>
+                                          </p:val>
+                                        </p:tav>
+                                      </p:tavLst>
+                                    </p:anim>
+                                    <p:anim calcmode="lin" valueType="num">
+                                      <p:cBhvr>
+                                        <p:cTn id="55" dur="1000" fill="hold"/>
+                                        <p:tgtEl>
+                                          <p:spTgt spid="6">
+                                            <p:txEl>
+                                              <p:pRg st="4" end="4"/>
+                                            </p:txEl>
+                                          </p:spTgt>
+                                        </p:tgtEl>
+                                        <p:attrNameLst>
+                                          <p:attrName>ppt_y</p:attrName>
+                                        </p:attrNameLst>
+                                      </p:cBhvr>
+                                      <p:tavLst>
+                                        <p:tav tm="0">
+                                          <p:val>
+                                            <p:strVal val="#ppt_y+.1"/>
+                                          </p:val>
+                                        </p:tav>
+                                        <p:tav tm="100000">
+                                          <p:val>
+                                            <p:strVal val="#ppt_y"/>
+                                          </p:val>
+                                        </p:tav>
+                                      </p:tavLst>
+                                    </p:anim>
+                                  </p:childTnLst>
+                                </p:cTn>
+                              </p:par>
+                              <p:par>
+                                <p:cTn id="56" presetID="42" presetClass="entr" presetSubtype="0" fill="hold" nodeType="withEffect">
+                                  <p:stCondLst>
+                                    <p:cond delay="0"/>
+                                  </p:stCondLst>
+                                  <p:childTnLst>
+                                    <p:set>
+                                      <p:cBhvr>
+                                        <p:cTn id="57" dur="1" fill="hold">
+                                          <p:stCondLst>
+                                            <p:cond delay="0"/>
+                                          </p:stCondLst>
+                                        </p:cTn>
+                                        <p:tgtEl>
+                                          <p:spTgt spid="6">
+                                            <p:txEl>
+                                              <p:pRg st="5" end="5"/>
+                                            </p:txEl>
+                                          </p:spTgt>
+                                        </p:tgtEl>
+                                        <p:attrNameLst>
+                                          <p:attrName>style.visibility</p:attrName>
+                                        </p:attrNameLst>
+                                      </p:cBhvr>
+                                      <p:to>
+                                        <p:strVal val="visible"/>
+                                      </p:to>
+                                    </p:set>
+                                    <p:animEffect transition="in" filter="fade">
+                                      <p:cBhvr>
+                                        <p:cTn id="58" dur="1000"/>
+                                        <p:tgtEl>
+                                          <p:spTgt spid="6">
+                                            <p:txEl>
+                                              <p:pRg st="5" end="5"/>
+                                            </p:txEl>
+                                          </p:spTgt>
+                                        </p:tgtEl>
+                                      </p:cBhvr>
+                                    </p:animEffect>
+                                    <p:anim calcmode="lin" valueType="num">
+                                      <p:cBhvr>
+                                        <p:cTn id="59" dur="1000" fill="hold"/>
+                                        <p:tgtEl>
+                                          <p:spTgt spid="6">
+                                            <p:txEl>
+                                              <p:pRg st="5" end="5"/>
+                                            </p:txEl>
+                                          </p:spTgt>
+                                        </p:tgtEl>
+                                        <p:attrNameLst>
+                                          <p:attrName>ppt_x</p:attrName>
+                                        </p:attrNameLst>
+                                      </p:cBhvr>
+                                      <p:tavLst>
+                                        <p:tav tm="0">
+                                          <p:val>
+                                            <p:strVal val="#ppt_x"/>
+                                          </p:val>
+                                        </p:tav>
+                                        <p:tav tm="100000">
+                                          <p:val>
+                                            <p:strVal val="#ppt_x"/>
+                                          </p:val>
+                                        </p:tav>
+                                      </p:tavLst>
+                                    </p:anim>
+                                    <p:anim calcmode="lin" valueType="num">
+                                      <p:cBhvr>
+                                        <p:cTn id="60" dur="1000" fill="hold"/>
+                                        <p:tgtEl>
+                                          <p:spTgt spid="6">
+                                            <p:txEl>
+                                              <p:pRg st="5" end="5"/>
+                                            </p:txEl>
+                                          </p:spTgt>
+                                        </p:tgtEl>
+                                        <p:attrNameLst>
+                                          <p:attrName>ppt_y</p:attrName>
+                                        </p:attrNameLst>
+                                      </p:cBhvr>
+                                      <p:tavLst>
+                                        <p:tav tm="0">
+                                          <p:val>
+                                            <p:strVal val="#ppt_y+.1"/>
+                                          </p:val>
+                                        </p:tav>
+                                        <p:tav tm="100000">
+                                          <p:val>
+                                            <p:strVal val="#ppt_y"/>
+                                          </p:val>
+                                        </p:tav>
+                                      </p:tavLst>
+                                    </p:anim>
+                                  </p:childTnLst>
+                                </p:cTn>
+                              </p:par>
+                            </p:childTnLst>
+                          </p:cTn>
+                        </p:par>
+                      </p:childTnLst>
+                    </p:cTn>
+                  </p:par>
+                  <p:par>
+                    <p:cTn id="61" fill="hold">
+                      <p:stCondLst>
+                        <p:cond delay="indefinite"/>
+                      </p:stCondLst>
+                      <p:childTnLst>
+                        <p:par>
+                          <p:cTn id="62" fill="hold">
+                            <p:stCondLst>
+                              <p:cond delay="0"/>
+                            </p:stCondLst>
+                            <p:childTnLst>
+                              <p:par>
+                                <p:cTn id="63" presetID="42" presetClass="entr" presetSubtype="0" fill="hold" grpId="0" nodeType="clickEffect">
+                                  <p:stCondLst>
+                                    <p:cond delay="0"/>
+                                  </p:stCondLst>
+                                  <p:childTnLst>
+                                    <p:set>
+                                      <p:cBhvr>
+                                        <p:cTn id="64" dur="1" fill="hold">
+                                          <p:stCondLst>
+                                            <p:cond delay="0"/>
+                                          </p:stCondLst>
+                                        </p:cTn>
+                                        <p:tgtEl>
+                                          <p:spTgt spid="7"/>
+                                        </p:tgtEl>
+                                        <p:attrNameLst>
+                                          <p:attrName>style.visibility</p:attrName>
+                                        </p:attrNameLst>
+                                      </p:cBhvr>
+                                      <p:to>
+                                        <p:strVal val="visible"/>
+                                      </p:to>
+                                    </p:set>
+                                    <p:animEffect transition="in" filter="fade">
+                                      <p:cBhvr>
+                                        <p:cTn id="65" dur="1000"/>
+                                        <p:tgtEl>
+                                          <p:spTgt spid="7"/>
+                                        </p:tgtEl>
+                                      </p:cBhvr>
+                                    </p:animEffect>
+                                    <p:anim calcmode="lin" valueType="num">
+                                      <p:cBhvr>
+                                        <p:cTn id="66" dur="1000" fill="hold"/>
+                                        <p:tgtEl>
+                                          <p:spTgt spid="7"/>
+                                        </p:tgtEl>
+                                        <p:attrNameLst>
+                                          <p:attrName>ppt_x</p:attrName>
+                                        </p:attrNameLst>
+                                      </p:cBhvr>
+                                      <p:tavLst>
+                                        <p:tav tm="0">
+                                          <p:val>
+                                            <p:strVal val="#ppt_x"/>
+                                          </p:val>
+                                        </p:tav>
+                                        <p:tav tm="100000">
+                                          <p:val>
+                                            <p:strVal val="#ppt_x"/>
+                                          </p:val>
+                                        </p:tav>
+                                      </p:tavLst>
+                                    </p:anim>
+                                    <p:anim calcmode="lin" valueType="num">
+                                      <p:cBhvr>
+                                        <p:cTn id="67" dur="1000" fill="hold"/>
+                                        <p:tgtEl>
+                                          <p:spTgt spid="7"/>
+                                        </p:tgtEl>
+                                        <p:attrNameLst>
+                                          <p:attrName>ppt_y</p:attrName>
+                                        </p:attrNameLst>
+                                      </p:cBhvr>
+                                      <p:tavLst>
+                                        <p:tav tm="0">
+                                          <p:val>
+                                            <p:strVal val="#ppt_y+.1"/>
+                                          </p:val>
+                                        </p:tav>
+                                        <p:tav tm="100000">
+                                          <p:val>
+                                            <p:strVal val="#ppt_y"/>
+                                          </p:val>
+                                        </p:tav>
+                                      </p:tavLst>
+                                    </p:anim>
+                                  </p:childTnLst>
+                                </p:cTn>
+                              </p:par>
+                              <p:par>
+                                <p:cTn id="68" presetID="42" presetClass="entr" presetSubtype="0" fill="hold" nodeType="withEffect">
+                                  <p:stCondLst>
+                                    <p:cond delay="0"/>
+                                  </p:stCondLst>
+                                  <p:childTnLst>
+                                    <p:set>
+                                      <p:cBhvr>
+                                        <p:cTn id="69" dur="1" fill="hold">
+                                          <p:stCondLst>
+                                            <p:cond delay="0"/>
+                                          </p:stCondLst>
+                                        </p:cTn>
+                                        <p:tgtEl>
+                                          <p:spTgt spid="10"/>
+                                        </p:tgtEl>
+                                        <p:attrNameLst>
+                                          <p:attrName>style.visibility</p:attrName>
+                                        </p:attrNameLst>
+                                      </p:cBhvr>
+                                      <p:to>
+                                        <p:strVal val="visible"/>
+                                      </p:to>
+                                    </p:set>
+                                    <p:animEffect transition="in" filter="fade">
+                                      <p:cBhvr>
+                                        <p:cTn id="70" dur="1000"/>
+                                        <p:tgtEl>
+                                          <p:spTgt spid="10"/>
+                                        </p:tgtEl>
+                                      </p:cBhvr>
+                                    </p:animEffect>
+                                    <p:anim calcmode="lin" valueType="num">
+                                      <p:cBhvr>
+                                        <p:cTn id="71" dur="1000" fill="hold"/>
+                                        <p:tgtEl>
+                                          <p:spTgt spid="10"/>
+                                        </p:tgtEl>
+                                        <p:attrNameLst>
+                                          <p:attrName>ppt_x</p:attrName>
+                                        </p:attrNameLst>
+                                      </p:cBhvr>
+                                      <p:tavLst>
+                                        <p:tav tm="0">
+                                          <p:val>
+                                            <p:strVal val="#ppt_x"/>
+                                          </p:val>
+                                        </p:tav>
+                                        <p:tav tm="100000">
+                                          <p:val>
+                                            <p:strVal val="#ppt_x"/>
+                                          </p:val>
+                                        </p:tav>
+                                      </p:tavLst>
+                                    </p:anim>
+                                    <p:anim calcmode="lin" valueType="num">
+                                      <p:cBhvr>
+                                        <p:cTn id="72" dur="1000" fill="hold"/>
+                                        <p:tgtEl>
+                                          <p:spTgt spid="10"/>
+                                        </p:tgtEl>
+                                        <p:attrNameLst>
+                                          <p:attrName>ppt_y</p:attrName>
+                                        </p:attrNameLst>
+                                      </p:cBhvr>
+                                      <p:tavLst>
+                                        <p:tav tm="0">
+                                          <p:val>
+                                            <p:strVal val="#ppt_y+.1"/>
+                                          </p:val>
+                                        </p:tav>
+                                        <p:tav tm="100000">
+                                          <p:val>
+                                            <p:strVal val="#ppt_y"/>
+                                          </p:val>
+                                        </p:tav>
+                                      </p:tavLst>
+                                    </p:anim>
+                                  </p:childTnLst>
+                                </p:cTn>
+                              </p:par>
+                              <p:par>
+                                <p:cTn id="73" presetID="42" presetClass="entr" presetSubtype="0" fill="hold" grpId="0" nodeType="withEffect">
+                                  <p:stCondLst>
+                                    <p:cond delay="0"/>
+                                  </p:stCondLst>
+                                  <p:childTnLst>
+                                    <p:set>
+                                      <p:cBhvr>
+                                        <p:cTn id="74" dur="1" fill="hold">
+                                          <p:stCondLst>
+                                            <p:cond delay="0"/>
+                                          </p:stCondLst>
+                                        </p:cTn>
+                                        <p:tgtEl>
+                                          <p:spTgt spid="8"/>
+                                        </p:tgtEl>
+                                        <p:attrNameLst>
+                                          <p:attrName>style.visibility</p:attrName>
+                                        </p:attrNameLst>
+                                      </p:cBhvr>
+                                      <p:to>
+                                        <p:strVal val="visible"/>
+                                      </p:to>
+                                    </p:set>
+                                    <p:animEffect transition="in" filter="fade">
+                                      <p:cBhvr>
+                                        <p:cTn id="75" dur="1000"/>
+                                        <p:tgtEl>
+                                          <p:spTgt spid="8"/>
+                                        </p:tgtEl>
+                                      </p:cBhvr>
+                                    </p:animEffect>
+                                    <p:anim calcmode="lin" valueType="num">
+                                      <p:cBhvr>
+                                        <p:cTn id="76" dur="1000" fill="hold"/>
+                                        <p:tgtEl>
+                                          <p:spTgt spid="8"/>
+                                        </p:tgtEl>
+                                        <p:attrNameLst>
+                                          <p:attrName>ppt_x</p:attrName>
+                                        </p:attrNameLst>
+                                      </p:cBhvr>
+                                      <p:tavLst>
+                                        <p:tav tm="0">
+                                          <p:val>
+                                            <p:strVal val="#ppt_x"/>
+                                          </p:val>
+                                        </p:tav>
+                                        <p:tav tm="100000">
+                                          <p:val>
+                                            <p:strVal val="#ppt_x"/>
+                                          </p:val>
+                                        </p:tav>
+                                      </p:tavLst>
+                                    </p:anim>
+                                    <p:anim calcmode="lin" valueType="num">
+                                      <p:cBhvr>
+                                        <p:cTn id="77" dur="1000" fill="hold"/>
+                                        <p:tgtEl>
+                                          <p:spTgt spid="8"/>
+                                        </p:tgtEl>
+                                        <p:attrNameLst>
+                                          <p:attrName>ppt_y</p:attrName>
+                                        </p:attrNameLst>
+                                      </p:cBhvr>
+                                      <p:tavLst>
+                                        <p:tav tm="0">
+                                          <p:val>
+                                            <p:strVal val="#ppt_y+.1"/>
+                                          </p:val>
+                                        </p:tav>
+                                        <p:tav tm="100000">
+                                          <p:val>
+                                            <p:strVal val="#ppt_y"/>
+                                          </p:val>
+                                        </p:tav>
+                                      </p:tavLst>
+                                    </p:anim>
+                                  </p:childTnLst>
+                                </p:cTn>
+                              </p:par>
+                            </p:childTnLst>
+                          </p:cTn>
+                        </p:par>
+                      </p:childTnLst>
+                    </p:cTn>
+                  </p:par>
+                  <p:par>
+                    <p:cTn id="78" fill="hold">
+                      <p:stCondLst>
+                        <p:cond delay="indefinite"/>
+                      </p:stCondLst>
+                      <p:childTnLst>
+                        <p:par>
+                          <p:cTn id="79" fill="hold">
+                            <p:stCondLst>
+                              <p:cond delay="0"/>
+                            </p:stCondLst>
+                            <p:childTnLst>
+                              <p:par>
+                                <p:cTn id="80" presetID="2" presetClass="entr" presetSubtype="4" fill="hold" grpId="0" nodeType="clickEffect">
+                                  <p:stCondLst>
+                                    <p:cond delay="0"/>
+                                  </p:stCondLst>
+                                  <p:childTnLst>
+                                    <p:set>
+                                      <p:cBhvr>
+                                        <p:cTn id="81" dur="1" fill="hold">
+                                          <p:stCondLst>
+                                            <p:cond delay="0"/>
+                                          </p:stCondLst>
+                                        </p:cTn>
+                                        <p:tgtEl>
+                                          <p:spTgt spid="16"/>
+                                        </p:tgtEl>
+                                        <p:attrNameLst>
+                                          <p:attrName>style.visibility</p:attrName>
+                                        </p:attrNameLst>
+                                      </p:cBhvr>
+                                      <p:to>
+                                        <p:strVal val="visible"/>
+                                      </p:to>
+                                    </p:set>
+                                    <p:anim calcmode="lin" valueType="num">
+                                      <p:cBhvr additive="base">
+                                        <p:cTn id="82" dur="500" fill="hold"/>
+                                        <p:tgtEl>
+                                          <p:spTgt spid="16"/>
+                                        </p:tgtEl>
+                                        <p:attrNameLst>
+                                          <p:attrName>ppt_x</p:attrName>
+                                        </p:attrNameLst>
+                                      </p:cBhvr>
+                                      <p:tavLst>
+                                        <p:tav tm="0">
+                                          <p:val>
+                                            <p:strVal val="#ppt_x"/>
+                                          </p:val>
+                                        </p:tav>
+                                        <p:tav tm="100000">
+                                          <p:val>
+                                            <p:strVal val="#ppt_x"/>
+                                          </p:val>
+                                        </p:tav>
+                                      </p:tavLst>
+                                    </p:anim>
+                                    <p:anim calcmode="lin" valueType="num">
+                                      <p:cBhvr additive="base">
+                                        <p:cTn id="83" dur="500" fill="hold"/>
+                                        <p:tgtEl>
+                                          <p:spTgt spid="16"/>
+                                        </p:tgtEl>
+                                        <p:attrNameLst>
+                                          <p:attrName>ppt_y</p:attrName>
+                                        </p:attrNameLst>
+                                      </p:cBhvr>
+                                      <p:tavLst>
+                                        <p:tav tm="0">
+                                          <p:val>
+                                            <p:strVal val="1+#ppt_h/2"/>
+                                          </p:val>
+                                        </p:tav>
+                                        <p:tav tm="100000">
+                                          <p:val>
+                                            <p:strVal val="#ppt_y"/>
+                                          </p:val>
+                                        </p:tav>
+                                      </p:tavLst>
+                                    </p:anim>
+                                  </p:childTnLst>
+                                </p:cTn>
+                              </p:par>
+                              <p:par>
+                                <p:cTn id="84" presetID="2" presetClass="entr" presetSubtype="4" fill="hold" grpId="0" nodeType="withEffect">
+                                  <p:stCondLst>
+                                    <p:cond delay="0"/>
+                                  </p:stCondLst>
+                                  <p:childTnLst>
+                                    <p:set>
+                                      <p:cBhvr>
+                                        <p:cTn id="85" dur="1" fill="hold">
+                                          <p:stCondLst>
+                                            <p:cond delay="0"/>
+                                          </p:stCondLst>
+                                        </p:cTn>
+                                        <p:tgtEl>
+                                          <p:spTgt spid="18"/>
+                                        </p:tgtEl>
+                                        <p:attrNameLst>
+                                          <p:attrName>style.visibility</p:attrName>
+                                        </p:attrNameLst>
+                                      </p:cBhvr>
+                                      <p:to>
+                                        <p:strVal val="visible"/>
+                                      </p:to>
+                                    </p:set>
+                                    <p:anim calcmode="lin" valueType="num">
+                                      <p:cBhvr additive="base">
+                                        <p:cTn id="86" dur="500" fill="hold"/>
+                                        <p:tgtEl>
+                                          <p:spTgt spid="18"/>
+                                        </p:tgtEl>
+                                        <p:attrNameLst>
+                                          <p:attrName>ppt_x</p:attrName>
+                                        </p:attrNameLst>
+                                      </p:cBhvr>
+                                      <p:tavLst>
+                                        <p:tav tm="0">
+                                          <p:val>
+                                            <p:strVal val="#ppt_x"/>
+                                          </p:val>
+                                        </p:tav>
+                                        <p:tav tm="100000">
+                                          <p:val>
+                                            <p:strVal val="#ppt_x"/>
+                                          </p:val>
+                                        </p:tav>
+                                      </p:tavLst>
+                                    </p:anim>
+                                    <p:anim calcmode="lin" valueType="num">
+                                      <p:cBhvr additive="base">
+                                        <p:cTn id="87" dur="500" fill="hold"/>
+                                        <p:tgtEl>
+                                          <p:spTgt spid="18"/>
+                                        </p:tgtEl>
+                                        <p:attrNameLst>
+                                          <p:attrName>ppt_y</p:attrName>
+                                        </p:attrNameLst>
+                                      </p:cBhvr>
+                                      <p:tavLst>
+                                        <p:tav tm="0">
+                                          <p:val>
+                                            <p:strVal val="1+#ppt_h/2"/>
+                                          </p:val>
+                                        </p:tav>
+                                        <p:tav tm="100000">
+                                          <p:val>
+                                            <p:strVal val="#ppt_y"/>
+                                          </p:val>
+                                        </p:tav>
+                                      </p:tavLst>
+                                    </p:anim>
+                                  </p:childTnLst>
+                                </p:cTn>
+                              </p:par>
+                            </p:childTnLst>
+                          </p:cTn>
+                        </p:par>
+                      </p:childTnLst>
+                    </p:cTn>
+                  </p:par>
+                </p:childTnLst>
+              </p:cTn>
+              <p:prevCondLst>
+                <p:cond evt="onPrev" delay="0">
+                  <p:tgtEl>
+                    <p:sldTgt/>
+                  </p:tgtEl>
+                </p:cond>
+              </p:prevCondLst>
+              <p:nextCondLst>
+                <p:cond evt="onNext" delay="0">
+                  <p:tgtEl>
+                    <p:sldTgt/>
+                  </p:tgtEl>
+                </p:cond>
+              </p:nextCondLst>
+            </p:seq>
+          </p:childTnLst>
+        </p:cTn>
       </p:par>
     </p:tnLst>
+    <p:bldLst>
+      <p:bldP spid="7" grpId="0" animBg="1"/>
+      <p:bldP spid="8" grpId="0"/>
+      <p:bldP spid="11" grpId="0" animBg="1"/>
+      <p:bldP spid="14" grpId="0"/>
+      <p:bldP spid="16" grpId="0"/>
+      <p:bldP spid="18" grpId="0" animBg="1"/>
+    </p:bldLst>
   </p:timing>
 </p:sld>
 </file>
@@ -11225,16 +15879,555 @@
           </a:prstGeom>
         </p:spPr>
       </p:pic>
+      <mc:AlternateContent xmlns:mc="http://schemas.openxmlformats.org/markup-compatibility/2006">
+        <mc:Choice xmlns:a14="http://schemas.microsoft.com/office/drawing/2010/main" Requires="a14">
+          <p:sp>
+            <p:nvSpPr>
+              <p:cNvPr id="8" name="文本框 7"/>
+              <p:cNvSpPr txBox="1"/>
+              <p:nvPr/>
+            </p:nvSpPr>
+            <p:spPr>
+              <a:xfrm>
+                <a:off x="1097280" y="1906546"/>
+                <a:ext cx="3509889" cy="995529"/>
+              </a:xfrm>
+              <a:prstGeom prst="rect">
+                <a:avLst/>
+              </a:prstGeom>
+              <a:noFill/>
+            </p:spPr>
+            <p:txBody>
+              <a:bodyPr wrap="square" rtlCol="0">
+                <a:spAutoFit/>
+              </a:bodyPr>
+              <a:lstStyle/>
+              <a:p>
+                <a:r>
+                  <a:rPr lang="en-US" altLang="zh-CN" dirty="0" smtClean="0"/>
+                  <a:t>From the statistics of </a:t>
+                </a:r>
+                <a14:m>
+                  <m:oMath xmlns:m="http://schemas.openxmlformats.org/officeDocument/2006/math">
+                    <m:sSup>
+                      <m:sSupPr>
+                        <m:ctrlPr>
+                          <a:rPr lang="en-US" altLang="zh-CN" b="0" i="1" smtClean="0">
+                            <a:solidFill>
+                              <a:srgbClr val="FF0000"/>
+                            </a:solidFill>
+                            <a:latin typeface="Cambria Math" panose="02040503050406030204" pitchFamily="18" charset="0"/>
+                          </a:rPr>
+                        </m:ctrlPr>
+                      </m:sSupPr>
+                      <m:e>
+                        <m:d>
+                          <m:dPr>
+                            <m:ctrlPr>
+                              <a:rPr lang="en-US" altLang="zh-CN" b="0" i="1" smtClean="0">
+                                <a:solidFill>
+                                  <a:srgbClr val="FF0000"/>
+                                </a:solidFill>
+                                <a:latin typeface="Cambria Math" panose="02040503050406030204" pitchFamily="18" charset="0"/>
+                              </a:rPr>
+                            </m:ctrlPr>
+                          </m:dPr>
+                          <m:e>
+                            <m:sSub>
+                              <m:sSubPr>
+                                <m:ctrlPr>
+                                  <a:rPr lang="en-US" altLang="zh-CN" b="0" i="1" smtClean="0">
+                                    <a:solidFill>
+                                      <a:srgbClr val="FF0000"/>
+                                    </a:solidFill>
+                                    <a:latin typeface="Cambria Math" panose="02040503050406030204" pitchFamily="18" charset="0"/>
+                                  </a:rPr>
+                                </m:ctrlPr>
+                              </m:sSubPr>
+                              <m:e>
+                                <m:r>
+                                  <a:rPr lang="en-US" altLang="zh-CN" b="0" i="1" smtClean="0">
+                                    <a:solidFill>
+                                      <a:srgbClr val="FF0000"/>
+                                    </a:solidFill>
+                                    <a:latin typeface="Cambria Math" panose="02040503050406030204" pitchFamily="18" charset="0"/>
+                                  </a:rPr>
+                                  <m:t>𝑟</m:t>
+                                </m:r>
+                              </m:e>
+                              <m:sub>
+                                <m:r>
+                                  <a:rPr lang="en-US" altLang="zh-CN" b="0" i="1" smtClean="0">
+                                    <a:solidFill>
+                                      <a:srgbClr val="FF0000"/>
+                                    </a:solidFill>
+                                    <a:latin typeface="Cambria Math" panose="02040503050406030204" pitchFamily="18" charset="0"/>
+                                  </a:rPr>
+                                  <m:t>𝑎</m:t>
+                                </m:r>
+                              </m:sub>
+                            </m:sSub>
+                            <m:sSubSup>
+                              <m:sSubSupPr>
+                                <m:ctrlPr>
+                                  <a:rPr lang="en-US" altLang="zh-CN" b="0" i="1" smtClean="0">
+                                    <a:solidFill>
+                                      <a:srgbClr val="FF0000"/>
+                                    </a:solidFill>
+                                    <a:latin typeface="Cambria Math" panose="02040503050406030204" pitchFamily="18" charset="0"/>
+                                  </a:rPr>
+                                </m:ctrlPr>
+                              </m:sSubSupPr>
+                              <m:e>
+                                <m:r>
+                                  <a:rPr lang="en-US" altLang="zh-CN" b="0" i="1" smtClean="0">
+                                    <a:solidFill>
+                                      <a:srgbClr val="FF0000"/>
+                                    </a:solidFill>
+                                    <a:latin typeface="Cambria Math" panose="02040503050406030204" pitchFamily="18" charset="0"/>
+                                  </a:rPr>
+                                  <m:t>𝜖</m:t>
+                                </m:r>
+                              </m:e>
+                              <m:sub>
+                                <m:sSub>
+                                  <m:sSubPr>
+                                    <m:ctrlPr>
+                                      <a:rPr lang="en-US" altLang="zh-CN" b="0" i="1" smtClean="0">
+                                        <a:solidFill>
+                                          <a:srgbClr val="FF0000"/>
+                                        </a:solidFill>
+                                        <a:latin typeface="Cambria Math" panose="02040503050406030204" pitchFamily="18" charset="0"/>
+                                      </a:rPr>
+                                    </m:ctrlPr>
+                                  </m:sSubPr>
+                                  <m:e>
+                                    <m:r>
+                                      <a:rPr lang="en-US" altLang="zh-CN" b="0" i="1" smtClean="0">
+                                        <a:solidFill>
+                                          <a:srgbClr val="FF0000"/>
+                                        </a:solidFill>
+                                        <a:latin typeface="Cambria Math" panose="02040503050406030204" pitchFamily="18" charset="0"/>
+                                      </a:rPr>
+                                      <m:t>𝑟</m:t>
+                                    </m:r>
+                                  </m:e>
+                                  <m:sub>
+                                    <m:r>
+                                      <a:rPr lang="en-US" altLang="zh-CN" b="0" i="1" smtClean="0">
+                                        <a:solidFill>
+                                          <a:srgbClr val="FF0000"/>
+                                        </a:solidFill>
+                                        <a:latin typeface="Cambria Math" panose="02040503050406030204" pitchFamily="18" charset="0"/>
+                                      </a:rPr>
+                                      <m:t>𝑎</m:t>
+                                    </m:r>
+                                  </m:sub>
+                                </m:sSub>
+                              </m:sub>
+                              <m:sup>
+                                <m:r>
+                                  <a:rPr lang="en-US" altLang="zh-CN" b="0" i="1" smtClean="0">
+                                    <a:solidFill>
+                                      <a:srgbClr val="FF0000"/>
+                                    </a:solidFill>
+                                    <a:latin typeface="Cambria Math" panose="02040503050406030204" pitchFamily="18" charset="0"/>
+                                  </a:rPr>
+                                  <m:t>11</m:t>
+                                </m:r>
+                              </m:sup>
+                            </m:sSubSup>
+                          </m:e>
+                        </m:d>
+                      </m:e>
+                      <m:sup>
+                        <m:f>
+                          <m:fPr>
+                            <m:ctrlPr>
+                              <a:rPr lang="en-US" altLang="zh-CN" b="0" i="1" smtClean="0">
+                                <a:solidFill>
+                                  <a:srgbClr val="FF0000"/>
+                                </a:solidFill>
+                                <a:latin typeface="Cambria Math" panose="02040503050406030204" pitchFamily="18" charset="0"/>
+                              </a:rPr>
+                            </m:ctrlPr>
+                          </m:fPr>
+                          <m:num>
+                            <m:r>
+                              <a:rPr lang="en-US" altLang="zh-CN" b="0" i="1" smtClean="0">
+                                <a:solidFill>
+                                  <a:srgbClr val="FF0000"/>
+                                </a:solidFill>
+                                <a:latin typeface="Cambria Math" panose="02040503050406030204" pitchFamily="18" charset="0"/>
+                              </a:rPr>
+                              <m:t>1</m:t>
+                            </m:r>
+                          </m:num>
+                          <m:den>
+                            <m:r>
+                              <a:rPr lang="en-US" altLang="zh-CN" b="0" i="1" smtClean="0">
+                                <a:solidFill>
+                                  <a:srgbClr val="FF0000"/>
+                                </a:solidFill>
+                                <a:latin typeface="Cambria Math" panose="02040503050406030204" pitchFamily="18" charset="0"/>
+                              </a:rPr>
+                              <m:t>3</m:t>
+                            </m:r>
+                          </m:den>
+                        </m:f>
+                      </m:sup>
+                    </m:sSup>
+                  </m:oMath>
+                </a14:m>
+                <a:r>
+                  <a:rPr lang="en-US" altLang="zh-CN" dirty="0" smtClean="0"/>
+                  <a:t> and </a:t>
+                </a:r>
+                <a14:m>
+                  <m:oMath xmlns:m="http://schemas.openxmlformats.org/officeDocument/2006/math">
+                    <m:sSup>
+                      <m:sSupPr>
+                        <m:ctrlPr>
+                          <a:rPr lang="en-US" altLang="zh-CN" i="1" smtClean="0">
+                            <a:solidFill>
+                              <a:srgbClr val="FF0000"/>
+                            </a:solidFill>
+                            <a:latin typeface="Cambria Math" panose="02040503050406030204" pitchFamily="18" charset="0"/>
+                          </a:rPr>
+                        </m:ctrlPr>
+                      </m:sSupPr>
+                      <m:e>
+                        <m:d>
+                          <m:dPr>
+                            <m:ctrlPr>
+                              <a:rPr lang="en-US" altLang="zh-CN" i="1">
+                                <a:solidFill>
+                                  <a:srgbClr val="FF0000"/>
+                                </a:solidFill>
+                                <a:latin typeface="Cambria Math" panose="02040503050406030204" pitchFamily="18" charset="0"/>
+                              </a:rPr>
+                            </m:ctrlPr>
+                          </m:dPr>
+                          <m:e>
+                            <m:sSub>
+                              <m:sSubPr>
+                                <m:ctrlPr>
+                                  <a:rPr lang="en-US" altLang="zh-CN" i="1">
+                                    <a:solidFill>
+                                      <a:srgbClr val="FF0000"/>
+                                    </a:solidFill>
+                                    <a:latin typeface="Cambria Math" panose="02040503050406030204" pitchFamily="18" charset="0"/>
+                                  </a:rPr>
+                                </m:ctrlPr>
+                              </m:sSubPr>
+                              <m:e>
+                                <m:r>
+                                  <a:rPr lang="en-US" altLang="zh-CN" i="1">
+                                    <a:solidFill>
+                                      <a:srgbClr val="FF0000"/>
+                                    </a:solidFill>
+                                    <a:latin typeface="Cambria Math" panose="02040503050406030204" pitchFamily="18" charset="0"/>
+                                  </a:rPr>
+                                  <m:t>𝑟</m:t>
+                                </m:r>
+                              </m:e>
+                              <m:sub>
+                                <m:r>
+                                  <a:rPr lang="en-US" altLang="zh-CN" i="1">
+                                    <a:solidFill>
+                                      <a:srgbClr val="FF0000"/>
+                                    </a:solidFill>
+                                    <a:latin typeface="Cambria Math" panose="02040503050406030204" pitchFamily="18" charset="0"/>
+                                  </a:rPr>
+                                  <m:t>𝑎</m:t>
+                                </m:r>
+                              </m:sub>
+                            </m:sSub>
+                            <m:sSubSup>
+                              <m:sSubSupPr>
+                                <m:ctrlPr>
+                                  <a:rPr lang="en-US" altLang="zh-CN" i="1">
+                                    <a:solidFill>
+                                      <a:srgbClr val="FF0000"/>
+                                    </a:solidFill>
+                                    <a:latin typeface="Cambria Math" panose="02040503050406030204" pitchFamily="18" charset="0"/>
+                                  </a:rPr>
+                                </m:ctrlPr>
+                              </m:sSubSupPr>
+                              <m:e>
+                                <m:r>
+                                  <a:rPr lang="en-US" altLang="zh-CN" i="1">
+                                    <a:solidFill>
+                                      <a:srgbClr val="FF0000"/>
+                                    </a:solidFill>
+                                    <a:latin typeface="Cambria Math" panose="02040503050406030204" pitchFamily="18" charset="0"/>
+                                  </a:rPr>
+                                  <m:t>𝜖</m:t>
+                                </m:r>
+                              </m:e>
+                              <m:sub>
+                                <m:sSub>
+                                  <m:sSubPr>
+                                    <m:ctrlPr>
+                                      <a:rPr lang="en-US" altLang="zh-CN" i="1">
+                                        <a:solidFill>
+                                          <a:srgbClr val="FF0000"/>
+                                        </a:solidFill>
+                                        <a:latin typeface="Cambria Math" panose="02040503050406030204" pitchFamily="18" charset="0"/>
+                                      </a:rPr>
+                                    </m:ctrlPr>
+                                  </m:sSubPr>
+                                  <m:e>
+                                    <m:r>
+                                      <a:rPr lang="en-US" altLang="zh-CN" i="1">
+                                        <a:solidFill>
+                                          <a:srgbClr val="FF0000"/>
+                                        </a:solidFill>
+                                        <a:latin typeface="Cambria Math" panose="02040503050406030204" pitchFamily="18" charset="0"/>
+                                      </a:rPr>
+                                      <m:t>𝑟</m:t>
+                                    </m:r>
+                                  </m:e>
+                                  <m:sub>
+                                    <m:r>
+                                      <a:rPr lang="en-US" altLang="zh-CN" i="1">
+                                        <a:solidFill>
+                                          <a:srgbClr val="FF0000"/>
+                                        </a:solidFill>
+                                        <a:latin typeface="Cambria Math" panose="02040503050406030204" pitchFamily="18" charset="0"/>
+                                      </a:rPr>
+                                      <m:t>𝑎</m:t>
+                                    </m:r>
+                                  </m:sub>
+                                </m:sSub>
+                              </m:sub>
+                              <m:sup>
+                                <m:r>
+                                  <a:rPr lang="en-US" altLang="zh-CN" b="0" i="1" smtClean="0">
+                                    <a:solidFill>
+                                      <a:srgbClr val="FF0000"/>
+                                    </a:solidFill>
+                                    <a:latin typeface="Cambria Math" panose="02040503050406030204" pitchFamily="18" charset="0"/>
+                                  </a:rPr>
+                                  <m:t>2</m:t>
+                                </m:r>
+                                <m:r>
+                                  <a:rPr lang="en-US" altLang="zh-CN" i="1">
+                                    <a:solidFill>
+                                      <a:srgbClr val="FF0000"/>
+                                    </a:solidFill>
+                                    <a:latin typeface="Cambria Math" panose="02040503050406030204" pitchFamily="18" charset="0"/>
+                                  </a:rPr>
+                                  <m:t>1</m:t>
+                                </m:r>
+                              </m:sup>
+                            </m:sSubSup>
+                          </m:e>
+                        </m:d>
+                      </m:e>
+                      <m:sup>
+                        <m:f>
+                          <m:fPr>
+                            <m:ctrlPr>
+                              <a:rPr lang="en-US" altLang="zh-CN" i="1">
+                                <a:solidFill>
+                                  <a:srgbClr val="FF0000"/>
+                                </a:solidFill>
+                                <a:latin typeface="Cambria Math" panose="02040503050406030204" pitchFamily="18" charset="0"/>
+                              </a:rPr>
+                            </m:ctrlPr>
+                          </m:fPr>
+                          <m:num>
+                            <m:r>
+                              <a:rPr lang="en-US" altLang="zh-CN" i="1">
+                                <a:solidFill>
+                                  <a:srgbClr val="FF0000"/>
+                                </a:solidFill>
+                                <a:latin typeface="Cambria Math" panose="02040503050406030204" pitchFamily="18" charset="0"/>
+                              </a:rPr>
+                              <m:t>1</m:t>
+                            </m:r>
+                          </m:num>
+                          <m:den>
+                            <m:r>
+                              <a:rPr lang="en-US" altLang="zh-CN" i="1">
+                                <a:solidFill>
+                                  <a:srgbClr val="FF0000"/>
+                                </a:solidFill>
+                                <a:latin typeface="Cambria Math" panose="02040503050406030204" pitchFamily="18" charset="0"/>
+                              </a:rPr>
+                              <m:t>3</m:t>
+                            </m:r>
+                          </m:den>
+                        </m:f>
+                      </m:sup>
+                    </m:sSup>
+                  </m:oMath>
+                </a14:m>
+                <a:r>
+                  <a:rPr lang="en-US" altLang="zh-CN" dirty="0" smtClean="0"/>
+                  <a:t> conditioned on </a:t>
+                </a:r>
+                <a14:m>
+                  <m:oMath xmlns:m="http://schemas.openxmlformats.org/officeDocument/2006/math">
+                    <m:r>
+                      <m:rPr>
+                        <m:sty m:val="p"/>
+                      </m:rPr>
+                      <a:rPr lang="en-US" altLang="zh-CN">
+                        <a:solidFill>
+                          <a:srgbClr val="FF0000"/>
+                        </a:solidFill>
+                        <a:latin typeface="Cambria Math" panose="02040503050406030204" pitchFamily="18" charset="0"/>
+                      </a:rPr>
+                      <m:t>Δu</m:t>
+                    </m:r>
+                    <m:d>
+                      <m:dPr>
+                        <m:ctrlPr>
+                          <a:rPr lang="en-US" altLang="zh-CN" i="1">
+                            <a:solidFill>
+                              <a:srgbClr val="FF0000"/>
+                            </a:solidFill>
+                            <a:latin typeface="Cambria Math" panose="02040503050406030204" pitchFamily="18" charset="0"/>
+                          </a:rPr>
+                        </m:ctrlPr>
+                      </m:dPr>
+                      <m:e>
+                        <m:sSub>
+                          <m:sSubPr>
+                            <m:ctrlPr>
+                              <a:rPr lang="en-US" altLang="zh-CN" i="1">
+                                <a:solidFill>
+                                  <a:srgbClr val="FF0000"/>
+                                </a:solidFill>
+                                <a:latin typeface="Cambria Math" panose="02040503050406030204" pitchFamily="18" charset="0"/>
+                              </a:rPr>
+                            </m:ctrlPr>
+                          </m:sSubPr>
+                          <m:e>
+                            <m:r>
+                              <m:rPr>
+                                <m:sty m:val="p"/>
+                              </m:rPr>
+                              <a:rPr lang="en-US" altLang="zh-CN">
+                                <a:solidFill>
+                                  <a:srgbClr val="FF0000"/>
+                                </a:solidFill>
+                                <a:latin typeface="Cambria Math" panose="02040503050406030204" pitchFamily="18" charset="0"/>
+                              </a:rPr>
+                              <m:t>r</m:t>
+                            </m:r>
+                          </m:e>
+                          <m:sub>
+                            <m:r>
+                              <m:rPr>
+                                <m:sty m:val="p"/>
+                              </m:rPr>
+                              <a:rPr lang="en-US" altLang="zh-CN">
+                                <a:solidFill>
+                                  <a:srgbClr val="FF0000"/>
+                                </a:solidFill>
+                                <a:latin typeface="Cambria Math" panose="02040503050406030204" pitchFamily="18" charset="0"/>
+                              </a:rPr>
+                              <m:t>a</m:t>
+                            </m:r>
+                          </m:sub>
+                        </m:sSub>
+                      </m:e>
+                    </m:d>
+                  </m:oMath>
+                </a14:m>
+                <a:r>
+                  <a:rPr lang="en-US" altLang="zh-CN" dirty="0" smtClean="0"/>
+                  <a:t>:</a:t>
+                </a:r>
+              </a:p>
+            </p:txBody>
+          </p:sp>
+        </mc:Choice>
+        <mc:Fallback>
+          <p:sp>
+            <p:nvSpPr>
+              <p:cNvPr id="8" name="文本框 7"/>
+              <p:cNvSpPr txBox="1">
+                <a:spLocks noRot="1" noChangeAspect="1" noMove="1" noResize="1" noEditPoints="1" noAdjustHandles="1" noChangeArrowheads="1" noChangeShapeType="1" noTextEdit="1"/>
+              </p:cNvSpPr>
+              <p:nvPr/>
+            </p:nvSpPr>
+            <p:spPr>
+              <a:xfrm>
+                <a:off x="1097280" y="1906546"/>
+                <a:ext cx="3509889" cy="995529"/>
+              </a:xfrm>
+              <a:prstGeom prst="rect">
+                <a:avLst/>
+              </a:prstGeom>
+              <a:blipFill>
+                <a:blip r:embed="rId3"/>
+                <a:stretch>
+                  <a:fillRect l="-1389" b="-6748"/>
+                </a:stretch>
+              </a:blipFill>
+            </p:spPr>
+            <p:txBody>
+              <a:bodyPr/>
+              <a:lstStyle/>
+              <a:p>
+                <a:r>
+                  <a:rPr lang="zh-CN" altLang="en-US">
+                    <a:noFill/>
+                  </a:rPr>
+                  <a:t> </a:t>
+                </a:r>
+              </a:p>
+            </p:txBody>
+          </p:sp>
+        </mc:Fallback>
+      </mc:AlternateContent>
+      <p:cxnSp>
+        <p:nvCxnSpPr>
+          <p:cNvPr id="10" name="直接箭头连接符 9"/>
+          <p:cNvCxnSpPr/>
+          <p:nvPr/>
+        </p:nvCxnSpPr>
+        <p:spPr>
+          <a:xfrm flipH="1" flipV="1">
+            <a:off x="7178825" y="2902075"/>
+            <a:ext cx="509336" cy="719455"/>
+          </a:xfrm>
+          <a:prstGeom prst="straightConnector1">
+            <a:avLst/>
+          </a:prstGeom>
+          <a:ln>
+            <a:tailEnd type="triangle"/>
+          </a:ln>
+        </p:spPr>
+        <p:style>
+          <a:lnRef idx="1">
+            <a:schemeClr val="accent1"/>
+          </a:lnRef>
+          <a:fillRef idx="0">
+            <a:schemeClr val="accent1"/>
+          </a:fillRef>
+          <a:effectRef idx="0">
+            <a:schemeClr val="accent1"/>
+          </a:effectRef>
+          <a:fontRef idx="minor">
+            <a:schemeClr val="tx1"/>
+          </a:fontRef>
+        </p:style>
+      </p:cxnSp>
       <p:sp>
         <p:nvSpPr>
-          <p:cNvPr id="8" name="文本框 7"/>
+          <p:cNvPr id="11" name="文本框 10"/>
           <p:cNvSpPr txBox="1"/>
           <p:nvPr/>
         </p:nvSpPr>
         <p:spPr>
           <a:xfrm>
-            <a:off x="1097280" y="1906546"/>
-            <a:ext cx="3509889" cy="369332"/>
+            <a:off x="7058988" y="2981470"/>
+            <a:ext cx="487355" cy="276999"/>
           </a:xfrm>
           <a:prstGeom prst="rect">
             <a:avLst/>
@@ -11248,13 +16441,829 @@
           <a:lstStyle/>
           <a:p>
             <a:r>
-              <a:rPr lang="en-US" altLang="zh-CN" dirty="0" smtClean="0"/>
-              <a:t>From the conditional statistics</a:t>
+              <a:rPr lang="en-US" altLang="zh-CN" sz="1200" dirty="0" smtClean="0"/>
+              <a:t>Re</a:t>
             </a:r>
-            <a:endParaRPr lang="zh-CN" altLang="en-US" dirty="0"/>
+            <a:endParaRPr lang="zh-CN" altLang="en-US" sz="1200" dirty="0"/>
           </a:p>
         </p:txBody>
       </p:sp>
+      <mc:AlternateContent xmlns:mc="http://schemas.openxmlformats.org/markup-compatibility/2006">
+        <mc:Choice xmlns:a14="http://schemas.microsoft.com/office/drawing/2010/main" Requires="a14">
+          <p:sp>
+            <p:nvSpPr>
+              <p:cNvPr id="13" name="文本框 12"/>
+              <p:cNvSpPr txBox="1"/>
+              <p:nvPr/>
+            </p:nvSpPr>
+            <p:spPr>
+              <a:xfrm>
+                <a:off x="1097280" y="3101108"/>
+                <a:ext cx="3764866" cy="2862322"/>
+              </a:xfrm>
+              <a:prstGeom prst="rect">
+                <a:avLst/>
+              </a:prstGeom>
+              <a:noFill/>
+            </p:spPr>
+            <p:txBody>
+              <a:bodyPr wrap="square" rtlCol="0">
+                <a:spAutoFit/>
+              </a:bodyPr>
+              <a:lstStyle/>
+              <a:p>
+                <a:r>
+                  <a:rPr lang="en-US" altLang="zh-CN" dirty="0" smtClean="0"/>
+                  <a:t>For high </a:t>
+                </a:r>
+                <a14:m>
+                  <m:oMath xmlns:m="http://schemas.openxmlformats.org/officeDocument/2006/math">
+                    <m:r>
+                      <a:rPr lang="en-US" altLang="zh-CN" b="0" i="1" smtClean="0">
+                        <a:latin typeface="Cambria Math" panose="02040503050406030204" pitchFamily="18" charset="0"/>
+                      </a:rPr>
+                      <m:t>𝑅</m:t>
+                    </m:r>
+                    <m:sSub>
+                      <m:sSubPr>
+                        <m:ctrlPr>
+                          <a:rPr lang="en-US" altLang="zh-CN" b="0" i="1" smtClean="0">
+                            <a:latin typeface="Cambria Math" panose="02040503050406030204" pitchFamily="18" charset="0"/>
+                          </a:rPr>
+                        </m:ctrlPr>
+                      </m:sSubPr>
+                      <m:e>
+                        <m:r>
+                          <a:rPr lang="en-US" altLang="zh-CN" b="0" i="1" smtClean="0">
+                            <a:latin typeface="Cambria Math" panose="02040503050406030204" pitchFamily="18" charset="0"/>
+                          </a:rPr>
+                          <m:t>𝑒</m:t>
+                        </m:r>
+                      </m:e>
+                      <m:sub>
+                        <m:r>
+                          <a:rPr lang="en-US" altLang="zh-CN" b="0" i="1" smtClean="0">
+                            <a:latin typeface="Cambria Math" panose="02040503050406030204" pitchFamily="18" charset="0"/>
+                          </a:rPr>
+                          <m:t>𝜆</m:t>
+                        </m:r>
+                      </m:sub>
+                    </m:sSub>
+                  </m:oMath>
+                </a14:m>
+                <a:r>
+                  <a:rPr lang="en-US" altLang="zh-CN" dirty="0" smtClean="0"/>
+                  <a:t>:</a:t>
+                </a:r>
+              </a:p>
+              <a:p>
+                <a:r>
+                  <a:rPr lang="en-US" altLang="zh-CN" dirty="0" smtClean="0"/>
+                  <a:t>	 ‘</a:t>
+                </a:r>
+                <a:r>
+                  <a:rPr lang="en-US" altLang="zh-CN" dirty="0" smtClean="0">
+                    <a:solidFill>
+                      <a:srgbClr val="FF0000"/>
+                    </a:solidFill>
+                  </a:rPr>
+                  <a:t>V</a:t>
+                </a:r>
+                <a:r>
+                  <a:rPr lang="en-US" altLang="zh-CN" dirty="0" smtClean="0"/>
+                  <a:t>’ shape indicating higher </a:t>
+                </a:r>
+                <a:r>
+                  <a:rPr lang="en-US" altLang="zh-CN" dirty="0" smtClean="0">
+                    <a:solidFill>
+                      <a:srgbClr val="FF0000"/>
+                    </a:solidFill>
+                  </a:rPr>
+                  <a:t>dissipation</a:t>
+                </a:r>
+                <a:r>
+                  <a:rPr lang="en-US" altLang="zh-CN" dirty="0" smtClean="0"/>
+                  <a:t> with larger velocity difference;</a:t>
+                </a:r>
+              </a:p>
+              <a:p>
+                <a:r>
+                  <a:rPr lang="en-US" altLang="zh-CN" dirty="0"/>
+                  <a:t>	Strong dependence on</a:t>
+                </a:r>
+                <a14:m>
+                  <m:oMath xmlns:m="http://schemas.openxmlformats.org/officeDocument/2006/math">
+                    <m:r>
+                      <a:rPr lang="en-US" altLang="zh-CN">
+                        <a:solidFill>
+                          <a:srgbClr val="FF0000"/>
+                        </a:solidFill>
+                        <a:latin typeface="Cambria Math" panose="02040503050406030204" pitchFamily="18" charset="0"/>
+                      </a:rPr>
+                      <m:t> </m:t>
+                    </m:r>
+                    <m:r>
+                      <m:rPr>
+                        <m:sty m:val="p"/>
+                      </m:rPr>
+                      <a:rPr lang="en-US" altLang="zh-CN">
+                        <a:solidFill>
+                          <a:srgbClr val="FF0000"/>
+                        </a:solidFill>
+                        <a:latin typeface="Cambria Math" panose="02040503050406030204" pitchFamily="18" charset="0"/>
+                      </a:rPr>
+                      <m:t>Δu</m:t>
+                    </m:r>
+                    <m:d>
+                      <m:dPr>
+                        <m:ctrlPr>
+                          <a:rPr lang="en-US" altLang="zh-CN" i="1">
+                            <a:solidFill>
+                              <a:srgbClr val="FF0000"/>
+                            </a:solidFill>
+                            <a:latin typeface="Cambria Math" panose="02040503050406030204" pitchFamily="18" charset="0"/>
+                          </a:rPr>
+                        </m:ctrlPr>
+                      </m:dPr>
+                      <m:e>
+                        <m:sSub>
+                          <m:sSubPr>
+                            <m:ctrlPr>
+                              <a:rPr lang="en-US" altLang="zh-CN" i="1">
+                                <a:solidFill>
+                                  <a:srgbClr val="FF0000"/>
+                                </a:solidFill>
+                                <a:latin typeface="Cambria Math" panose="02040503050406030204" pitchFamily="18" charset="0"/>
+                              </a:rPr>
+                            </m:ctrlPr>
+                          </m:sSubPr>
+                          <m:e>
+                            <m:r>
+                              <m:rPr>
+                                <m:sty m:val="p"/>
+                              </m:rPr>
+                              <a:rPr lang="en-US" altLang="zh-CN">
+                                <a:solidFill>
+                                  <a:srgbClr val="FF0000"/>
+                                </a:solidFill>
+                                <a:latin typeface="Cambria Math" panose="02040503050406030204" pitchFamily="18" charset="0"/>
+                              </a:rPr>
+                              <m:t>r</m:t>
+                            </m:r>
+                          </m:e>
+                          <m:sub>
+                            <m:r>
+                              <m:rPr>
+                                <m:sty m:val="p"/>
+                              </m:rPr>
+                              <a:rPr lang="en-US" altLang="zh-CN">
+                                <a:solidFill>
+                                  <a:srgbClr val="FF0000"/>
+                                </a:solidFill>
+                                <a:latin typeface="Cambria Math" panose="02040503050406030204" pitchFamily="18" charset="0"/>
+                              </a:rPr>
+                              <m:t>a</m:t>
+                            </m:r>
+                          </m:sub>
+                        </m:sSub>
+                      </m:e>
+                    </m:d>
+                  </m:oMath>
+                </a14:m>
+                <a:r>
+                  <a:rPr lang="en-US" altLang="zh-CN" dirty="0" smtClean="0"/>
+                  <a:t>.</a:t>
+                </a:r>
+              </a:p>
+              <a:p>
+                <a:endParaRPr lang="en-US" altLang="zh-CN" dirty="0"/>
+              </a:p>
+              <a:p>
+                <a:r>
+                  <a:rPr lang="en-US" altLang="zh-CN" dirty="0"/>
+                  <a:t>For </a:t>
+                </a:r>
+                <a:r>
+                  <a:rPr lang="en-US" altLang="zh-CN" dirty="0" smtClean="0"/>
+                  <a:t>low </a:t>
+                </a:r>
+                <a14:m>
+                  <m:oMath xmlns:m="http://schemas.openxmlformats.org/officeDocument/2006/math">
+                    <m:r>
+                      <a:rPr lang="en-US" altLang="zh-CN" i="1">
+                        <a:latin typeface="Cambria Math" panose="02040503050406030204" pitchFamily="18" charset="0"/>
+                      </a:rPr>
+                      <m:t>𝑅</m:t>
+                    </m:r>
+                    <m:sSub>
+                      <m:sSubPr>
+                        <m:ctrlPr>
+                          <a:rPr lang="en-US" altLang="zh-CN" i="1">
+                            <a:latin typeface="Cambria Math" panose="02040503050406030204" pitchFamily="18" charset="0"/>
+                          </a:rPr>
+                        </m:ctrlPr>
+                      </m:sSubPr>
+                      <m:e>
+                        <m:r>
+                          <a:rPr lang="en-US" altLang="zh-CN" i="1">
+                            <a:latin typeface="Cambria Math" panose="02040503050406030204" pitchFamily="18" charset="0"/>
+                          </a:rPr>
+                          <m:t>𝑒</m:t>
+                        </m:r>
+                      </m:e>
+                      <m:sub>
+                        <m:r>
+                          <a:rPr lang="en-US" altLang="zh-CN" i="1">
+                            <a:latin typeface="Cambria Math" panose="02040503050406030204" pitchFamily="18" charset="0"/>
+                          </a:rPr>
+                          <m:t>𝜆</m:t>
+                        </m:r>
+                      </m:sub>
+                    </m:sSub>
+                  </m:oMath>
+                </a14:m>
+                <a:r>
+                  <a:rPr lang="en-US" altLang="zh-CN" dirty="0" smtClean="0"/>
+                  <a:t>:</a:t>
+                </a:r>
+              </a:p>
+              <a:p>
+                <a:r>
+                  <a:rPr lang="en-US" altLang="zh-CN" dirty="0"/>
+                  <a:t>	</a:t>
+                </a:r>
+                <a:r>
+                  <a:rPr lang="en-US" altLang="zh-CN" dirty="0" smtClean="0"/>
+                  <a:t>Flatter statistics;</a:t>
+                </a:r>
+              </a:p>
+              <a:p>
+                <a:r>
+                  <a:rPr lang="en-US" altLang="zh-CN" dirty="0"/>
+                  <a:t>	</a:t>
+                </a:r>
+                <a:r>
+                  <a:rPr lang="en-US" altLang="zh-CN" dirty="0" smtClean="0"/>
+                  <a:t>Weak dependence </a:t>
+                </a:r>
+                <a:r>
+                  <a:rPr lang="en-US" altLang="zh-CN" dirty="0"/>
+                  <a:t>on</a:t>
+                </a:r>
+                <a14:m>
+                  <m:oMath xmlns:m="http://schemas.openxmlformats.org/officeDocument/2006/math">
+                    <m:r>
+                      <a:rPr lang="en-US" altLang="zh-CN">
+                        <a:solidFill>
+                          <a:srgbClr val="FF0000"/>
+                        </a:solidFill>
+                        <a:latin typeface="Cambria Math" panose="02040503050406030204" pitchFamily="18" charset="0"/>
+                      </a:rPr>
+                      <m:t> </m:t>
+                    </m:r>
+                    <m:r>
+                      <m:rPr>
+                        <m:sty m:val="p"/>
+                      </m:rPr>
+                      <a:rPr lang="en-US" altLang="zh-CN">
+                        <a:solidFill>
+                          <a:srgbClr val="FF0000"/>
+                        </a:solidFill>
+                        <a:latin typeface="Cambria Math" panose="02040503050406030204" pitchFamily="18" charset="0"/>
+                      </a:rPr>
+                      <m:t>Δu</m:t>
+                    </m:r>
+                    <m:d>
+                      <m:dPr>
+                        <m:ctrlPr>
+                          <a:rPr lang="en-US" altLang="zh-CN" i="1">
+                            <a:solidFill>
+                              <a:srgbClr val="FF0000"/>
+                            </a:solidFill>
+                            <a:latin typeface="Cambria Math" panose="02040503050406030204" pitchFamily="18" charset="0"/>
+                          </a:rPr>
+                        </m:ctrlPr>
+                      </m:dPr>
+                      <m:e>
+                        <m:sSub>
+                          <m:sSubPr>
+                            <m:ctrlPr>
+                              <a:rPr lang="en-US" altLang="zh-CN" i="1">
+                                <a:solidFill>
+                                  <a:srgbClr val="FF0000"/>
+                                </a:solidFill>
+                                <a:latin typeface="Cambria Math" panose="02040503050406030204" pitchFamily="18" charset="0"/>
+                              </a:rPr>
+                            </m:ctrlPr>
+                          </m:sSubPr>
+                          <m:e>
+                            <m:r>
+                              <m:rPr>
+                                <m:sty m:val="p"/>
+                              </m:rPr>
+                              <a:rPr lang="en-US" altLang="zh-CN">
+                                <a:solidFill>
+                                  <a:srgbClr val="FF0000"/>
+                                </a:solidFill>
+                                <a:latin typeface="Cambria Math" panose="02040503050406030204" pitchFamily="18" charset="0"/>
+                              </a:rPr>
+                              <m:t>r</m:t>
+                            </m:r>
+                          </m:e>
+                          <m:sub>
+                            <m:r>
+                              <m:rPr>
+                                <m:sty m:val="p"/>
+                              </m:rPr>
+                              <a:rPr lang="en-US" altLang="zh-CN">
+                                <a:solidFill>
+                                  <a:srgbClr val="FF0000"/>
+                                </a:solidFill>
+                                <a:latin typeface="Cambria Math" panose="02040503050406030204" pitchFamily="18" charset="0"/>
+                              </a:rPr>
+                              <m:t>a</m:t>
+                            </m:r>
+                          </m:sub>
+                        </m:sSub>
+                      </m:e>
+                    </m:d>
+                  </m:oMath>
+                </a14:m>
+                <a:r>
+                  <a:rPr lang="en-US" altLang="zh-CN" dirty="0" smtClean="0"/>
+                  <a:t>.</a:t>
+                </a:r>
+              </a:p>
+              <a:p>
+                <a:endParaRPr lang="zh-CN" altLang="en-US" dirty="0"/>
+              </a:p>
+            </p:txBody>
+          </p:sp>
+        </mc:Choice>
+        <mc:Fallback>
+          <p:sp>
+            <p:nvSpPr>
+              <p:cNvPr id="13" name="文本框 12"/>
+              <p:cNvSpPr txBox="1">
+                <a:spLocks noRot="1" noChangeAspect="1" noMove="1" noResize="1" noEditPoints="1" noAdjustHandles="1" noChangeArrowheads="1" noChangeShapeType="1" noTextEdit="1"/>
+              </p:cNvSpPr>
+              <p:nvPr/>
+            </p:nvSpPr>
+            <p:spPr>
+              <a:xfrm>
+                <a:off x="1097280" y="3101108"/>
+                <a:ext cx="3764866" cy="2862322"/>
+              </a:xfrm>
+              <a:prstGeom prst="rect">
+                <a:avLst/>
+              </a:prstGeom>
+              <a:blipFill>
+                <a:blip r:embed="rId4"/>
+                <a:stretch>
+                  <a:fillRect l="-1294" t="-1279"/>
+                </a:stretch>
+              </a:blipFill>
+            </p:spPr>
+            <p:txBody>
+              <a:bodyPr/>
+              <a:lstStyle/>
+              <a:p>
+                <a:r>
+                  <a:rPr lang="zh-CN" altLang="en-US">
+                    <a:noFill/>
+                  </a:rPr>
+                  <a:t> </a:t>
+                </a:r>
+              </a:p>
+            </p:txBody>
+          </p:sp>
+        </mc:Fallback>
+      </mc:AlternateContent>
+      <p:sp>
+        <p:nvSpPr>
+          <p:cNvPr id="14" name="椭圆 13"/>
+          <p:cNvSpPr/>
+          <p:nvPr/>
+        </p:nvSpPr>
+        <p:spPr>
+          <a:xfrm>
+            <a:off x="5064370" y="2547192"/>
+            <a:ext cx="592340" cy="1224708"/>
+          </a:xfrm>
+          <a:prstGeom prst="ellipse">
+            <a:avLst/>
+          </a:prstGeom>
+          <a:solidFill>
+            <a:schemeClr val="accent3">
+              <a:alpha val="50000"/>
+            </a:schemeClr>
+          </a:solidFill>
+          <a:ln>
+            <a:noFill/>
+          </a:ln>
+        </p:spPr>
+        <p:style>
+          <a:lnRef idx="0">
+            <a:scrgbClr r="0" g="0" b="0"/>
+          </a:lnRef>
+          <a:fillRef idx="0">
+            <a:scrgbClr r="0" g="0" b="0"/>
+          </a:fillRef>
+          <a:effectRef idx="0">
+            <a:scrgbClr r="0" g="0" b="0"/>
+          </a:effectRef>
+          <a:fontRef idx="minor">
+            <a:schemeClr val="lt1"/>
+          </a:fontRef>
+        </p:style>
+        <p:txBody>
+          <a:bodyPr rtlCol="0" anchor="ctr"/>
+          <a:lstStyle/>
+          <a:p>
+            <a:pPr algn="ctr"/>
+            <a:endParaRPr lang="zh-CN" altLang="en-US"/>
+          </a:p>
+        </p:txBody>
+      </p:sp>
+      <p:sp>
+        <p:nvSpPr>
+          <p:cNvPr id="16" name="椭圆 15"/>
+          <p:cNvSpPr/>
+          <p:nvPr/>
+        </p:nvSpPr>
+        <p:spPr>
+          <a:xfrm>
+            <a:off x="8870915" y="2804746"/>
+            <a:ext cx="592340" cy="1116623"/>
+          </a:xfrm>
+          <a:prstGeom prst="ellipse">
+            <a:avLst/>
+          </a:prstGeom>
+          <a:solidFill>
+            <a:schemeClr val="accent3">
+              <a:alpha val="50000"/>
+            </a:schemeClr>
+          </a:solidFill>
+          <a:ln>
+            <a:noFill/>
+          </a:ln>
+        </p:spPr>
+        <p:style>
+          <a:lnRef idx="0">
+            <a:scrgbClr r="0" g="0" b="0"/>
+          </a:lnRef>
+          <a:fillRef idx="0">
+            <a:scrgbClr r="0" g="0" b="0"/>
+          </a:fillRef>
+          <a:effectRef idx="0">
+            <a:scrgbClr r="0" g="0" b="0"/>
+          </a:effectRef>
+          <a:fontRef idx="minor">
+            <a:schemeClr val="lt1"/>
+          </a:fontRef>
+        </p:style>
+        <p:txBody>
+          <a:bodyPr rtlCol="0" anchor="ctr"/>
+          <a:lstStyle/>
+          <a:p>
+            <a:pPr algn="ctr"/>
+            <a:endParaRPr lang="zh-CN" altLang="en-US"/>
+          </a:p>
+        </p:txBody>
+      </p:sp>
+      <p:sp>
+        <p:nvSpPr>
+          <p:cNvPr id="17" name="椭圆 16"/>
+          <p:cNvSpPr/>
+          <p:nvPr/>
+        </p:nvSpPr>
+        <p:spPr>
+          <a:xfrm>
+            <a:off x="5490179" y="3885195"/>
+            <a:ext cx="1855177" cy="298939"/>
+          </a:xfrm>
+          <a:prstGeom prst="ellipse">
+            <a:avLst/>
+          </a:prstGeom>
+          <a:solidFill>
+            <a:schemeClr val="accent2">
+              <a:alpha val="50000"/>
+            </a:schemeClr>
+          </a:solidFill>
+          <a:ln>
+            <a:noFill/>
+          </a:ln>
+        </p:spPr>
+        <p:style>
+          <a:lnRef idx="0">
+            <a:scrgbClr r="0" g="0" b="0"/>
+          </a:lnRef>
+          <a:fillRef idx="0">
+            <a:scrgbClr r="0" g="0" b="0"/>
+          </a:fillRef>
+          <a:effectRef idx="0">
+            <a:scrgbClr r="0" g="0" b="0"/>
+          </a:effectRef>
+          <a:fontRef idx="minor">
+            <a:schemeClr val="lt1"/>
+          </a:fontRef>
+        </p:style>
+        <p:txBody>
+          <a:bodyPr rtlCol="0" anchor="ctr"/>
+          <a:lstStyle/>
+          <a:p>
+            <a:pPr algn="ctr"/>
+            <a:endParaRPr lang="zh-CN" altLang="en-US"/>
+          </a:p>
+        </p:txBody>
+      </p:sp>
+      <p:sp>
+        <p:nvSpPr>
+          <p:cNvPr id="18" name="椭圆 17"/>
+          <p:cNvSpPr/>
+          <p:nvPr/>
+        </p:nvSpPr>
+        <p:spPr>
+          <a:xfrm>
+            <a:off x="9418676" y="3772858"/>
+            <a:ext cx="1855177" cy="298939"/>
+          </a:xfrm>
+          <a:prstGeom prst="ellipse">
+            <a:avLst/>
+          </a:prstGeom>
+          <a:solidFill>
+            <a:schemeClr val="accent2">
+              <a:alpha val="50000"/>
+            </a:schemeClr>
+          </a:solidFill>
+          <a:ln>
+            <a:noFill/>
+          </a:ln>
+        </p:spPr>
+        <p:style>
+          <a:lnRef idx="0">
+            <a:scrgbClr r="0" g="0" b="0"/>
+          </a:lnRef>
+          <a:fillRef idx="0">
+            <a:scrgbClr r="0" g="0" b="0"/>
+          </a:fillRef>
+          <a:effectRef idx="0">
+            <a:scrgbClr r="0" g="0" b="0"/>
+          </a:effectRef>
+          <a:fontRef idx="minor">
+            <a:schemeClr val="lt1"/>
+          </a:fontRef>
+        </p:style>
+        <p:txBody>
+          <a:bodyPr rtlCol="0" anchor="ctr"/>
+          <a:lstStyle/>
+          <a:p>
+            <a:pPr algn="ctr"/>
+            <a:endParaRPr lang="zh-CN" altLang="en-US"/>
+          </a:p>
+        </p:txBody>
+      </p:sp>
+      <mc:AlternateContent xmlns:mc="http://schemas.openxmlformats.org/markup-compatibility/2006">
+        <mc:Choice xmlns:a14="http://schemas.microsoft.com/office/drawing/2010/main" Requires="a14">
+          <p:sp>
+            <p:nvSpPr>
+              <p:cNvPr id="19" name="文本框 18"/>
+              <p:cNvSpPr txBox="1"/>
+              <p:nvPr/>
+            </p:nvSpPr>
+            <p:spPr>
+              <a:xfrm>
+                <a:off x="5838092" y="5451231"/>
+                <a:ext cx="4508172" cy="471668"/>
+              </a:xfrm>
+              <a:prstGeom prst="rect">
+                <a:avLst/>
+              </a:prstGeom>
+              <a:noFill/>
+            </p:spPr>
+            <p:txBody>
+              <a:bodyPr wrap="square" rtlCol="0">
+                <a:spAutoFit/>
+              </a:bodyPr>
+              <a:lstStyle/>
+              <a:p>
+                <a14:m>
+                  <m:oMath xmlns:m="http://schemas.openxmlformats.org/officeDocument/2006/math">
+                    <m:r>
+                      <m:rPr>
+                        <m:sty m:val="p"/>
+                      </m:rPr>
+                      <a:rPr lang="en-US" altLang="zh-CN" b="0" i="0" smtClean="0">
+                        <a:latin typeface="Cambria Math" panose="02040503050406030204" pitchFamily="18" charset="0"/>
+                      </a:rPr>
+                      <m:t>Δ</m:t>
+                    </m:r>
+                    <m:r>
+                      <a:rPr lang="en-US" altLang="zh-CN" b="0" i="1" smtClean="0">
+                        <a:latin typeface="Cambria Math" panose="02040503050406030204" pitchFamily="18" charset="0"/>
+                      </a:rPr>
+                      <m:t>𝑢</m:t>
+                    </m:r>
+                    <m:d>
+                      <m:dPr>
+                        <m:ctrlPr>
+                          <a:rPr lang="en-US" altLang="zh-CN" b="0" i="1" smtClean="0">
+                            <a:latin typeface="Cambria Math" panose="02040503050406030204" pitchFamily="18" charset="0"/>
+                          </a:rPr>
+                        </m:ctrlPr>
+                      </m:dPr>
+                      <m:e>
+                        <m:sSub>
+                          <m:sSubPr>
+                            <m:ctrlPr>
+                              <a:rPr lang="en-US" altLang="zh-CN" b="0" i="1" smtClean="0">
+                                <a:latin typeface="Cambria Math" panose="02040503050406030204" pitchFamily="18" charset="0"/>
+                              </a:rPr>
+                            </m:ctrlPr>
+                          </m:sSubPr>
+                          <m:e>
+                            <m:r>
+                              <a:rPr lang="en-US" altLang="zh-CN" b="0" i="1" smtClean="0">
+                                <a:latin typeface="Cambria Math" panose="02040503050406030204" pitchFamily="18" charset="0"/>
+                              </a:rPr>
+                              <m:t>𝑟</m:t>
+                            </m:r>
+                          </m:e>
+                          <m:sub>
+                            <m:r>
+                              <a:rPr lang="en-US" altLang="zh-CN" b="0" i="1" smtClean="0">
+                                <a:latin typeface="Cambria Math" panose="02040503050406030204" pitchFamily="18" charset="0"/>
+                              </a:rPr>
+                              <m:t>𝑎</m:t>
+                            </m:r>
+                          </m:sub>
+                        </m:sSub>
+                      </m:e>
+                    </m:d>
+                    <m:r>
+                      <a:rPr lang="en-US" altLang="zh-CN" b="0" i="1" smtClean="0">
+                        <a:latin typeface="Cambria Math" panose="02040503050406030204" pitchFamily="18" charset="0"/>
+                      </a:rPr>
+                      <m:t>=</m:t>
+                    </m:r>
+                    <m:r>
+                      <a:rPr lang="en-US" altLang="zh-CN" b="0" i="1" smtClean="0">
+                        <a:latin typeface="Cambria Math" panose="02040503050406030204" pitchFamily="18" charset="0"/>
+                      </a:rPr>
+                      <m:t>𝑉</m:t>
+                    </m:r>
+                    <m:r>
+                      <a:rPr lang="en-US" altLang="zh-CN" b="0" i="1" smtClean="0">
+                        <a:latin typeface="Cambria Math" panose="02040503050406030204" pitchFamily="18" charset="0"/>
+                      </a:rPr>
+                      <m:t> </m:t>
+                    </m:r>
+                    <m:sSup>
+                      <m:sSupPr>
+                        <m:ctrlPr>
+                          <a:rPr lang="en-US" altLang="zh-CN" b="0" i="1" smtClean="0">
+                            <a:latin typeface="Cambria Math" panose="02040503050406030204" pitchFamily="18" charset="0"/>
+                          </a:rPr>
+                        </m:ctrlPr>
+                      </m:sSupPr>
+                      <m:e>
+                        <m:d>
+                          <m:dPr>
+                            <m:ctrlPr>
+                              <a:rPr lang="en-US" altLang="zh-CN" b="0" i="1" smtClean="0">
+                                <a:latin typeface="Cambria Math" panose="02040503050406030204" pitchFamily="18" charset="0"/>
+                              </a:rPr>
+                            </m:ctrlPr>
+                          </m:dPr>
+                          <m:e>
+                            <m:r>
+                              <a:rPr lang="en-US" altLang="zh-CN" b="0" i="1" smtClean="0">
+                                <a:latin typeface="Cambria Math" panose="02040503050406030204" pitchFamily="18" charset="0"/>
+                              </a:rPr>
+                              <m:t>𝑟</m:t>
+                            </m:r>
+                            <m:sSub>
+                              <m:sSubPr>
+                                <m:ctrlPr>
+                                  <a:rPr lang="en-US" altLang="zh-CN" b="0" i="1" smtClean="0">
+                                    <a:latin typeface="Cambria Math" panose="02040503050406030204" pitchFamily="18" charset="0"/>
+                                  </a:rPr>
+                                </m:ctrlPr>
+                              </m:sSubPr>
+                              <m:e>
+                                <m:r>
+                                  <a:rPr lang="en-US" altLang="zh-CN" b="0" i="1" smtClean="0">
+                                    <a:latin typeface="Cambria Math" panose="02040503050406030204" pitchFamily="18" charset="0"/>
+                                  </a:rPr>
+                                  <m:t>𝜖</m:t>
+                                </m:r>
+                              </m:e>
+                              <m:sub>
+                                <m:r>
+                                  <a:rPr lang="en-US" altLang="zh-CN" b="0" i="1" smtClean="0">
+                                    <a:latin typeface="Cambria Math" panose="02040503050406030204" pitchFamily="18" charset="0"/>
+                                  </a:rPr>
+                                  <m:t>𝑟</m:t>
+                                </m:r>
+                              </m:sub>
+                            </m:sSub>
+                          </m:e>
+                        </m:d>
+                      </m:e>
+                      <m:sup>
+                        <m:f>
+                          <m:fPr>
+                            <m:ctrlPr>
+                              <a:rPr lang="en-US" altLang="zh-CN" b="0" i="1" smtClean="0">
+                                <a:latin typeface="Cambria Math" panose="02040503050406030204" pitchFamily="18" charset="0"/>
+                              </a:rPr>
+                            </m:ctrlPr>
+                          </m:fPr>
+                          <m:num>
+                            <m:r>
+                              <a:rPr lang="en-US" altLang="zh-CN" b="0" i="1" smtClean="0">
+                                <a:latin typeface="Cambria Math" panose="02040503050406030204" pitchFamily="18" charset="0"/>
+                              </a:rPr>
+                              <m:t>1</m:t>
+                            </m:r>
+                          </m:num>
+                          <m:den>
+                            <m:r>
+                              <a:rPr lang="en-US" altLang="zh-CN" b="0" i="1" smtClean="0">
+                                <a:latin typeface="Cambria Math" panose="02040503050406030204" pitchFamily="18" charset="0"/>
+                              </a:rPr>
+                              <m:t>3</m:t>
+                            </m:r>
+                          </m:den>
+                        </m:f>
+                      </m:sup>
+                    </m:sSup>
+                  </m:oMath>
+                </a14:m>
+                <a:r>
+                  <a:rPr lang="zh-CN" altLang="en-US" dirty="0" smtClean="0"/>
+                  <a:t> </a:t>
+                </a:r>
+                <a:r>
+                  <a:rPr lang="en-US" altLang="zh-CN" dirty="0" smtClean="0"/>
+                  <a:t>hypothesized from </a:t>
+                </a:r>
+                <a:r>
+                  <a:rPr lang="en-US" altLang="zh-CN" dirty="0" smtClean="0">
+                    <a:solidFill>
+                      <a:srgbClr val="FF0000"/>
+                    </a:solidFill>
+                  </a:rPr>
+                  <a:t>K62</a:t>
+                </a:r>
+                <a:endParaRPr lang="zh-CN" altLang="en-US" dirty="0">
+                  <a:solidFill>
+                    <a:srgbClr val="FF0000"/>
+                  </a:solidFill>
+                </a:endParaRPr>
+              </a:p>
+            </p:txBody>
+          </p:sp>
+        </mc:Choice>
+        <mc:Fallback>
+          <p:sp>
+            <p:nvSpPr>
+              <p:cNvPr id="19" name="文本框 18"/>
+              <p:cNvSpPr txBox="1">
+                <a:spLocks noRot="1" noChangeAspect="1" noMove="1" noResize="1" noEditPoints="1" noAdjustHandles="1" noChangeArrowheads="1" noChangeShapeType="1" noTextEdit="1"/>
+              </p:cNvSpPr>
+              <p:nvPr/>
+            </p:nvSpPr>
+            <p:spPr>
+              <a:xfrm>
+                <a:off x="5838092" y="5451231"/>
+                <a:ext cx="4508172" cy="471668"/>
+              </a:xfrm>
+              <a:prstGeom prst="rect">
+                <a:avLst/>
+              </a:prstGeom>
+              <a:blipFill>
+                <a:blip r:embed="rId5"/>
+                <a:stretch>
+                  <a:fillRect b="-19231"/>
+                </a:stretch>
+              </a:blipFill>
+            </p:spPr>
+            <p:txBody>
+              <a:bodyPr/>
+              <a:lstStyle/>
+              <a:p>
+                <a:r>
+                  <a:rPr lang="zh-CN" altLang="en-US">
+                    <a:noFill/>
+                  </a:rPr>
+                  <a:t> </a:t>
+                </a:r>
+              </a:p>
+            </p:txBody>
+          </p:sp>
+        </mc:Fallback>
+      </mc:AlternateContent>
     </p:spTree>
     <p:extLst>
       <p:ext uri="{BB962C8B-B14F-4D97-AF65-F5344CB8AC3E}">
@@ -11268,9 +17277,1459 @@
   <p:timing>
     <p:tnLst>
       <p:par>
-        <p:cTn id="1" dur="indefinite" restart="never" nodeType="tmRoot"/>
+        <p:cTn id="1" dur="indefinite" restart="never" nodeType="tmRoot">
+          <p:childTnLst>
+            <p:seq concurrent="1" nextAc="seek">
+              <p:cTn id="2" dur="indefinite" nodeType="mainSeq">
+                <p:childTnLst>
+                  <p:par>
+                    <p:cTn id="3" fill="hold">
+                      <p:stCondLst>
+                        <p:cond delay="indefinite"/>
+                      </p:stCondLst>
+                      <p:childTnLst>
+                        <p:par>
+                          <p:cTn id="4" fill="hold">
+                            <p:stCondLst>
+                              <p:cond delay="0"/>
+                            </p:stCondLst>
+                            <p:childTnLst>
+                              <p:par>
+                                <p:cTn id="5" presetID="42" presetClass="entr" presetSubtype="0" fill="hold" nodeType="clickEffect">
+                                  <p:stCondLst>
+                                    <p:cond delay="0"/>
+                                  </p:stCondLst>
+                                  <p:childTnLst>
+                                    <p:set>
+                                      <p:cBhvr>
+                                        <p:cTn id="6" dur="1" fill="hold">
+                                          <p:stCondLst>
+                                            <p:cond delay="0"/>
+                                          </p:stCondLst>
+                                        </p:cTn>
+                                        <p:tgtEl>
+                                          <p:spTgt spid="7"/>
+                                        </p:tgtEl>
+                                        <p:attrNameLst>
+                                          <p:attrName>style.visibility</p:attrName>
+                                        </p:attrNameLst>
+                                      </p:cBhvr>
+                                      <p:to>
+                                        <p:strVal val="visible"/>
+                                      </p:to>
+                                    </p:set>
+                                    <p:animEffect transition="in" filter="fade">
+                                      <p:cBhvr>
+                                        <p:cTn id="7" dur="1000"/>
+                                        <p:tgtEl>
+                                          <p:spTgt spid="7"/>
+                                        </p:tgtEl>
+                                      </p:cBhvr>
+                                    </p:animEffect>
+                                    <p:anim calcmode="lin" valueType="num">
+                                      <p:cBhvr>
+                                        <p:cTn id="8" dur="1000" fill="hold"/>
+                                        <p:tgtEl>
+                                          <p:spTgt spid="7"/>
+                                        </p:tgtEl>
+                                        <p:attrNameLst>
+                                          <p:attrName>ppt_x</p:attrName>
+                                        </p:attrNameLst>
+                                      </p:cBhvr>
+                                      <p:tavLst>
+                                        <p:tav tm="0">
+                                          <p:val>
+                                            <p:strVal val="#ppt_x"/>
+                                          </p:val>
+                                        </p:tav>
+                                        <p:tav tm="100000">
+                                          <p:val>
+                                            <p:strVal val="#ppt_x"/>
+                                          </p:val>
+                                        </p:tav>
+                                      </p:tavLst>
+                                    </p:anim>
+                                    <p:anim calcmode="lin" valueType="num">
+                                      <p:cBhvr>
+                                        <p:cTn id="9" dur="1000" fill="hold"/>
+                                        <p:tgtEl>
+                                          <p:spTgt spid="7"/>
+                                        </p:tgtEl>
+                                        <p:attrNameLst>
+                                          <p:attrName>ppt_y</p:attrName>
+                                        </p:attrNameLst>
+                                      </p:cBhvr>
+                                      <p:tavLst>
+                                        <p:tav tm="0">
+                                          <p:val>
+                                            <p:strVal val="#ppt_y+.1"/>
+                                          </p:val>
+                                        </p:tav>
+                                        <p:tav tm="100000">
+                                          <p:val>
+                                            <p:strVal val="#ppt_y"/>
+                                          </p:val>
+                                        </p:tav>
+                                      </p:tavLst>
+                                    </p:anim>
+                                  </p:childTnLst>
+                                </p:cTn>
+                              </p:par>
+                              <p:par>
+                                <p:cTn id="10" presetID="42" presetClass="entr" presetSubtype="0" fill="hold" nodeType="withEffect">
+                                  <p:stCondLst>
+                                    <p:cond delay="0"/>
+                                  </p:stCondLst>
+                                  <p:childTnLst>
+                                    <p:set>
+                                      <p:cBhvr>
+                                        <p:cTn id="11" dur="1" fill="hold">
+                                          <p:stCondLst>
+                                            <p:cond delay="0"/>
+                                          </p:stCondLst>
+                                        </p:cTn>
+                                        <p:tgtEl>
+                                          <p:spTgt spid="6"/>
+                                        </p:tgtEl>
+                                        <p:attrNameLst>
+                                          <p:attrName>style.visibility</p:attrName>
+                                        </p:attrNameLst>
+                                      </p:cBhvr>
+                                      <p:to>
+                                        <p:strVal val="visible"/>
+                                      </p:to>
+                                    </p:set>
+                                    <p:animEffect transition="in" filter="fade">
+                                      <p:cBhvr>
+                                        <p:cTn id="12" dur="1000"/>
+                                        <p:tgtEl>
+                                          <p:spTgt spid="6"/>
+                                        </p:tgtEl>
+                                      </p:cBhvr>
+                                    </p:animEffect>
+                                    <p:anim calcmode="lin" valueType="num">
+                                      <p:cBhvr>
+                                        <p:cTn id="13" dur="1000" fill="hold"/>
+                                        <p:tgtEl>
+                                          <p:spTgt spid="6"/>
+                                        </p:tgtEl>
+                                        <p:attrNameLst>
+                                          <p:attrName>ppt_x</p:attrName>
+                                        </p:attrNameLst>
+                                      </p:cBhvr>
+                                      <p:tavLst>
+                                        <p:tav tm="0">
+                                          <p:val>
+                                            <p:strVal val="#ppt_x"/>
+                                          </p:val>
+                                        </p:tav>
+                                        <p:tav tm="100000">
+                                          <p:val>
+                                            <p:strVal val="#ppt_x"/>
+                                          </p:val>
+                                        </p:tav>
+                                      </p:tavLst>
+                                    </p:anim>
+                                    <p:anim calcmode="lin" valueType="num">
+                                      <p:cBhvr>
+                                        <p:cTn id="14" dur="1000" fill="hold"/>
+                                        <p:tgtEl>
+                                          <p:spTgt spid="6"/>
+                                        </p:tgtEl>
+                                        <p:attrNameLst>
+                                          <p:attrName>ppt_y</p:attrName>
+                                        </p:attrNameLst>
+                                      </p:cBhvr>
+                                      <p:tavLst>
+                                        <p:tav tm="0">
+                                          <p:val>
+                                            <p:strVal val="#ppt_y+.1"/>
+                                          </p:val>
+                                        </p:tav>
+                                        <p:tav tm="100000">
+                                          <p:val>
+                                            <p:strVal val="#ppt_y"/>
+                                          </p:val>
+                                        </p:tav>
+                                      </p:tavLst>
+                                    </p:anim>
+                                  </p:childTnLst>
+                                </p:cTn>
+                              </p:par>
+                              <p:par>
+                                <p:cTn id="15" presetID="42" presetClass="entr" presetSubtype="0" fill="hold" nodeType="withEffect">
+                                  <p:stCondLst>
+                                    <p:cond delay="0"/>
+                                  </p:stCondLst>
+                                  <p:childTnLst>
+                                    <p:set>
+                                      <p:cBhvr>
+                                        <p:cTn id="16" dur="1" fill="hold">
+                                          <p:stCondLst>
+                                            <p:cond delay="0"/>
+                                          </p:stCondLst>
+                                        </p:cTn>
+                                        <p:tgtEl>
+                                          <p:spTgt spid="10"/>
+                                        </p:tgtEl>
+                                        <p:attrNameLst>
+                                          <p:attrName>style.visibility</p:attrName>
+                                        </p:attrNameLst>
+                                      </p:cBhvr>
+                                      <p:to>
+                                        <p:strVal val="visible"/>
+                                      </p:to>
+                                    </p:set>
+                                    <p:animEffect transition="in" filter="fade">
+                                      <p:cBhvr>
+                                        <p:cTn id="17" dur="1000"/>
+                                        <p:tgtEl>
+                                          <p:spTgt spid="10"/>
+                                        </p:tgtEl>
+                                      </p:cBhvr>
+                                    </p:animEffect>
+                                    <p:anim calcmode="lin" valueType="num">
+                                      <p:cBhvr>
+                                        <p:cTn id="18" dur="1000" fill="hold"/>
+                                        <p:tgtEl>
+                                          <p:spTgt spid="10"/>
+                                        </p:tgtEl>
+                                        <p:attrNameLst>
+                                          <p:attrName>ppt_x</p:attrName>
+                                        </p:attrNameLst>
+                                      </p:cBhvr>
+                                      <p:tavLst>
+                                        <p:tav tm="0">
+                                          <p:val>
+                                            <p:strVal val="#ppt_x"/>
+                                          </p:val>
+                                        </p:tav>
+                                        <p:tav tm="100000">
+                                          <p:val>
+                                            <p:strVal val="#ppt_x"/>
+                                          </p:val>
+                                        </p:tav>
+                                      </p:tavLst>
+                                    </p:anim>
+                                    <p:anim calcmode="lin" valueType="num">
+                                      <p:cBhvr>
+                                        <p:cTn id="19" dur="1000" fill="hold"/>
+                                        <p:tgtEl>
+                                          <p:spTgt spid="10"/>
+                                        </p:tgtEl>
+                                        <p:attrNameLst>
+                                          <p:attrName>ppt_y</p:attrName>
+                                        </p:attrNameLst>
+                                      </p:cBhvr>
+                                      <p:tavLst>
+                                        <p:tav tm="0">
+                                          <p:val>
+                                            <p:strVal val="#ppt_y+.1"/>
+                                          </p:val>
+                                        </p:tav>
+                                        <p:tav tm="100000">
+                                          <p:val>
+                                            <p:strVal val="#ppt_y"/>
+                                          </p:val>
+                                        </p:tav>
+                                      </p:tavLst>
+                                    </p:anim>
+                                  </p:childTnLst>
+                                </p:cTn>
+                              </p:par>
+                              <p:par>
+                                <p:cTn id="20" presetID="42" presetClass="entr" presetSubtype="0" fill="hold" grpId="0" nodeType="withEffect">
+                                  <p:stCondLst>
+                                    <p:cond delay="0"/>
+                                  </p:stCondLst>
+                                  <p:childTnLst>
+                                    <p:set>
+                                      <p:cBhvr>
+                                        <p:cTn id="21" dur="1" fill="hold">
+                                          <p:stCondLst>
+                                            <p:cond delay="0"/>
+                                          </p:stCondLst>
+                                        </p:cTn>
+                                        <p:tgtEl>
+                                          <p:spTgt spid="11"/>
+                                        </p:tgtEl>
+                                        <p:attrNameLst>
+                                          <p:attrName>style.visibility</p:attrName>
+                                        </p:attrNameLst>
+                                      </p:cBhvr>
+                                      <p:to>
+                                        <p:strVal val="visible"/>
+                                      </p:to>
+                                    </p:set>
+                                    <p:animEffect transition="in" filter="fade">
+                                      <p:cBhvr>
+                                        <p:cTn id="22" dur="1000"/>
+                                        <p:tgtEl>
+                                          <p:spTgt spid="11"/>
+                                        </p:tgtEl>
+                                      </p:cBhvr>
+                                    </p:animEffect>
+                                    <p:anim calcmode="lin" valueType="num">
+                                      <p:cBhvr>
+                                        <p:cTn id="23" dur="1000" fill="hold"/>
+                                        <p:tgtEl>
+                                          <p:spTgt spid="11"/>
+                                        </p:tgtEl>
+                                        <p:attrNameLst>
+                                          <p:attrName>ppt_x</p:attrName>
+                                        </p:attrNameLst>
+                                      </p:cBhvr>
+                                      <p:tavLst>
+                                        <p:tav tm="0">
+                                          <p:val>
+                                            <p:strVal val="#ppt_x"/>
+                                          </p:val>
+                                        </p:tav>
+                                        <p:tav tm="100000">
+                                          <p:val>
+                                            <p:strVal val="#ppt_x"/>
+                                          </p:val>
+                                        </p:tav>
+                                      </p:tavLst>
+                                    </p:anim>
+                                    <p:anim calcmode="lin" valueType="num">
+                                      <p:cBhvr>
+                                        <p:cTn id="24" dur="1000" fill="hold"/>
+                                        <p:tgtEl>
+                                          <p:spTgt spid="11"/>
+                                        </p:tgtEl>
+                                        <p:attrNameLst>
+                                          <p:attrName>ppt_y</p:attrName>
+                                        </p:attrNameLst>
+                                      </p:cBhvr>
+                                      <p:tavLst>
+                                        <p:tav tm="0">
+                                          <p:val>
+                                            <p:strVal val="#ppt_y+.1"/>
+                                          </p:val>
+                                        </p:tav>
+                                        <p:tav tm="100000">
+                                          <p:val>
+                                            <p:strVal val="#ppt_y"/>
+                                          </p:val>
+                                        </p:tav>
+                                      </p:tavLst>
+                                    </p:anim>
+                                  </p:childTnLst>
+                                </p:cTn>
+                              </p:par>
+                            </p:childTnLst>
+                          </p:cTn>
+                        </p:par>
+                      </p:childTnLst>
+                    </p:cTn>
+                  </p:par>
+                  <p:par>
+                    <p:cTn id="25" fill="hold">
+                      <p:stCondLst>
+                        <p:cond delay="indefinite"/>
+                      </p:stCondLst>
+                      <p:childTnLst>
+                        <p:par>
+                          <p:cTn id="26" fill="hold">
+                            <p:stCondLst>
+                              <p:cond delay="0"/>
+                            </p:stCondLst>
+                            <p:childTnLst>
+                              <p:par>
+                                <p:cTn id="27" presetID="42" presetClass="entr" presetSubtype="0" fill="hold" grpId="0" nodeType="clickEffect">
+                                  <p:stCondLst>
+                                    <p:cond delay="0"/>
+                                  </p:stCondLst>
+                                  <p:childTnLst>
+                                    <p:set>
+                                      <p:cBhvr>
+                                        <p:cTn id="28" dur="1" fill="hold">
+                                          <p:stCondLst>
+                                            <p:cond delay="0"/>
+                                          </p:stCondLst>
+                                        </p:cTn>
+                                        <p:tgtEl>
+                                          <p:spTgt spid="19"/>
+                                        </p:tgtEl>
+                                        <p:attrNameLst>
+                                          <p:attrName>style.visibility</p:attrName>
+                                        </p:attrNameLst>
+                                      </p:cBhvr>
+                                      <p:to>
+                                        <p:strVal val="visible"/>
+                                      </p:to>
+                                    </p:set>
+                                    <p:animEffect transition="in" filter="fade">
+                                      <p:cBhvr>
+                                        <p:cTn id="29" dur="1000"/>
+                                        <p:tgtEl>
+                                          <p:spTgt spid="19"/>
+                                        </p:tgtEl>
+                                      </p:cBhvr>
+                                    </p:animEffect>
+                                    <p:anim calcmode="lin" valueType="num">
+                                      <p:cBhvr>
+                                        <p:cTn id="30" dur="1000" fill="hold"/>
+                                        <p:tgtEl>
+                                          <p:spTgt spid="19"/>
+                                        </p:tgtEl>
+                                        <p:attrNameLst>
+                                          <p:attrName>ppt_x</p:attrName>
+                                        </p:attrNameLst>
+                                      </p:cBhvr>
+                                      <p:tavLst>
+                                        <p:tav tm="0">
+                                          <p:val>
+                                            <p:strVal val="#ppt_x"/>
+                                          </p:val>
+                                        </p:tav>
+                                        <p:tav tm="100000">
+                                          <p:val>
+                                            <p:strVal val="#ppt_x"/>
+                                          </p:val>
+                                        </p:tav>
+                                      </p:tavLst>
+                                    </p:anim>
+                                    <p:anim calcmode="lin" valueType="num">
+                                      <p:cBhvr>
+                                        <p:cTn id="31" dur="1000" fill="hold"/>
+                                        <p:tgtEl>
+                                          <p:spTgt spid="19"/>
+                                        </p:tgtEl>
+                                        <p:attrNameLst>
+                                          <p:attrName>ppt_y</p:attrName>
+                                        </p:attrNameLst>
+                                      </p:cBhvr>
+                                      <p:tavLst>
+                                        <p:tav tm="0">
+                                          <p:val>
+                                            <p:strVal val="#ppt_y+.1"/>
+                                          </p:val>
+                                        </p:tav>
+                                        <p:tav tm="100000">
+                                          <p:val>
+                                            <p:strVal val="#ppt_y"/>
+                                          </p:val>
+                                        </p:tav>
+                                      </p:tavLst>
+                                    </p:anim>
+                                  </p:childTnLst>
+                                </p:cTn>
+                              </p:par>
+                            </p:childTnLst>
+                          </p:cTn>
+                        </p:par>
+                      </p:childTnLst>
+                    </p:cTn>
+                  </p:par>
+                  <p:par>
+                    <p:cTn id="32" fill="hold">
+                      <p:stCondLst>
+                        <p:cond delay="indefinite"/>
+                      </p:stCondLst>
+                      <p:childTnLst>
+                        <p:par>
+                          <p:cTn id="33" fill="hold">
+                            <p:stCondLst>
+                              <p:cond delay="0"/>
+                            </p:stCondLst>
+                            <p:childTnLst>
+                              <p:par>
+                                <p:cTn id="34" presetID="42" presetClass="entr" presetSubtype="0" fill="hold" nodeType="clickEffect">
+                                  <p:stCondLst>
+                                    <p:cond delay="0"/>
+                                  </p:stCondLst>
+                                  <p:childTnLst>
+                                    <p:set>
+                                      <p:cBhvr>
+                                        <p:cTn id="35" dur="1" fill="hold">
+                                          <p:stCondLst>
+                                            <p:cond delay="0"/>
+                                          </p:stCondLst>
+                                        </p:cTn>
+                                        <p:tgtEl>
+                                          <p:spTgt spid="13">
+                                            <p:txEl>
+                                              <p:pRg st="0" end="0"/>
+                                            </p:txEl>
+                                          </p:spTgt>
+                                        </p:tgtEl>
+                                        <p:attrNameLst>
+                                          <p:attrName>style.visibility</p:attrName>
+                                        </p:attrNameLst>
+                                      </p:cBhvr>
+                                      <p:to>
+                                        <p:strVal val="visible"/>
+                                      </p:to>
+                                    </p:set>
+                                    <p:animEffect transition="in" filter="fade">
+                                      <p:cBhvr>
+                                        <p:cTn id="36" dur="1000"/>
+                                        <p:tgtEl>
+                                          <p:spTgt spid="13">
+                                            <p:txEl>
+                                              <p:pRg st="0" end="0"/>
+                                            </p:txEl>
+                                          </p:spTgt>
+                                        </p:tgtEl>
+                                      </p:cBhvr>
+                                    </p:animEffect>
+                                    <p:anim calcmode="lin" valueType="num">
+                                      <p:cBhvr>
+                                        <p:cTn id="37" dur="1000" fill="hold"/>
+                                        <p:tgtEl>
+                                          <p:spTgt spid="13">
+                                            <p:txEl>
+                                              <p:pRg st="0" end="0"/>
+                                            </p:txEl>
+                                          </p:spTgt>
+                                        </p:tgtEl>
+                                        <p:attrNameLst>
+                                          <p:attrName>ppt_x</p:attrName>
+                                        </p:attrNameLst>
+                                      </p:cBhvr>
+                                      <p:tavLst>
+                                        <p:tav tm="0">
+                                          <p:val>
+                                            <p:strVal val="#ppt_x"/>
+                                          </p:val>
+                                        </p:tav>
+                                        <p:tav tm="100000">
+                                          <p:val>
+                                            <p:strVal val="#ppt_x"/>
+                                          </p:val>
+                                        </p:tav>
+                                      </p:tavLst>
+                                    </p:anim>
+                                    <p:anim calcmode="lin" valueType="num">
+                                      <p:cBhvr>
+                                        <p:cTn id="38" dur="1000" fill="hold"/>
+                                        <p:tgtEl>
+                                          <p:spTgt spid="13">
+                                            <p:txEl>
+                                              <p:pRg st="0" end="0"/>
+                                            </p:txEl>
+                                          </p:spTgt>
+                                        </p:tgtEl>
+                                        <p:attrNameLst>
+                                          <p:attrName>ppt_y</p:attrName>
+                                        </p:attrNameLst>
+                                      </p:cBhvr>
+                                      <p:tavLst>
+                                        <p:tav tm="0">
+                                          <p:val>
+                                            <p:strVal val="#ppt_y+.1"/>
+                                          </p:val>
+                                        </p:tav>
+                                        <p:tav tm="100000">
+                                          <p:val>
+                                            <p:strVal val="#ppt_y"/>
+                                          </p:val>
+                                        </p:tav>
+                                      </p:tavLst>
+                                    </p:anim>
+                                  </p:childTnLst>
+                                </p:cTn>
+                              </p:par>
+                              <p:par>
+                                <p:cTn id="39" presetID="42" presetClass="entr" presetSubtype="0" fill="hold" nodeType="withEffect">
+                                  <p:stCondLst>
+                                    <p:cond delay="0"/>
+                                  </p:stCondLst>
+                                  <p:childTnLst>
+                                    <p:set>
+                                      <p:cBhvr>
+                                        <p:cTn id="40" dur="1" fill="hold">
+                                          <p:stCondLst>
+                                            <p:cond delay="0"/>
+                                          </p:stCondLst>
+                                        </p:cTn>
+                                        <p:tgtEl>
+                                          <p:spTgt spid="13">
+                                            <p:txEl>
+                                              <p:pRg st="1" end="1"/>
+                                            </p:txEl>
+                                          </p:spTgt>
+                                        </p:tgtEl>
+                                        <p:attrNameLst>
+                                          <p:attrName>style.visibility</p:attrName>
+                                        </p:attrNameLst>
+                                      </p:cBhvr>
+                                      <p:to>
+                                        <p:strVal val="visible"/>
+                                      </p:to>
+                                    </p:set>
+                                    <p:animEffect transition="in" filter="fade">
+                                      <p:cBhvr>
+                                        <p:cTn id="41" dur="1000"/>
+                                        <p:tgtEl>
+                                          <p:spTgt spid="13">
+                                            <p:txEl>
+                                              <p:pRg st="1" end="1"/>
+                                            </p:txEl>
+                                          </p:spTgt>
+                                        </p:tgtEl>
+                                      </p:cBhvr>
+                                    </p:animEffect>
+                                    <p:anim calcmode="lin" valueType="num">
+                                      <p:cBhvr>
+                                        <p:cTn id="42" dur="1000" fill="hold"/>
+                                        <p:tgtEl>
+                                          <p:spTgt spid="13">
+                                            <p:txEl>
+                                              <p:pRg st="1" end="1"/>
+                                            </p:txEl>
+                                          </p:spTgt>
+                                        </p:tgtEl>
+                                        <p:attrNameLst>
+                                          <p:attrName>ppt_x</p:attrName>
+                                        </p:attrNameLst>
+                                      </p:cBhvr>
+                                      <p:tavLst>
+                                        <p:tav tm="0">
+                                          <p:val>
+                                            <p:strVal val="#ppt_x"/>
+                                          </p:val>
+                                        </p:tav>
+                                        <p:tav tm="100000">
+                                          <p:val>
+                                            <p:strVal val="#ppt_x"/>
+                                          </p:val>
+                                        </p:tav>
+                                      </p:tavLst>
+                                    </p:anim>
+                                    <p:anim calcmode="lin" valueType="num">
+                                      <p:cBhvr>
+                                        <p:cTn id="43" dur="1000" fill="hold"/>
+                                        <p:tgtEl>
+                                          <p:spTgt spid="13">
+                                            <p:txEl>
+                                              <p:pRg st="1" end="1"/>
+                                            </p:txEl>
+                                          </p:spTgt>
+                                        </p:tgtEl>
+                                        <p:attrNameLst>
+                                          <p:attrName>ppt_y</p:attrName>
+                                        </p:attrNameLst>
+                                      </p:cBhvr>
+                                      <p:tavLst>
+                                        <p:tav tm="0">
+                                          <p:val>
+                                            <p:strVal val="#ppt_y+.1"/>
+                                          </p:val>
+                                        </p:tav>
+                                        <p:tav tm="100000">
+                                          <p:val>
+                                            <p:strVal val="#ppt_y"/>
+                                          </p:val>
+                                        </p:tav>
+                                      </p:tavLst>
+                                    </p:anim>
+                                  </p:childTnLst>
+                                </p:cTn>
+                              </p:par>
+                              <p:par>
+                                <p:cTn id="44" presetID="42" presetClass="entr" presetSubtype="0" fill="hold" nodeType="withEffect">
+                                  <p:stCondLst>
+                                    <p:cond delay="0"/>
+                                  </p:stCondLst>
+                                  <p:childTnLst>
+                                    <p:set>
+                                      <p:cBhvr>
+                                        <p:cTn id="45" dur="1" fill="hold">
+                                          <p:stCondLst>
+                                            <p:cond delay="0"/>
+                                          </p:stCondLst>
+                                        </p:cTn>
+                                        <p:tgtEl>
+                                          <p:spTgt spid="13">
+                                            <p:txEl>
+                                              <p:pRg st="2" end="2"/>
+                                            </p:txEl>
+                                          </p:spTgt>
+                                        </p:tgtEl>
+                                        <p:attrNameLst>
+                                          <p:attrName>style.visibility</p:attrName>
+                                        </p:attrNameLst>
+                                      </p:cBhvr>
+                                      <p:to>
+                                        <p:strVal val="visible"/>
+                                      </p:to>
+                                    </p:set>
+                                    <p:animEffect transition="in" filter="fade">
+                                      <p:cBhvr>
+                                        <p:cTn id="46" dur="1000"/>
+                                        <p:tgtEl>
+                                          <p:spTgt spid="13">
+                                            <p:txEl>
+                                              <p:pRg st="2" end="2"/>
+                                            </p:txEl>
+                                          </p:spTgt>
+                                        </p:tgtEl>
+                                      </p:cBhvr>
+                                    </p:animEffect>
+                                    <p:anim calcmode="lin" valueType="num">
+                                      <p:cBhvr>
+                                        <p:cTn id="47" dur="1000" fill="hold"/>
+                                        <p:tgtEl>
+                                          <p:spTgt spid="13">
+                                            <p:txEl>
+                                              <p:pRg st="2" end="2"/>
+                                            </p:txEl>
+                                          </p:spTgt>
+                                        </p:tgtEl>
+                                        <p:attrNameLst>
+                                          <p:attrName>ppt_x</p:attrName>
+                                        </p:attrNameLst>
+                                      </p:cBhvr>
+                                      <p:tavLst>
+                                        <p:tav tm="0">
+                                          <p:val>
+                                            <p:strVal val="#ppt_x"/>
+                                          </p:val>
+                                        </p:tav>
+                                        <p:tav tm="100000">
+                                          <p:val>
+                                            <p:strVal val="#ppt_x"/>
+                                          </p:val>
+                                        </p:tav>
+                                      </p:tavLst>
+                                    </p:anim>
+                                    <p:anim calcmode="lin" valueType="num">
+                                      <p:cBhvr>
+                                        <p:cTn id="48" dur="1000" fill="hold"/>
+                                        <p:tgtEl>
+                                          <p:spTgt spid="13">
+                                            <p:txEl>
+                                              <p:pRg st="2" end="2"/>
+                                            </p:txEl>
+                                          </p:spTgt>
+                                        </p:tgtEl>
+                                        <p:attrNameLst>
+                                          <p:attrName>ppt_y</p:attrName>
+                                        </p:attrNameLst>
+                                      </p:cBhvr>
+                                      <p:tavLst>
+                                        <p:tav tm="0">
+                                          <p:val>
+                                            <p:strVal val="#ppt_y+.1"/>
+                                          </p:val>
+                                        </p:tav>
+                                        <p:tav tm="100000">
+                                          <p:val>
+                                            <p:strVal val="#ppt_y"/>
+                                          </p:val>
+                                        </p:tav>
+                                      </p:tavLst>
+                                    </p:anim>
+                                  </p:childTnLst>
+                                </p:cTn>
+                              </p:par>
+                            </p:childTnLst>
+                          </p:cTn>
+                        </p:par>
+                      </p:childTnLst>
+                    </p:cTn>
+                  </p:par>
+                  <p:par>
+                    <p:cTn id="49" fill="hold">
+                      <p:stCondLst>
+                        <p:cond delay="indefinite"/>
+                      </p:stCondLst>
+                      <p:childTnLst>
+                        <p:par>
+                          <p:cTn id="50" fill="hold">
+                            <p:stCondLst>
+                              <p:cond delay="0"/>
+                            </p:stCondLst>
+                            <p:childTnLst>
+                              <p:par>
+                                <p:cTn id="51" presetID="42" presetClass="entr" presetSubtype="0" fill="hold" grpId="0" nodeType="clickEffect">
+                                  <p:stCondLst>
+                                    <p:cond delay="0"/>
+                                  </p:stCondLst>
+                                  <p:childTnLst>
+                                    <p:set>
+                                      <p:cBhvr>
+                                        <p:cTn id="52" dur="1" fill="hold">
+                                          <p:stCondLst>
+                                            <p:cond delay="0"/>
+                                          </p:stCondLst>
+                                        </p:cTn>
+                                        <p:tgtEl>
+                                          <p:spTgt spid="14"/>
+                                        </p:tgtEl>
+                                        <p:attrNameLst>
+                                          <p:attrName>style.visibility</p:attrName>
+                                        </p:attrNameLst>
+                                      </p:cBhvr>
+                                      <p:to>
+                                        <p:strVal val="visible"/>
+                                      </p:to>
+                                    </p:set>
+                                    <p:animEffect transition="in" filter="fade">
+                                      <p:cBhvr>
+                                        <p:cTn id="53" dur="1000"/>
+                                        <p:tgtEl>
+                                          <p:spTgt spid="14"/>
+                                        </p:tgtEl>
+                                      </p:cBhvr>
+                                    </p:animEffect>
+                                    <p:anim calcmode="lin" valueType="num">
+                                      <p:cBhvr>
+                                        <p:cTn id="54" dur="1000" fill="hold"/>
+                                        <p:tgtEl>
+                                          <p:spTgt spid="14"/>
+                                        </p:tgtEl>
+                                        <p:attrNameLst>
+                                          <p:attrName>ppt_x</p:attrName>
+                                        </p:attrNameLst>
+                                      </p:cBhvr>
+                                      <p:tavLst>
+                                        <p:tav tm="0">
+                                          <p:val>
+                                            <p:strVal val="#ppt_x"/>
+                                          </p:val>
+                                        </p:tav>
+                                        <p:tav tm="100000">
+                                          <p:val>
+                                            <p:strVal val="#ppt_x"/>
+                                          </p:val>
+                                        </p:tav>
+                                      </p:tavLst>
+                                    </p:anim>
+                                    <p:anim calcmode="lin" valueType="num">
+                                      <p:cBhvr>
+                                        <p:cTn id="55" dur="1000" fill="hold"/>
+                                        <p:tgtEl>
+                                          <p:spTgt spid="14"/>
+                                        </p:tgtEl>
+                                        <p:attrNameLst>
+                                          <p:attrName>ppt_y</p:attrName>
+                                        </p:attrNameLst>
+                                      </p:cBhvr>
+                                      <p:tavLst>
+                                        <p:tav tm="0">
+                                          <p:val>
+                                            <p:strVal val="#ppt_y+.1"/>
+                                          </p:val>
+                                        </p:tav>
+                                        <p:tav tm="100000">
+                                          <p:val>
+                                            <p:strVal val="#ppt_y"/>
+                                          </p:val>
+                                        </p:tav>
+                                      </p:tavLst>
+                                    </p:anim>
+                                  </p:childTnLst>
+                                </p:cTn>
+                              </p:par>
+                              <p:par>
+                                <p:cTn id="56" presetID="42" presetClass="entr" presetSubtype="0" fill="hold" grpId="0" nodeType="withEffect">
+                                  <p:stCondLst>
+                                    <p:cond delay="0"/>
+                                  </p:stCondLst>
+                                  <p:childTnLst>
+                                    <p:set>
+                                      <p:cBhvr>
+                                        <p:cTn id="57" dur="1" fill="hold">
+                                          <p:stCondLst>
+                                            <p:cond delay="0"/>
+                                          </p:stCondLst>
+                                        </p:cTn>
+                                        <p:tgtEl>
+                                          <p:spTgt spid="16"/>
+                                        </p:tgtEl>
+                                        <p:attrNameLst>
+                                          <p:attrName>style.visibility</p:attrName>
+                                        </p:attrNameLst>
+                                      </p:cBhvr>
+                                      <p:to>
+                                        <p:strVal val="visible"/>
+                                      </p:to>
+                                    </p:set>
+                                    <p:animEffect transition="in" filter="fade">
+                                      <p:cBhvr>
+                                        <p:cTn id="58" dur="1000"/>
+                                        <p:tgtEl>
+                                          <p:spTgt spid="16"/>
+                                        </p:tgtEl>
+                                      </p:cBhvr>
+                                    </p:animEffect>
+                                    <p:anim calcmode="lin" valueType="num">
+                                      <p:cBhvr>
+                                        <p:cTn id="59" dur="1000" fill="hold"/>
+                                        <p:tgtEl>
+                                          <p:spTgt spid="16"/>
+                                        </p:tgtEl>
+                                        <p:attrNameLst>
+                                          <p:attrName>ppt_x</p:attrName>
+                                        </p:attrNameLst>
+                                      </p:cBhvr>
+                                      <p:tavLst>
+                                        <p:tav tm="0">
+                                          <p:val>
+                                            <p:strVal val="#ppt_x"/>
+                                          </p:val>
+                                        </p:tav>
+                                        <p:tav tm="100000">
+                                          <p:val>
+                                            <p:strVal val="#ppt_x"/>
+                                          </p:val>
+                                        </p:tav>
+                                      </p:tavLst>
+                                    </p:anim>
+                                    <p:anim calcmode="lin" valueType="num">
+                                      <p:cBhvr>
+                                        <p:cTn id="60" dur="1000" fill="hold"/>
+                                        <p:tgtEl>
+                                          <p:spTgt spid="16"/>
+                                        </p:tgtEl>
+                                        <p:attrNameLst>
+                                          <p:attrName>ppt_y</p:attrName>
+                                        </p:attrNameLst>
+                                      </p:cBhvr>
+                                      <p:tavLst>
+                                        <p:tav tm="0">
+                                          <p:val>
+                                            <p:strVal val="#ppt_y+.1"/>
+                                          </p:val>
+                                        </p:tav>
+                                        <p:tav tm="100000">
+                                          <p:val>
+                                            <p:strVal val="#ppt_y"/>
+                                          </p:val>
+                                        </p:tav>
+                                      </p:tavLst>
+                                    </p:anim>
+                                  </p:childTnLst>
+                                </p:cTn>
+                              </p:par>
+                            </p:childTnLst>
+                          </p:cTn>
+                        </p:par>
+                      </p:childTnLst>
+                    </p:cTn>
+                  </p:par>
+                  <p:par>
+                    <p:cTn id="61" fill="hold">
+                      <p:stCondLst>
+                        <p:cond delay="indefinite"/>
+                      </p:stCondLst>
+                      <p:childTnLst>
+                        <p:par>
+                          <p:cTn id="62" fill="hold">
+                            <p:stCondLst>
+                              <p:cond delay="0"/>
+                            </p:stCondLst>
+                            <p:childTnLst>
+                              <p:par>
+                                <p:cTn id="63" presetID="42" presetClass="entr" presetSubtype="0" fill="hold" nodeType="clickEffect">
+                                  <p:stCondLst>
+                                    <p:cond delay="0"/>
+                                  </p:stCondLst>
+                                  <p:childTnLst>
+                                    <p:set>
+                                      <p:cBhvr>
+                                        <p:cTn id="64" dur="1" fill="hold">
+                                          <p:stCondLst>
+                                            <p:cond delay="0"/>
+                                          </p:stCondLst>
+                                        </p:cTn>
+                                        <p:tgtEl>
+                                          <p:spTgt spid="13">
+                                            <p:txEl>
+                                              <p:pRg st="4" end="4"/>
+                                            </p:txEl>
+                                          </p:spTgt>
+                                        </p:tgtEl>
+                                        <p:attrNameLst>
+                                          <p:attrName>style.visibility</p:attrName>
+                                        </p:attrNameLst>
+                                      </p:cBhvr>
+                                      <p:to>
+                                        <p:strVal val="visible"/>
+                                      </p:to>
+                                    </p:set>
+                                    <p:animEffect transition="in" filter="fade">
+                                      <p:cBhvr>
+                                        <p:cTn id="65" dur="1000"/>
+                                        <p:tgtEl>
+                                          <p:spTgt spid="13">
+                                            <p:txEl>
+                                              <p:pRg st="4" end="4"/>
+                                            </p:txEl>
+                                          </p:spTgt>
+                                        </p:tgtEl>
+                                      </p:cBhvr>
+                                    </p:animEffect>
+                                    <p:anim calcmode="lin" valueType="num">
+                                      <p:cBhvr>
+                                        <p:cTn id="66" dur="1000" fill="hold"/>
+                                        <p:tgtEl>
+                                          <p:spTgt spid="13">
+                                            <p:txEl>
+                                              <p:pRg st="4" end="4"/>
+                                            </p:txEl>
+                                          </p:spTgt>
+                                        </p:tgtEl>
+                                        <p:attrNameLst>
+                                          <p:attrName>ppt_x</p:attrName>
+                                        </p:attrNameLst>
+                                      </p:cBhvr>
+                                      <p:tavLst>
+                                        <p:tav tm="0">
+                                          <p:val>
+                                            <p:strVal val="#ppt_x"/>
+                                          </p:val>
+                                        </p:tav>
+                                        <p:tav tm="100000">
+                                          <p:val>
+                                            <p:strVal val="#ppt_x"/>
+                                          </p:val>
+                                        </p:tav>
+                                      </p:tavLst>
+                                    </p:anim>
+                                    <p:anim calcmode="lin" valueType="num">
+                                      <p:cBhvr>
+                                        <p:cTn id="67" dur="1000" fill="hold"/>
+                                        <p:tgtEl>
+                                          <p:spTgt spid="13">
+                                            <p:txEl>
+                                              <p:pRg st="4" end="4"/>
+                                            </p:txEl>
+                                          </p:spTgt>
+                                        </p:tgtEl>
+                                        <p:attrNameLst>
+                                          <p:attrName>ppt_y</p:attrName>
+                                        </p:attrNameLst>
+                                      </p:cBhvr>
+                                      <p:tavLst>
+                                        <p:tav tm="0">
+                                          <p:val>
+                                            <p:strVal val="#ppt_y+.1"/>
+                                          </p:val>
+                                        </p:tav>
+                                        <p:tav tm="100000">
+                                          <p:val>
+                                            <p:strVal val="#ppt_y"/>
+                                          </p:val>
+                                        </p:tav>
+                                      </p:tavLst>
+                                    </p:anim>
+                                  </p:childTnLst>
+                                </p:cTn>
+                              </p:par>
+                              <p:par>
+                                <p:cTn id="68" presetID="42" presetClass="entr" presetSubtype="0" fill="hold" nodeType="withEffect">
+                                  <p:stCondLst>
+                                    <p:cond delay="0"/>
+                                  </p:stCondLst>
+                                  <p:childTnLst>
+                                    <p:set>
+                                      <p:cBhvr>
+                                        <p:cTn id="69" dur="1" fill="hold">
+                                          <p:stCondLst>
+                                            <p:cond delay="0"/>
+                                          </p:stCondLst>
+                                        </p:cTn>
+                                        <p:tgtEl>
+                                          <p:spTgt spid="13">
+                                            <p:txEl>
+                                              <p:pRg st="5" end="5"/>
+                                            </p:txEl>
+                                          </p:spTgt>
+                                        </p:tgtEl>
+                                        <p:attrNameLst>
+                                          <p:attrName>style.visibility</p:attrName>
+                                        </p:attrNameLst>
+                                      </p:cBhvr>
+                                      <p:to>
+                                        <p:strVal val="visible"/>
+                                      </p:to>
+                                    </p:set>
+                                    <p:animEffect transition="in" filter="fade">
+                                      <p:cBhvr>
+                                        <p:cTn id="70" dur="1000"/>
+                                        <p:tgtEl>
+                                          <p:spTgt spid="13">
+                                            <p:txEl>
+                                              <p:pRg st="5" end="5"/>
+                                            </p:txEl>
+                                          </p:spTgt>
+                                        </p:tgtEl>
+                                      </p:cBhvr>
+                                    </p:animEffect>
+                                    <p:anim calcmode="lin" valueType="num">
+                                      <p:cBhvr>
+                                        <p:cTn id="71" dur="1000" fill="hold"/>
+                                        <p:tgtEl>
+                                          <p:spTgt spid="13">
+                                            <p:txEl>
+                                              <p:pRg st="5" end="5"/>
+                                            </p:txEl>
+                                          </p:spTgt>
+                                        </p:tgtEl>
+                                        <p:attrNameLst>
+                                          <p:attrName>ppt_x</p:attrName>
+                                        </p:attrNameLst>
+                                      </p:cBhvr>
+                                      <p:tavLst>
+                                        <p:tav tm="0">
+                                          <p:val>
+                                            <p:strVal val="#ppt_x"/>
+                                          </p:val>
+                                        </p:tav>
+                                        <p:tav tm="100000">
+                                          <p:val>
+                                            <p:strVal val="#ppt_x"/>
+                                          </p:val>
+                                        </p:tav>
+                                      </p:tavLst>
+                                    </p:anim>
+                                    <p:anim calcmode="lin" valueType="num">
+                                      <p:cBhvr>
+                                        <p:cTn id="72" dur="1000" fill="hold"/>
+                                        <p:tgtEl>
+                                          <p:spTgt spid="13">
+                                            <p:txEl>
+                                              <p:pRg st="5" end="5"/>
+                                            </p:txEl>
+                                          </p:spTgt>
+                                        </p:tgtEl>
+                                        <p:attrNameLst>
+                                          <p:attrName>ppt_y</p:attrName>
+                                        </p:attrNameLst>
+                                      </p:cBhvr>
+                                      <p:tavLst>
+                                        <p:tav tm="0">
+                                          <p:val>
+                                            <p:strVal val="#ppt_y+.1"/>
+                                          </p:val>
+                                        </p:tav>
+                                        <p:tav tm="100000">
+                                          <p:val>
+                                            <p:strVal val="#ppt_y"/>
+                                          </p:val>
+                                        </p:tav>
+                                      </p:tavLst>
+                                    </p:anim>
+                                  </p:childTnLst>
+                                </p:cTn>
+                              </p:par>
+                              <p:par>
+                                <p:cTn id="73" presetID="42" presetClass="entr" presetSubtype="0" fill="hold" nodeType="withEffect">
+                                  <p:stCondLst>
+                                    <p:cond delay="0"/>
+                                  </p:stCondLst>
+                                  <p:childTnLst>
+                                    <p:set>
+                                      <p:cBhvr>
+                                        <p:cTn id="74" dur="1" fill="hold">
+                                          <p:stCondLst>
+                                            <p:cond delay="0"/>
+                                          </p:stCondLst>
+                                        </p:cTn>
+                                        <p:tgtEl>
+                                          <p:spTgt spid="13">
+                                            <p:txEl>
+                                              <p:pRg st="6" end="6"/>
+                                            </p:txEl>
+                                          </p:spTgt>
+                                        </p:tgtEl>
+                                        <p:attrNameLst>
+                                          <p:attrName>style.visibility</p:attrName>
+                                        </p:attrNameLst>
+                                      </p:cBhvr>
+                                      <p:to>
+                                        <p:strVal val="visible"/>
+                                      </p:to>
+                                    </p:set>
+                                    <p:animEffect transition="in" filter="fade">
+                                      <p:cBhvr>
+                                        <p:cTn id="75" dur="1000"/>
+                                        <p:tgtEl>
+                                          <p:spTgt spid="13">
+                                            <p:txEl>
+                                              <p:pRg st="6" end="6"/>
+                                            </p:txEl>
+                                          </p:spTgt>
+                                        </p:tgtEl>
+                                      </p:cBhvr>
+                                    </p:animEffect>
+                                    <p:anim calcmode="lin" valueType="num">
+                                      <p:cBhvr>
+                                        <p:cTn id="76" dur="1000" fill="hold"/>
+                                        <p:tgtEl>
+                                          <p:spTgt spid="13">
+                                            <p:txEl>
+                                              <p:pRg st="6" end="6"/>
+                                            </p:txEl>
+                                          </p:spTgt>
+                                        </p:tgtEl>
+                                        <p:attrNameLst>
+                                          <p:attrName>ppt_x</p:attrName>
+                                        </p:attrNameLst>
+                                      </p:cBhvr>
+                                      <p:tavLst>
+                                        <p:tav tm="0">
+                                          <p:val>
+                                            <p:strVal val="#ppt_x"/>
+                                          </p:val>
+                                        </p:tav>
+                                        <p:tav tm="100000">
+                                          <p:val>
+                                            <p:strVal val="#ppt_x"/>
+                                          </p:val>
+                                        </p:tav>
+                                      </p:tavLst>
+                                    </p:anim>
+                                    <p:anim calcmode="lin" valueType="num">
+                                      <p:cBhvr>
+                                        <p:cTn id="77" dur="1000" fill="hold"/>
+                                        <p:tgtEl>
+                                          <p:spTgt spid="13">
+                                            <p:txEl>
+                                              <p:pRg st="6" end="6"/>
+                                            </p:txEl>
+                                          </p:spTgt>
+                                        </p:tgtEl>
+                                        <p:attrNameLst>
+                                          <p:attrName>ppt_y</p:attrName>
+                                        </p:attrNameLst>
+                                      </p:cBhvr>
+                                      <p:tavLst>
+                                        <p:tav tm="0">
+                                          <p:val>
+                                            <p:strVal val="#ppt_y+.1"/>
+                                          </p:val>
+                                        </p:tav>
+                                        <p:tav tm="100000">
+                                          <p:val>
+                                            <p:strVal val="#ppt_y"/>
+                                          </p:val>
+                                        </p:tav>
+                                      </p:tavLst>
+                                    </p:anim>
+                                  </p:childTnLst>
+                                </p:cTn>
+                              </p:par>
+                            </p:childTnLst>
+                          </p:cTn>
+                        </p:par>
+                      </p:childTnLst>
+                    </p:cTn>
+                  </p:par>
+                  <p:par>
+                    <p:cTn id="78" fill="hold">
+                      <p:stCondLst>
+                        <p:cond delay="indefinite"/>
+                      </p:stCondLst>
+                      <p:childTnLst>
+                        <p:par>
+                          <p:cTn id="79" fill="hold">
+                            <p:stCondLst>
+                              <p:cond delay="0"/>
+                            </p:stCondLst>
+                            <p:childTnLst>
+                              <p:par>
+                                <p:cTn id="80" presetID="42" presetClass="entr" presetSubtype="0" fill="hold" grpId="0" nodeType="clickEffect">
+                                  <p:stCondLst>
+                                    <p:cond delay="0"/>
+                                  </p:stCondLst>
+                                  <p:childTnLst>
+                                    <p:set>
+                                      <p:cBhvr>
+                                        <p:cTn id="81" dur="1" fill="hold">
+                                          <p:stCondLst>
+                                            <p:cond delay="0"/>
+                                          </p:stCondLst>
+                                        </p:cTn>
+                                        <p:tgtEl>
+                                          <p:spTgt spid="17"/>
+                                        </p:tgtEl>
+                                        <p:attrNameLst>
+                                          <p:attrName>style.visibility</p:attrName>
+                                        </p:attrNameLst>
+                                      </p:cBhvr>
+                                      <p:to>
+                                        <p:strVal val="visible"/>
+                                      </p:to>
+                                    </p:set>
+                                    <p:animEffect transition="in" filter="fade">
+                                      <p:cBhvr>
+                                        <p:cTn id="82" dur="1000"/>
+                                        <p:tgtEl>
+                                          <p:spTgt spid="17"/>
+                                        </p:tgtEl>
+                                      </p:cBhvr>
+                                    </p:animEffect>
+                                    <p:anim calcmode="lin" valueType="num">
+                                      <p:cBhvr>
+                                        <p:cTn id="83" dur="1000" fill="hold"/>
+                                        <p:tgtEl>
+                                          <p:spTgt spid="17"/>
+                                        </p:tgtEl>
+                                        <p:attrNameLst>
+                                          <p:attrName>ppt_x</p:attrName>
+                                        </p:attrNameLst>
+                                      </p:cBhvr>
+                                      <p:tavLst>
+                                        <p:tav tm="0">
+                                          <p:val>
+                                            <p:strVal val="#ppt_x"/>
+                                          </p:val>
+                                        </p:tav>
+                                        <p:tav tm="100000">
+                                          <p:val>
+                                            <p:strVal val="#ppt_x"/>
+                                          </p:val>
+                                        </p:tav>
+                                      </p:tavLst>
+                                    </p:anim>
+                                    <p:anim calcmode="lin" valueType="num">
+                                      <p:cBhvr>
+                                        <p:cTn id="84" dur="1000" fill="hold"/>
+                                        <p:tgtEl>
+                                          <p:spTgt spid="17"/>
+                                        </p:tgtEl>
+                                        <p:attrNameLst>
+                                          <p:attrName>ppt_y</p:attrName>
+                                        </p:attrNameLst>
+                                      </p:cBhvr>
+                                      <p:tavLst>
+                                        <p:tav tm="0">
+                                          <p:val>
+                                            <p:strVal val="#ppt_y+.1"/>
+                                          </p:val>
+                                        </p:tav>
+                                        <p:tav tm="100000">
+                                          <p:val>
+                                            <p:strVal val="#ppt_y"/>
+                                          </p:val>
+                                        </p:tav>
+                                      </p:tavLst>
+                                    </p:anim>
+                                  </p:childTnLst>
+                                </p:cTn>
+                              </p:par>
+                              <p:par>
+                                <p:cTn id="85" presetID="42" presetClass="entr" presetSubtype="0" fill="hold" grpId="0" nodeType="withEffect">
+                                  <p:stCondLst>
+                                    <p:cond delay="0"/>
+                                  </p:stCondLst>
+                                  <p:childTnLst>
+                                    <p:set>
+                                      <p:cBhvr>
+                                        <p:cTn id="86" dur="1" fill="hold">
+                                          <p:stCondLst>
+                                            <p:cond delay="0"/>
+                                          </p:stCondLst>
+                                        </p:cTn>
+                                        <p:tgtEl>
+                                          <p:spTgt spid="18"/>
+                                        </p:tgtEl>
+                                        <p:attrNameLst>
+                                          <p:attrName>style.visibility</p:attrName>
+                                        </p:attrNameLst>
+                                      </p:cBhvr>
+                                      <p:to>
+                                        <p:strVal val="visible"/>
+                                      </p:to>
+                                    </p:set>
+                                    <p:animEffect transition="in" filter="fade">
+                                      <p:cBhvr>
+                                        <p:cTn id="87" dur="1000"/>
+                                        <p:tgtEl>
+                                          <p:spTgt spid="18"/>
+                                        </p:tgtEl>
+                                      </p:cBhvr>
+                                    </p:animEffect>
+                                    <p:anim calcmode="lin" valueType="num">
+                                      <p:cBhvr>
+                                        <p:cTn id="88" dur="1000" fill="hold"/>
+                                        <p:tgtEl>
+                                          <p:spTgt spid="18"/>
+                                        </p:tgtEl>
+                                        <p:attrNameLst>
+                                          <p:attrName>ppt_x</p:attrName>
+                                        </p:attrNameLst>
+                                      </p:cBhvr>
+                                      <p:tavLst>
+                                        <p:tav tm="0">
+                                          <p:val>
+                                            <p:strVal val="#ppt_x"/>
+                                          </p:val>
+                                        </p:tav>
+                                        <p:tav tm="100000">
+                                          <p:val>
+                                            <p:strVal val="#ppt_x"/>
+                                          </p:val>
+                                        </p:tav>
+                                      </p:tavLst>
+                                    </p:anim>
+                                    <p:anim calcmode="lin" valueType="num">
+                                      <p:cBhvr>
+                                        <p:cTn id="89" dur="1000" fill="hold"/>
+                                        <p:tgtEl>
+                                          <p:spTgt spid="18"/>
+                                        </p:tgtEl>
+                                        <p:attrNameLst>
+                                          <p:attrName>ppt_y</p:attrName>
+                                        </p:attrNameLst>
+                                      </p:cBhvr>
+                                      <p:tavLst>
+                                        <p:tav tm="0">
+                                          <p:val>
+                                            <p:strVal val="#ppt_y+.1"/>
+                                          </p:val>
+                                        </p:tav>
+                                        <p:tav tm="100000">
+                                          <p:val>
+                                            <p:strVal val="#ppt_y"/>
+                                          </p:val>
+                                        </p:tav>
+                                      </p:tavLst>
+                                    </p:anim>
+                                  </p:childTnLst>
+                                </p:cTn>
+                              </p:par>
+                            </p:childTnLst>
+                          </p:cTn>
+                        </p:par>
+                      </p:childTnLst>
+                    </p:cTn>
+                  </p:par>
+                </p:childTnLst>
+              </p:cTn>
+              <p:prevCondLst>
+                <p:cond evt="onPrev" delay="0">
+                  <p:tgtEl>
+                    <p:sldTgt/>
+                  </p:tgtEl>
+                </p:cond>
+              </p:prevCondLst>
+              <p:nextCondLst>
+                <p:cond evt="onNext" delay="0">
+                  <p:tgtEl>
+                    <p:sldTgt/>
+                  </p:tgtEl>
+                </p:cond>
+              </p:nextCondLst>
+            </p:seq>
+          </p:childTnLst>
+        </p:cTn>
       </p:par>
     </p:tnLst>
+    <p:bldLst>
+      <p:bldP spid="11" grpId="0"/>
+      <p:bldP spid="14" grpId="0" animBg="1"/>
+      <p:bldP spid="16" grpId="0" animBg="1"/>
+      <p:bldP spid="17" grpId="0" animBg="1"/>
+      <p:bldP spid="18" grpId="0" animBg="1"/>
+      <p:bldP spid="19" grpId="0"/>
+    </p:bldLst>
   </p:timing>
 </p:sld>
 </file>
@@ -11370,9 +18829,16 @@
                 <p:ph idx="1"/>
               </p:nvPr>
             </p:nvSpPr>
-            <p:spPr/>
+            <p:spPr>
+              <a:xfrm>
+                <a:off x="1097280" y="1845734"/>
+                <a:ext cx="10058400" cy="4511104"/>
+              </a:xfrm>
+            </p:spPr>
             <p:txBody>
-              <a:bodyPr/>
+              <a:bodyPr>
+                <a:normAutofit fontScale="92500" lnSpcReduction="20000"/>
+              </a:bodyPr>
               <a:lstStyle/>
               <a:p>
                 <a:pPr marL="91440" lvl="1" indent="-91440">
@@ -11387,7 +18853,7 @@
                   <a:buChar char=" "/>
                 </a:pPr>
                 <a:r>
-                  <a:rPr lang="en-US" altLang="zh-CN" sz="2600" dirty="0">
+                  <a:rPr lang="en-US" altLang="zh-CN" sz="2600" dirty="0" smtClean="0">
                     <a:solidFill>
                       <a:srgbClr val="FF0000"/>
                     </a:solidFill>
@@ -11435,11 +18901,351 @@
                 </a14:m>
                 <a:r>
                   <a:rPr lang="en-US" altLang="zh-CN" sz="2600" dirty="0"/>
-                  <a:t> increases from 50 to 500 .</a:t>
+                  <a:t> increases from 50 to 500 </a:t>
+                </a:r>
+                <a:r>
+                  <a:rPr lang="en-US" altLang="zh-CN" sz="2600" dirty="0" smtClean="0"/>
+                  <a:t>;</a:t>
                 </a:r>
               </a:p>
               <a:p>
-                <a:endParaRPr lang="zh-CN" altLang="en-US" dirty="0"/>
+                <a:pPr marL="468630" lvl="2" indent="-285750">
+                  <a:spcBef>
+                    <a:spcPts val="1200"/>
+                  </a:spcBef>
+                  <a:spcAft>
+                    <a:spcPts val="200"/>
+                  </a:spcAft>
+                  <a:buSzPct val="100000"/>
+                </a:pPr>
+                <a14:m>
+                  <m:oMath xmlns:m="http://schemas.openxmlformats.org/officeDocument/2006/math">
+                    <m:r>
+                      <a:rPr lang="en-US" altLang="zh-CN" sz="1800" i="1" dirty="0" smtClean="0">
+                        <a:latin typeface="Cambria Math" panose="02040503050406030204" pitchFamily="18" charset="0"/>
+                      </a:rPr>
+                      <m:t>𝑅</m:t>
+                    </m:r>
+                    <m:sSub>
+                      <m:sSubPr>
+                        <m:ctrlPr>
+                          <a:rPr lang="en-US" altLang="zh-CN" sz="1800" b="0" i="1" dirty="0" smtClean="0">
+                            <a:latin typeface="Cambria Math" panose="02040503050406030204" pitchFamily="18" charset="0"/>
+                          </a:rPr>
+                        </m:ctrlPr>
+                      </m:sSubPr>
+                      <m:e>
+                        <m:r>
+                          <a:rPr lang="en-US" altLang="zh-CN" sz="1800" i="1" dirty="0" smtClean="0">
+                            <a:latin typeface="Cambria Math" panose="02040503050406030204" pitchFamily="18" charset="0"/>
+                          </a:rPr>
+                          <m:t>𝑒</m:t>
+                        </m:r>
+                      </m:e>
+                      <m:sub>
+                        <m:r>
+                          <a:rPr lang="en-US" altLang="zh-CN" sz="1800" b="0" i="1" dirty="0" smtClean="0">
+                            <a:latin typeface="Cambria Math" panose="02040503050406030204" pitchFamily="18" charset="0"/>
+                          </a:rPr>
+                          <m:t>𝜆</m:t>
+                        </m:r>
+                      </m:sub>
+                    </m:sSub>
+                    <m:r>
+                      <a:rPr lang="en-US" altLang="zh-CN" sz="1800" i="1" dirty="0" smtClean="0">
+                        <a:latin typeface="Cambria Math" panose="02040503050406030204" pitchFamily="18" charset="0"/>
+                      </a:rPr>
+                      <m:t> &lt; 100</m:t>
+                    </m:r>
+                  </m:oMath>
+                </a14:m>
+                <a:r>
+                  <a:rPr lang="en-US" altLang="zh-CN" sz="1800" dirty="0" smtClean="0"/>
+                  <a:t>:</a:t>
+                </a:r>
+              </a:p>
+              <a:p>
+                <a:pPr marL="365760" lvl="3" indent="0">
+                  <a:spcBef>
+                    <a:spcPts val="1200"/>
+                  </a:spcBef>
+                  <a:spcAft>
+                    <a:spcPts val="200"/>
+                  </a:spcAft>
+                  <a:buSzPct val="100000"/>
+                  <a:buNone/>
+                </a:pPr>
+                <a:r>
+                  <a:rPr lang="en-US" altLang="zh-CN" sz="2200" dirty="0"/>
+                  <a:t>	</a:t>
+                </a:r>
+                <a:r>
+                  <a:rPr lang="en-US" altLang="zh-CN" sz="1600" dirty="0" smtClean="0"/>
+                  <a:t>Weak </a:t>
+                </a:r>
+                <a:r>
+                  <a:rPr lang="en-US" altLang="zh-CN" sz="1600" dirty="0"/>
+                  <a:t>scaling range; </a:t>
+                </a:r>
+              </a:p>
+              <a:p>
+                <a:pPr marL="365760" lvl="3" indent="0">
+                  <a:spcBef>
+                    <a:spcPts val="1200"/>
+                  </a:spcBef>
+                  <a:spcAft>
+                    <a:spcPts val="200"/>
+                  </a:spcAft>
+                  <a:buSzPct val="100000"/>
+                  <a:buNone/>
+                </a:pPr>
+                <a:r>
+                  <a:rPr lang="en-US" altLang="zh-CN" sz="1600" dirty="0"/>
+                  <a:t>	Little effect of internal intermittency on inertial subrange</a:t>
+                </a:r>
+                <a:r>
+                  <a:rPr lang="en-US" altLang="zh-CN" sz="1600" dirty="0" smtClean="0"/>
+                  <a:t>;</a:t>
+                </a:r>
+                <a:endParaRPr lang="en-US" altLang="zh-CN" sz="1600" dirty="0" smtClean="0"/>
+              </a:p>
+              <a:p>
+                <a:pPr marL="468630" lvl="2" indent="-285750">
+                  <a:spcBef>
+                    <a:spcPts val="1200"/>
+                  </a:spcBef>
+                  <a:spcAft>
+                    <a:spcPts val="200"/>
+                  </a:spcAft>
+                  <a:buSzPct val="100000"/>
+                </a:pPr>
+                <a14:m>
+                  <m:oMath xmlns:m="http://schemas.openxmlformats.org/officeDocument/2006/math">
+                    <m:r>
+                      <a:rPr lang="en-US" altLang="zh-CN" sz="1800" i="1" dirty="0" smtClean="0">
+                        <a:latin typeface="Cambria Math" panose="02040503050406030204" pitchFamily="18" charset="0"/>
+                      </a:rPr>
+                      <m:t>𝑅</m:t>
+                    </m:r>
+                    <m:sSub>
+                      <m:sSubPr>
+                        <m:ctrlPr>
+                          <a:rPr lang="en-US" altLang="zh-CN" sz="1800" b="0" i="1" dirty="0" smtClean="0">
+                            <a:latin typeface="Cambria Math" panose="02040503050406030204" pitchFamily="18" charset="0"/>
+                          </a:rPr>
+                        </m:ctrlPr>
+                      </m:sSubPr>
+                      <m:e>
+                        <m:r>
+                          <a:rPr lang="en-US" altLang="zh-CN" sz="1800" i="1" dirty="0" smtClean="0">
+                            <a:latin typeface="Cambria Math" panose="02040503050406030204" pitchFamily="18" charset="0"/>
+                          </a:rPr>
+                          <m:t>𝑒</m:t>
+                        </m:r>
+                      </m:e>
+                      <m:sub>
+                        <m:r>
+                          <a:rPr lang="en-US" altLang="zh-CN" sz="1800" b="0" i="1" dirty="0" smtClean="0">
+                            <a:latin typeface="Cambria Math" panose="02040503050406030204" pitchFamily="18" charset="0"/>
+                          </a:rPr>
+                          <m:t>𝜆</m:t>
+                        </m:r>
+                      </m:sub>
+                    </m:sSub>
+                    <m:r>
+                      <a:rPr lang="en-US" altLang="zh-CN" sz="1800" i="1" dirty="0" smtClean="0">
+                        <a:latin typeface="Cambria Math" panose="02040503050406030204" pitchFamily="18" charset="0"/>
+                      </a:rPr>
+                      <m:t> &gt; 200</m:t>
+                    </m:r>
+                  </m:oMath>
+                </a14:m>
+                <a:r>
+                  <a:rPr lang="en-US" altLang="zh-CN" sz="1800" dirty="0" smtClean="0"/>
+                  <a:t>:</a:t>
+                </a:r>
+                <a:endParaRPr lang="en-US" altLang="zh-CN" sz="1800" dirty="0" smtClean="0"/>
+              </a:p>
+              <a:p>
+                <a:pPr marL="365760" lvl="3" indent="0">
+                  <a:spcBef>
+                    <a:spcPts val="1200"/>
+                  </a:spcBef>
+                  <a:spcAft>
+                    <a:spcPts val="200"/>
+                  </a:spcAft>
+                  <a:buSzPct val="100000"/>
+                  <a:buNone/>
+                </a:pPr>
+                <a:r>
+                  <a:rPr lang="en-US" altLang="zh-CN" sz="2200" dirty="0"/>
+                  <a:t>	</a:t>
+                </a:r>
+                <a:r>
+                  <a:rPr lang="en-US" altLang="zh-CN" sz="1600" dirty="0" smtClean="0"/>
+                  <a:t>Scaling range well developed with exponent close to </a:t>
+                </a:r>
+                <a14:m>
+                  <m:oMath xmlns:m="http://schemas.openxmlformats.org/officeDocument/2006/math">
+                    <m:f>
+                      <m:fPr>
+                        <m:ctrlPr>
+                          <a:rPr lang="en-US" altLang="zh-CN" sz="1600" i="1" smtClean="0">
+                            <a:latin typeface="Cambria Math" panose="02040503050406030204" pitchFamily="18" charset="0"/>
+                          </a:rPr>
+                        </m:ctrlPr>
+                      </m:fPr>
+                      <m:num>
+                        <m:r>
+                          <a:rPr lang="en-US" altLang="zh-CN" sz="1600" b="0" i="1" smtClean="0">
+                            <a:latin typeface="Cambria Math" panose="02040503050406030204" pitchFamily="18" charset="0"/>
+                          </a:rPr>
+                          <m:t>5</m:t>
+                        </m:r>
+                      </m:num>
+                      <m:den>
+                        <m:r>
+                          <a:rPr lang="en-US" altLang="zh-CN" sz="1600" b="0" i="1" smtClean="0">
+                            <a:latin typeface="Cambria Math" panose="02040503050406030204" pitchFamily="18" charset="0"/>
+                          </a:rPr>
+                          <m:t>3</m:t>
+                        </m:r>
+                      </m:den>
+                    </m:f>
+                  </m:oMath>
+                </a14:m>
+                <a:r>
+                  <a:rPr lang="en-US" altLang="zh-CN" sz="1600" dirty="0" smtClean="0"/>
+                  <a:t>; </a:t>
+                </a:r>
+              </a:p>
+              <a:p>
+                <a:pPr marL="365760" lvl="3" indent="0">
+                  <a:spcBef>
+                    <a:spcPts val="1200"/>
+                  </a:spcBef>
+                  <a:spcAft>
+                    <a:spcPts val="200"/>
+                  </a:spcAft>
+                  <a:buSzPct val="100000"/>
+                  <a:buNone/>
+                </a:pPr>
+                <a:r>
+                  <a:rPr lang="en-US" altLang="zh-CN" sz="1600" dirty="0"/>
+                  <a:t>	</a:t>
+                </a:r>
+                <a:r>
+                  <a:rPr lang="en-US" altLang="zh-CN" sz="1600" dirty="0" smtClean="0"/>
+                  <a:t>Internal intermittency is reflected in the inertial subrange;</a:t>
+                </a:r>
+              </a:p>
+              <a:p>
+                <a:pPr marL="365760" lvl="3" indent="0">
+                  <a:spcBef>
+                    <a:spcPts val="1200"/>
+                  </a:spcBef>
+                  <a:spcAft>
+                    <a:spcPts val="200"/>
+                  </a:spcAft>
+                  <a:buSzPct val="100000"/>
+                  <a:buNone/>
+                </a:pPr>
+                <a:r>
+                  <a:rPr lang="en-US" altLang="zh-CN" sz="1600" dirty="0"/>
+                  <a:t>	</a:t>
+                </a:r>
+                <a:r>
+                  <a:rPr lang="en-US" altLang="zh-CN" sz="1600" dirty="0" smtClean="0">
+                    <a:solidFill>
+                      <a:srgbClr val="FF0000"/>
+                    </a:solidFill>
+                  </a:rPr>
+                  <a:t>Similar</a:t>
+                </a:r>
+                <a:r>
+                  <a:rPr lang="en-US" altLang="zh-CN" sz="1600" dirty="0" smtClean="0"/>
+                  <a:t> characteristics to the high Re turbulence in shear flows.</a:t>
+                </a:r>
+                <a:endParaRPr lang="en-US" altLang="zh-CN" sz="1600" dirty="0"/>
+              </a:p>
+              <a:p>
+                <a:r>
+                  <a:rPr lang="en-US" altLang="zh-CN" sz="2600" dirty="0">
+                    <a:solidFill>
+                      <a:srgbClr val="FF0000"/>
+                    </a:solidFill>
+                  </a:rPr>
+                  <a:t>Transition</a:t>
+                </a:r>
+                <a:r>
+                  <a:rPr lang="en-US" altLang="zh-CN" sz="2600" dirty="0"/>
+                  <a:t> gap </a:t>
+                </a:r>
+                <a:r>
+                  <a:rPr lang="en-US" altLang="zh-CN" sz="2600" dirty="0" smtClean="0"/>
+                  <a:t>exists;</a:t>
+                </a:r>
+              </a:p>
+              <a:p>
+                <a:pPr lvl="1"/>
+                <a:r>
+                  <a:rPr lang="en-US" altLang="zh-CN" sz="1700" dirty="0" smtClean="0"/>
+                  <a:t>can </a:t>
+                </a:r>
+                <a:r>
+                  <a:rPr lang="en-US" altLang="zh-CN" sz="1700" dirty="0"/>
+                  <a:t>be used to study intermediate Re </a:t>
+                </a:r>
+                <a:r>
+                  <a:rPr lang="en-US" altLang="zh-CN" sz="1700" dirty="0" smtClean="0"/>
+                  <a:t>flow;</a:t>
+                </a:r>
+              </a:p>
+              <a:p>
+                <a:pPr lvl="1"/>
+                <a:r>
+                  <a:rPr lang="en-US" altLang="zh-CN" sz="1700" dirty="0" smtClean="0"/>
+                  <a:t>of </a:t>
+                </a:r>
+                <a:r>
+                  <a:rPr lang="en-US" altLang="zh-CN" sz="1700" dirty="0"/>
+                  <a:t>practical importance.</a:t>
+                </a:r>
+              </a:p>
+              <a:p>
+                <a:r>
+                  <a:rPr lang="en-US" altLang="zh-CN" sz="2600" dirty="0" smtClean="0"/>
+                  <a:t>Behavior </a:t>
+                </a:r>
+                <a:r>
+                  <a:rPr lang="en-US" altLang="zh-CN" sz="2600" dirty="0"/>
+                  <a:t>of </a:t>
+                </a:r>
+                <a:r>
+                  <a:rPr lang="en-US" altLang="zh-CN" sz="2600" dirty="0" smtClean="0">
+                    <a:solidFill>
+                      <a:srgbClr val="FF0000"/>
+                    </a:solidFill>
+                  </a:rPr>
+                  <a:t>high</a:t>
+                </a:r>
+                <a:r>
+                  <a:rPr lang="en-US" altLang="zh-CN" sz="2600" dirty="0" smtClean="0"/>
+                  <a:t> Re turbulence can be learned using </a:t>
+                </a:r>
+                <a:r>
+                  <a:rPr lang="en-US" altLang="zh-CN" sz="2600" dirty="0" smtClean="0">
+                    <a:solidFill>
+                      <a:srgbClr val="FF0000"/>
+                    </a:solidFill>
+                  </a:rPr>
+                  <a:t>small</a:t>
+                </a:r>
+                <a:r>
+                  <a:rPr lang="en-US" altLang="zh-CN" sz="2600" dirty="0" smtClean="0"/>
+                  <a:t> wind tunnel!</a:t>
+                </a:r>
+                <a:endParaRPr lang="zh-CN" altLang="en-US" sz="2600" dirty="0"/>
               </a:p>
             </p:txBody>
           </p:sp>
@@ -11456,10 +19262,14 @@
               </p:nvPr>
             </p:nvSpPr>
             <p:spPr>
+              <a:xfrm>
+                <a:off x="1097280" y="1845734"/>
+                <a:ext cx="10058400" cy="4511104"/>
+              </a:xfrm>
               <a:blipFill>
                 <a:blip r:embed="rId2"/>
                 <a:stretch>
-                  <a:fillRect l="-1091" t="-2273"/>
+                  <a:fillRect l="-909" t="-3108"/>
                 </a:stretch>
               </a:blipFill>
             </p:spPr>
@@ -11491,7 +19301,1248 @@
   <p:timing>
     <p:tnLst>
       <p:par>
-        <p:cTn id="1" dur="indefinite" restart="never" nodeType="tmRoot"/>
+        <p:cTn id="1" dur="indefinite" restart="never" nodeType="tmRoot">
+          <p:childTnLst>
+            <p:seq concurrent="1" nextAc="seek">
+              <p:cTn id="2" dur="indefinite" nodeType="mainSeq">
+                <p:childTnLst>
+                  <p:par>
+                    <p:cTn id="3" fill="hold">
+                      <p:stCondLst>
+                        <p:cond delay="indefinite"/>
+                      </p:stCondLst>
+                      <p:childTnLst>
+                        <p:par>
+                          <p:cTn id="4" fill="hold">
+                            <p:stCondLst>
+                              <p:cond delay="0"/>
+                            </p:stCondLst>
+                            <p:childTnLst>
+                              <p:par>
+                                <p:cTn id="5" presetID="42" presetClass="entr" presetSubtype="0" fill="hold" nodeType="clickEffect">
+                                  <p:stCondLst>
+                                    <p:cond delay="0"/>
+                                  </p:stCondLst>
+                                  <p:childTnLst>
+                                    <p:set>
+                                      <p:cBhvr>
+                                        <p:cTn id="6" dur="1" fill="hold">
+                                          <p:stCondLst>
+                                            <p:cond delay="0"/>
+                                          </p:stCondLst>
+                                        </p:cTn>
+                                        <p:tgtEl>
+                                          <p:spTgt spid="2">
+                                            <p:txEl>
+                                              <p:pRg st="0" end="0"/>
+                                            </p:txEl>
+                                          </p:spTgt>
+                                        </p:tgtEl>
+                                        <p:attrNameLst>
+                                          <p:attrName>style.visibility</p:attrName>
+                                        </p:attrNameLst>
+                                      </p:cBhvr>
+                                      <p:to>
+                                        <p:strVal val="visible"/>
+                                      </p:to>
+                                    </p:set>
+                                    <p:animEffect transition="in" filter="fade">
+                                      <p:cBhvr>
+                                        <p:cTn id="7" dur="1000"/>
+                                        <p:tgtEl>
+                                          <p:spTgt spid="2">
+                                            <p:txEl>
+                                              <p:pRg st="0" end="0"/>
+                                            </p:txEl>
+                                          </p:spTgt>
+                                        </p:tgtEl>
+                                      </p:cBhvr>
+                                    </p:animEffect>
+                                    <p:anim calcmode="lin" valueType="num">
+                                      <p:cBhvr>
+                                        <p:cTn id="8" dur="1000" fill="hold"/>
+                                        <p:tgtEl>
+                                          <p:spTgt spid="2">
+                                            <p:txEl>
+                                              <p:pRg st="0" end="0"/>
+                                            </p:txEl>
+                                          </p:spTgt>
+                                        </p:tgtEl>
+                                        <p:attrNameLst>
+                                          <p:attrName>ppt_x</p:attrName>
+                                        </p:attrNameLst>
+                                      </p:cBhvr>
+                                      <p:tavLst>
+                                        <p:tav tm="0">
+                                          <p:val>
+                                            <p:strVal val="#ppt_x"/>
+                                          </p:val>
+                                        </p:tav>
+                                        <p:tav tm="100000">
+                                          <p:val>
+                                            <p:strVal val="#ppt_x"/>
+                                          </p:val>
+                                        </p:tav>
+                                      </p:tavLst>
+                                    </p:anim>
+                                    <p:anim calcmode="lin" valueType="num">
+                                      <p:cBhvr>
+                                        <p:cTn id="9" dur="1000" fill="hold"/>
+                                        <p:tgtEl>
+                                          <p:spTgt spid="2">
+                                            <p:txEl>
+                                              <p:pRg st="0" end="0"/>
+                                            </p:txEl>
+                                          </p:spTgt>
+                                        </p:tgtEl>
+                                        <p:attrNameLst>
+                                          <p:attrName>ppt_y</p:attrName>
+                                        </p:attrNameLst>
+                                      </p:cBhvr>
+                                      <p:tavLst>
+                                        <p:tav tm="0">
+                                          <p:val>
+                                            <p:strVal val="#ppt_y+.1"/>
+                                          </p:val>
+                                        </p:tav>
+                                        <p:tav tm="100000">
+                                          <p:val>
+                                            <p:strVal val="#ppt_y"/>
+                                          </p:val>
+                                        </p:tav>
+                                      </p:tavLst>
+                                    </p:anim>
+                                  </p:childTnLst>
+                                </p:cTn>
+                              </p:par>
+                              <p:par>
+                                <p:cTn id="10" presetID="42" presetClass="entr" presetSubtype="0" fill="hold" nodeType="withEffect">
+                                  <p:stCondLst>
+                                    <p:cond delay="0"/>
+                                  </p:stCondLst>
+                                  <p:childTnLst>
+                                    <p:set>
+                                      <p:cBhvr>
+                                        <p:cTn id="11" dur="1" fill="hold">
+                                          <p:stCondLst>
+                                            <p:cond delay="0"/>
+                                          </p:stCondLst>
+                                        </p:cTn>
+                                        <p:tgtEl>
+                                          <p:spTgt spid="2">
+                                            <p:txEl>
+                                              <p:pRg st="1" end="1"/>
+                                            </p:txEl>
+                                          </p:spTgt>
+                                        </p:tgtEl>
+                                        <p:attrNameLst>
+                                          <p:attrName>style.visibility</p:attrName>
+                                        </p:attrNameLst>
+                                      </p:cBhvr>
+                                      <p:to>
+                                        <p:strVal val="visible"/>
+                                      </p:to>
+                                    </p:set>
+                                    <p:animEffect transition="in" filter="fade">
+                                      <p:cBhvr>
+                                        <p:cTn id="12" dur="1000"/>
+                                        <p:tgtEl>
+                                          <p:spTgt spid="2">
+                                            <p:txEl>
+                                              <p:pRg st="1" end="1"/>
+                                            </p:txEl>
+                                          </p:spTgt>
+                                        </p:tgtEl>
+                                      </p:cBhvr>
+                                    </p:animEffect>
+                                    <p:anim calcmode="lin" valueType="num">
+                                      <p:cBhvr>
+                                        <p:cTn id="13" dur="1000" fill="hold"/>
+                                        <p:tgtEl>
+                                          <p:spTgt spid="2">
+                                            <p:txEl>
+                                              <p:pRg st="1" end="1"/>
+                                            </p:txEl>
+                                          </p:spTgt>
+                                        </p:tgtEl>
+                                        <p:attrNameLst>
+                                          <p:attrName>ppt_x</p:attrName>
+                                        </p:attrNameLst>
+                                      </p:cBhvr>
+                                      <p:tavLst>
+                                        <p:tav tm="0">
+                                          <p:val>
+                                            <p:strVal val="#ppt_x"/>
+                                          </p:val>
+                                        </p:tav>
+                                        <p:tav tm="100000">
+                                          <p:val>
+                                            <p:strVal val="#ppt_x"/>
+                                          </p:val>
+                                        </p:tav>
+                                      </p:tavLst>
+                                    </p:anim>
+                                    <p:anim calcmode="lin" valueType="num">
+                                      <p:cBhvr>
+                                        <p:cTn id="14" dur="1000" fill="hold"/>
+                                        <p:tgtEl>
+                                          <p:spTgt spid="2">
+                                            <p:txEl>
+                                              <p:pRg st="1" end="1"/>
+                                            </p:txEl>
+                                          </p:spTgt>
+                                        </p:tgtEl>
+                                        <p:attrNameLst>
+                                          <p:attrName>ppt_y</p:attrName>
+                                        </p:attrNameLst>
+                                      </p:cBhvr>
+                                      <p:tavLst>
+                                        <p:tav tm="0">
+                                          <p:val>
+                                            <p:strVal val="#ppt_y+.1"/>
+                                          </p:val>
+                                        </p:tav>
+                                        <p:tav tm="100000">
+                                          <p:val>
+                                            <p:strVal val="#ppt_y"/>
+                                          </p:val>
+                                        </p:tav>
+                                      </p:tavLst>
+                                    </p:anim>
+                                  </p:childTnLst>
+                                </p:cTn>
+                              </p:par>
+                              <p:par>
+                                <p:cTn id="15" presetID="42" presetClass="entr" presetSubtype="0" fill="hold" nodeType="withEffect">
+                                  <p:stCondLst>
+                                    <p:cond delay="0"/>
+                                  </p:stCondLst>
+                                  <p:childTnLst>
+                                    <p:set>
+                                      <p:cBhvr>
+                                        <p:cTn id="16" dur="1" fill="hold">
+                                          <p:stCondLst>
+                                            <p:cond delay="0"/>
+                                          </p:stCondLst>
+                                        </p:cTn>
+                                        <p:tgtEl>
+                                          <p:spTgt spid="2">
+                                            <p:txEl>
+                                              <p:pRg st="2" end="2"/>
+                                            </p:txEl>
+                                          </p:spTgt>
+                                        </p:tgtEl>
+                                        <p:attrNameLst>
+                                          <p:attrName>style.visibility</p:attrName>
+                                        </p:attrNameLst>
+                                      </p:cBhvr>
+                                      <p:to>
+                                        <p:strVal val="visible"/>
+                                      </p:to>
+                                    </p:set>
+                                    <p:animEffect transition="in" filter="fade">
+                                      <p:cBhvr>
+                                        <p:cTn id="17" dur="1000"/>
+                                        <p:tgtEl>
+                                          <p:spTgt spid="2">
+                                            <p:txEl>
+                                              <p:pRg st="2" end="2"/>
+                                            </p:txEl>
+                                          </p:spTgt>
+                                        </p:tgtEl>
+                                      </p:cBhvr>
+                                    </p:animEffect>
+                                    <p:anim calcmode="lin" valueType="num">
+                                      <p:cBhvr>
+                                        <p:cTn id="18" dur="1000" fill="hold"/>
+                                        <p:tgtEl>
+                                          <p:spTgt spid="2">
+                                            <p:txEl>
+                                              <p:pRg st="2" end="2"/>
+                                            </p:txEl>
+                                          </p:spTgt>
+                                        </p:tgtEl>
+                                        <p:attrNameLst>
+                                          <p:attrName>ppt_x</p:attrName>
+                                        </p:attrNameLst>
+                                      </p:cBhvr>
+                                      <p:tavLst>
+                                        <p:tav tm="0">
+                                          <p:val>
+                                            <p:strVal val="#ppt_x"/>
+                                          </p:val>
+                                        </p:tav>
+                                        <p:tav tm="100000">
+                                          <p:val>
+                                            <p:strVal val="#ppt_x"/>
+                                          </p:val>
+                                        </p:tav>
+                                      </p:tavLst>
+                                    </p:anim>
+                                    <p:anim calcmode="lin" valueType="num">
+                                      <p:cBhvr>
+                                        <p:cTn id="19" dur="1000" fill="hold"/>
+                                        <p:tgtEl>
+                                          <p:spTgt spid="2">
+                                            <p:txEl>
+                                              <p:pRg st="2" end="2"/>
+                                            </p:txEl>
+                                          </p:spTgt>
+                                        </p:tgtEl>
+                                        <p:attrNameLst>
+                                          <p:attrName>ppt_y</p:attrName>
+                                        </p:attrNameLst>
+                                      </p:cBhvr>
+                                      <p:tavLst>
+                                        <p:tav tm="0">
+                                          <p:val>
+                                            <p:strVal val="#ppt_y+.1"/>
+                                          </p:val>
+                                        </p:tav>
+                                        <p:tav tm="100000">
+                                          <p:val>
+                                            <p:strVal val="#ppt_y"/>
+                                          </p:val>
+                                        </p:tav>
+                                      </p:tavLst>
+                                    </p:anim>
+                                  </p:childTnLst>
+                                </p:cTn>
+                              </p:par>
+                              <p:par>
+                                <p:cTn id="20" presetID="42" presetClass="entr" presetSubtype="0" fill="hold" nodeType="withEffect">
+                                  <p:stCondLst>
+                                    <p:cond delay="0"/>
+                                  </p:stCondLst>
+                                  <p:childTnLst>
+                                    <p:set>
+                                      <p:cBhvr>
+                                        <p:cTn id="21" dur="1" fill="hold">
+                                          <p:stCondLst>
+                                            <p:cond delay="0"/>
+                                          </p:stCondLst>
+                                        </p:cTn>
+                                        <p:tgtEl>
+                                          <p:spTgt spid="2">
+                                            <p:txEl>
+                                              <p:pRg st="3" end="3"/>
+                                            </p:txEl>
+                                          </p:spTgt>
+                                        </p:tgtEl>
+                                        <p:attrNameLst>
+                                          <p:attrName>style.visibility</p:attrName>
+                                        </p:attrNameLst>
+                                      </p:cBhvr>
+                                      <p:to>
+                                        <p:strVal val="visible"/>
+                                      </p:to>
+                                    </p:set>
+                                    <p:animEffect transition="in" filter="fade">
+                                      <p:cBhvr>
+                                        <p:cTn id="22" dur="1000"/>
+                                        <p:tgtEl>
+                                          <p:spTgt spid="2">
+                                            <p:txEl>
+                                              <p:pRg st="3" end="3"/>
+                                            </p:txEl>
+                                          </p:spTgt>
+                                        </p:tgtEl>
+                                      </p:cBhvr>
+                                    </p:animEffect>
+                                    <p:anim calcmode="lin" valueType="num">
+                                      <p:cBhvr>
+                                        <p:cTn id="23" dur="1000" fill="hold"/>
+                                        <p:tgtEl>
+                                          <p:spTgt spid="2">
+                                            <p:txEl>
+                                              <p:pRg st="3" end="3"/>
+                                            </p:txEl>
+                                          </p:spTgt>
+                                        </p:tgtEl>
+                                        <p:attrNameLst>
+                                          <p:attrName>ppt_x</p:attrName>
+                                        </p:attrNameLst>
+                                      </p:cBhvr>
+                                      <p:tavLst>
+                                        <p:tav tm="0">
+                                          <p:val>
+                                            <p:strVal val="#ppt_x"/>
+                                          </p:val>
+                                        </p:tav>
+                                        <p:tav tm="100000">
+                                          <p:val>
+                                            <p:strVal val="#ppt_x"/>
+                                          </p:val>
+                                        </p:tav>
+                                      </p:tavLst>
+                                    </p:anim>
+                                    <p:anim calcmode="lin" valueType="num">
+                                      <p:cBhvr>
+                                        <p:cTn id="24" dur="1000" fill="hold"/>
+                                        <p:tgtEl>
+                                          <p:spTgt spid="2">
+                                            <p:txEl>
+                                              <p:pRg st="3" end="3"/>
+                                            </p:txEl>
+                                          </p:spTgt>
+                                        </p:tgtEl>
+                                        <p:attrNameLst>
+                                          <p:attrName>ppt_y</p:attrName>
+                                        </p:attrNameLst>
+                                      </p:cBhvr>
+                                      <p:tavLst>
+                                        <p:tav tm="0">
+                                          <p:val>
+                                            <p:strVal val="#ppt_y+.1"/>
+                                          </p:val>
+                                        </p:tav>
+                                        <p:tav tm="100000">
+                                          <p:val>
+                                            <p:strVal val="#ppt_y"/>
+                                          </p:val>
+                                        </p:tav>
+                                      </p:tavLst>
+                                    </p:anim>
+                                  </p:childTnLst>
+                                </p:cTn>
+                              </p:par>
+                              <p:par>
+                                <p:cTn id="25" presetID="42" presetClass="entr" presetSubtype="0" fill="hold" nodeType="withEffect">
+                                  <p:stCondLst>
+                                    <p:cond delay="0"/>
+                                  </p:stCondLst>
+                                  <p:childTnLst>
+                                    <p:set>
+                                      <p:cBhvr>
+                                        <p:cTn id="26" dur="1" fill="hold">
+                                          <p:stCondLst>
+                                            <p:cond delay="0"/>
+                                          </p:stCondLst>
+                                        </p:cTn>
+                                        <p:tgtEl>
+                                          <p:spTgt spid="2">
+                                            <p:txEl>
+                                              <p:pRg st="4" end="4"/>
+                                            </p:txEl>
+                                          </p:spTgt>
+                                        </p:tgtEl>
+                                        <p:attrNameLst>
+                                          <p:attrName>style.visibility</p:attrName>
+                                        </p:attrNameLst>
+                                      </p:cBhvr>
+                                      <p:to>
+                                        <p:strVal val="visible"/>
+                                      </p:to>
+                                    </p:set>
+                                    <p:animEffect transition="in" filter="fade">
+                                      <p:cBhvr>
+                                        <p:cTn id="27" dur="1000"/>
+                                        <p:tgtEl>
+                                          <p:spTgt spid="2">
+                                            <p:txEl>
+                                              <p:pRg st="4" end="4"/>
+                                            </p:txEl>
+                                          </p:spTgt>
+                                        </p:tgtEl>
+                                      </p:cBhvr>
+                                    </p:animEffect>
+                                    <p:anim calcmode="lin" valueType="num">
+                                      <p:cBhvr>
+                                        <p:cTn id="28" dur="1000" fill="hold"/>
+                                        <p:tgtEl>
+                                          <p:spTgt spid="2">
+                                            <p:txEl>
+                                              <p:pRg st="4" end="4"/>
+                                            </p:txEl>
+                                          </p:spTgt>
+                                        </p:tgtEl>
+                                        <p:attrNameLst>
+                                          <p:attrName>ppt_x</p:attrName>
+                                        </p:attrNameLst>
+                                      </p:cBhvr>
+                                      <p:tavLst>
+                                        <p:tav tm="0">
+                                          <p:val>
+                                            <p:strVal val="#ppt_x"/>
+                                          </p:val>
+                                        </p:tav>
+                                        <p:tav tm="100000">
+                                          <p:val>
+                                            <p:strVal val="#ppt_x"/>
+                                          </p:val>
+                                        </p:tav>
+                                      </p:tavLst>
+                                    </p:anim>
+                                    <p:anim calcmode="lin" valueType="num">
+                                      <p:cBhvr>
+                                        <p:cTn id="29" dur="1000" fill="hold"/>
+                                        <p:tgtEl>
+                                          <p:spTgt spid="2">
+                                            <p:txEl>
+                                              <p:pRg st="4" end="4"/>
+                                            </p:txEl>
+                                          </p:spTgt>
+                                        </p:tgtEl>
+                                        <p:attrNameLst>
+                                          <p:attrName>ppt_y</p:attrName>
+                                        </p:attrNameLst>
+                                      </p:cBhvr>
+                                      <p:tavLst>
+                                        <p:tav tm="0">
+                                          <p:val>
+                                            <p:strVal val="#ppt_y+.1"/>
+                                          </p:val>
+                                        </p:tav>
+                                        <p:tav tm="100000">
+                                          <p:val>
+                                            <p:strVal val="#ppt_y"/>
+                                          </p:val>
+                                        </p:tav>
+                                      </p:tavLst>
+                                    </p:anim>
+                                  </p:childTnLst>
+                                </p:cTn>
+                              </p:par>
+                              <p:par>
+                                <p:cTn id="30" presetID="42" presetClass="entr" presetSubtype="0" fill="hold" nodeType="withEffect">
+                                  <p:stCondLst>
+                                    <p:cond delay="0"/>
+                                  </p:stCondLst>
+                                  <p:childTnLst>
+                                    <p:set>
+                                      <p:cBhvr>
+                                        <p:cTn id="31" dur="1" fill="hold">
+                                          <p:stCondLst>
+                                            <p:cond delay="0"/>
+                                          </p:stCondLst>
+                                        </p:cTn>
+                                        <p:tgtEl>
+                                          <p:spTgt spid="2">
+                                            <p:txEl>
+                                              <p:pRg st="5" end="5"/>
+                                            </p:txEl>
+                                          </p:spTgt>
+                                        </p:tgtEl>
+                                        <p:attrNameLst>
+                                          <p:attrName>style.visibility</p:attrName>
+                                        </p:attrNameLst>
+                                      </p:cBhvr>
+                                      <p:to>
+                                        <p:strVal val="visible"/>
+                                      </p:to>
+                                    </p:set>
+                                    <p:animEffect transition="in" filter="fade">
+                                      <p:cBhvr>
+                                        <p:cTn id="32" dur="1000"/>
+                                        <p:tgtEl>
+                                          <p:spTgt spid="2">
+                                            <p:txEl>
+                                              <p:pRg st="5" end="5"/>
+                                            </p:txEl>
+                                          </p:spTgt>
+                                        </p:tgtEl>
+                                      </p:cBhvr>
+                                    </p:animEffect>
+                                    <p:anim calcmode="lin" valueType="num">
+                                      <p:cBhvr>
+                                        <p:cTn id="33" dur="1000" fill="hold"/>
+                                        <p:tgtEl>
+                                          <p:spTgt spid="2">
+                                            <p:txEl>
+                                              <p:pRg st="5" end="5"/>
+                                            </p:txEl>
+                                          </p:spTgt>
+                                        </p:tgtEl>
+                                        <p:attrNameLst>
+                                          <p:attrName>ppt_x</p:attrName>
+                                        </p:attrNameLst>
+                                      </p:cBhvr>
+                                      <p:tavLst>
+                                        <p:tav tm="0">
+                                          <p:val>
+                                            <p:strVal val="#ppt_x"/>
+                                          </p:val>
+                                        </p:tav>
+                                        <p:tav tm="100000">
+                                          <p:val>
+                                            <p:strVal val="#ppt_x"/>
+                                          </p:val>
+                                        </p:tav>
+                                      </p:tavLst>
+                                    </p:anim>
+                                    <p:anim calcmode="lin" valueType="num">
+                                      <p:cBhvr>
+                                        <p:cTn id="34" dur="1000" fill="hold"/>
+                                        <p:tgtEl>
+                                          <p:spTgt spid="2">
+                                            <p:txEl>
+                                              <p:pRg st="5" end="5"/>
+                                            </p:txEl>
+                                          </p:spTgt>
+                                        </p:tgtEl>
+                                        <p:attrNameLst>
+                                          <p:attrName>ppt_y</p:attrName>
+                                        </p:attrNameLst>
+                                      </p:cBhvr>
+                                      <p:tavLst>
+                                        <p:tav tm="0">
+                                          <p:val>
+                                            <p:strVal val="#ppt_y+.1"/>
+                                          </p:val>
+                                        </p:tav>
+                                        <p:tav tm="100000">
+                                          <p:val>
+                                            <p:strVal val="#ppt_y"/>
+                                          </p:val>
+                                        </p:tav>
+                                      </p:tavLst>
+                                    </p:anim>
+                                  </p:childTnLst>
+                                </p:cTn>
+                              </p:par>
+                              <p:par>
+                                <p:cTn id="35" presetID="42" presetClass="entr" presetSubtype="0" fill="hold" nodeType="withEffect">
+                                  <p:stCondLst>
+                                    <p:cond delay="0"/>
+                                  </p:stCondLst>
+                                  <p:childTnLst>
+                                    <p:set>
+                                      <p:cBhvr>
+                                        <p:cTn id="36" dur="1" fill="hold">
+                                          <p:stCondLst>
+                                            <p:cond delay="0"/>
+                                          </p:stCondLst>
+                                        </p:cTn>
+                                        <p:tgtEl>
+                                          <p:spTgt spid="2">
+                                            <p:txEl>
+                                              <p:pRg st="6" end="6"/>
+                                            </p:txEl>
+                                          </p:spTgt>
+                                        </p:tgtEl>
+                                        <p:attrNameLst>
+                                          <p:attrName>style.visibility</p:attrName>
+                                        </p:attrNameLst>
+                                      </p:cBhvr>
+                                      <p:to>
+                                        <p:strVal val="visible"/>
+                                      </p:to>
+                                    </p:set>
+                                    <p:animEffect transition="in" filter="fade">
+                                      <p:cBhvr>
+                                        <p:cTn id="37" dur="1000"/>
+                                        <p:tgtEl>
+                                          <p:spTgt spid="2">
+                                            <p:txEl>
+                                              <p:pRg st="6" end="6"/>
+                                            </p:txEl>
+                                          </p:spTgt>
+                                        </p:tgtEl>
+                                      </p:cBhvr>
+                                    </p:animEffect>
+                                    <p:anim calcmode="lin" valueType="num">
+                                      <p:cBhvr>
+                                        <p:cTn id="38" dur="1000" fill="hold"/>
+                                        <p:tgtEl>
+                                          <p:spTgt spid="2">
+                                            <p:txEl>
+                                              <p:pRg st="6" end="6"/>
+                                            </p:txEl>
+                                          </p:spTgt>
+                                        </p:tgtEl>
+                                        <p:attrNameLst>
+                                          <p:attrName>ppt_x</p:attrName>
+                                        </p:attrNameLst>
+                                      </p:cBhvr>
+                                      <p:tavLst>
+                                        <p:tav tm="0">
+                                          <p:val>
+                                            <p:strVal val="#ppt_x"/>
+                                          </p:val>
+                                        </p:tav>
+                                        <p:tav tm="100000">
+                                          <p:val>
+                                            <p:strVal val="#ppt_x"/>
+                                          </p:val>
+                                        </p:tav>
+                                      </p:tavLst>
+                                    </p:anim>
+                                    <p:anim calcmode="lin" valueType="num">
+                                      <p:cBhvr>
+                                        <p:cTn id="39" dur="1000" fill="hold"/>
+                                        <p:tgtEl>
+                                          <p:spTgt spid="2">
+                                            <p:txEl>
+                                              <p:pRg st="6" end="6"/>
+                                            </p:txEl>
+                                          </p:spTgt>
+                                        </p:tgtEl>
+                                        <p:attrNameLst>
+                                          <p:attrName>ppt_y</p:attrName>
+                                        </p:attrNameLst>
+                                      </p:cBhvr>
+                                      <p:tavLst>
+                                        <p:tav tm="0">
+                                          <p:val>
+                                            <p:strVal val="#ppt_y+.1"/>
+                                          </p:val>
+                                        </p:tav>
+                                        <p:tav tm="100000">
+                                          <p:val>
+                                            <p:strVal val="#ppt_y"/>
+                                          </p:val>
+                                        </p:tav>
+                                      </p:tavLst>
+                                    </p:anim>
+                                  </p:childTnLst>
+                                </p:cTn>
+                              </p:par>
+                              <p:par>
+                                <p:cTn id="40" presetID="42" presetClass="entr" presetSubtype="0" fill="hold" nodeType="withEffect">
+                                  <p:stCondLst>
+                                    <p:cond delay="0"/>
+                                  </p:stCondLst>
+                                  <p:childTnLst>
+                                    <p:set>
+                                      <p:cBhvr>
+                                        <p:cTn id="41" dur="1" fill="hold">
+                                          <p:stCondLst>
+                                            <p:cond delay="0"/>
+                                          </p:stCondLst>
+                                        </p:cTn>
+                                        <p:tgtEl>
+                                          <p:spTgt spid="2">
+                                            <p:txEl>
+                                              <p:pRg st="7" end="7"/>
+                                            </p:txEl>
+                                          </p:spTgt>
+                                        </p:tgtEl>
+                                        <p:attrNameLst>
+                                          <p:attrName>style.visibility</p:attrName>
+                                        </p:attrNameLst>
+                                      </p:cBhvr>
+                                      <p:to>
+                                        <p:strVal val="visible"/>
+                                      </p:to>
+                                    </p:set>
+                                    <p:animEffect transition="in" filter="fade">
+                                      <p:cBhvr>
+                                        <p:cTn id="42" dur="1000"/>
+                                        <p:tgtEl>
+                                          <p:spTgt spid="2">
+                                            <p:txEl>
+                                              <p:pRg st="7" end="7"/>
+                                            </p:txEl>
+                                          </p:spTgt>
+                                        </p:tgtEl>
+                                      </p:cBhvr>
+                                    </p:animEffect>
+                                    <p:anim calcmode="lin" valueType="num">
+                                      <p:cBhvr>
+                                        <p:cTn id="43" dur="1000" fill="hold"/>
+                                        <p:tgtEl>
+                                          <p:spTgt spid="2">
+                                            <p:txEl>
+                                              <p:pRg st="7" end="7"/>
+                                            </p:txEl>
+                                          </p:spTgt>
+                                        </p:tgtEl>
+                                        <p:attrNameLst>
+                                          <p:attrName>ppt_x</p:attrName>
+                                        </p:attrNameLst>
+                                      </p:cBhvr>
+                                      <p:tavLst>
+                                        <p:tav tm="0">
+                                          <p:val>
+                                            <p:strVal val="#ppt_x"/>
+                                          </p:val>
+                                        </p:tav>
+                                        <p:tav tm="100000">
+                                          <p:val>
+                                            <p:strVal val="#ppt_x"/>
+                                          </p:val>
+                                        </p:tav>
+                                      </p:tavLst>
+                                    </p:anim>
+                                    <p:anim calcmode="lin" valueType="num">
+                                      <p:cBhvr>
+                                        <p:cTn id="44" dur="1000" fill="hold"/>
+                                        <p:tgtEl>
+                                          <p:spTgt spid="2">
+                                            <p:txEl>
+                                              <p:pRg st="7" end="7"/>
+                                            </p:txEl>
+                                          </p:spTgt>
+                                        </p:tgtEl>
+                                        <p:attrNameLst>
+                                          <p:attrName>ppt_y</p:attrName>
+                                        </p:attrNameLst>
+                                      </p:cBhvr>
+                                      <p:tavLst>
+                                        <p:tav tm="0">
+                                          <p:val>
+                                            <p:strVal val="#ppt_y+.1"/>
+                                          </p:val>
+                                        </p:tav>
+                                        <p:tav tm="100000">
+                                          <p:val>
+                                            <p:strVal val="#ppt_y"/>
+                                          </p:val>
+                                        </p:tav>
+                                      </p:tavLst>
+                                    </p:anim>
+                                  </p:childTnLst>
+                                </p:cTn>
+                              </p:par>
+                            </p:childTnLst>
+                          </p:cTn>
+                        </p:par>
+                      </p:childTnLst>
+                    </p:cTn>
+                  </p:par>
+                  <p:par>
+                    <p:cTn id="45" fill="hold">
+                      <p:stCondLst>
+                        <p:cond delay="indefinite"/>
+                      </p:stCondLst>
+                      <p:childTnLst>
+                        <p:par>
+                          <p:cTn id="46" fill="hold">
+                            <p:stCondLst>
+                              <p:cond delay="0"/>
+                            </p:stCondLst>
+                            <p:childTnLst>
+                              <p:par>
+                                <p:cTn id="47" presetID="42" presetClass="entr" presetSubtype="0" fill="hold" nodeType="clickEffect">
+                                  <p:stCondLst>
+                                    <p:cond delay="0"/>
+                                  </p:stCondLst>
+                                  <p:childTnLst>
+                                    <p:set>
+                                      <p:cBhvr>
+                                        <p:cTn id="48" dur="1" fill="hold">
+                                          <p:stCondLst>
+                                            <p:cond delay="0"/>
+                                          </p:stCondLst>
+                                        </p:cTn>
+                                        <p:tgtEl>
+                                          <p:spTgt spid="2">
+                                            <p:txEl>
+                                              <p:pRg st="8" end="8"/>
+                                            </p:txEl>
+                                          </p:spTgt>
+                                        </p:tgtEl>
+                                        <p:attrNameLst>
+                                          <p:attrName>style.visibility</p:attrName>
+                                        </p:attrNameLst>
+                                      </p:cBhvr>
+                                      <p:to>
+                                        <p:strVal val="visible"/>
+                                      </p:to>
+                                    </p:set>
+                                    <p:animEffect transition="in" filter="fade">
+                                      <p:cBhvr>
+                                        <p:cTn id="49" dur="1000"/>
+                                        <p:tgtEl>
+                                          <p:spTgt spid="2">
+                                            <p:txEl>
+                                              <p:pRg st="8" end="8"/>
+                                            </p:txEl>
+                                          </p:spTgt>
+                                        </p:tgtEl>
+                                      </p:cBhvr>
+                                    </p:animEffect>
+                                    <p:anim calcmode="lin" valueType="num">
+                                      <p:cBhvr>
+                                        <p:cTn id="50" dur="1000" fill="hold"/>
+                                        <p:tgtEl>
+                                          <p:spTgt spid="2">
+                                            <p:txEl>
+                                              <p:pRg st="8" end="8"/>
+                                            </p:txEl>
+                                          </p:spTgt>
+                                        </p:tgtEl>
+                                        <p:attrNameLst>
+                                          <p:attrName>ppt_x</p:attrName>
+                                        </p:attrNameLst>
+                                      </p:cBhvr>
+                                      <p:tavLst>
+                                        <p:tav tm="0">
+                                          <p:val>
+                                            <p:strVal val="#ppt_x"/>
+                                          </p:val>
+                                        </p:tav>
+                                        <p:tav tm="100000">
+                                          <p:val>
+                                            <p:strVal val="#ppt_x"/>
+                                          </p:val>
+                                        </p:tav>
+                                      </p:tavLst>
+                                    </p:anim>
+                                    <p:anim calcmode="lin" valueType="num">
+                                      <p:cBhvr>
+                                        <p:cTn id="51" dur="1000" fill="hold"/>
+                                        <p:tgtEl>
+                                          <p:spTgt spid="2">
+                                            <p:txEl>
+                                              <p:pRg st="8" end="8"/>
+                                            </p:txEl>
+                                          </p:spTgt>
+                                        </p:tgtEl>
+                                        <p:attrNameLst>
+                                          <p:attrName>ppt_y</p:attrName>
+                                        </p:attrNameLst>
+                                      </p:cBhvr>
+                                      <p:tavLst>
+                                        <p:tav tm="0">
+                                          <p:val>
+                                            <p:strVal val="#ppt_y+.1"/>
+                                          </p:val>
+                                        </p:tav>
+                                        <p:tav tm="100000">
+                                          <p:val>
+                                            <p:strVal val="#ppt_y"/>
+                                          </p:val>
+                                        </p:tav>
+                                      </p:tavLst>
+                                    </p:anim>
+                                  </p:childTnLst>
+                                </p:cTn>
+                              </p:par>
+                              <p:par>
+                                <p:cTn id="52" presetID="42" presetClass="entr" presetSubtype="0" fill="hold" nodeType="withEffect">
+                                  <p:stCondLst>
+                                    <p:cond delay="0"/>
+                                  </p:stCondLst>
+                                  <p:childTnLst>
+                                    <p:set>
+                                      <p:cBhvr>
+                                        <p:cTn id="53" dur="1" fill="hold">
+                                          <p:stCondLst>
+                                            <p:cond delay="0"/>
+                                          </p:stCondLst>
+                                        </p:cTn>
+                                        <p:tgtEl>
+                                          <p:spTgt spid="2">
+                                            <p:txEl>
+                                              <p:pRg st="9" end="9"/>
+                                            </p:txEl>
+                                          </p:spTgt>
+                                        </p:tgtEl>
+                                        <p:attrNameLst>
+                                          <p:attrName>style.visibility</p:attrName>
+                                        </p:attrNameLst>
+                                      </p:cBhvr>
+                                      <p:to>
+                                        <p:strVal val="visible"/>
+                                      </p:to>
+                                    </p:set>
+                                    <p:animEffect transition="in" filter="fade">
+                                      <p:cBhvr>
+                                        <p:cTn id="54" dur="1000"/>
+                                        <p:tgtEl>
+                                          <p:spTgt spid="2">
+                                            <p:txEl>
+                                              <p:pRg st="9" end="9"/>
+                                            </p:txEl>
+                                          </p:spTgt>
+                                        </p:tgtEl>
+                                      </p:cBhvr>
+                                    </p:animEffect>
+                                    <p:anim calcmode="lin" valueType="num">
+                                      <p:cBhvr>
+                                        <p:cTn id="55" dur="1000" fill="hold"/>
+                                        <p:tgtEl>
+                                          <p:spTgt spid="2">
+                                            <p:txEl>
+                                              <p:pRg st="9" end="9"/>
+                                            </p:txEl>
+                                          </p:spTgt>
+                                        </p:tgtEl>
+                                        <p:attrNameLst>
+                                          <p:attrName>ppt_x</p:attrName>
+                                        </p:attrNameLst>
+                                      </p:cBhvr>
+                                      <p:tavLst>
+                                        <p:tav tm="0">
+                                          <p:val>
+                                            <p:strVal val="#ppt_x"/>
+                                          </p:val>
+                                        </p:tav>
+                                        <p:tav tm="100000">
+                                          <p:val>
+                                            <p:strVal val="#ppt_x"/>
+                                          </p:val>
+                                        </p:tav>
+                                      </p:tavLst>
+                                    </p:anim>
+                                    <p:anim calcmode="lin" valueType="num">
+                                      <p:cBhvr>
+                                        <p:cTn id="56" dur="1000" fill="hold"/>
+                                        <p:tgtEl>
+                                          <p:spTgt spid="2">
+                                            <p:txEl>
+                                              <p:pRg st="9" end="9"/>
+                                            </p:txEl>
+                                          </p:spTgt>
+                                        </p:tgtEl>
+                                        <p:attrNameLst>
+                                          <p:attrName>ppt_y</p:attrName>
+                                        </p:attrNameLst>
+                                      </p:cBhvr>
+                                      <p:tavLst>
+                                        <p:tav tm="0">
+                                          <p:val>
+                                            <p:strVal val="#ppt_y+.1"/>
+                                          </p:val>
+                                        </p:tav>
+                                        <p:tav tm="100000">
+                                          <p:val>
+                                            <p:strVal val="#ppt_y"/>
+                                          </p:val>
+                                        </p:tav>
+                                      </p:tavLst>
+                                    </p:anim>
+                                  </p:childTnLst>
+                                </p:cTn>
+                              </p:par>
+                              <p:par>
+                                <p:cTn id="57" presetID="42" presetClass="entr" presetSubtype="0" fill="hold" nodeType="withEffect">
+                                  <p:stCondLst>
+                                    <p:cond delay="0"/>
+                                  </p:stCondLst>
+                                  <p:childTnLst>
+                                    <p:set>
+                                      <p:cBhvr>
+                                        <p:cTn id="58" dur="1" fill="hold">
+                                          <p:stCondLst>
+                                            <p:cond delay="0"/>
+                                          </p:stCondLst>
+                                        </p:cTn>
+                                        <p:tgtEl>
+                                          <p:spTgt spid="2">
+                                            <p:txEl>
+                                              <p:pRg st="10" end="10"/>
+                                            </p:txEl>
+                                          </p:spTgt>
+                                        </p:tgtEl>
+                                        <p:attrNameLst>
+                                          <p:attrName>style.visibility</p:attrName>
+                                        </p:attrNameLst>
+                                      </p:cBhvr>
+                                      <p:to>
+                                        <p:strVal val="visible"/>
+                                      </p:to>
+                                    </p:set>
+                                    <p:animEffect transition="in" filter="fade">
+                                      <p:cBhvr>
+                                        <p:cTn id="59" dur="1000"/>
+                                        <p:tgtEl>
+                                          <p:spTgt spid="2">
+                                            <p:txEl>
+                                              <p:pRg st="10" end="10"/>
+                                            </p:txEl>
+                                          </p:spTgt>
+                                        </p:tgtEl>
+                                      </p:cBhvr>
+                                    </p:animEffect>
+                                    <p:anim calcmode="lin" valueType="num">
+                                      <p:cBhvr>
+                                        <p:cTn id="60" dur="1000" fill="hold"/>
+                                        <p:tgtEl>
+                                          <p:spTgt spid="2">
+                                            <p:txEl>
+                                              <p:pRg st="10" end="10"/>
+                                            </p:txEl>
+                                          </p:spTgt>
+                                        </p:tgtEl>
+                                        <p:attrNameLst>
+                                          <p:attrName>ppt_x</p:attrName>
+                                        </p:attrNameLst>
+                                      </p:cBhvr>
+                                      <p:tavLst>
+                                        <p:tav tm="0">
+                                          <p:val>
+                                            <p:strVal val="#ppt_x"/>
+                                          </p:val>
+                                        </p:tav>
+                                        <p:tav tm="100000">
+                                          <p:val>
+                                            <p:strVal val="#ppt_x"/>
+                                          </p:val>
+                                        </p:tav>
+                                      </p:tavLst>
+                                    </p:anim>
+                                    <p:anim calcmode="lin" valueType="num">
+                                      <p:cBhvr>
+                                        <p:cTn id="61" dur="1000" fill="hold"/>
+                                        <p:tgtEl>
+                                          <p:spTgt spid="2">
+                                            <p:txEl>
+                                              <p:pRg st="10" end="10"/>
+                                            </p:txEl>
+                                          </p:spTgt>
+                                        </p:tgtEl>
+                                        <p:attrNameLst>
+                                          <p:attrName>ppt_y</p:attrName>
+                                        </p:attrNameLst>
+                                      </p:cBhvr>
+                                      <p:tavLst>
+                                        <p:tav tm="0">
+                                          <p:val>
+                                            <p:strVal val="#ppt_y+.1"/>
+                                          </p:val>
+                                        </p:tav>
+                                        <p:tav tm="100000">
+                                          <p:val>
+                                            <p:strVal val="#ppt_y"/>
+                                          </p:val>
+                                        </p:tav>
+                                      </p:tavLst>
+                                    </p:anim>
+                                  </p:childTnLst>
+                                </p:cTn>
+                              </p:par>
+                            </p:childTnLst>
+                          </p:cTn>
+                        </p:par>
+                      </p:childTnLst>
+                    </p:cTn>
+                  </p:par>
+                  <p:par>
+                    <p:cTn id="62" fill="hold">
+                      <p:stCondLst>
+                        <p:cond delay="indefinite"/>
+                      </p:stCondLst>
+                      <p:childTnLst>
+                        <p:par>
+                          <p:cTn id="63" fill="hold">
+                            <p:stCondLst>
+                              <p:cond delay="0"/>
+                            </p:stCondLst>
+                            <p:childTnLst>
+                              <p:par>
+                                <p:cTn id="64" presetID="42" presetClass="entr" presetSubtype="0" fill="hold" nodeType="clickEffect">
+                                  <p:stCondLst>
+                                    <p:cond delay="0"/>
+                                  </p:stCondLst>
+                                  <p:childTnLst>
+                                    <p:set>
+                                      <p:cBhvr>
+                                        <p:cTn id="65" dur="1" fill="hold">
+                                          <p:stCondLst>
+                                            <p:cond delay="0"/>
+                                          </p:stCondLst>
+                                        </p:cTn>
+                                        <p:tgtEl>
+                                          <p:spTgt spid="2">
+                                            <p:txEl>
+                                              <p:pRg st="11" end="11"/>
+                                            </p:txEl>
+                                          </p:spTgt>
+                                        </p:tgtEl>
+                                        <p:attrNameLst>
+                                          <p:attrName>style.visibility</p:attrName>
+                                        </p:attrNameLst>
+                                      </p:cBhvr>
+                                      <p:to>
+                                        <p:strVal val="visible"/>
+                                      </p:to>
+                                    </p:set>
+                                    <p:animEffect transition="in" filter="fade">
+                                      <p:cBhvr>
+                                        <p:cTn id="66" dur="1000"/>
+                                        <p:tgtEl>
+                                          <p:spTgt spid="2">
+                                            <p:txEl>
+                                              <p:pRg st="11" end="11"/>
+                                            </p:txEl>
+                                          </p:spTgt>
+                                        </p:tgtEl>
+                                      </p:cBhvr>
+                                    </p:animEffect>
+                                    <p:anim calcmode="lin" valueType="num">
+                                      <p:cBhvr>
+                                        <p:cTn id="67" dur="1000" fill="hold"/>
+                                        <p:tgtEl>
+                                          <p:spTgt spid="2">
+                                            <p:txEl>
+                                              <p:pRg st="11" end="11"/>
+                                            </p:txEl>
+                                          </p:spTgt>
+                                        </p:tgtEl>
+                                        <p:attrNameLst>
+                                          <p:attrName>ppt_x</p:attrName>
+                                        </p:attrNameLst>
+                                      </p:cBhvr>
+                                      <p:tavLst>
+                                        <p:tav tm="0">
+                                          <p:val>
+                                            <p:strVal val="#ppt_x"/>
+                                          </p:val>
+                                        </p:tav>
+                                        <p:tav tm="100000">
+                                          <p:val>
+                                            <p:strVal val="#ppt_x"/>
+                                          </p:val>
+                                        </p:tav>
+                                      </p:tavLst>
+                                    </p:anim>
+                                    <p:anim calcmode="lin" valueType="num">
+                                      <p:cBhvr>
+                                        <p:cTn id="68" dur="1000" fill="hold"/>
+                                        <p:tgtEl>
+                                          <p:spTgt spid="2">
+                                            <p:txEl>
+                                              <p:pRg st="11" end="11"/>
+                                            </p:txEl>
+                                          </p:spTgt>
+                                        </p:tgtEl>
+                                        <p:attrNameLst>
+                                          <p:attrName>ppt_y</p:attrName>
+                                        </p:attrNameLst>
+                                      </p:cBhvr>
+                                      <p:tavLst>
+                                        <p:tav tm="0">
+                                          <p:val>
+                                            <p:strVal val="#ppt_y+.1"/>
+                                          </p:val>
+                                        </p:tav>
+                                        <p:tav tm="100000">
+                                          <p:val>
+                                            <p:strVal val="#ppt_y"/>
+                                          </p:val>
+                                        </p:tav>
+                                      </p:tavLst>
+                                    </p:anim>
+                                  </p:childTnLst>
+                                </p:cTn>
+                              </p:par>
+                            </p:childTnLst>
+                          </p:cTn>
+                        </p:par>
+                      </p:childTnLst>
+                    </p:cTn>
+                  </p:par>
+                </p:childTnLst>
+              </p:cTn>
+              <p:prevCondLst>
+                <p:cond evt="onPrev" delay="0">
+                  <p:tgtEl>
+                    <p:sldTgt/>
+                  </p:tgtEl>
+                </p:cond>
+              </p:prevCondLst>
+              <p:nextCondLst>
+                <p:cond evt="onNext" delay="0">
+                  <p:tgtEl>
+                    <p:sldTgt/>
+                  </p:tgtEl>
+                </p:cond>
+              </p:nextCondLst>
+            </p:seq>
+          </p:childTnLst>
+        </p:cTn>
       </p:par>
     </p:tnLst>
   </p:timing>

--- a/VM524/PROJ/report.pptx
+++ b/VM524/PROJ/report.pptx
@@ -9837,6 +9837,18 @@
                       </m:sub>
                     </m:sSub>
                     <m:r>
+                      <a:rPr lang="en-US" altLang="zh-CN" i="1" smtClean="0">
+                        <a:solidFill>
+                          <a:srgbClr val="000000">
+                            <a:lumMod val="75000"/>
+                            <a:lumOff val="25000"/>
+                          </a:srgbClr>
+                        </a:solidFill>
+                        <a:latin typeface="Cambria Math" panose="02040503050406030204" pitchFamily="18" charset="0"/>
+                      </a:rPr>
+                      <m:t>&lt;</m:t>
+                    </m:r>
+                    <m:r>
                       <a:rPr lang="en-US" altLang="zh-CN" i="1">
                         <a:solidFill>
                           <a:srgbClr val="000000">
@@ -9846,7 +9858,7 @@
                         </a:solidFill>
                         <a:latin typeface="Cambria Math" panose="02040503050406030204" pitchFamily="18" charset="0"/>
                       </a:rPr>
-                      <m:t>&lt;500</m:t>
+                      <m:t>500</m:t>
                     </m:r>
                   </m:oMath>
                 </a14:m>
@@ -13365,8 +13377,8 @@
           </a:p>
         </p:txBody>
       </p:sp>
-      <mc:AlternateContent xmlns:mc="http://schemas.openxmlformats.org/markup-compatibility/2006">
-        <mc:Choice xmlns:a14="http://schemas.microsoft.com/office/drawing/2010/main" Requires="a14">
+      <mc:AlternateContent xmlns:mc="http://schemas.openxmlformats.org/markup-compatibility/2006" xmlns:a14="http://schemas.microsoft.com/office/drawing/2010/main">
+        <mc:Choice Requires="a14">
           <p:sp>
             <p:nvSpPr>
               <p:cNvPr id="3" name="文本框 2"/>
@@ -13418,7 +13430,7 @@
                     <m:d>
                       <m:dPr>
                         <m:ctrlPr>
-                          <a:rPr lang="en-US" altLang="zh-CN" b="0" smtClean="0">
+                          <a:rPr lang="en-US" altLang="zh-CN" b="0" i="1" smtClean="0">
                             <a:solidFill>
                               <a:srgbClr val="FF0000"/>
                             </a:solidFill>
@@ -13430,7 +13442,7 @@
                         <m:sSub>
                           <m:sSubPr>
                             <m:ctrlPr>
-                              <a:rPr lang="en-US" altLang="zh-CN" b="0" smtClean="0">
+                              <a:rPr lang="en-US" altLang="zh-CN" b="0" i="1" smtClean="0">
                                 <a:solidFill>
                                   <a:srgbClr val="FF0000"/>
                                 </a:solidFill>
@@ -13575,7 +13587,7 @@
             </p:txBody>
           </p:sp>
         </mc:Choice>
-        <mc:Fallback>
+        <mc:Fallback xmlns="">
           <p:sp>
             <p:nvSpPr>
               <p:cNvPr id="3" name="文本框 2"/>
@@ -13614,8 +13626,8 @@
           </p:sp>
         </mc:Fallback>
       </mc:AlternateContent>
-      <mc:AlternateContent xmlns:mc="http://schemas.openxmlformats.org/markup-compatibility/2006">
-        <mc:Choice xmlns:a14="http://schemas.microsoft.com/office/drawing/2010/main" Requires="a14">
+      <mc:AlternateContent xmlns:mc="http://schemas.openxmlformats.org/markup-compatibility/2006" xmlns:a14="http://schemas.microsoft.com/office/drawing/2010/main">
+        <mc:Choice Requires="a14">
           <p:sp>
             <p:nvSpPr>
               <p:cNvPr id="6" name="矩形 5"/>
@@ -13843,7 +13855,7 @@
             </p:txBody>
           </p:sp>
         </mc:Choice>
-        <mc:Fallback>
+        <mc:Fallback xmlns="">
           <p:sp>
             <p:nvSpPr>
               <p:cNvPr id="6" name="矩形 5"/>
@@ -14102,8 +14114,8 @@
           </a:p>
         </p:txBody>
       </p:sp>
-      <mc:AlternateContent xmlns:mc="http://schemas.openxmlformats.org/markup-compatibility/2006">
-        <mc:Choice xmlns:a14="http://schemas.microsoft.com/office/drawing/2010/main" Requires="a14">
+      <mc:AlternateContent xmlns:mc="http://schemas.openxmlformats.org/markup-compatibility/2006" xmlns:a14="http://schemas.microsoft.com/office/drawing/2010/main">
+        <mc:Choice Requires="a14">
           <p:sp>
             <p:nvSpPr>
               <p:cNvPr id="16" name="文本框 15"/>
@@ -14198,7 +14210,7 @@
             </p:txBody>
           </p:sp>
         </mc:Choice>
-        <mc:Fallback>
+        <mc:Fallback xmlns="">
           <p:sp>
             <p:nvSpPr>
               <p:cNvPr id="16" name="文本框 15"/>
@@ -15879,8 +15891,8 @@
           </a:prstGeom>
         </p:spPr>
       </p:pic>
-      <mc:AlternateContent xmlns:mc="http://schemas.openxmlformats.org/markup-compatibility/2006">
-        <mc:Choice xmlns:a14="http://schemas.microsoft.com/office/drawing/2010/main" Requires="a14">
+      <mc:AlternateContent xmlns:mc="http://schemas.openxmlformats.org/markup-compatibility/2006" xmlns:a14="http://schemas.microsoft.com/office/drawing/2010/main">
+        <mc:Choice Requires="a14">
           <p:sp>
             <p:nvSpPr>
               <p:cNvPr id="8" name="文本框 7"/>
@@ -16346,7 +16358,7 @@
             </p:txBody>
           </p:sp>
         </mc:Choice>
-        <mc:Fallback>
+        <mc:Fallback xmlns="">
           <p:sp>
             <p:nvSpPr>
               <p:cNvPr id="8" name="文本框 7"/>
@@ -16448,8 +16460,8 @@
           </a:p>
         </p:txBody>
       </p:sp>
-      <mc:AlternateContent xmlns:mc="http://schemas.openxmlformats.org/markup-compatibility/2006">
-        <mc:Choice xmlns:a14="http://schemas.microsoft.com/office/drawing/2010/main" Requires="a14">
+      <mc:AlternateContent xmlns:mc="http://schemas.openxmlformats.org/markup-compatibility/2006" xmlns:a14="http://schemas.microsoft.com/office/drawing/2010/main">
+        <mc:Choice Requires="a14">
           <p:sp>
             <p:nvSpPr>
               <p:cNvPr id="13" name="文本框 12"/>
@@ -16800,7 +16812,7 @@
             </p:txBody>
           </p:sp>
         </mc:Choice>
-        <mc:Fallback>
+        <mc:Fallback xmlns="">
           <p:sp>
             <p:nvSpPr>
               <p:cNvPr id="13" name="文本框 12"/>
@@ -17023,8 +17035,8 @@
           </a:p>
         </p:txBody>
       </p:sp>
-      <mc:AlternateContent xmlns:mc="http://schemas.openxmlformats.org/markup-compatibility/2006">
-        <mc:Choice xmlns:a14="http://schemas.microsoft.com/office/drawing/2010/main" Requires="a14">
+      <mc:AlternateContent xmlns:mc="http://schemas.openxmlformats.org/markup-compatibility/2006" xmlns:a14="http://schemas.microsoft.com/office/drawing/2010/main">
+        <mc:Choice Requires="a14">
           <p:sp>
             <p:nvSpPr>
               <p:cNvPr id="19" name="文本框 18"/>
@@ -17225,7 +17237,7 @@
             </p:txBody>
           </p:sp>
         </mc:Choice>
-        <mc:Fallback>
+        <mc:Fallback xmlns="">
           <p:sp>
             <p:nvSpPr>
               <p:cNvPr id="19" name="文本框 18"/>
@@ -19007,7 +19019,6 @@
                   <a:rPr lang="en-US" altLang="zh-CN" sz="1600" dirty="0" smtClean="0"/>
                   <a:t>;</a:t>
                 </a:r>
-                <a:endParaRPr lang="en-US" altLang="zh-CN" sz="1600" dirty="0" smtClean="0"/>
               </a:p>
               <a:p>
                 <a:pPr marL="468630" lvl="2" indent="-285750">
@@ -19064,7 +19075,6 @@
                   <a:rPr lang="en-US" altLang="zh-CN" sz="1800" dirty="0" smtClean="0"/>
                   <a:t>:</a:t>
                 </a:r>
-                <a:endParaRPr lang="en-US" altLang="zh-CN" sz="1800" dirty="0" smtClean="0"/>
               </a:p>
               <a:p>
                 <a:pPr marL="365760" lvl="3" indent="0">
@@ -19194,12 +19204,13 @@
                 </a:r>
                 <a:r>
                   <a:rPr lang="en-US" altLang="zh-CN" sz="1700" dirty="0"/>
-                  <a:t>be used to study intermediate Re </a:t>
+                  <a:t>be used to study </a:t>
                 </a:r>
                 <a:r>
                   <a:rPr lang="en-US" altLang="zh-CN" sz="1700" dirty="0" smtClean="0"/>
-                  <a:t>flow;</a:t>
+                  <a:t>flow of intermediate Re;</a:t>
                 </a:r>
+                <a:endParaRPr lang="en-US" altLang="zh-CN" sz="1700" dirty="0" smtClean="0"/>
               </a:p>
               <a:p>
                 <a:pPr lvl="1"/>
